--- a/incquery-deps-documentation/presentation/tdk_pres_hu_v3.pptx
+++ b/incquery-deps-documentation/presentation/tdk_pres_hu_v3.pptx
@@ -448,226 +448,6 @@
             </a:pPr>
             <a:r>
               <a:rPr lang="hu-HU" sz="2000" baseline="0" dirty="0" smtClean="0"/>
-              <a:t>Inicializálási idő</a:t>
-            </a:r>
-            <a:endParaRPr lang="en-US" sz="2000" dirty="0"/>
-          </a:p>
-        </c:rich>
-      </c:tx>
-      <c:layout/>
-      <c:overlay val="0"/>
-    </c:title>
-    <c:autoTitleDeleted val="0"/>
-    <c:plotArea>
-      <c:layout/>
-      <c:lineChart>
-        <c:grouping val="standard"/>
-        <c:varyColors val="0"/>
-        <c:ser>
-          <c:idx val="0"/>
-          <c:order val="0"/>
-          <c:tx>
-            <c:strRef>
-              <c:f>Sheet1!$B$5</c:f>
-              <c:strCache>
-                <c:ptCount val="1"/>
-                <c:pt idx="0">
-                  <c:v>Startup time</c:v>
-                </c:pt>
-              </c:strCache>
-            </c:strRef>
-          </c:tx>
-          <c:cat>
-            <c:numRef>
-              <c:f>Sheet1!$C$2:$F$2</c:f>
-              <c:numCache>
-                <c:formatCode>General</c:formatCode>
-                <c:ptCount val="4"/>
-                <c:pt idx="0">
-                  <c:v>100.0</c:v>
-                </c:pt>
-                <c:pt idx="1">
-                  <c:v>200.0</c:v>
-                </c:pt>
-                <c:pt idx="2">
-                  <c:v>300.0</c:v>
-                </c:pt>
-                <c:pt idx="3">
-                  <c:v>400.0</c:v>
-                </c:pt>
-              </c:numCache>
-            </c:numRef>
-          </c:cat>
-          <c:val>
-            <c:numRef>
-              <c:f>Sheet1!$C$5:$F$5</c:f>
-              <c:numCache>
-                <c:formatCode>General</c:formatCode>
-                <c:ptCount val="4"/>
-                <c:pt idx="0">
-                  <c:v>7.0</c:v>
-                </c:pt>
-                <c:pt idx="1">
-                  <c:v>13.0</c:v>
-                </c:pt>
-                <c:pt idx="2">
-                  <c:v>28.0</c:v>
-                </c:pt>
-                <c:pt idx="3">
-                  <c:v>52.0</c:v>
-                </c:pt>
-              </c:numCache>
-            </c:numRef>
-          </c:val>
-          <c:smooth val="0"/>
-        </c:ser>
-        <c:dLbls>
-          <c:showLegendKey val="0"/>
-          <c:showVal val="0"/>
-          <c:showCatName val="0"/>
-          <c:showSerName val="0"/>
-          <c:showPercent val="0"/>
-          <c:showBubbleSize val="0"/>
-        </c:dLbls>
-        <c:marker val="1"/>
-        <c:smooth val="0"/>
-        <c:axId val="-2122037240"/>
-        <c:axId val="-2122043048"/>
-      </c:lineChart>
-      <c:catAx>
-        <c:axId val="-2122037240"/>
-        <c:scaling>
-          <c:orientation val="minMax"/>
-        </c:scaling>
-        <c:delete val="0"/>
-        <c:axPos val="b"/>
-        <c:title>
-          <c:tx>
-            <c:rich>
-              <a:bodyPr/>
-              <a:lstStyle/>
-              <a:p>
-                <a:pPr>
-                  <a:defRPr sz="1600"/>
-                </a:pPr>
-                <a:r>
-                  <a:rPr lang="hu-HU" sz="1600" dirty="0" smtClean="0"/>
-                  <a:t>Betöltött projektek</a:t>
-                </a:r>
-                <a:r>
-                  <a:rPr lang="hu-HU" sz="1600" baseline="0" dirty="0" smtClean="0"/>
-                  <a:t> száma</a:t>
-                </a:r>
-                <a:endParaRPr lang="en-US" sz="1600" dirty="0"/>
-              </a:p>
-            </c:rich>
-          </c:tx>
-          <c:layout/>
-          <c:overlay val="0"/>
-        </c:title>
-        <c:numFmt formatCode="General" sourceLinked="1"/>
-        <c:majorTickMark val="out"/>
-        <c:minorTickMark val="none"/>
-        <c:tickLblPos val="nextTo"/>
-        <c:txPr>
-          <a:bodyPr/>
-          <a:lstStyle/>
-          <a:p>
-            <a:pPr>
-              <a:defRPr sz="1600"/>
-            </a:pPr>
-            <a:endParaRPr lang="en-US"/>
-          </a:p>
-        </c:txPr>
-        <c:crossAx val="-2122043048"/>
-        <c:crosses val="autoZero"/>
-        <c:auto val="1"/>
-        <c:lblAlgn val="ctr"/>
-        <c:lblOffset val="100"/>
-        <c:noMultiLvlLbl val="0"/>
-      </c:catAx>
-      <c:valAx>
-        <c:axId val="-2122043048"/>
-        <c:scaling>
-          <c:orientation val="minMax"/>
-        </c:scaling>
-        <c:delete val="0"/>
-        <c:axPos val="l"/>
-        <c:majorGridlines/>
-        <c:title>
-          <c:tx>
-            <c:rich>
-              <a:bodyPr rot="-5400000" vert="horz"/>
-              <a:lstStyle/>
-              <a:p>
-                <a:pPr>
-                  <a:defRPr sz="1600"/>
-                </a:pPr>
-                <a:r>
-                  <a:rPr lang="hu-HU" sz="1600" dirty="0" smtClean="0"/>
-                  <a:t>sec</a:t>
-                </a:r>
-                <a:endParaRPr lang="en-US" sz="1600" dirty="0"/>
-              </a:p>
-            </c:rich>
-          </c:tx>
-          <c:layout/>
-          <c:overlay val="0"/>
-        </c:title>
-        <c:numFmt formatCode="General" sourceLinked="1"/>
-        <c:majorTickMark val="out"/>
-        <c:minorTickMark val="none"/>
-        <c:tickLblPos val="nextTo"/>
-        <c:txPr>
-          <a:bodyPr/>
-          <a:lstStyle/>
-          <a:p>
-            <a:pPr>
-              <a:defRPr sz="1600"/>
-            </a:pPr>
-            <a:endParaRPr lang="en-US"/>
-          </a:p>
-        </c:txPr>
-        <c:crossAx val="-2122037240"/>
-        <c:crosses val="autoZero"/>
-        <c:crossBetween val="between"/>
-      </c:valAx>
-    </c:plotArea>
-    <c:plotVisOnly val="1"/>
-    <c:dispBlanksAs val="gap"/>
-    <c:showDLblsOverMax val="0"/>
-  </c:chart>
-  <c:externalData r:id="rId1">
-    <c:autoUpdate val="0"/>
-  </c:externalData>
-</c:chartSpace>
-</file>
-
-<file path=ppt/charts/chart3.xml><?xml version="1.0" encoding="utf-8"?>
-<c:chartSpace xmlns:c="http://schemas.openxmlformats.org/drawingml/2006/chart" xmlns:a="http://schemas.openxmlformats.org/drawingml/2006/main" xmlns:r="http://schemas.openxmlformats.org/officeDocument/2006/relationships">
-  <c:date1904 val="0"/>
-  <c:lang val="en-US"/>
-  <c:roundedCorners val="0"/>
-  <mc:AlternateContent xmlns:mc="http://schemas.openxmlformats.org/markup-compatibility/2006">
-    <mc:Choice xmlns:c14="http://schemas.microsoft.com/office/drawing/2007/8/2/chart" Requires="c14">
-      <c14:style val="102"/>
-    </mc:Choice>
-    <mc:Fallback>
-      <c:style val="2"/>
-    </mc:Fallback>
-  </mc:AlternateContent>
-  <c:chart>
-    <c:title>
-      <c:tx>
-        <c:rich>
-          <a:bodyPr/>
-          <a:lstStyle/>
-          <a:p>
-            <a:pPr>
-              <a:defRPr sz="2000"/>
-            </a:pPr>
-            <a:r>
-              <a:rPr lang="hu-HU" sz="2000" baseline="0" dirty="0" smtClean="0"/>
               <a:t>Teljes memóriafoglalás</a:t>
             </a:r>
             <a:endParaRPr lang="en-US" sz="2000" dirty="0"/>
@@ -849,6 +629,234 @@
           </a:p>
         </c:txPr>
         <c:crossAx val="-2122069720"/>
+        <c:crosses val="autoZero"/>
+        <c:crossBetween val="between"/>
+      </c:valAx>
+    </c:plotArea>
+    <c:plotVisOnly val="1"/>
+    <c:dispBlanksAs val="gap"/>
+    <c:showDLblsOverMax val="0"/>
+  </c:chart>
+  <c:externalData r:id="rId1">
+    <c:autoUpdate val="0"/>
+  </c:externalData>
+</c:chartSpace>
+</file>
+
+<file path=ppt/charts/chart3.xml><?xml version="1.0" encoding="utf-8"?>
+<c:chartSpace xmlns:c="http://schemas.openxmlformats.org/drawingml/2006/chart" xmlns:a="http://schemas.openxmlformats.org/drawingml/2006/main" xmlns:r="http://schemas.openxmlformats.org/officeDocument/2006/relationships">
+  <c:date1904 val="0"/>
+  <c:lang val="en-US"/>
+  <c:roundedCorners val="0"/>
+  <mc:AlternateContent xmlns:mc="http://schemas.openxmlformats.org/markup-compatibility/2006">
+    <mc:Choice xmlns:c14="http://schemas.microsoft.com/office/drawing/2007/8/2/chart" Requires="c14">
+      <c14:style val="102"/>
+    </mc:Choice>
+    <mc:Fallback>
+      <c:style val="2"/>
+    </mc:Fallback>
+  </mc:AlternateContent>
+  <c:chart>
+    <c:title>
+      <c:tx>
+        <c:rich>
+          <a:bodyPr/>
+          <a:lstStyle/>
+          <a:p>
+            <a:pPr>
+              <a:defRPr sz="2000"/>
+            </a:pPr>
+            <a:r>
+              <a:rPr lang="hu-HU" sz="2000" baseline="0" dirty="0" smtClean="0"/>
+              <a:t>Inicializálási idő</a:t>
+            </a:r>
+            <a:endParaRPr lang="en-US" sz="2000" dirty="0"/>
+          </a:p>
+        </c:rich>
+      </c:tx>
+      <c:layout/>
+      <c:overlay val="0"/>
+    </c:title>
+    <c:autoTitleDeleted val="0"/>
+    <c:plotArea>
+      <c:layout/>
+      <c:lineChart>
+        <c:grouping val="standard"/>
+        <c:varyColors val="0"/>
+        <c:ser>
+          <c:idx val="0"/>
+          <c:order val="0"/>
+          <c:tx>
+            <c:strRef>
+              <c:f>Sheet1!$B$5</c:f>
+              <c:strCache>
+                <c:ptCount val="1"/>
+                <c:pt idx="0">
+                  <c:v>Startup time</c:v>
+                </c:pt>
+              </c:strCache>
+            </c:strRef>
+          </c:tx>
+          <c:cat>
+            <c:numRef>
+              <c:f>Sheet1!$C$2:$F$2</c:f>
+              <c:numCache>
+                <c:formatCode>General</c:formatCode>
+                <c:ptCount val="4"/>
+                <c:pt idx="0">
+                  <c:v>100.0</c:v>
+                </c:pt>
+                <c:pt idx="1">
+                  <c:v>200.0</c:v>
+                </c:pt>
+                <c:pt idx="2">
+                  <c:v>300.0</c:v>
+                </c:pt>
+                <c:pt idx="3">
+                  <c:v>400.0</c:v>
+                </c:pt>
+              </c:numCache>
+            </c:numRef>
+          </c:cat>
+          <c:val>
+            <c:numRef>
+              <c:f>Sheet1!$C$5:$F$5</c:f>
+              <c:numCache>
+                <c:formatCode>General</c:formatCode>
+                <c:ptCount val="4"/>
+                <c:pt idx="0">
+                  <c:v>7.0</c:v>
+                </c:pt>
+                <c:pt idx="1">
+                  <c:v>13.0</c:v>
+                </c:pt>
+                <c:pt idx="2">
+                  <c:v>28.0</c:v>
+                </c:pt>
+                <c:pt idx="3">
+                  <c:v>52.0</c:v>
+                </c:pt>
+              </c:numCache>
+            </c:numRef>
+          </c:val>
+          <c:smooth val="0"/>
+        </c:ser>
+        <c:dLbls>
+          <c:showLegendKey val="0"/>
+          <c:showVal val="0"/>
+          <c:showCatName val="0"/>
+          <c:showSerName val="0"/>
+          <c:showPercent val="0"/>
+          <c:showBubbleSize val="0"/>
+        </c:dLbls>
+        <c:marker val="1"/>
+        <c:smooth val="0"/>
+        <c:axId val="-2122037240"/>
+        <c:axId val="-2122043048"/>
+      </c:lineChart>
+      <c:catAx>
+        <c:axId val="-2122037240"/>
+        <c:scaling>
+          <c:orientation val="minMax"/>
+        </c:scaling>
+        <c:delete val="0"/>
+        <c:axPos val="b"/>
+        <c:title>
+          <c:tx>
+            <c:rich>
+              <a:bodyPr/>
+              <a:lstStyle/>
+              <a:p>
+                <a:pPr>
+                  <a:defRPr sz="1600"/>
+                </a:pPr>
+                <a:r>
+                  <a:rPr lang="hu-HU" sz="1600" dirty="0" smtClean="0"/>
+                  <a:t>Betöltött </a:t>
+                </a:r>
+                <a:r>
+                  <a:rPr lang="hu-HU" sz="1600" dirty="0" smtClean="0"/>
+                  <a:t>projektek</a:t>
+                </a:r>
+                <a:r>
+                  <a:rPr lang="hu-HU" sz="1600" baseline="0" dirty="0" smtClean="0"/>
+                  <a:t> </a:t>
+                </a:r>
+                <a:r>
+                  <a:rPr lang="hu-HU" sz="1600" baseline="0" dirty="0" smtClean="0"/>
+                  <a:t>száma</a:t>
+                </a:r>
+                <a:endParaRPr lang="en-US" sz="1600" dirty="0"/>
+              </a:p>
+            </c:rich>
+          </c:tx>
+          <c:layout/>
+          <c:overlay val="0"/>
+        </c:title>
+        <c:numFmt formatCode="General" sourceLinked="1"/>
+        <c:majorTickMark val="out"/>
+        <c:minorTickMark val="none"/>
+        <c:tickLblPos val="nextTo"/>
+        <c:txPr>
+          <a:bodyPr/>
+          <a:lstStyle/>
+          <a:p>
+            <a:pPr>
+              <a:defRPr sz="1600"/>
+            </a:pPr>
+            <a:endParaRPr lang="en-US"/>
+          </a:p>
+        </c:txPr>
+        <c:crossAx val="-2122043048"/>
+        <c:crosses val="autoZero"/>
+        <c:auto val="1"/>
+        <c:lblAlgn val="ctr"/>
+        <c:lblOffset val="100"/>
+        <c:noMultiLvlLbl val="0"/>
+      </c:catAx>
+      <c:valAx>
+        <c:axId val="-2122043048"/>
+        <c:scaling>
+          <c:orientation val="minMax"/>
+        </c:scaling>
+        <c:delete val="0"/>
+        <c:axPos val="l"/>
+        <c:majorGridlines/>
+        <c:title>
+          <c:tx>
+            <c:rich>
+              <a:bodyPr rot="-5400000" vert="horz"/>
+              <a:lstStyle/>
+              <a:p>
+                <a:pPr>
+                  <a:defRPr sz="1600"/>
+                </a:pPr>
+                <a:r>
+                  <a:rPr lang="hu-HU" sz="1600" dirty="0" smtClean="0"/>
+                  <a:t>sec</a:t>
+                </a:r>
+                <a:endParaRPr lang="en-US" sz="1600" dirty="0"/>
+              </a:p>
+            </c:rich>
+          </c:tx>
+          <c:layout/>
+          <c:overlay val="0"/>
+        </c:title>
+        <c:numFmt formatCode="General" sourceLinked="1"/>
+        <c:majorTickMark val="out"/>
+        <c:minorTickMark val="none"/>
+        <c:tickLblPos val="nextTo"/>
+        <c:txPr>
+          <a:bodyPr/>
+          <a:lstStyle/>
+          <a:p>
+            <a:pPr>
+              <a:defRPr sz="1600"/>
+            </a:pPr>
+            <a:endParaRPr lang="en-US"/>
+          </a:p>
+        </c:txPr>
+        <c:crossAx val="-2122037240"/>
         <c:crosses val="autoZero"/>
         <c:crossBetween val="between"/>
       </c:valAx>
@@ -6723,7 +6731,7 @@
         <p:spPr/>
         <p:txBody>
           <a:bodyPr>
-            <a:normAutofit fontScale="92500" lnSpcReduction="20000"/>
+            <a:normAutofit fontScale="77500" lnSpcReduction="20000"/>
           </a:bodyPr>
           <a:lstStyle/>
           <a:p>
@@ -6743,15 +6751,23 @@
             <a:pPr lvl="1"/>
             <a:r>
               <a:rPr lang="hu-HU" dirty="0" smtClean="0"/>
-              <a:t>Lekérdezés csak </a:t>
+              <a:t>Lekérdezések </a:t>
+            </a:r>
+            <a:r>
+              <a:rPr lang="hu-HU" dirty="0" smtClean="0"/>
+              <a:t>csak </a:t>
             </a:r>
             <a:r>
               <a:rPr lang="hu-HU" b="1" dirty="0" smtClean="0"/>
-              <a:t>egy</a:t>
-            </a:r>
-            <a:r>
-              <a:rPr lang="hu-HU" dirty="0" smtClean="0"/>
-              <a:t> elem függőségeire</a:t>
+              <a:t>egyetlen</a:t>
+            </a:r>
+            <a:r>
+              <a:rPr lang="hu-HU" dirty="0" smtClean="0"/>
+              <a:t> </a:t>
+            </a:r>
+            <a:r>
+              <a:rPr lang="hu-HU" dirty="0" smtClean="0"/>
+              <a:t>elem függőségeire</a:t>
             </a:r>
           </a:p>
           <a:p>
@@ -6763,64 +6779,103 @@
           <a:p>
             <a:pPr lvl="1"/>
             <a:r>
-              <a:rPr lang="hu-HU" dirty="0" smtClean="0"/>
+              <a:rPr lang="hu-HU" i="1" dirty="0" smtClean="0"/>
               <a:t>Mi </a:t>
             </a:r>
             <a:r>
+              <a:rPr lang="hu-HU" i="1" dirty="0"/>
+              <a:t>változott meg a </a:t>
+            </a:r>
+            <a:r>
+              <a:rPr lang="hu-HU" i="1" dirty="0" smtClean="0"/>
+              <a:t>fejlesztőkörnyezetben?</a:t>
+            </a:r>
+            <a:endParaRPr lang="hu-HU" i="1" dirty="0"/>
+          </a:p>
+          <a:p>
+            <a:pPr lvl="1"/>
+            <a:r>
+              <a:rPr lang="hu-HU" i="1" dirty="0"/>
+              <a:t>Milyen hatással van </a:t>
+            </a:r>
+            <a:r>
+              <a:rPr lang="hu-HU" i="1" dirty="0" smtClean="0"/>
+              <a:t>a változás a </a:t>
+            </a:r>
+            <a:r>
+              <a:rPr lang="hu-HU" i="1" dirty="0"/>
+              <a:t>ráépülő projektekre</a:t>
+            </a:r>
+            <a:r>
+              <a:rPr lang="hu-HU" i="1" dirty="0" smtClean="0"/>
+              <a:t>?</a:t>
+            </a:r>
+            <a:br>
+              <a:rPr lang="hu-HU" i="1" dirty="0" smtClean="0"/>
+            </a:br>
+            <a:r>
+              <a:rPr lang="hu-HU" i="1" dirty="0" smtClean="0"/>
+              <a:t>Mi történik ha „ezt” átírom „erre”?</a:t>
+            </a:r>
+            <a:endParaRPr lang="hu-HU" i="1" dirty="0"/>
+          </a:p>
+          <a:p>
+            <a:r>
+              <a:rPr lang="hu-HU" dirty="0" smtClean="0"/>
+              <a:t>Javasolt architektúra</a:t>
+            </a:r>
+          </a:p>
+          <a:p>
+            <a:pPr lvl="1"/>
+            <a:r>
+              <a:rPr lang="hu-HU" dirty="0" smtClean="0"/>
+              <a:t>Helyi változtatások ismerete is szükséges →</a:t>
+            </a:r>
+            <a:br>
+              <a:rPr lang="hu-HU" dirty="0" smtClean="0"/>
+            </a:br>
+            <a:r>
+              <a:rPr lang="hu-HU" dirty="0" smtClean="0"/>
+              <a:t>Forráskód </a:t>
+            </a:r>
+            <a:r>
+              <a:rPr lang="hu-HU" dirty="0" smtClean="0"/>
+              <a:t>és függőségi </a:t>
+            </a:r>
+            <a:r>
               <a:rPr lang="hu-HU" dirty="0"/>
-              <a:t>változott meg a </a:t>
-            </a:r>
-            <a:r>
-              <a:rPr lang="hu-HU" dirty="0" smtClean="0"/>
-              <a:t>fejlesztőkörnyezetben?</a:t>
+              <a:t>adatbázis </a:t>
+            </a:r>
+            <a:r>
+              <a:rPr lang="hu-HU" dirty="0" smtClean="0"/>
+              <a:t>összekapcsolása (</a:t>
+            </a:r>
+            <a:r>
+              <a:rPr lang="hu-HU" b="1" dirty="0" smtClean="0"/>
+              <a:t>hibrid</a:t>
+            </a:r>
+            <a:r>
+              <a:rPr lang="hu-HU" dirty="0" smtClean="0"/>
+              <a:t> analízis)</a:t>
             </a:r>
             <a:endParaRPr lang="hu-HU" dirty="0"/>
           </a:p>
           <a:p>
             <a:pPr lvl="1"/>
             <a:r>
-              <a:rPr lang="hu-HU" dirty="0"/>
-              <a:t>Milyen hatással van </a:t>
-            </a:r>
-            <a:r>
-              <a:rPr lang="hu-HU" dirty="0" smtClean="0"/>
-              <a:t>a változás a </a:t>
-            </a:r>
-            <a:r>
-              <a:rPr lang="hu-HU" dirty="0"/>
-              <a:t>ráépülő projektekre?</a:t>
-            </a:r>
-          </a:p>
-          <a:p>
-            <a:r>
-              <a:rPr lang="hu-HU" dirty="0" smtClean="0"/>
-              <a:t>Javasolt architektúra</a:t>
-            </a:r>
-          </a:p>
-          <a:p>
-            <a:pPr lvl="1"/>
-            <a:r>
-              <a:rPr lang="hu-HU" dirty="0" smtClean="0"/>
-              <a:t>Forráskód és függőségi </a:t>
-            </a:r>
-            <a:r>
-              <a:rPr lang="hu-HU" dirty="0"/>
-              <a:t>adatbázis összekapcsolása</a:t>
-            </a:r>
-          </a:p>
-          <a:p>
-            <a:pPr lvl="1"/>
-            <a:r>
-              <a:rPr lang="hu-HU" dirty="0" smtClean="0"/>
-              <a:t>Valós </a:t>
-            </a:r>
-            <a:r>
-              <a:rPr lang="hu-HU" dirty="0"/>
-              <a:t>idejű </a:t>
-            </a:r>
-            <a:r>
-              <a:rPr lang="hu-HU" dirty="0" smtClean="0"/>
-              <a:t>lekérdezések az </a:t>
+              <a:rPr lang="hu-HU" dirty="0" smtClean="0"/>
+              <a:t>Azonnali visszacsatolás a forráskód szerkesztése közben→</a:t>
+            </a:r>
+            <a:br>
+              <a:rPr lang="hu-HU" dirty="0" smtClean="0"/>
+            </a:br>
+            <a:r>
+              <a:rPr lang="hu-HU" dirty="0" smtClean="0"/>
+              <a:t>Inkrementális lekérdezések </a:t>
+            </a:r>
+            <a:r>
+              <a:rPr lang="hu-HU" dirty="0" smtClean="0"/>
+              <a:t>az </a:t>
             </a:r>
             <a:r>
               <a:rPr lang="hu-HU" b="1" dirty="0" smtClean="0"/>
@@ -6828,15 +6883,13 @@
             </a:r>
             <a:r>
               <a:rPr lang="hu-HU" dirty="0" smtClean="0"/>
-              <a:t> elem függőségeire</a:t>
-            </a:r>
-          </a:p>
-          <a:p>
-            <a:pPr lvl="2"/>
-            <a:r>
-              <a:rPr lang="hu-HU" dirty="0" smtClean="0"/>
-              <a:t>Azonnali visszacsatolás</a:t>
-            </a:r>
+              <a:t> elem </a:t>
+            </a:r>
+            <a:r>
+              <a:rPr lang="hu-HU" dirty="0" smtClean="0"/>
+              <a:t>függőségeire</a:t>
+            </a:r>
+            <a:endParaRPr lang="hu-HU" dirty="0" smtClean="0"/>
           </a:p>
           <a:p>
             <a:pPr marL="457200" lvl="1" indent="0">
@@ -7885,7 +7938,7 @@
         </p:nvSpPr>
         <p:spPr>
           <a:xfrm>
-            <a:off x="2148370" y="4191000"/>
+            <a:off x="2895600" y="4800600"/>
             <a:ext cx="1814030" cy="838200"/>
           </a:xfrm>
           <a:prstGeom prst="wedgeRoundRectCallout">
@@ -7916,8 +7969,17 @@
           <a:p>
             <a:r>
               <a:rPr lang="hu-HU" dirty="0" smtClean="0"/>
-              <a:t>Tömörített EMF példánymodell</a:t>
-            </a:r>
+              <a:t>Tömörített </a:t>
+            </a:r>
+            <a:r>
+              <a:rPr lang="hu-HU" dirty="0" smtClean="0"/>
+              <a:t>függőségi </a:t>
+            </a:r>
+            <a:r>
+              <a:rPr lang="hu-HU" dirty="0" smtClean="0"/>
+              <a:t>modell</a:t>
+            </a:r>
+            <a:endParaRPr lang="hu-HU" dirty="0" smtClean="0"/>
           </a:p>
         </p:txBody>
       </p:sp>
@@ -7929,13 +7991,13 @@
         </p:nvSpPr>
         <p:spPr>
           <a:xfrm>
-            <a:off x="2971800" y="4125028"/>
-            <a:ext cx="3279128" cy="797652"/>
+            <a:off x="2743200" y="1219200"/>
+            <a:ext cx="3279128" cy="1940652"/>
           </a:xfrm>
           <a:prstGeom prst="wedgeRoundRectCallout">
             <a:avLst>
-              <a:gd name="adj1" fmla="val 41768"/>
-              <a:gd name="adj2" fmla="val -229761"/>
+              <a:gd name="adj1" fmla="val 63093"/>
+              <a:gd name="adj2" fmla="val 23170"/>
               <a:gd name="adj3" fmla="val 16667"/>
             </a:avLst>
           </a:prstGeom>
@@ -7959,33 +8021,44 @@
           <a:lstStyle/>
           <a:p>
             <a:pPr marL="285750" indent="-285750">
-              <a:buFont typeface="Arial" pitchFamily="34" charset="0"/>
+              <a:buFont typeface="Arial"/>
               <a:buChar char="•"/>
             </a:pPr>
             <a:r>
-              <a:rPr lang="hu-HU" dirty="0" smtClean="0"/>
-              <a:t>Modellek </a:t>
-            </a:r>
-            <a:r>
-              <a:rPr lang="hu-HU" dirty="0">
-                <a:sym typeface="Wingdings" pitchFamily="2" charset="2"/>
-              </a:rPr>
-              <a:t></a:t>
-            </a:r>
-            <a:r>
-              <a:rPr lang="hu-HU" dirty="0" smtClean="0"/>
-              <a:t> EMF-IncQuery </a:t>
+              <a:rPr lang="hu-HU" b="1" dirty="0" smtClean="0"/>
+              <a:t>Összes</a:t>
+            </a:r>
+            <a:r>
+              <a:rPr lang="hu-HU" dirty="0" smtClean="0"/>
+              <a:t> függőségi </a:t>
+            </a:r>
+            <a:r>
+              <a:rPr lang="hu-HU" dirty="0" smtClean="0"/>
+              <a:t>kapcsolat  lekérdezése inkrementális gráfmintaillesztéssel</a:t>
             </a:r>
           </a:p>
           <a:p>
             <a:pPr marL="285750" indent="-285750">
-              <a:buFont typeface="Arial" pitchFamily="34" charset="0"/>
+              <a:buFont typeface="Arial"/>
               <a:buChar char="•"/>
             </a:pPr>
             <a:r>
-              <a:rPr lang="hu-HU" dirty="0" smtClean="0"/>
-              <a:t>Valós idejű, inkrementális kiértékelés</a:t>
-            </a:r>
+              <a:rPr lang="en-US" dirty="0" smtClean="0"/>
+              <a:t>L</a:t>
+            </a:r>
+            <a:r>
+              <a:rPr lang="hu-HU" dirty="0" smtClean="0"/>
+              <a:t>ekérdezések </a:t>
+            </a:r>
+            <a:r>
+              <a:rPr lang="hu-HU" b="1" dirty="0" smtClean="0"/>
+              <a:t>folyamatos és hatékony</a:t>
+            </a:r>
+            <a:r>
+              <a:rPr lang="hu-HU" dirty="0" smtClean="0"/>
+              <a:t> frissítése a modell változásai alapján</a:t>
+            </a:r>
+            <a:endParaRPr lang="hu-HU" dirty="0" smtClean="0"/>
           </a:p>
         </p:txBody>
       </p:sp>
@@ -8086,7 +8159,15 @@
             </a:pPr>
             <a:r>
               <a:rPr lang="hu-HU" dirty="0" smtClean="0"/>
-              <a:t>Az összes elemre</a:t>
+              <a:t>Az </a:t>
+            </a:r>
+            <a:r>
+              <a:rPr lang="hu-HU" b="1" dirty="0" smtClean="0"/>
+              <a:t>összes</a:t>
+            </a:r>
+            <a:r>
+              <a:rPr lang="hu-HU" dirty="0" smtClean="0"/>
+              <a:t> elemre</a:t>
             </a:r>
           </a:p>
         </p:txBody>
@@ -8134,8 +8215,13 @@
             </a:pPr>
             <a:r>
               <a:rPr lang="hu-HU" dirty="0" smtClean="0"/>
-              <a:t>Eclipse projekteket leíró EMF példánymodell</a:t>
-            </a:r>
+              <a:t>Eclipse projekteket </a:t>
+            </a:r>
+            <a:r>
+              <a:rPr lang="hu-HU" dirty="0" smtClean="0"/>
+              <a:t>leíró, forráskódból származtatott modell</a:t>
+            </a:r>
+            <a:endParaRPr lang="hu-HU" dirty="0" smtClean="0"/>
           </a:p>
           <a:p>
             <a:pPr marL="285750" indent="-285750">
@@ -8148,8 +8234,13 @@
             </a:r>
             <a:r>
               <a:rPr lang="hu-HU" dirty="0" smtClean="0"/>
-              <a:t> szinkornizáció</a:t>
-            </a:r>
+              <a:t> </a:t>
+            </a:r>
+            <a:r>
+              <a:rPr lang="hu-HU" dirty="0" smtClean="0"/>
+              <a:t>szinkronizáció</a:t>
+            </a:r>
+            <a:endParaRPr lang="hu-HU" dirty="0" smtClean="0"/>
           </a:p>
         </p:txBody>
       </p:sp>
@@ -8853,7 +8944,7 @@
         </p:nvSpPr>
         <p:spPr>
           <a:xfrm>
-            <a:off x="6841867" y="4201733"/>
+            <a:off x="6841867" y="4338258"/>
             <a:ext cx="1644134" cy="533400"/>
           </a:xfrm>
           <a:prstGeom prst="rect">
@@ -8904,7 +8995,12 @@
             <p:ph type="title"/>
           </p:nvPr>
         </p:nvSpPr>
-        <p:spPr/>
+        <p:spPr>
+          <a:xfrm>
+            <a:off x="457200" y="0"/>
+            <a:ext cx="8229600" cy="1143000"/>
+          </a:xfrm>
+        </p:spPr>
         <p:txBody>
           <a:bodyPr>
             <a:normAutofit fontScale="90000"/>
@@ -8936,7 +9032,12 @@
             <p:ph idx="1"/>
           </p:nvPr>
         </p:nvSpPr>
-        <p:spPr/>
+        <p:spPr>
+          <a:xfrm>
+            <a:off x="457200" y="1341437"/>
+            <a:ext cx="8229600" cy="4525963"/>
+          </a:xfrm>
+        </p:spPr>
         <p:txBody>
           <a:bodyPr>
             <a:normAutofit/>
@@ -8951,8 +9052,19 @@
           <a:p>
             <a:r>
               <a:rPr lang="hu-HU" sz="2400" dirty="0" smtClean="0"/>
-              <a:t>A függőségi- és forráskód modellek összekapcsolásával</a:t>
-            </a:r>
+              <a:t>A függőségi- és forráskód modellek </a:t>
+            </a:r>
+            <a:r>
+              <a:rPr lang="hu-HU" sz="2400" dirty="0" smtClean="0"/>
+              <a:t>logikai összekapcsolásával</a:t>
+            </a:r>
+          </a:p>
+          <a:p>
+            <a:r>
+              <a:rPr lang="hu-HU" sz="2400" dirty="0" smtClean="0"/>
+              <a:t>Inkrementális kiértékelés = eredmény + eredmény változásai</a:t>
+            </a:r>
+            <a:endParaRPr lang="hu-HU" sz="2400" dirty="0" smtClean="0"/>
           </a:p>
         </p:txBody>
       </p:sp>
@@ -8964,7 +9076,7 @@
         </p:nvSpPr>
         <p:spPr>
           <a:xfrm>
-            <a:off x="609600" y="2667000"/>
+            <a:off x="609600" y="2803525"/>
             <a:ext cx="3842266" cy="3810000"/>
           </a:xfrm>
           <a:prstGeom prst="rect">
@@ -9006,7 +9118,7 @@
         </p:nvSpPr>
         <p:spPr>
           <a:xfrm>
-            <a:off x="609600" y="6107668"/>
+            <a:off x="609600" y="6244193"/>
             <a:ext cx="3842265" cy="369332"/>
           </a:xfrm>
           <a:prstGeom prst="rect">
@@ -9041,7 +9153,7 @@
         </p:nvSpPr>
         <p:spPr>
           <a:xfrm>
-            <a:off x="4800600" y="2667000"/>
+            <a:off x="4800600" y="2803525"/>
             <a:ext cx="3810000" cy="3810000"/>
           </a:xfrm>
           <a:prstGeom prst="rect">
@@ -9083,7 +9195,7 @@
         </p:nvSpPr>
         <p:spPr>
           <a:xfrm>
-            <a:off x="1708666" y="2944433"/>
+            <a:off x="1708666" y="3080958"/>
             <a:ext cx="1644134" cy="533400"/>
           </a:xfrm>
           <a:prstGeom prst="rect">
@@ -9136,7 +9248,7 @@
         </p:nvSpPr>
         <p:spPr>
           <a:xfrm>
-            <a:off x="762000" y="4148207"/>
+            <a:off x="762000" y="4284732"/>
             <a:ext cx="1644134" cy="533400"/>
           </a:xfrm>
           <a:prstGeom prst="rect">
@@ -9185,7 +9297,7 @@
         </p:nvSpPr>
         <p:spPr>
           <a:xfrm>
-            <a:off x="762000" y="5372100"/>
+            <a:off x="762000" y="5508625"/>
             <a:ext cx="1143000" cy="533400"/>
           </a:xfrm>
           <a:prstGeom prst="rect">
@@ -9227,7 +9339,7 @@
         </p:nvSpPr>
         <p:spPr>
           <a:xfrm>
-            <a:off x="2667000" y="5372100"/>
+            <a:off x="2667000" y="5508625"/>
             <a:ext cx="1143000" cy="533400"/>
           </a:xfrm>
           <a:prstGeom prst="rect">
@@ -9272,7 +9384,7 @@
         </p:nvCxnSpPr>
         <p:spPr>
           <a:xfrm flipH="1">
-            <a:off x="1584067" y="3477833"/>
+            <a:off x="1584067" y="3614358"/>
             <a:ext cx="946666" cy="670374"/>
           </a:xfrm>
           <a:prstGeom prst="straightConnector1">
@@ -9308,7 +9420,7 @@
         </p:nvCxnSpPr>
         <p:spPr>
           <a:xfrm flipH="1">
-            <a:off x="1905000" y="5638800"/>
+            <a:off x="1905000" y="5775325"/>
             <a:ext cx="762000" cy="0"/>
           </a:xfrm>
           <a:prstGeom prst="straightConnector1">
@@ -9341,7 +9453,7 @@
         </p:nvSpPr>
         <p:spPr>
           <a:xfrm>
-            <a:off x="5883533" y="2993266"/>
+            <a:off x="5883533" y="3129791"/>
             <a:ext cx="1644134" cy="533400"/>
           </a:xfrm>
           <a:prstGeom prst="rect">
@@ -9394,7 +9506,7 @@
         </p:nvSpPr>
         <p:spPr>
           <a:xfrm>
-            <a:off x="4936867" y="4197040"/>
+            <a:off x="4936867" y="4333565"/>
             <a:ext cx="1644134" cy="533400"/>
           </a:xfrm>
           <a:prstGeom prst="rect">
@@ -9443,7 +9555,7 @@
         </p:nvSpPr>
         <p:spPr>
           <a:xfrm>
-            <a:off x="5293667" y="5374332"/>
+            <a:off x="5293667" y="5510857"/>
             <a:ext cx="1183333" cy="533400"/>
           </a:xfrm>
           <a:prstGeom prst="rect">
@@ -9495,7 +9607,7 @@
         </p:nvCxnSpPr>
         <p:spPr>
           <a:xfrm flipH="1">
-            <a:off x="5758934" y="3526666"/>
+            <a:off x="5758934" y="3663191"/>
             <a:ext cx="946666" cy="670374"/>
           </a:xfrm>
           <a:prstGeom prst="straightConnector1">
@@ -9531,7 +9643,7 @@
         </p:nvCxnSpPr>
         <p:spPr>
           <a:xfrm>
-            <a:off x="6705600" y="3526666"/>
+            <a:off x="6705600" y="3663191"/>
             <a:ext cx="958334" cy="675067"/>
           </a:xfrm>
           <a:prstGeom prst="straightConnector1">
@@ -9567,7 +9679,7 @@
         </p:nvCxnSpPr>
         <p:spPr>
           <a:xfrm flipH="1">
-            <a:off x="1333500" y="4681607"/>
+            <a:off x="1333500" y="4818132"/>
             <a:ext cx="250567" cy="690493"/>
           </a:xfrm>
           <a:prstGeom prst="straightConnector1">
@@ -9603,7 +9715,7 @@
         </p:nvCxnSpPr>
         <p:spPr>
           <a:xfrm>
-            <a:off x="5758934" y="4730440"/>
+            <a:off x="5758934" y="4866965"/>
             <a:ext cx="126400" cy="643892"/>
           </a:xfrm>
           <a:prstGeom prst="straightConnector1">
@@ -9636,7 +9748,7 @@
         </p:nvSpPr>
         <p:spPr>
           <a:xfrm>
-            <a:off x="4800601" y="6107668"/>
+            <a:off x="4800601" y="6244193"/>
             <a:ext cx="3810000" cy="369332"/>
           </a:xfrm>
           <a:prstGeom prst="rect">
@@ -9675,7 +9787,7 @@
         </p:nvGrpSpPr>
         <p:grpSpPr>
           <a:xfrm>
-            <a:off x="1524000" y="2743200"/>
+            <a:off x="1524000" y="2879725"/>
             <a:ext cx="6139934" cy="935866"/>
             <a:chOff x="1524000" y="2797934"/>
             <a:chExt cx="6139934" cy="935866"/>
@@ -9863,7 +9975,7 @@
         </p:nvGrpSpPr>
         <p:grpSpPr>
           <a:xfrm>
-            <a:off x="2482932" y="3954083"/>
+            <a:off x="2482932" y="4090608"/>
             <a:ext cx="6139934" cy="1004029"/>
             <a:chOff x="1524000" y="2797934"/>
             <a:chExt cx="6139934" cy="1004029"/>
@@ -10052,7 +10164,7 @@
         </p:nvGrpSpPr>
         <p:grpSpPr>
           <a:xfrm>
-            <a:off x="701933" y="5154734"/>
+            <a:off x="701933" y="5291259"/>
             <a:ext cx="6139934" cy="1007940"/>
             <a:chOff x="1524000" y="2797934"/>
             <a:chExt cx="6139934" cy="1007940"/>
@@ -10259,7 +10371,12 @@
             <p:ph type="sldNum" sz="quarter" idx="12"/>
           </p:nvPr>
         </p:nvSpPr>
-        <p:spPr/>
+        <p:spPr>
+          <a:xfrm>
+            <a:off x="6553200" y="6492875"/>
+            <a:ext cx="2133600" cy="365125"/>
+          </a:xfrm>
+        </p:spPr>
         <p:txBody>
           <a:bodyPr/>
           <a:lstStyle/>
@@ -10561,134 +10678,208 @@
           </a:bodyPr>
           <a:lstStyle/>
           <a:p>
-            <a:pPr marL="514350" indent="-514350">
-              <a:buFont typeface="+mj-lt"/>
-              <a:buAutoNum type="arabicPeriod"/>
+            <a:pPr marL="0" indent="0">
+              <a:buNone/>
             </a:pPr>
             <a:r>
-              <a:rPr lang="hu-HU" dirty="0" smtClean="0"/>
-              <a:t>Inicializálás</a:t>
-            </a:r>
-          </a:p>
-          <a:p>
-            <a:pPr marL="914400" lvl="1" indent="-514350"/>
-            <a:r>
-              <a:rPr lang="hu-HU" dirty="0" smtClean="0"/>
-              <a:t>Példánymodellek és</a:t>
-            </a:r>
-          </a:p>
-          <a:p>
-            <a:pPr marL="914400" lvl="1" indent="-514350"/>
-            <a:r>
-              <a:rPr lang="hu-HU" dirty="0" smtClean="0"/>
-              <a:t>lekérdezések betöltése</a:t>
-            </a:r>
-          </a:p>
-          <a:p>
-            <a:pPr marL="514350" indent="-514350">
-              <a:buFont typeface="+mj-lt"/>
-              <a:buAutoNum type="arabicPeriod"/>
+              <a:rPr lang="hu-HU" sz="2400" dirty="0" smtClean="0"/>
+              <a:t>Eredmények </a:t>
+            </a:r>
+            <a:r>
+              <a:rPr lang="hu-HU" sz="2400" b="1" dirty="0" smtClean="0"/>
+              <a:t>folyamatos</a:t>
+            </a:r>
+            <a:r>
+              <a:rPr lang="hu-HU" sz="2400" b="1" dirty="0"/>
+              <a:t> </a:t>
+            </a:r>
+            <a:r>
+              <a:rPr lang="hu-HU" sz="2400" b="1" dirty="0" smtClean="0"/>
+              <a:t>és </a:t>
+            </a:r>
+            <a:r>
+              <a:rPr lang="hu-HU" sz="2400" b="1" dirty="0" smtClean="0"/>
+              <a:t>automatikus </a:t>
+            </a:r>
+            <a:r>
+              <a:rPr lang="hu-HU" sz="2400" dirty="0" smtClean="0"/>
+              <a:t>frissítése</a:t>
+            </a:r>
+          </a:p>
+          <a:p>
+            <a:pPr lvl="1" indent="-342900">
+              <a:buFont typeface="Wingdings" charset="2"/>
+              <a:buChar char="§"/>
             </a:pPr>
             <a:r>
-              <a:rPr lang="hu-HU" dirty="0" smtClean="0"/>
-              <a:t>Eredmények folyamatos, automatikus frissítése</a:t>
-            </a:r>
-          </a:p>
-          <a:p>
-            <a:pPr marL="914400" lvl="1" indent="-514350"/>
-            <a:r>
-              <a:rPr lang="hu-HU" dirty="0" smtClean="0"/>
-              <a:t>Forráskód </a:t>
-            </a:r>
-            <a:r>
-              <a:rPr lang="hu-HU" dirty="0">
+              <a:rPr lang="hu-HU" sz="2000" dirty="0" smtClean="0"/>
+              <a:t>Forráskód változás </a:t>
+            </a:r>
+            <a:r>
+              <a:rPr lang="hu-HU" sz="2000" dirty="0">
                 <a:sym typeface="Wingdings" pitchFamily="2" charset="2"/>
               </a:rPr>
               <a:t></a:t>
             </a:r>
             <a:r>
-              <a:rPr lang="en-US" dirty="0" smtClean="0"/>
+              <a:rPr lang="en-US" sz="2000" dirty="0" smtClean="0"/>
               <a:t> </a:t>
             </a:r>
             <a:r>
-              <a:rPr lang="hu-HU" dirty="0" smtClean="0"/>
-              <a:t>Forráskód modell </a:t>
-            </a:r>
-            <a:r>
-              <a:rPr lang="hu-HU" dirty="0" smtClean="0">
+              <a:rPr lang="hu-HU" sz="2000" dirty="0"/>
+              <a:t>f</a:t>
+            </a:r>
+            <a:r>
+              <a:rPr lang="hu-HU" sz="2000" dirty="0" smtClean="0"/>
+              <a:t>orráskód </a:t>
+            </a:r>
+            <a:r>
+              <a:rPr lang="hu-HU" sz="2000" dirty="0" smtClean="0"/>
+              <a:t>modell </a:t>
+            </a:r>
+            <a:r>
+              <a:rPr lang="hu-HU" sz="2000" dirty="0" smtClean="0"/>
+              <a:t>frissítése </a:t>
+            </a:r>
+            <a:r>
+              <a:rPr lang="hu-HU" sz="2000" dirty="0" smtClean="0">
                 <a:sym typeface="Wingdings" pitchFamily="2" charset="2"/>
               </a:rPr>
-              <a:t> eredmény </a:t>
-            </a:r>
-            <a:r>
-              <a:rPr lang="hu-HU" dirty="0">
+              <a:t> </a:t>
+            </a:r>
+            <a:br>
+              <a:rPr lang="hu-HU" sz="2000" dirty="0" smtClean="0">
+                <a:sym typeface="Wingdings" pitchFamily="2" charset="2"/>
+              </a:rPr>
+            </a:br>
+            <a:r>
+              <a:rPr lang="hu-HU" sz="2000" dirty="0" smtClean="0">
+                <a:sym typeface="Wingdings" pitchFamily="2" charset="2"/>
+              </a:rPr>
+              <a:t>lekérdezés eredményének frissítése </a:t>
+            </a:r>
+            <a:r>
+              <a:rPr lang="hu-HU" sz="2000" dirty="0">
                 <a:sym typeface="Wingdings" pitchFamily="2" charset="2"/>
               </a:rPr>
               <a:t></a:t>
             </a:r>
             <a:r>
-              <a:rPr lang="hu-HU" dirty="0" smtClean="0">
+              <a:rPr lang="hu-HU" sz="2000" dirty="0" smtClean="0">
                 <a:sym typeface="Wingdings" pitchFamily="2" charset="2"/>
               </a:rPr>
               <a:t> </a:t>
             </a:r>
             <a:r>
-              <a:rPr lang="en-US" dirty="0" err="1" smtClean="0">
+              <a:rPr lang="hu-HU" sz="2000" dirty="0" smtClean="0">
+                <a:sym typeface="Wingdings" pitchFamily="2" charset="2"/>
+              </a:rPr>
+              <a:t/>
+            </a:r>
+            <a:br>
+              <a:rPr lang="hu-HU" sz="2000" dirty="0" smtClean="0">
+                <a:sym typeface="Wingdings" pitchFamily="2" charset="2"/>
+              </a:rPr>
+            </a:br>
+            <a:r>
+              <a:rPr lang="en-US" sz="2000" dirty="0" err="1" smtClean="0">
                 <a:sym typeface="Wingdings" pitchFamily="2" charset="2"/>
               </a:rPr>
               <a:t>megjelen</a:t>
             </a:r>
             <a:r>
-              <a:rPr lang="hu-HU" dirty="0" smtClean="0">
+              <a:rPr lang="hu-HU" sz="2000" dirty="0" smtClean="0">
                 <a:sym typeface="Wingdings" pitchFamily="2" charset="2"/>
               </a:rPr>
-              <a:t>ítés</a:t>
-            </a:r>
+              <a:t>ítés frissítése</a:t>
+            </a:r>
+            <a:endParaRPr lang="hu-HU" sz="2000" dirty="0" smtClean="0">
+              <a:sym typeface="Wingdings" pitchFamily="2" charset="2"/>
+            </a:endParaRPr>
+          </a:p>
+          <a:p>
+            <a:pPr lvl="1" indent="-342900">
+              <a:buFont typeface="Wingdings" charset="2"/>
+              <a:buChar char="§"/>
+            </a:pPr>
+            <a:r>
+              <a:rPr lang="hu-HU" sz="2000" dirty="0" smtClean="0"/>
+              <a:t>Kimenet: </a:t>
+            </a:r>
+            <a:r>
+              <a:rPr lang="hu-HU" sz="2000" dirty="0"/>
+              <a:t>f</a:t>
+            </a:r>
+            <a:r>
+              <a:rPr lang="hu-HU" sz="2000" dirty="0" smtClean="0"/>
+              <a:t>üggőségi </a:t>
+            </a:r>
+            <a:r>
+              <a:rPr lang="hu-HU" sz="2000" dirty="0"/>
+              <a:t>viszonyok az </a:t>
+            </a:r>
+            <a:r>
+              <a:rPr lang="hu-HU" sz="2000" b="1" dirty="0" smtClean="0"/>
+              <a:t>összes </a:t>
+            </a:r>
+            <a:r>
+              <a:rPr lang="hu-HU" sz="2000" b="1" dirty="0" smtClean="0"/>
+              <a:t>objektumra</a:t>
+            </a:r>
+          </a:p>
+          <a:p>
+            <a:pPr lvl="2" indent="-342900">
+              <a:buFont typeface="Wingdings" charset="2"/>
+              <a:buChar char="§"/>
+            </a:pPr>
+            <a:r>
+              <a:rPr lang="en-US" sz="1600" dirty="0" smtClean="0"/>
+              <a:t>T</a:t>
+            </a:r>
+            <a:r>
+              <a:rPr lang="hu-HU" sz="1600" dirty="0" smtClean="0"/>
+              <a:t>ranzitív kapcsolatok (pl. öröklődés)</a:t>
+            </a:r>
+          </a:p>
+          <a:p>
+            <a:pPr lvl="2" indent="-342900">
+              <a:buFont typeface="Wingdings" charset="2"/>
+              <a:buChar char="§"/>
+            </a:pPr>
+            <a:r>
+              <a:rPr lang="hu-HU" sz="1600" dirty="0" smtClean="0"/>
+              <a:t>Közvetett kapcsolatok (pl. öröklődés + metódushívás)</a:t>
+            </a:r>
+            <a:endParaRPr lang="hu-HU" sz="1600" dirty="0"/>
           </a:p>
           <a:p>
             <a:pPr marL="914400" lvl="1" indent="-514350"/>
-            <a:r>
-              <a:rPr lang="hu-HU" dirty="0" smtClean="0"/>
-              <a:t>Kimenet: </a:t>
-            </a:r>
-            <a:r>
-              <a:rPr lang="hu-HU" dirty="0"/>
-              <a:t>Függőségi viszonyok az </a:t>
-            </a:r>
-            <a:r>
-              <a:rPr lang="hu-HU" b="1" dirty="0" smtClean="0"/>
-              <a:t>összes objektumra</a:t>
-            </a:r>
-            <a:endParaRPr lang="hu-HU" b="1" dirty="0"/>
-          </a:p>
-          <a:p>
-            <a:pPr marL="914400" lvl="1" indent="-514350"/>
-            <a:endParaRPr lang="hu-HU" dirty="0" smtClean="0"/>
+            <a:endParaRPr lang="hu-HU" sz="2000" dirty="0" smtClean="0"/>
           </a:p>
           <a:p>
             <a:pPr marL="1314450" lvl="2" indent="-514350">
               <a:buFont typeface="+mj-lt"/>
               <a:buAutoNum type="romanUcPeriod"/>
             </a:pPr>
-            <a:endParaRPr lang="hu-HU" dirty="0" smtClean="0"/>
-          </a:p>
-          <a:p>
-            <a:endParaRPr lang="hu-HU" dirty="0" smtClean="0"/>
-          </a:p>
-          <a:p>
-            <a:endParaRPr lang="hu-HU" dirty="0"/>
+            <a:endParaRPr lang="hu-HU" sz="1800" dirty="0" smtClean="0"/>
+          </a:p>
+          <a:p>
+            <a:endParaRPr lang="hu-HU" sz="2400" dirty="0" smtClean="0"/>
+          </a:p>
+          <a:p>
+            <a:endParaRPr lang="hu-HU" sz="2400" dirty="0"/>
           </a:p>
           <a:p>
             <a:pPr marL="857250" lvl="3" indent="0">
               <a:buNone/>
             </a:pPr>
-            <a:endParaRPr lang="hu-HU" sz="2600" dirty="0"/>
+            <a:endParaRPr lang="hu-HU" sz="2400" dirty="0"/>
           </a:p>
           <a:p>
             <a:pPr marL="400050" lvl="2" indent="0">
               <a:buNone/>
             </a:pPr>
-            <a:endParaRPr lang="hu-HU" sz="1200" dirty="0" smtClean="0"/>
+            <a:endParaRPr lang="hu-HU" sz="1100" dirty="0" smtClean="0"/>
           </a:p>
         </p:txBody>
       </p:sp>
@@ -11345,10 +11536,6 @@
           <a:bodyPr/>
           <a:lstStyle/>
           <a:p>
-            <a:r>
-              <a:rPr lang="hu-HU" dirty="0" smtClean="0"/>
-              <a:t>Teljesítményanalízis</a:t>
-            </a:r>
             <a:endParaRPr lang="en-US" dirty="0"/>
           </a:p>
         </p:txBody>
@@ -11448,7 +11635,9 @@
         </p:nvSpPr>
         <p:spPr/>
         <p:txBody>
-          <a:bodyPr/>
+          <a:bodyPr>
+            <a:normAutofit fontScale="92500" lnSpcReduction="10000"/>
+          </a:bodyPr>
           <a:lstStyle/>
           <a:p>
             <a:r>
@@ -11487,14 +11676,34 @@
             <a:pPr lvl="1"/>
             <a:r>
               <a:rPr lang="hu-HU" dirty="0" smtClean="0"/>
-              <a:t>Fejlesztőeszköz:</a:t>
-            </a:r>
+              <a:t>Fejlesztői környezet:</a:t>
+            </a:r>
+            <a:endParaRPr lang="hu-HU" dirty="0" smtClean="0"/>
           </a:p>
           <a:p>
             <a:pPr lvl="2"/>
             <a:r>
               <a:rPr lang="hu-HU" dirty="0" smtClean="0"/>
-              <a:t>Azonnali függőségi analízis visszacsatolás a forráskód módosításával a teljes szoftverinfrastruktúrára!</a:t>
+              <a:t>Azonnali függőségi analízis visszacsatolás a forráskód módosításával a teljes szoftverinfrastruktúrára</a:t>
+            </a:r>
+            <a:r>
+              <a:rPr lang="hu-HU" dirty="0" smtClean="0"/>
+              <a:t>!</a:t>
+            </a:r>
+            <a:br>
+              <a:rPr lang="hu-HU" dirty="0" smtClean="0"/>
+            </a:br>
+            <a:r>
+              <a:rPr lang="hu-HU" dirty="0" smtClean="0"/>
+              <a:t>(= tipikus lokális munkakörnyezet – 5/10 projekt – és a teljes szoftverinfrastruktúra – 1000+ projekt – </a:t>
+            </a:r>
+            <a:r>
+              <a:rPr lang="hu-HU" b="1" dirty="0" smtClean="0"/>
+              <a:t>együttesén</a:t>
+            </a:r>
+            <a:r>
+              <a:rPr lang="hu-HU" dirty="0" smtClean="0"/>
+              <a:t> működjön, erőforráskorlátos fejlesztői gépeken is)</a:t>
             </a:r>
             <a:endParaRPr lang="en-US" dirty="0"/>
           </a:p>
@@ -11570,7 +11779,12 @@
             <p:ph type="title"/>
           </p:nvPr>
         </p:nvSpPr>
-        <p:spPr/>
+        <p:spPr>
+          <a:xfrm>
+            <a:off x="457200" y="9711"/>
+            <a:ext cx="8229600" cy="1143000"/>
+          </a:xfrm>
+        </p:spPr>
         <p:txBody>
           <a:bodyPr>
             <a:normAutofit/>
@@ -11597,45 +11811,115 @@
         </p:nvSpPr>
         <p:spPr>
           <a:xfrm>
-            <a:off x="533400" y="4932218"/>
-            <a:ext cx="7772400" cy="1905000"/>
+            <a:off x="533400" y="4572000"/>
+            <a:ext cx="8382000" cy="1905000"/>
           </a:xfrm>
         </p:spPr>
         <p:txBody>
           <a:bodyPr vert="horz" lIns="91440" tIns="45720" rIns="91440" bIns="45720" rtlCol="0">
-            <a:normAutofit/>
+            <a:normAutofit fontScale="77500" lnSpcReduction="20000"/>
           </a:bodyPr>
           <a:lstStyle/>
           <a:p>
             <a:r>
               <a:rPr lang="hu-HU" dirty="0" smtClean="0"/>
-              <a:t>Mérések valós projektekkel</a:t>
-            </a:r>
-          </a:p>
-          <a:p>
-            <a:r>
-              <a:rPr lang="hu-HU" dirty="0" smtClean="0"/>
-              <a:t>Függőségi </a:t>
+              <a:t>Mérések valós </a:t>
+            </a:r>
+            <a:r>
+              <a:rPr lang="hu-HU" dirty="0" smtClean="0"/>
+              <a:t>projektekkel (CERN Controls Systems)</a:t>
+            </a:r>
+            <a:endParaRPr lang="hu-HU" dirty="0" smtClean="0"/>
+          </a:p>
+          <a:p>
+            <a:r>
+              <a:rPr lang="hu-HU" dirty="0" smtClean="0"/>
+              <a:t>Teljes </a:t>
             </a:r>
             <a:r>
               <a:rPr lang="hu-HU" dirty="0"/>
-              <a:t>viszonyok felderítése: ~</a:t>
-            </a:r>
-            <a:r>
-              <a:rPr lang="hu-HU" dirty="0" smtClean="0"/>
-              <a:t>0,5sec/jar</a:t>
-            </a:r>
+              <a:t>függőségi analízis:</a:t>
+            </a:r>
+          </a:p>
+          <a:p>
+            <a:pPr lvl="1"/>
+            <a:r>
+              <a:rPr lang="en-US" dirty="0" smtClean="0"/>
+              <a:t>K</a:t>
+            </a:r>
+            <a:r>
+              <a:rPr lang="hu-HU" dirty="0" smtClean="0"/>
+              <a:t>b. 10 perc </a:t>
+            </a:r>
+            <a:r>
+              <a:rPr lang="hu-HU" b="1" dirty="0" smtClean="0"/>
+              <a:t>(vö: kb. 1 napos teljes build</a:t>
+            </a:r>
+            <a:r>
+              <a:rPr lang="hu-HU" dirty="0" smtClean="0"/>
+              <a:t>)</a:t>
+            </a:r>
+          </a:p>
+          <a:p>
+            <a:pPr lvl="1"/>
+            <a:r>
+              <a:rPr lang="hu-HU" dirty="0"/>
+              <a:t>Függőségi viszonyok </a:t>
+            </a:r>
+            <a:r>
+              <a:rPr lang="hu-HU" dirty="0" smtClean="0"/>
+              <a:t>felderítése és karbantartása: </a:t>
+            </a:r>
+            <a:r>
+              <a:rPr lang="hu-HU" dirty="0"/>
+              <a:t>~0,5sec</a:t>
+            </a:r>
+            <a:r>
+              <a:rPr lang="hu-HU" dirty="0" smtClean="0"/>
+              <a:t>/projekt </a:t>
+            </a:r>
+            <a:br>
+              <a:rPr lang="hu-HU" dirty="0" smtClean="0"/>
+            </a:br>
+            <a:r>
+              <a:rPr lang="hu-HU" b="1" dirty="0" smtClean="0"/>
+              <a:t>(vö: néhány perc / projekt build idő)</a:t>
+            </a:r>
+            <a:endParaRPr lang="hu-HU" b="1" dirty="0"/>
+          </a:p>
+          <a:p>
+            <a:r>
+              <a:rPr lang="hu-HU" dirty="0" smtClean="0"/>
+              <a:t>Függőségi l</a:t>
+            </a:r>
+            <a:r>
+              <a:rPr lang="hu-HU" dirty="0" smtClean="0"/>
+              <a:t>ekérdezés </a:t>
+            </a:r>
+            <a:r>
+              <a:rPr lang="hu-HU" dirty="0" smtClean="0"/>
+              <a:t>ideje </a:t>
+            </a:r>
+            <a:r>
+              <a:rPr lang="hu-HU" dirty="0" smtClean="0"/>
+              <a:t>egyetlen </a:t>
+            </a:r>
+            <a:r>
+              <a:rPr lang="hu-HU" dirty="0" smtClean="0"/>
+              <a:t>elemre: </a:t>
+            </a:r>
+            <a:r>
+              <a:rPr lang="hu-HU" dirty="0"/>
+              <a:t>~</a:t>
+            </a:r>
+            <a:r>
+              <a:rPr lang="hu-HU" dirty="0" smtClean="0"/>
+              <a:t>200ms</a:t>
+            </a:r>
+          </a:p>
+          <a:p>
+            <a:pPr lvl="1"/>
             <a:endParaRPr lang="hu-HU" dirty="0"/>
-          </a:p>
-          <a:p>
-            <a:r>
-              <a:rPr lang="hu-HU" dirty="0" smtClean="0"/>
-              <a:t>Explicit lekérdezés ideje 1 elemre: </a:t>
-            </a:r>
-            <a:r>
-              <a:rPr lang="hu-HU" dirty="0"/>
-              <a:t>~200ms</a:t>
-            </a:r>
           </a:p>
           <a:p>
             <a:endParaRPr lang="en-US" dirty="0"/>
@@ -11652,13 +11936,13 @@
             <p:ph sz="half" idx="2"/>
             <p:extLst>
               <p:ext uri="{D42A27DB-BD31-4B8C-83A1-F6EECF244321}">
-                <p14:modId xmlns:p14="http://schemas.microsoft.com/office/powerpoint/2010/main" val="3290703805"/>
+                <p14:modId xmlns:p14="http://schemas.microsoft.com/office/powerpoint/2010/main" val="3134798546"/>
               </p:ext>
             </p:extLst>
           </p:nvPr>
         </p:nvGraphicFramePr>
         <p:xfrm>
-          <a:off x="457200" y="1219200"/>
+          <a:off x="457200" y="838200"/>
           <a:ext cx="8153400" cy="3657600"/>
         </p:xfrm>
         <a:graphic>
@@ -11727,6 +12011,31 @@
           <a:chExt cx="0" cy="0"/>
         </a:xfrm>
       </p:grpSpPr>
+      <p:graphicFrame>
+        <p:nvGraphicFramePr>
+          <p:cNvPr id="9" name="Content Placeholder 8"/>
+          <p:cNvGraphicFramePr>
+            <a:graphicFrameLocks noGrp="1"/>
+          </p:cNvGraphicFramePr>
+          <p:nvPr>
+            <p:ph sz="quarter" idx="4"/>
+            <p:extLst>
+              <p:ext uri="{D42A27DB-BD31-4B8C-83A1-F6EECF244321}">
+                <p14:modId xmlns:p14="http://schemas.microsoft.com/office/powerpoint/2010/main" val="1020975718"/>
+              </p:ext>
+            </p:extLst>
+          </p:nvPr>
+        </p:nvGraphicFramePr>
+        <p:xfrm>
+          <a:off x="4218709" y="1524000"/>
+          <a:ext cx="4495800" cy="3810000"/>
+        </p:xfrm>
+        <a:graphic>
+          <a:graphicData uri="http://schemas.openxmlformats.org/drawingml/2006/chart">
+            <c:chart xmlns:c="http://schemas.openxmlformats.org/drawingml/2006/chart" xmlns:r="http://schemas.openxmlformats.org/officeDocument/2006/relationships" r:id="rId3"/>
+          </a:graphicData>
+        </a:graphic>
+      </p:graphicFrame>
       <p:sp>
         <p:nvSpPr>
           <p:cNvPr id="2" name="Title 1"/>
@@ -11760,7 +12069,7 @@
             <p:ph sz="half" idx="2"/>
             <p:extLst>
               <p:ext uri="{D42A27DB-BD31-4B8C-83A1-F6EECF244321}">
-                <p14:modId xmlns:p14="http://schemas.microsoft.com/office/powerpoint/2010/main" val="2222150180"/>
+                <p14:modId xmlns:p14="http://schemas.microsoft.com/office/powerpoint/2010/main" val="802661414"/>
               </p:ext>
             </p:extLst>
           </p:nvPr>
@@ -11771,35 +12080,242 @@
         </p:xfrm>
         <a:graphic>
           <a:graphicData uri="http://schemas.openxmlformats.org/drawingml/2006/chart">
-            <c:chart xmlns:c="http://schemas.openxmlformats.org/drawingml/2006/chart" xmlns:r="http://schemas.openxmlformats.org/officeDocument/2006/relationships" r:id="rId3"/>
-          </a:graphicData>
-        </a:graphic>
-      </p:graphicFrame>
-      <p:graphicFrame>
-        <p:nvGraphicFramePr>
-          <p:cNvPr id="9" name="Content Placeholder 8"/>
-          <p:cNvGraphicFramePr>
-            <a:graphicFrameLocks noGrp="1"/>
-          </p:cNvGraphicFramePr>
-          <p:nvPr>
-            <p:ph sz="quarter" idx="4"/>
-            <p:extLst>
-              <p:ext uri="{D42A27DB-BD31-4B8C-83A1-F6EECF244321}">
-                <p14:modId xmlns:p14="http://schemas.microsoft.com/office/powerpoint/2010/main" val="1152232928"/>
-              </p:ext>
-            </p:extLst>
-          </p:nvPr>
-        </p:nvGraphicFramePr>
-        <p:xfrm>
-          <a:off x="4218709" y="1524000"/>
-          <a:ext cx="4495800" cy="3810000"/>
-        </p:xfrm>
-        <a:graphic>
-          <a:graphicData uri="http://schemas.openxmlformats.org/drawingml/2006/chart">
             <c:chart xmlns:c="http://schemas.openxmlformats.org/drawingml/2006/chart" xmlns:r="http://schemas.openxmlformats.org/officeDocument/2006/relationships" r:id="rId4"/>
           </a:graphicData>
         </a:graphic>
       </p:graphicFrame>
+      <p:sp>
+        <p:nvSpPr>
+          <p:cNvPr id="3" name="Slide Number Placeholder 2"/>
+          <p:cNvSpPr>
+            <a:spLocks noGrp="1"/>
+          </p:cNvSpPr>
+          <p:nvPr>
+            <p:ph type="sldNum" sz="quarter" idx="12"/>
+          </p:nvPr>
+        </p:nvSpPr>
+        <p:spPr/>
+        <p:txBody>
+          <a:bodyPr/>
+          <a:lstStyle/>
+          <a:p>
+            <a:fld id="{E5B09FA9-A177-4256-9C7F-5CF31ABA7234}" type="slidenum">
+              <a:rPr lang="en-US" smtClean="0"/>
+              <a:t>19</a:t>
+            </a:fld>
+            <a:endParaRPr lang="en-US"/>
+          </a:p>
+        </p:txBody>
+      </p:sp>
+      <p:grpSp>
+        <p:nvGrpSpPr>
+          <p:cNvPr id="5" name="Group 4"/>
+          <p:cNvGrpSpPr/>
+          <p:nvPr/>
+        </p:nvGrpSpPr>
+        <p:grpSpPr>
+          <a:xfrm>
+            <a:off x="5715000" y="3657600"/>
+            <a:ext cx="3276600" cy="2819400"/>
+            <a:chOff x="5715000" y="3657600"/>
+            <a:chExt cx="3276600" cy="2819400"/>
+          </a:xfrm>
+        </p:grpSpPr>
+        <p:sp>
+          <p:nvSpPr>
+            <p:cNvPr id="4" name="Rounded Rectangular Callout 3"/>
+            <p:cNvSpPr/>
+            <p:nvPr/>
+          </p:nvSpPr>
+          <p:spPr>
+            <a:xfrm>
+              <a:off x="6400800" y="3657600"/>
+              <a:ext cx="2514600" cy="2819400"/>
+            </a:xfrm>
+            <a:prstGeom prst="wedgeRoundRectCallout">
+              <a:avLst>
+                <a:gd name="adj1" fmla="val 17190"/>
+                <a:gd name="adj2" fmla="val -86799"/>
+                <a:gd name="adj3" fmla="val 16667"/>
+              </a:avLst>
+            </a:prstGeom>
+          </p:spPr>
+          <p:style>
+            <a:lnRef idx="1">
+              <a:schemeClr val="accent1"/>
+            </a:lnRef>
+            <a:fillRef idx="3">
+              <a:schemeClr val="accent1"/>
+            </a:fillRef>
+            <a:effectRef idx="2">
+              <a:schemeClr val="accent1"/>
+            </a:effectRef>
+            <a:fontRef idx="minor">
+              <a:schemeClr val="lt1"/>
+            </a:fontRef>
+          </p:style>
+          <p:txBody>
+            <a:bodyPr rtlCol="0" anchor="ctr"/>
+            <a:lstStyle/>
+            <a:p>
+              <a:pPr algn="ctr"/>
+              <a:endParaRPr lang="en-US" sz="2000"/>
+            </a:p>
+          </p:txBody>
+        </p:sp>
+        <p:sp>
+          <p:nvSpPr>
+            <p:cNvPr id="10" name="Rounded Rectangular Callout 9"/>
+            <p:cNvSpPr/>
+            <p:nvPr/>
+          </p:nvSpPr>
+          <p:spPr>
+            <a:xfrm>
+              <a:off x="5715000" y="3657600"/>
+              <a:ext cx="3276600" cy="2819400"/>
+            </a:xfrm>
+            <a:prstGeom prst="wedgeRoundRectCallout">
+              <a:avLst>
+                <a:gd name="adj1" fmla="val -112309"/>
+                <a:gd name="adj2" fmla="val -89329"/>
+                <a:gd name="adj3" fmla="val 16667"/>
+              </a:avLst>
+            </a:prstGeom>
+          </p:spPr>
+          <p:style>
+            <a:lnRef idx="1">
+              <a:schemeClr val="accent1"/>
+            </a:lnRef>
+            <a:fillRef idx="3">
+              <a:schemeClr val="accent1"/>
+            </a:fillRef>
+            <a:effectRef idx="2">
+              <a:schemeClr val="accent1"/>
+            </a:effectRef>
+            <a:fontRef idx="minor">
+              <a:schemeClr val="lt1"/>
+            </a:fontRef>
+          </p:style>
+          <p:txBody>
+            <a:bodyPr rtlCol="0" anchor="ctr"/>
+            <a:lstStyle/>
+            <a:p>
+              <a:pPr marL="285750" indent="-285750">
+                <a:buFont typeface="Arial"/>
+                <a:buChar char="•"/>
+              </a:pPr>
+              <a:r>
+                <a:rPr lang="en-US" sz="2000" dirty="0" err="1" smtClean="0"/>
+                <a:t>Inicializációs</a:t>
+              </a:r>
+              <a:r>
+                <a:rPr lang="en-US" sz="2000" dirty="0" smtClean="0"/>
+                <a:t> </a:t>
+              </a:r>
+              <a:r>
+                <a:rPr lang="en-US" sz="2000" dirty="0" err="1" smtClean="0"/>
+                <a:t>idő</a:t>
+              </a:r>
+              <a:r>
+                <a:rPr lang="en-US" sz="2000" dirty="0" smtClean="0"/>
+                <a:t>: </a:t>
+              </a:r>
+              <a:r>
+                <a:rPr lang="en-US" sz="2000" dirty="0" err="1" smtClean="0"/>
+                <a:t>egy</a:t>
+              </a:r>
+              <a:r>
+                <a:rPr lang="en-US" sz="2000" dirty="0" smtClean="0"/>
+                <a:t> </a:t>
+              </a:r>
+              <a:r>
+                <a:rPr lang="en-US" sz="2000" dirty="0" err="1" smtClean="0"/>
+                <a:t>munkamenetben</a:t>
+              </a:r>
+              <a:r>
+                <a:rPr lang="en-US" sz="2000" dirty="0" smtClean="0"/>
+                <a:t> </a:t>
+              </a:r>
+              <a:r>
+                <a:rPr lang="en-US" sz="2000" dirty="0" err="1" smtClean="0"/>
+                <a:t>csak</a:t>
+              </a:r>
+              <a:r>
+                <a:rPr lang="en-US" sz="2000" dirty="0" smtClean="0"/>
+                <a:t> </a:t>
+              </a:r>
+              <a:r>
+                <a:rPr lang="en-US" sz="2000" dirty="0" err="1" smtClean="0"/>
+                <a:t>egyszer</a:t>
+              </a:r>
+              <a:r>
+                <a:rPr lang="en-US" sz="2000" dirty="0" smtClean="0"/>
+                <a:t> </a:t>
+              </a:r>
+              <a:r>
+                <a:rPr lang="en-US" sz="2000" dirty="0" err="1" smtClean="0"/>
+                <a:t>kell</a:t>
+              </a:r>
+              <a:r>
+                <a:rPr lang="en-US" sz="2000" dirty="0" smtClean="0"/>
+                <a:t> </a:t>
+              </a:r>
+              <a:r>
+                <a:rPr lang="en-US" sz="2000" dirty="0" err="1" smtClean="0"/>
+                <a:t>végrehajtani</a:t>
+              </a:r>
+              <a:endParaRPr lang="en-US" sz="2000" dirty="0" smtClean="0"/>
+            </a:p>
+            <a:p>
+              <a:pPr marL="285750" indent="-285750">
+                <a:buFont typeface="Arial"/>
+                <a:buChar char="•"/>
+              </a:pPr>
+              <a:r>
+                <a:rPr lang="en-US" sz="2000" dirty="0" err="1" smtClean="0"/>
+                <a:t>Memóriafoglalás</a:t>
+              </a:r>
+              <a:r>
+                <a:rPr lang="en-US" sz="2000" dirty="0" smtClean="0"/>
+                <a:t>: </a:t>
+              </a:r>
+              <a:r>
+                <a:rPr lang="en-US" sz="2000" dirty="0" err="1" smtClean="0"/>
+                <a:t>teljes</a:t>
+              </a:r>
+              <a:r>
+                <a:rPr lang="en-US" sz="2000" dirty="0" smtClean="0"/>
+                <a:t> </a:t>
+              </a:r>
+              <a:r>
+                <a:rPr lang="en-US" sz="2000" dirty="0" err="1" smtClean="0"/>
+                <a:t>éles</a:t>
+              </a:r>
+              <a:r>
+                <a:rPr lang="en-US" sz="2000" dirty="0" smtClean="0"/>
+                <a:t> </a:t>
+              </a:r>
+              <a:r>
+                <a:rPr lang="en-US" sz="2000" dirty="0" err="1" smtClean="0"/>
+                <a:t>infrastruktúra</a:t>
+              </a:r>
+              <a:r>
+                <a:rPr lang="en-US" sz="2000" dirty="0" smtClean="0"/>
+                <a:t> </a:t>
+              </a:r>
+              <a:r>
+                <a:rPr lang="en-US" sz="2000" dirty="0" err="1" smtClean="0"/>
+                <a:t>elfér</a:t>
+              </a:r>
+              <a:r>
+                <a:rPr lang="en-US" sz="2000" dirty="0" smtClean="0"/>
+                <a:t> 1GB RAM-ban</a:t>
+              </a:r>
+              <a:endParaRPr lang="en-US" sz="2000" dirty="0"/>
+            </a:p>
+          </p:txBody>
+        </p:sp>
+      </p:grpSp>
       <p:sp>
         <p:nvSpPr>
           <p:cNvPr id="12" name="Content Placeholder 5"/>
@@ -11810,12 +12326,17 @@
         </p:nvSpPr>
         <p:spPr>
           <a:xfrm>
-            <a:off x="637309" y="5529190"/>
-            <a:ext cx="8077200" cy="1554163"/>
+            <a:off x="637309" y="5529191"/>
+            <a:ext cx="8077200" cy="1024010"/>
           </a:xfrm>
           <a:prstGeom prst="rect">
             <a:avLst/>
           </a:prstGeom>
+          <a:solidFill>
+            <a:schemeClr val="bg1">
+              <a:lumMod val="95000"/>
+            </a:schemeClr>
+          </a:solidFill>
         </p:spPr>
         <p:txBody>
           <a:bodyPr vert="horz" lIns="91440" tIns="45720" rIns="91440" bIns="45720" rtlCol="0">
@@ -11892,7 +12413,19 @@
           <a:p>
             <a:r>
               <a:rPr lang="hu-HU" dirty="0" smtClean="0"/>
-              <a:t>Kiértékelés egy változtatás esetén: ~1ms az összes elemre </a:t>
+              <a:t>Kiértékelés egy változtatás esetén: ~1ms az </a:t>
+            </a:r>
+            <a:r>
+              <a:rPr lang="hu-HU" b="1" dirty="0" smtClean="0"/>
+              <a:t>összes</a:t>
+            </a:r>
+            <a:r>
+              <a:rPr lang="hu-HU" dirty="0" smtClean="0"/>
+              <a:t> </a:t>
+            </a:r>
+            <a:r>
+              <a:rPr lang="hu-HU" dirty="0" smtClean="0"/>
+              <a:t>elemre és kapcsolatra </a:t>
             </a:r>
             <a:r>
               <a:rPr lang="hu-HU" dirty="0" smtClean="0">
@@ -11907,29 +12440,6 @@
               <a:buNone/>
             </a:pPr>
             <a:endParaRPr lang="hu-HU" dirty="0" smtClean="0"/>
-          </a:p>
-        </p:txBody>
-      </p:sp>
-      <p:sp>
-        <p:nvSpPr>
-          <p:cNvPr id="3" name="Slide Number Placeholder 2"/>
-          <p:cNvSpPr>
-            <a:spLocks noGrp="1"/>
-          </p:cNvSpPr>
-          <p:nvPr>
-            <p:ph type="sldNum" sz="quarter" idx="12"/>
-          </p:nvPr>
-        </p:nvSpPr>
-        <p:spPr/>
-        <p:txBody>
-          <a:bodyPr/>
-          <a:lstStyle/>
-          <a:p>
-            <a:fld id="{E5B09FA9-A177-4256-9C7F-5CF31ABA7234}" type="slidenum">
-              <a:rPr lang="en-US" smtClean="0"/>
-              <a:t>19</a:t>
-            </a:fld>
-            <a:endParaRPr lang="en-US"/>
           </a:p>
         </p:txBody>
       </p:sp>
@@ -11946,9 +12456,125 @@
   <p:timing>
     <p:tnLst>
       <p:par>
-        <p:cTn xmlns:p14="http://schemas.microsoft.com/office/powerpoint/2010/main" id="1" dur="indefinite" restart="never" nodeType="tmRoot"/>
+        <p:cTn xmlns:p14="http://schemas.microsoft.com/office/powerpoint/2010/main" id="1" dur="indefinite" restart="never" nodeType="tmRoot">
+          <p:childTnLst>
+            <p:seq concurrent="1" nextAc="seek">
+              <p:cTn id="2" dur="indefinite" nodeType="mainSeq">
+                <p:childTnLst>
+                  <p:par>
+                    <p:cTn id="3" fill="hold">
+                      <p:stCondLst>
+                        <p:cond delay="indefinite"/>
+                      </p:stCondLst>
+                      <p:childTnLst>
+                        <p:par>
+                          <p:cTn id="4" fill="hold">
+                            <p:stCondLst>
+                              <p:cond delay="0"/>
+                            </p:stCondLst>
+                            <p:childTnLst>
+                              <p:par>
+                                <p:cTn id="5" presetID="1" presetClass="entr" presetSubtype="0" fill="hold" nodeType="clickEffect">
+                                  <p:stCondLst>
+                                    <p:cond delay="0"/>
+                                  </p:stCondLst>
+                                  <p:childTnLst>
+                                    <p:set>
+                                      <p:cBhvr>
+                                        <p:cTn id="6" dur="1" fill="hold">
+                                          <p:stCondLst>
+                                            <p:cond delay="0"/>
+                                          </p:stCondLst>
+                                        </p:cTn>
+                                        <p:tgtEl>
+                                          <p:spTgt spid="5"/>
+                                        </p:tgtEl>
+                                        <p:attrNameLst>
+                                          <p:attrName>style.visibility</p:attrName>
+                                        </p:attrNameLst>
+                                      </p:cBhvr>
+                                      <p:to>
+                                        <p:strVal val="visible"/>
+                                      </p:to>
+                                    </p:set>
+                                  </p:childTnLst>
+                                </p:cTn>
+                              </p:par>
+                            </p:childTnLst>
+                          </p:cTn>
+                        </p:par>
+                      </p:childTnLst>
+                    </p:cTn>
+                  </p:par>
+                  <p:par>
+                    <p:cTn id="7" fill="hold">
+                      <p:stCondLst>
+                        <p:cond delay="indefinite"/>
+                      </p:stCondLst>
+                      <p:childTnLst>
+                        <p:par>
+                          <p:cTn id="8" fill="hold">
+                            <p:stCondLst>
+                              <p:cond delay="0"/>
+                            </p:stCondLst>
+                            <p:childTnLst>
+                              <p:par>
+                                <p:cTn id="9" presetID="1" presetClass="entr" presetSubtype="0" fill="hold" grpId="0" nodeType="clickEffect">
+                                  <p:stCondLst>
+                                    <p:cond delay="0"/>
+                                  </p:stCondLst>
+                                  <p:childTnLst>
+                                    <p:set>
+                                      <p:cBhvr>
+                                        <p:cTn id="10" dur="1" fill="hold">
+                                          <p:stCondLst>
+                                            <p:cond delay="0"/>
+                                          </p:stCondLst>
+                                        </p:cTn>
+                                        <p:tgtEl>
+                                          <p:spTgt spid="12"/>
+                                        </p:tgtEl>
+                                        <p:attrNameLst>
+                                          <p:attrName>style.visibility</p:attrName>
+                                        </p:attrNameLst>
+                                      </p:cBhvr>
+                                      <p:to>
+                                        <p:strVal val="visible"/>
+                                      </p:to>
+                                    </p:set>
+                                  </p:childTnLst>
+                                </p:cTn>
+                              </p:par>
+                            </p:childTnLst>
+                          </p:cTn>
+                        </p:par>
+                      </p:childTnLst>
+                    </p:cTn>
+                  </p:par>
+                </p:childTnLst>
+              </p:cTn>
+              <p:prevCondLst>
+                <p:cond evt="onPrev" delay="0">
+                  <p:tgtEl>
+                    <p:sldTgt/>
+                  </p:tgtEl>
+                </p:cond>
+              </p:prevCondLst>
+              <p:nextCondLst>
+                <p:cond evt="onNext" delay="0">
+                  <p:tgtEl>
+                    <p:sldTgt/>
+                  </p:tgtEl>
+                </p:cond>
+              </p:nextCondLst>
+            </p:seq>
+          </p:childTnLst>
+        </p:cTn>
       </p:par>
     </p:tnLst>
+    <p:bldLst>
+      <p:bldP spid="12" grpId="0" animBg="1"/>
+    </p:bldLst>
   </p:timing>
 </p:sld>
 </file>
@@ -12101,7 +12727,14 @@
           <a:p>
             <a:r>
               <a:rPr lang="hu-HU" dirty="0" smtClean="0"/>
-              <a:t>Eredmények és távlati célok</a:t>
+              <a:t>Eredmények, </a:t>
+            </a:r>
+            <a:br>
+              <a:rPr lang="hu-HU" dirty="0" smtClean="0"/>
+            </a:br>
+            <a:r>
+              <a:rPr lang="hu-HU" dirty="0" smtClean="0"/>
+              <a:t>továbbfejlesztési lehetőségek</a:t>
             </a:r>
             <a:endParaRPr lang="en-US" dirty="0"/>
           </a:p>
@@ -12122,10 +12755,6 @@
           <a:bodyPr/>
           <a:lstStyle/>
           <a:p>
-            <a:r>
-              <a:rPr lang="hu-HU" dirty="0" smtClean="0"/>
-              <a:t>Értékelés</a:t>
-            </a:r>
             <a:endParaRPr lang="en-US" dirty="0"/>
           </a:p>
         </p:txBody>
@@ -12223,7 +12852,12 @@
             <p:ph idx="1"/>
           </p:nvPr>
         </p:nvSpPr>
-        <p:spPr/>
+        <p:spPr>
+          <a:xfrm>
+            <a:off x="457200" y="1600200"/>
+            <a:ext cx="8229600" cy="4953000"/>
+          </a:xfrm>
+        </p:spPr>
         <p:txBody>
           <a:bodyPr>
             <a:normAutofit fontScale="77500" lnSpcReduction="20000"/>
@@ -12245,7 +12879,15 @@
           <a:p>
             <a:r>
               <a:rPr lang="hu-HU" dirty="0" smtClean="0"/>
-              <a:t>Kiterjesztés valós idejű, hibrid függőségi analízisre</a:t>
+              <a:t>Kiterjesztés </a:t>
+            </a:r>
+            <a:r>
+              <a:rPr lang="hu-HU" dirty="0" smtClean="0"/>
+              <a:t>azonnali, </a:t>
+            </a:r>
+            <a:r>
+              <a:rPr lang="hu-HU" dirty="0" smtClean="0"/>
+              <a:t>hibrid függőségi analízisre</a:t>
             </a:r>
           </a:p>
           <a:p>
@@ -12265,33 +12907,75 @@
           <a:p>
             <a:r>
               <a:rPr lang="hu-HU" dirty="0" smtClean="0"/>
-              <a:t>A rendszer jelenleg éles használatban van</a:t>
-            </a:r>
+              <a:t>A rendszer jelenleg éles használatban </a:t>
+            </a:r>
+            <a:r>
+              <a:rPr lang="hu-HU" dirty="0" smtClean="0"/>
+              <a:t>van:</a:t>
+            </a:r>
+            <a:br>
+              <a:rPr lang="hu-HU" dirty="0" smtClean="0"/>
+            </a:br>
+            <a:r>
+              <a:rPr lang="hu-HU" dirty="0" smtClean="0"/>
+              <a:t>CERN </a:t>
+            </a:r>
+            <a:r>
+              <a:rPr lang="hu-HU" dirty="0" smtClean="0"/>
+              <a:t>Controls </a:t>
+            </a:r>
+            <a:r>
+              <a:rPr lang="hu-HU" dirty="0" smtClean="0"/>
+              <a:t>Systems</a:t>
+            </a:r>
+            <a:endParaRPr lang="hu-HU" dirty="0" smtClean="0"/>
           </a:p>
           <a:p>
             <a:pPr lvl="1"/>
             <a:r>
               <a:rPr lang="hu-HU" dirty="0" smtClean="0"/>
-              <a:t>CERN Controls Systems:</a:t>
-            </a:r>
-          </a:p>
-          <a:p>
-            <a:pPr lvl="2"/>
-            <a:r>
-              <a:rPr lang="hu-HU" dirty="0" smtClean="0"/>
-              <a:t>Svájci kutatólaboratórium; részecskegyorsító irányítási rendszereinek szoftvereihez</a:t>
-            </a:r>
-          </a:p>
-          <a:p>
-            <a:pPr lvl="2"/>
+              <a:t>Svájci kutatólaboratórium; részecskegyorsító irányítási </a:t>
+            </a:r>
             <a:r>
               <a:rPr lang="hu-HU" dirty="0"/>
+              <a:t>rendszereinek szoftvereihez, </a:t>
+            </a:r>
+            <a:r>
+              <a:rPr lang="en-US" dirty="0"/>
+              <a:t>24/7 </a:t>
+            </a:r>
+            <a:r>
+              <a:rPr lang="en-US" dirty="0" err="1" smtClean="0"/>
+              <a:t>üzem</a:t>
+            </a:r>
+            <a:endParaRPr lang="en-US" dirty="0" smtClean="0"/>
+          </a:p>
+          <a:p>
+            <a:pPr lvl="1"/>
+            <a:r>
+              <a:rPr lang="hu-HU" dirty="0" smtClean="0"/>
               <a:t>~</a:t>
             </a:r>
             <a:r>
               <a:rPr lang="hu-HU" dirty="0" smtClean="0"/>
-              <a:t>1300 Java projekt, 24/7 üzemidő</a:t>
-            </a:r>
+              <a:t>1300 Java projekt, </a:t>
+            </a:r>
+            <a:r>
+              <a:rPr lang="hu-HU" dirty="0" smtClean="0"/>
+              <a:t>projektenként átlag 15 verzió, átlagosan 10 release / nap</a:t>
+            </a:r>
+          </a:p>
+          <a:p>
+            <a:pPr lvl="1"/>
+            <a:r>
+              <a:rPr lang="en-US" dirty="0" smtClean="0"/>
+              <a:t>V</a:t>
+            </a:r>
+            <a:r>
+              <a:rPr lang="hu-HU" dirty="0" smtClean="0"/>
+              <a:t>irtualizált fejlesztői munkaállomások (2GB RAM)</a:t>
+            </a:r>
+            <a:endParaRPr lang="hu-HU" dirty="0" smtClean="0"/>
           </a:p>
         </p:txBody>
       </p:sp>
@@ -12394,27 +13078,69 @@
           <a:lstStyle/>
           <a:p>
             <a:r>
-              <a:rPr lang="hu-HU" dirty="0" smtClean="0"/>
-              <a:t>Jobb felhasználói felület integráció</a:t>
-            </a:r>
-          </a:p>
-          <a:p>
-            <a:r>
-              <a:rPr lang="hu-HU" dirty="0" smtClean="0"/>
-              <a:t>Kiterjeszés C/C++ szoftverekre</a:t>
-            </a:r>
-          </a:p>
-          <a:p>
-            <a:r>
-              <a:rPr lang="hu-HU" dirty="0" smtClean="0"/>
-              <a:t>Lekérdezés-alapú metrikák érvényesítése</a:t>
-            </a:r>
-          </a:p>
-          <a:p>
-            <a:r>
-              <a:rPr lang="hu-HU" dirty="0" smtClean="0"/>
-              <a:t>Szélesebb körű függőségek felderítése</a:t>
-            </a:r>
+              <a:rPr lang="hu-HU" dirty="0"/>
+              <a:t>F</a:t>
+            </a:r>
+            <a:r>
+              <a:rPr lang="hu-HU" dirty="0" smtClean="0"/>
+              <a:t>elhasználói </a:t>
+            </a:r>
+            <a:r>
+              <a:rPr lang="hu-HU" dirty="0" smtClean="0"/>
+              <a:t>felület </a:t>
+            </a:r>
+            <a:r>
+              <a:rPr lang="hu-HU" dirty="0" smtClean="0"/>
+              <a:t>integráció kiterjesztése</a:t>
+            </a:r>
+          </a:p>
+          <a:p>
+            <a:pPr lvl="1"/>
+            <a:r>
+              <a:rPr lang="hu-HU" dirty="0" smtClean="0"/>
+              <a:t>Eclipse-be épített függőségi keresés kiváltása</a:t>
+            </a:r>
+            <a:endParaRPr lang="hu-HU" dirty="0" smtClean="0"/>
+          </a:p>
+          <a:p>
+            <a:r>
+              <a:rPr lang="hu-HU" dirty="0" smtClean="0"/>
+              <a:t>Kiterjeszés C/C++ </a:t>
+            </a:r>
+            <a:r>
+              <a:rPr lang="hu-HU" dirty="0" smtClean="0"/>
+              <a:t>szoftverekre</a:t>
+            </a:r>
+          </a:p>
+          <a:p>
+            <a:pPr lvl="1"/>
+            <a:r>
+              <a:rPr lang="hu-HU" dirty="0" smtClean="0"/>
+              <a:t>Eclipse CDT alapján</a:t>
+            </a:r>
+            <a:endParaRPr lang="hu-HU" dirty="0" smtClean="0"/>
+          </a:p>
+          <a:p>
+            <a:r>
+              <a:rPr lang="hu-HU" dirty="0" smtClean="0"/>
+              <a:t>Szoftver</a:t>
+            </a:r>
+            <a:r>
+              <a:rPr lang="hu-HU" dirty="0" smtClean="0"/>
+              <a:t>metrikák azonnali ellenőrzése</a:t>
+            </a:r>
+          </a:p>
+          <a:p>
+            <a:pPr lvl="1"/>
+            <a:r>
+              <a:rPr lang="en-US" dirty="0" smtClean="0"/>
+              <a:t>G</a:t>
+            </a:r>
+            <a:r>
+              <a:rPr lang="hu-HU" dirty="0" smtClean="0"/>
+              <a:t>ráfminták kiterjesztése metrikákra</a:t>
+            </a:r>
+            <a:endParaRPr lang="hu-HU" dirty="0" smtClean="0"/>
           </a:p>
           <a:p>
             <a:endParaRPr lang="en-US" dirty="0"/>
@@ -14174,7 +14900,14 @@
             <a:pPr lvl="2"/>
             <a:r>
               <a:rPr lang="hu-HU" dirty="0" smtClean="0"/>
-              <a:t>A fejlesztő gépén kivárhatatlan</a:t>
+              <a:t>A fejlesztő gépén kivárhatatlan (fordítási idő több órás, napos nagyságrendű)</a:t>
+            </a:r>
+          </a:p>
+          <a:p>
+            <a:pPr lvl="1"/>
+            <a:r>
+              <a:rPr lang="hu-HU" dirty="0" smtClean="0"/>
+              <a:t>Nem mindig elérhető a forráskód</a:t>
             </a:r>
             <a:endParaRPr lang="hu-HU" dirty="0" smtClean="0"/>
           </a:p>
@@ -14292,7 +15025,22 @@
           <a:p>
             <a:r>
               <a:rPr lang="hu-HU" dirty="0"/>
-              <a:t>Szoftver életciklus: gyakori hibajavítások, új funkciók</a:t>
+              <a:t>Szoftver életciklus: </a:t>
+            </a:r>
+            <a:r>
+              <a:rPr lang="hu-HU" dirty="0" smtClean="0"/>
+              <a:t/>
+            </a:r>
+            <a:br>
+              <a:rPr lang="hu-HU" dirty="0" smtClean="0"/>
+            </a:br>
+            <a:r>
+              <a:rPr lang="hu-HU" dirty="0" smtClean="0"/>
+              <a:t>gyakori </a:t>
+            </a:r>
+            <a:r>
+              <a:rPr lang="hu-HU" dirty="0"/>
+              <a:t>hibajavítások, új funkciók</a:t>
             </a:r>
           </a:p>
           <a:p>
@@ -14476,7 +15224,7 @@
         <p:spPr/>
         <p:txBody>
           <a:bodyPr>
-            <a:normAutofit fontScale="92500" lnSpcReduction="10000"/>
+            <a:normAutofit fontScale="77500" lnSpcReduction="20000"/>
           </a:bodyPr>
           <a:lstStyle/>
           <a:p>
@@ -14494,8 +15242,21 @@
             </a:r>
             <a:r>
               <a:rPr lang="hu-HU" dirty="0"/>
-              <a:t>viszonyok ismerete</a:t>
-            </a:r>
+              <a:t>viszonyok </a:t>
+            </a:r>
+            <a:r>
+              <a:rPr lang="hu-HU" dirty="0" smtClean="0"/>
+              <a:t>ismerete a </a:t>
+            </a:r>
+            <a:r>
+              <a:rPr lang="hu-HU" b="1" dirty="0" smtClean="0"/>
+              <a:t>teljes</a:t>
+            </a:r>
+            <a:r>
+              <a:rPr lang="hu-HU" dirty="0" smtClean="0"/>
+              <a:t> szoftverinfrastruktúrán (komponensek, verziók)</a:t>
+            </a:r>
+            <a:endParaRPr lang="hu-HU" dirty="0"/>
           </a:p>
           <a:p>
             <a:pPr lvl="1"/>
@@ -14517,25 +15278,34 @@
               <a:t> </a:t>
             </a:r>
             <a:r>
-              <a:rPr lang="hu-HU" dirty="0" smtClean="0"/>
+              <a:rPr lang="hu-HU" i="1" dirty="0" smtClean="0"/>
               <a:t>Mit </a:t>
             </a:r>
             <a:r>
-              <a:rPr lang="hu-HU" dirty="0"/>
+              <a:rPr lang="hu-HU" i="1" dirty="0"/>
               <a:t>változtathatunk meg és </a:t>
             </a:r>
             <a:r>
-              <a:rPr lang="hu-HU" dirty="0" smtClean="0"/>
+              <a:rPr lang="hu-HU" i="1" dirty="0" smtClean="0"/>
               <a:t>hogyan</a:t>
             </a:r>
-            <a:endParaRPr lang="hu-HU" dirty="0"/>
+            <a:endParaRPr lang="hu-HU" i="1" dirty="0"/>
           </a:p>
           <a:p>
             <a:pPr marL="285750" indent="-285750"/>
             <a:r>
               <a:rPr lang="hu-HU" dirty="0" smtClean="0"/>
-              <a:t>Megvalósítás: szerver-kliens architektúrával</a:t>
-            </a:r>
+              <a:t>Javasolt megvalósítás</a:t>
+            </a:r>
+            <a:r>
+              <a:rPr lang="hu-HU" dirty="0" smtClean="0"/>
+              <a:t>: szerver-kliens </a:t>
+            </a:r>
+            <a:r>
+              <a:rPr lang="hu-HU" dirty="0" smtClean="0"/>
+              <a:t>architektúrájú függőségkezelő eszköz</a:t>
+            </a:r>
+            <a:endParaRPr lang="hu-HU" dirty="0" smtClean="0"/>
           </a:p>
           <a:p>
             <a:pPr lvl="1">
@@ -14544,11 +15314,7 @@
             </a:pPr>
             <a:r>
               <a:rPr lang="hu-HU" dirty="0" smtClean="0"/>
-              <a:t>Szerver</a:t>
-            </a:r>
-            <a:r>
-              <a:rPr lang="hu-HU" dirty="0"/>
-              <a:t>: </a:t>
+              <a:t>Szerver (build rendszer): </a:t>
             </a:r>
             <a:endParaRPr lang="hu-HU" dirty="0" smtClean="0"/>
           </a:p>
@@ -14556,12 +15322,23 @@
             <a:pPr lvl="2"/>
             <a:r>
               <a:rPr lang="hu-HU" dirty="0" smtClean="0"/>
-              <a:t>Gyors </a:t>
-            </a:r>
-            <a:r>
-              <a:rPr lang="hu-HU" dirty="0"/>
-              <a:t>bináris analízis</a:t>
-            </a:r>
+              <a:t>Gyors függőségi analízis a binárisokon</a:t>
+            </a:r>
+          </a:p>
+          <a:p>
+            <a:pPr lvl="2"/>
+            <a:r>
+              <a:rPr lang="hu-HU" dirty="0" smtClean="0"/>
+              <a:t>Függőségi adatbázis építése és karbantartása</a:t>
+            </a:r>
+          </a:p>
+          <a:p>
+            <a:pPr lvl="2"/>
+            <a:r>
+              <a:rPr lang="hu-HU" dirty="0" smtClean="0"/>
+              <a:t>A szoftveréletciklusba integrált módon</a:t>
+            </a:r>
+            <a:endParaRPr lang="hu-HU" dirty="0"/>
           </a:p>
           <a:p>
             <a:pPr lvl="1">
@@ -14569,8 +15346,8 @@
               <a:buChar char="•"/>
             </a:pPr>
             <a:r>
-              <a:rPr lang="hu-HU" dirty="0"/>
-              <a:t>Kliens: </a:t>
+              <a:rPr lang="hu-HU" dirty="0" smtClean="0"/>
+              <a:t>Kliens (fejlesztői munkaállomások): </a:t>
             </a:r>
             <a:endParaRPr lang="hu-HU" dirty="0" smtClean="0"/>
           </a:p>
@@ -14583,6 +15360,17 @@
             <a:r>
               <a:rPr lang="hu-HU" dirty="0"/>
               <a:t>lekérdezés </a:t>
+            </a:r>
+            <a:r>
+              <a:rPr lang="hu-HU" dirty="0" smtClean="0"/>
+              <a:t>az adatbázison</a:t>
+            </a:r>
+          </a:p>
+          <a:p>
+            <a:pPr lvl="2"/>
+            <a:r>
+              <a:rPr lang="hu-HU" dirty="0" smtClean="0"/>
+              <a:t>Eclipse keretrendszerbe integrálva</a:t>
             </a:r>
             <a:endParaRPr lang="hu-HU" dirty="0" smtClean="0"/>
           </a:p>
@@ -14669,16 +15457,21 @@
             <p:ph type="title"/>
           </p:nvPr>
         </p:nvSpPr>
-        <p:spPr/>
+        <p:spPr>
+          <a:xfrm>
+            <a:off x="722312" y="4406900"/>
+            <a:ext cx="8193088" cy="1362075"/>
+          </a:xfrm>
+        </p:spPr>
         <p:txBody>
           <a:bodyPr>
-            <a:normAutofit/>
+            <a:normAutofit fontScale="90000"/>
           </a:bodyPr>
           <a:lstStyle/>
           <a:p>
             <a:r>
               <a:rPr lang="hu-HU" dirty="0" smtClean="0"/>
-              <a:t>függőségek explicit lekérdezése</a:t>
+              <a:t>Függőségi adatbázis származtatása bytekód analízis alapján </a:t>
             </a:r>
             <a:endParaRPr lang="en-US" dirty="0"/>
           </a:p>
@@ -14699,10 +15492,6 @@
           <a:bodyPr/>
           <a:lstStyle/>
           <a:p>
-            <a:r>
-              <a:rPr lang="hu-HU" dirty="0" smtClean="0"/>
-              <a:t>Az elkészült eszköz</a:t>
-            </a:r>
             <a:endParaRPr lang="en-US" dirty="0"/>
           </a:p>
         </p:txBody>
@@ -16175,7 +16964,7 @@
         </p:spPr>
         <p:txBody>
           <a:bodyPr vert="horz" lIns="91440" tIns="45720" rIns="91440" bIns="45720" rtlCol="0" anchor="ctr">
-            <a:normAutofit/>
+            <a:normAutofit fontScale="92500" lnSpcReduction="20000"/>
           </a:bodyPr>
           <a:lstStyle>
             <a:lvl1pPr algn="ctr" defTabSz="914400" rtl="0" eaLnBrk="1" latinLnBrk="0" hangingPunct="1">
@@ -16196,7 +16985,7 @@
           <a:p>
             <a:r>
               <a:rPr lang="hu-HU" dirty="0" smtClean="0"/>
-              <a:t>Lekérdezések</a:t>
+              <a:t>Integráció a fejlesztői keretrendszerbe</a:t>
             </a:r>
             <a:endParaRPr lang="en-US" dirty="0"/>
           </a:p>
@@ -16212,8 +17001,8 @@
         </p:nvSpPr>
         <p:spPr>
           <a:xfrm>
-            <a:off x="457200" y="1600200"/>
-            <a:ext cx="4038600" cy="4525963"/>
+            <a:off x="457200" y="1600201"/>
+            <a:ext cx="4038600" cy="609600"/>
           </a:xfrm>
           <a:prstGeom prst="rect">
             <a:avLst/>
@@ -16367,51 +17156,8 @@
             </a:pPr>
             <a:r>
               <a:rPr lang="hu-HU" dirty="0" smtClean="0"/>
-              <a:t>Lekérdezés futtatása:</a:t>
-            </a:r>
-          </a:p>
-          <a:p>
-            <a:pPr marL="857250" lvl="2" indent="-457200">
-              <a:buFont typeface="+mj-lt"/>
-              <a:buAutoNum type="arabicPeriod"/>
-            </a:pPr>
-            <a:r>
-              <a:rPr lang="hu-HU" dirty="0" smtClean="0"/>
-              <a:t>Elem kiválasztása a szerkesztőben</a:t>
-            </a:r>
-          </a:p>
-          <a:p>
-            <a:pPr marL="857250" lvl="2" indent="-457200">
-              <a:buFont typeface="+mj-lt"/>
-              <a:buAutoNum type="arabicPeriod"/>
-            </a:pPr>
-            <a:r>
-              <a:rPr lang="hu-HU" dirty="0" smtClean="0"/>
-              <a:t>Elem nevének feloldása</a:t>
-            </a:r>
-          </a:p>
-          <a:p>
-            <a:pPr marL="857250" lvl="2" indent="-457200">
-              <a:buFont typeface="+mj-lt"/>
-              <a:buAutoNum type="arabicPeriod"/>
-            </a:pPr>
-            <a:r>
-              <a:rPr lang="hu-HU" dirty="0" smtClean="0"/>
-              <a:t>Lekérdezés küldése</a:t>
-            </a:r>
-          </a:p>
-          <a:p>
-            <a:pPr marL="857250" lvl="2" indent="-457200">
-              <a:buFont typeface="+mj-lt"/>
-              <a:buAutoNum type="arabicPeriod"/>
-            </a:pPr>
-            <a:r>
-              <a:rPr lang="hu-HU" dirty="0" smtClean="0"/>
-              <a:t>Eredmény: a kiválasztott elem függőségei</a:t>
-            </a:r>
-          </a:p>
-          <a:p>
-            <a:pPr marL="742950" lvl="2" indent="-342900"/>
+              <a:t>Fejlesztési folyamat</a:t>
+            </a:r>
             <a:endParaRPr lang="hu-HU" dirty="0" smtClean="0"/>
           </a:p>
           <a:p>
@@ -16521,6 +17267,210 @@
           </a:p>
         </p:txBody>
       </p:sp>
+      <p:pic>
+        <p:nvPicPr>
+          <p:cNvPr id="7" name="Picture 6"/>
+          <p:cNvPicPr>
+            <a:picLocks noChangeAspect="1"/>
+          </p:cNvPicPr>
+          <p:nvPr/>
+        </p:nvPicPr>
+        <p:blipFill>
+          <a:blip r:embed="rId5"/>
+          <a:stretch>
+            <a:fillRect/>
+          </a:stretch>
+        </p:blipFill>
+        <p:spPr>
+          <a:xfrm>
+            <a:off x="304800" y="2362200"/>
+            <a:ext cx="4254500" cy="3390900"/>
+          </a:xfrm>
+          <a:prstGeom prst="rect">
+            <a:avLst/>
+          </a:prstGeom>
+        </p:spPr>
+      </p:pic>
+      <p:grpSp>
+        <p:nvGrpSpPr>
+          <p:cNvPr id="10" name="Group 9"/>
+          <p:cNvGrpSpPr/>
+          <p:nvPr/>
+        </p:nvGrpSpPr>
+        <p:grpSpPr>
+          <a:xfrm>
+            <a:off x="228600" y="2362200"/>
+            <a:ext cx="3200400" cy="4267200"/>
+            <a:chOff x="228600" y="2362200"/>
+            <a:chExt cx="3200400" cy="4267200"/>
+          </a:xfrm>
+        </p:grpSpPr>
+        <p:sp>
+          <p:nvSpPr>
+            <p:cNvPr id="8" name="Rectangle 7"/>
+            <p:cNvSpPr/>
+            <p:nvPr/>
+          </p:nvSpPr>
+          <p:spPr>
+            <a:xfrm>
+              <a:off x="1905000" y="2362200"/>
+              <a:ext cx="1447800" cy="685800"/>
+            </a:xfrm>
+            <a:prstGeom prst="rect">
+              <a:avLst/>
+            </a:prstGeom>
+            <a:solidFill>
+              <a:schemeClr val="lt1">
+                <a:alpha val="0"/>
+              </a:schemeClr>
+            </a:solidFill>
+            <a:ln w="57150" cmpd="sng"/>
+          </p:spPr>
+          <p:style>
+            <a:lnRef idx="2">
+              <a:schemeClr val="accent2"/>
+            </a:lnRef>
+            <a:fillRef idx="1">
+              <a:schemeClr val="lt1"/>
+            </a:fillRef>
+            <a:effectRef idx="0">
+              <a:schemeClr val="accent2"/>
+            </a:effectRef>
+            <a:fontRef idx="minor">
+              <a:schemeClr val="dk1"/>
+            </a:fontRef>
+          </p:style>
+          <p:txBody>
+            <a:bodyPr rtlCol="0" anchor="ctr"/>
+            <a:lstStyle/>
+            <a:p>
+              <a:pPr algn="ctr"/>
+              <a:endParaRPr lang="en-US" sz="2000"/>
+            </a:p>
+          </p:txBody>
+        </p:sp>
+        <p:sp>
+          <p:nvSpPr>
+            <p:cNvPr id="9" name="Rounded Rectangular Callout 8"/>
+            <p:cNvSpPr/>
+            <p:nvPr/>
+          </p:nvSpPr>
+          <p:spPr>
+            <a:xfrm>
+              <a:off x="228600" y="4495800"/>
+              <a:ext cx="3200400" cy="2133600"/>
+            </a:xfrm>
+            <a:prstGeom prst="wedgeRoundRectCallout">
+              <a:avLst>
+                <a:gd name="adj1" fmla="val 44938"/>
+                <a:gd name="adj2" fmla="val -122241"/>
+                <a:gd name="adj3" fmla="val 16667"/>
+              </a:avLst>
+            </a:prstGeom>
+          </p:spPr>
+          <p:style>
+            <a:lnRef idx="2">
+              <a:schemeClr val="accent2">
+                <a:shade val="50000"/>
+              </a:schemeClr>
+            </a:lnRef>
+            <a:fillRef idx="1">
+              <a:schemeClr val="accent2"/>
+            </a:fillRef>
+            <a:effectRef idx="0">
+              <a:schemeClr val="accent2"/>
+            </a:effectRef>
+            <a:fontRef idx="minor">
+              <a:schemeClr val="lt1"/>
+            </a:fontRef>
+          </p:style>
+          <p:txBody>
+            <a:bodyPr rtlCol="0" anchor="ctr"/>
+            <a:lstStyle/>
+            <a:p>
+              <a:r>
+                <a:rPr lang="en-US" sz="2000" dirty="0" err="1" smtClean="0"/>
+                <a:t>Lekérdezések</a:t>
+              </a:r>
+              <a:r>
+                <a:rPr lang="en-US" sz="2000" dirty="0" smtClean="0"/>
+                <a:t> </a:t>
+              </a:r>
+              <a:r>
+                <a:rPr lang="en-US" sz="2000" dirty="0" err="1" smtClean="0"/>
+                <a:t>futtatása</a:t>
+              </a:r>
+              <a:endParaRPr lang="en-US" sz="2000" dirty="0" smtClean="0"/>
+            </a:p>
+            <a:p>
+              <a:pPr marL="285750" indent="-285750">
+                <a:buFont typeface="Arial"/>
+                <a:buChar char="•"/>
+              </a:pPr>
+              <a:r>
+                <a:rPr lang="en-US" sz="2000" dirty="0" err="1" smtClean="0"/>
+                <a:t>Kódmódosítás</a:t>
+              </a:r>
+              <a:r>
+                <a:rPr lang="en-US" sz="2000" dirty="0" smtClean="0"/>
+                <a:t> </a:t>
+              </a:r>
+              <a:r>
+                <a:rPr lang="en-US" sz="2000" dirty="0" err="1" smtClean="0"/>
+                <a:t>közben</a:t>
+              </a:r>
+              <a:r>
+                <a:rPr lang="en-US" sz="2000" dirty="0" smtClean="0"/>
+                <a:t> </a:t>
+              </a:r>
+              <a:r>
+                <a:rPr lang="en-US" sz="2000" dirty="0" err="1" smtClean="0"/>
+                <a:t>igény</a:t>
+              </a:r>
+              <a:r>
+                <a:rPr lang="en-US" sz="2000" dirty="0" smtClean="0"/>
+                <a:t> </a:t>
+              </a:r>
+              <a:r>
+                <a:rPr lang="en-US" sz="2000" dirty="0" err="1" smtClean="0"/>
+                <a:t>szerint</a:t>
+              </a:r>
+              <a:endParaRPr lang="en-US" sz="2000" dirty="0" smtClean="0"/>
+            </a:p>
+            <a:p>
+              <a:pPr marL="285750" indent="-285750">
+                <a:buFont typeface="Arial"/>
+                <a:buChar char="•"/>
+              </a:pPr>
+              <a:r>
+                <a:rPr lang="en-US" sz="2000" dirty="0" smtClean="0"/>
+                <a:t>Release </a:t>
+              </a:r>
+              <a:r>
+                <a:rPr lang="en-US" sz="2000" dirty="0" err="1" smtClean="0"/>
+                <a:t>előtt</a:t>
+              </a:r>
+              <a:r>
+                <a:rPr lang="en-US" sz="2000" dirty="0" smtClean="0"/>
+                <a:t> </a:t>
+              </a:r>
+              <a:r>
+                <a:rPr lang="en-US" sz="2000" dirty="0" err="1" smtClean="0"/>
+                <a:t>ellenőrzési</a:t>
+              </a:r>
+              <a:r>
+                <a:rPr lang="en-US" sz="2000" dirty="0" smtClean="0"/>
+                <a:t> </a:t>
+              </a:r>
+              <a:r>
+                <a:rPr lang="en-US" sz="2000" dirty="0" err="1" smtClean="0"/>
+                <a:t>céllal</a:t>
+              </a:r>
+              <a:endParaRPr lang="en-US" sz="2000" dirty="0"/>
+            </a:p>
+          </p:txBody>
+        </p:sp>
+      </p:grpSp>
     </p:spTree>
     <p:extLst>
       <p:ext uri="{BB962C8B-B14F-4D97-AF65-F5344CB8AC3E}">
@@ -16534,7 +17484,75 @@
   <p:timing>
     <p:tnLst>
       <p:par>
-        <p:cTn xmlns:p14="http://schemas.microsoft.com/office/powerpoint/2010/main" id="1" dur="indefinite" restart="never" nodeType="tmRoot"/>
+        <p:cTn xmlns:p14="http://schemas.microsoft.com/office/powerpoint/2010/main" id="1" dur="indefinite" restart="never" nodeType="tmRoot">
+          <p:childTnLst>
+            <p:seq concurrent="1" nextAc="seek">
+              <p:cTn id="2" dur="indefinite" nodeType="mainSeq">
+                <p:childTnLst>
+                  <p:par>
+                    <p:cTn id="3" fill="hold">
+                      <p:stCondLst>
+                        <p:cond delay="indefinite"/>
+                      </p:stCondLst>
+                      <p:childTnLst>
+                        <p:par>
+                          <p:cTn id="4" fill="hold">
+                            <p:stCondLst>
+                              <p:cond delay="0"/>
+                            </p:stCondLst>
+                            <p:childTnLst>
+                              <p:par>
+                                <p:cTn id="5" presetID="1" presetClass="entr" presetSubtype="0" fill="hold" nodeType="clickEffect">
+                                  <p:stCondLst>
+                                    <p:cond delay="0"/>
+                                  </p:stCondLst>
+                                  <p:childTnLst>
+                                    <p:set>
+                                      <p:cBhvr>
+                                        <p:cTn id="6" dur="1" fill="hold">
+                                          <p:stCondLst>
+                                            <p:cond delay="0"/>
+                                          </p:stCondLst>
+                                        </p:cTn>
+                                        <p:tgtEl>
+                                          <p:spTgt spid="10"/>
+                                        </p:tgtEl>
+                                        <p:attrNameLst>
+                                          <p:attrName>style.visibility</p:attrName>
+                                        </p:attrNameLst>
+                                      </p:cBhvr>
+                                      <p:to>
+                                        <p:strVal val="visible"/>
+                                      </p:to>
+                                    </p:set>
+                                  </p:childTnLst>
+                                </p:cTn>
+                              </p:par>
+                            </p:childTnLst>
+                          </p:cTn>
+                        </p:par>
+                      </p:childTnLst>
+                    </p:cTn>
+                  </p:par>
+                </p:childTnLst>
+              </p:cTn>
+              <p:prevCondLst>
+                <p:cond evt="onPrev" delay="0">
+                  <p:tgtEl>
+                    <p:sldTgt/>
+                  </p:tgtEl>
+                </p:cond>
+              </p:prevCondLst>
+              <p:nextCondLst>
+                <p:cond evt="onNext" delay="0">
+                  <p:tgtEl>
+                    <p:sldTgt/>
+                  </p:tgtEl>
+                </p:cond>
+              </p:nextCondLst>
+            </p:seq>
+          </p:childTnLst>
+        </p:cTn>
       </p:par>
     </p:tnLst>
   </p:timing>

--- a/incquery-deps-documentation/presentation/tdk_pres_hu_v3.pptx
+++ b/incquery-deps-documentation/presentation/tdk_pres_hu_v3.pptx
@@ -5,7 +5,7 @@
     <p:sldMasterId id="2147483648" r:id="rId1"/>
   </p:sldMasterIdLst>
   <p:notesMasterIdLst>
-    <p:notesMasterId r:id="rId24"/>
+    <p:notesMasterId r:id="rId28"/>
   </p:notesMasterIdLst>
   <p:sldIdLst>
     <p:sldId id="256" r:id="rId2"/>
@@ -30,6 +30,10 @@
     <p:sldId id="271" r:id="rId21"/>
     <p:sldId id="272" r:id="rId22"/>
     <p:sldId id="273" r:id="rId23"/>
+    <p:sldId id="280" r:id="rId24"/>
+    <p:sldId id="281" r:id="rId25"/>
+    <p:sldId id="282" r:id="rId26"/>
+    <p:sldId id="283" r:id="rId27"/>
   </p:sldIdLst>
   <p:sldSz cx="9144000" cy="6858000" type="screen4x3"/>
   <p:notesSz cx="6858000" cy="9144000"/>
@@ -172,10 +176,10 @@
           <c:layoutTarget val="inner"/>
           <c:xMode val="edge"/>
           <c:yMode val="edge"/>
-          <c:x val="0.0929491991071209"/>
+          <c:x val="9.2949199107120906E-2"/>
           <c:y val="0.225597709377237"/>
-          <c:w val="0.888178161757558"/>
-          <c:h val="0.630507577681822"/>
+          <c:w val="0.88817816175755804"/>
+          <c:h val="0.63050757768182197"/>
         </c:manualLayout>
       </c:layout>
       <c:lineChart>
@@ -202,46 +206,46 @@
                 <c:formatCode>General</c:formatCode>
                 <c:ptCount val="14"/>
                 <c:pt idx="0">
-                  <c:v>97.0</c:v>
+                  <c:v>97</c:v>
                 </c:pt>
                 <c:pt idx="1">
-                  <c:v>194.0</c:v>
+                  <c:v>194</c:v>
                 </c:pt>
                 <c:pt idx="2">
-                  <c:v>292.0</c:v>
+                  <c:v>292</c:v>
                 </c:pt>
                 <c:pt idx="3">
-                  <c:v>389.0</c:v>
+                  <c:v>389</c:v>
                 </c:pt>
                 <c:pt idx="4">
-                  <c:v>488.0</c:v>
+                  <c:v>488</c:v>
                 </c:pt>
                 <c:pt idx="5">
-                  <c:v>587.0</c:v>
+                  <c:v>587</c:v>
                 </c:pt>
                 <c:pt idx="6">
-                  <c:v>683.0</c:v>
+                  <c:v>683</c:v>
                 </c:pt>
                 <c:pt idx="7">
-                  <c:v>782.0</c:v>
+                  <c:v>782</c:v>
                 </c:pt>
                 <c:pt idx="8">
-                  <c:v>881.0</c:v>
+                  <c:v>881</c:v>
                 </c:pt>
                 <c:pt idx="9">
-                  <c:v>967.0</c:v>
+                  <c:v>967</c:v>
                 </c:pt>
                 <c:pt idx="10">
-                  <c:v>1065.0</c:v>
+                  <c:v>1065</c:v>
                 </c:pt>
                 <c:pt idx="11">
-                  <c:v>1161.0</c:v>
+                  <c:v>1161</c:v>
                 </c:pt>
                 <c:pt idx="12">
-                  <c:v>1260.0</c:v>
+                  <c:v>1260</c:v>
                 </c:pt>
                 <c:pt idx="13">
-                  <c:v>1312.0</c:v>
+                  <c:v>1312</c:v>
                 </c:pt>
               </c:numCache>
             </c:numRef>
@@ -253,46 +257,46 @@
                 <c:formatCode>General</c:formatCode>
                 <c:ptCount val="14"/>
                 <c:pt idx="0">
-                  <c:v>67.0</c:v>
+                  <c:v>67</c:v>
                 </c:pt>
                 <c:pt idx="1">
-                  <c:v>109.0</c:v>
+                  <c:v>109</c:v>
                 </c:pt>
                 <c:pt idx="2">
-                  <c:v>157.0</c:v>
+                  <c:v>157</c:v>
                 </c:pt>
                 <c:pt idx="3">
-                  <c:v>196.0</c:v>
+                  <c:v>196</c:v>
                 </c:pt>
                 <c:pt idx="4">
-                  <c:v>240.0</c:v>
+                  <c:v>240</c:v>
                 </c:pt>
                 <c:pt idx="5">
-                  <c:v>254.0</c:v>
+                  <c:v>254</c:v>
                 </c:pt>
                 <c:pt idx="6">
-                  <c:v>319.0</c:v>
+                  <c:v>319</c:v>
                 </c:pt>
                 <c:pt idx="7">
-                  <c:v>364.0</c:v>
+                  <c:v>364</c:v>
                 </c:pt>
                 <c:pt idx="8">
-                  <c:v>403.0</c:v>
+                  <c:v>403</c:v>
                 </c:pt>
                 <c:pt idx="9">
-                  <c:v>445.0</c:v>
+                  <c:v>445</c:v>
                 </c:pt>
                 <c:pt idx="10">
-                  <c:v>474.0</c:v>
+                  <c:v>474</c:v>
                 </c:pt>
                 <c:pt idx="11">
-                  <c:v>503.0</c:v>
+                  <c:v>503</c:v>
                 </c:pt>
                 <c:pt idx="12">
-                  <c:v>541.0</c:v>
+                  <c:v>541</c:v>
                 </c:pt>
                 <c:pt idx="13">
-                  <c:v>575.0</c:v>
+                  <c:v>575</c:v>
                 </c:pt>
               </c:numCache>
             </c:numRef>
@@ -309,11 +313,11 @@
         </c:dLbls>
         <c:marker val="1"/>
         <c:smooth val="0"/>
-        <c:axId val="-2121310248"/>
-        <c:axId val="-2121304360"/>
+        <c:axId val="77012480"/>
+        <c:axId val="51676288"/>
       </c:lineChart>
       <c:catAx>
-        <c:axId val="-2121310248"/>
+        <c:axId val="77012480"/>
         <c:scaling>
           <c:orientation val="minMax"/>
         </c:scaling>
@@ -357,7 +361,7 @@
             <a:endParaRPr lang="en-US"/>
           </a:p>
         </c:txPr>
-        <c:crossAx val="-2121304360"/>
+        <c:crossAx val="51676288"/>
         <c:crosses val="autoZero"/>
         <c:auto val="0"/>
         <c:lblAlgn val="ctr"/>
@@ -367,7 +371,7 @@
         <c:noMultiLvlLbl val="0"/>
       </c:catAx>
       <c:valAx>
-        <c:axId val="-2121304360"/>
+        <c:axId val="51676288"/>
         <c:scaling>
           <c:orientation val="minMax"/>
         </c:scaling>
@@ -408,7 +412,7 @@
             <a:endParaRPr lang="en-US"/>
           </a:p>
         </c:txPr>
-        <c:crossAx val="-2121310248"/>
+        <c:crossAx val="77012480"/>
         <c:crosses val="autoZero"/>
         <c:crossBetween val="between"/>
       </c:valAx>
@@ -484,16 +488,16 @@
                 <c:formatCode>General</c:formatCode>
                 <c:ptCount val="4"/>
                 <c:pt idx="0">
-                  <c:v>100.0</c:v>
+                  <c:v>100</c:v>
                 </c:pt>
                 <c:pt idx="1">
-                  <c:v>200.0</c:v>
+                  <c:v>200</c:v>
                 </c:pt>
                 <c:pt idx="2">
-                  <c:v>300.0</c:v>
+                  <c:v>300</c:v>
                 </c:pt>
                 <c:pt idx="3">
-                  <c:v>400.0</c:v>
+                  <c:v>400</c:v>
                 </c:pt>
               </c:numCache>
             </c:numRef>
@@ -505,16 +509,16 @@
                 <c:formatCode>General</c:formatCode>
                 <c:ptCount val="4"/>
                 <c:pt idx="0">
-                  <c:v>385.0</c:v>
+                  <c:v>385</c:v>
                 </c:pt>
                 <c:pt idx="1">
-                  <c:v>669.0</c:v>
+                  <c:v>669</c:v>
                 </c:pt>
                 <c:pt idx="2">
-                  <c:v>819.0</c:v>
+                  <c:v>819</c:v>
                 </c:pt>
                 <c:pt idx="3">
-                  <c:v>1021.0</c:v>
+                  <c:v>1021</c:v>
                 </c:pt>
               </c:numCache>
             </c:numRef>
@@ -531,11 +535,11 @@
         </c:dLbls>
         <c:marker val="1"/>
         <c:smooth val="0"/>
-        <c:axId val="-2122069720"/>
-        <c:axId val="-2122075512"/>
+        <c:axId val="77162496"/>
+        <c:axId val="51642944"/>
       </c:lineChart>
       <c:catAx>
-        <c:axId val="-2122069720"/>
+        <c:axId val="77162496"/>
         <c:scaling>
           <c:orientation val="minMax"/>
         </c:scaling>
@@ -579,7 +583,7 @@
             <a:endParaRPr lang="en-US"/>
           </a:p>
         </c:txPr>
-        <c:crossAx val="-2122075512"/>
+        <c:crossAx val="51642944"/>
         <c:crosses val="autoZero"/>
         <c:auto val="1"/>
         <c:lblAlgn val="ctr"/>
@@ -587,7 +591,7 @@
         <c:noMultiLvlLbl val="0"/>
       </c:catAx>
       <c:valAx>
-        <c:axId val="-2122075512"/>
+        <c:axId val="51642944"/>
         <c:scaling>
           <c:orientation val="minMax"/>
         </c:scaling>
@@ -628,7 +632,7 @@
             <a:endParaRPr lang="en-US"/>
           </a:p>
         </c:txPr>
-        <c:crossAx val="-2122069720"/>
+        <c:crossAx val="77162496"/>
         <c:crosses val="autoZero"/>
         <c:crossBetween val="between"/>
       </c:valAx>
@@ -704,16 +708,16 @@
                 <c:formatCode>General</c:formatCode>
                 <c:ptCount val="4"/>
                 <c:pt idx="0">
-                  <c:v>100.0</c:v>
+                  <c:v>100</c:v>
                 </c:pt>
                 <c:pt idx="1">
-                  <c:v>200.0</c:v>
+                  <c:v>200</c:v>
                 </c:pt>
                 <c:pt idx="2">
-                  <c:v>300.0</c:v>
+                  <c:v>300</c:v>
                 </c:pt>
                 <c:pt idx="3">
-                  <c:v>400.0</c:v>
+                  <c:v>400</c:v>
                 </c:pt>
               </c:numCache>
             </c:numRef>
@@ -725,16 +729,16 @@
                 <c:formatCode>General</c:formatCode>
                 <c:ptCount val="4"/>
                 <c:pt idx="0">
-                  <c:v>7.0</c:v>
+                  <c:v>7</c:v>
                 </c:pt>
                 <c:pt idx="1">
-                  <c:v>13.0</c:v>
+                  <c:v>13</c:v>
                 </c:pt>
                 <c:pt idx="2">
-                  <c:v>28.0</c:v>
+                  <c:v>28</c:v>
                 </c:pt>
                 <c:pt idx="3">
-                  <c:v>52.0</c:v>
+                  <c:v>52</c:v>
                 </c:pt>
               </c:numCache>
             </c:numRef>
@@ -751,11 +755,11 @@
         </c:dLbls>
         <c:marker val="1"/>
         <c:smooth val="0"/>
-        <c:axId val="-2122037240"/>
-        <c:axId val="-2122043048"/>
+        <c:axId val="77163008"/>
+        <c:axId val="51644672"/>
       </c:lineChart>
       <c:catAx>
-        <c:axId val="-2122037240"/>
+        <c:axId val="77163008"/>
         <c:scaling>
           <c:orientation val="minMax"/>
         </c:scaling>
@@ -772,19 +776,11 @@
                 </a:pPr>
                 <a:r>
                   <a:rPr lang="hu-HU" sz="1600" dirty="0" smtClean="0"/>
-                  <a:t>Betöltött </a:t>
-                </a:r>
-                <a:r>
-                  <a:rPr lang="hu-HU" sz="1600" dirty="0" smtClean="0"/>
-                  <a:t>projektek</a:t>
+                  <a:t>Betöltött projektek</a:t>
                 </a:r>
                 <a:r>
                   <a:rPr lang="hu-HU" sz="1600" baseline="0" dirty="0" smtClean="0"/>
-                  <a:t> </a:t>
-                </a:r>
-                <a:r>
-                  <a:rPr lang="hu-HU" sz="1600" baseline="0" dirty="0" smtClean="0"/>
-                  <a:t>száma</a:t>
+                  <a:t> száma</a:t>
                 </a:r>
                 <a:endParaRPr lang="en-US" sz="1600" dirty="0"/>
               </a:p>
@@ -807,7 +803,7 @@
             <a:endParaRPr lang="en-US"/>
           </a:p>
         </c:txPr>
-        <c:crossAx val="-2122043048"/>
+        <c:crossAx val="51644672"/>
         <c:crosses val="autoZero"/>
         <c:auto val="1"/>
         <c:lblAlgn val="ctr"/>
@@ -815,7 +811,7 @@
         <c:noMultiLvlLbl val="0"/>
       </c:catAx>
       <c:valAx>
-        <c:axId val="-2122043048"/>
+        <c:axId val="51644672"/>
         <c:scaling>
           <c:orientation val="minMax"/>
         </c:scaling>
@@ -856,7 +852,7 @@
             <a:endParaRPr lang="en-US"/>
           </a:p>
         </c:txPr>
-        <c:crossAx val="-2122037240"/>
+        <c:crossAx val="77163008"/>
         <c:crosses val="autoZero"/>
         <c:crossBetween val="between"/>
       </c:valAx>
@@ -953,7 +949,7 @@
           <a:p>
             <a:fld id="{B6BB6350-B212-4879-B209-4DF49D0B4F10}" type="datetimeFigureOut">
               <a:rPr lang="en-US" smtClean="0"/>
-              <a:t>11/13/12</a:t>
+              <a:t>11/13/2012</a:t>
             </a:fld>
             <a:endParaRPr lang="en-US"/>
           </a:p>
@@ -2779,7 +2775,7 @@
             <a:fld id="{988E2377-5A2B-4430-898A-9BDF4D4B2C89}" type="datetime1">
               <a:rPr lang="hu-HU" smtClean="0"/>
               <a:pPr/>
-              <a:t>11/13/12</a:t>
+              <a:t>2012.11.13.</a:t>
             </a:fld>
             <a:endParaRPr lang="en-US" dirty="0"/>
           </a:p>
@@ -2821,7 +2817,7 @@
   <p:timing>
     <p:tnLst>
       <p:par>
-        <p:cTn xmlns:p14="http://schemas.microsoft.com/office/powerpoint/2010/main" id="1" dur="indefinite" restart="never" nodeType="tmRoot"/>
+        <p:cTn id="1" dur="indefinite" restart="never" nodeType="tmRoot"/>
       </p:par>
     </p:tnLst>
   </p:timing>
@@ -2938,7 +2934,7 @@
           <a:p>
             <a:fld id="{EBB51852-6F03-4A13-AA91-55B0596808AB}" type="datetime1">
               <a:rPr lang="en-US" smtClean="0"/>
-              <a:t>11/13/12</a:t>
+              <a:t>11/13/2012</a:t>
             </a:fld>
             <a:endParaRPr lang="en-US"/>
           </a:p>
@@ -3118,7 +3114,7 @@
           <a:p>
             <a:fld id="{AEC4224A-B86D-480C-80D3-0B1F736D6B50}" type="datetime1">
               <a:rPr lang="en-US" smtClean="0"/>
-              <a:t>11/13/12</a:t>
+              <a:t>11/13/2012</a:t>
             </a:fld>
             <a:endParaRPr lang="en-US"/>
           </a:p>
@@ -3288,7 +3284,7 @@
           <a:p>
             <a:fld id="{FC89F6FF-6983-47B6-896B-DFAD3FEC5404}" type="datetime1">
               <a:rPr lang="en-US" smtClean="0"/>
-              <a:t>11/13/12</a:t>
+              <a:t>11/13/2012</a:t>
             </a:fld>
             <a:endParaRPr lang="en-US"/>
           </a:p>
@@ -3534,7 +3530,7 @@
           <a:p>
             <a:fld id="{4FD5BFFF-D6A7-404D-B75B-FD402B77D341}" type="datetime1">
               <a:rPr lang="en-US" smtClean="0"/>
-              <a:t>11/13/12</a:t>
+              <a:t>11/13/2012</a:t>
             </a:fld>
             <a:endParaRPr lang="en-US"/>
           </a:p>
@@ -3822,7 +3818,7 @@
           <a:p>
             <a:fld id="{675379F5-84BC-483B-951E-F251080202DB}" type="datetime1">
               <a:rPr lang="en-US" smtClean="0"/>
-              <a:t>11/13/12</a:t>
+              <a:t>11/13/2012</a:t>
             </a:fld>
             <a:endParaRPr lang="en-US"/>
           </a:p>
@@ -4244,7 +4240,7 @@
           <a:p>
             <a:fld id="{7C24BFC6-6DC7-44C8-975D-44F36F89785D}" type="datetime1">
               <a:rPr lang="en-US" smtClean="0"/>
-              <a:t>11/13/12</a:t>
+              <a:t>11/13/2012</a:t>
             </a:fld>
             <a:endParaRPr lang="en-US"/>
           </a:p>
@@ -4362,7 +4358,7 @@
           <a:p>
             <a:fld id="{D603358A-7423-4A08-AD10-C1AABD3EC89A}" type="datetime1">
               <a:rPr lang="en-US" smtClean="0"/>
-              <a:t>11/13/12</a:t>
+              <a:t>11/13/2012</a:t>
             </a:fld>
             <a:endParaRPr lang="en-US"/>
           </a:p>
@@ -4457,7 +4453,7 @@
           <a:p>
             <a:fld id="{7C8EBF4A-BDC5-4ACC-A8F9-3185B72C1A00}" type="datetime1">
               <a:rPr lang="en-US" smtClean="0"/>
-              <a:t>11/13/12</a:t>
+              <a:t>11/13/2012</a:t>
             </a:fld>
             <a:endParaRPr lang="en-US"/>
           </a:p>
@@ -4734,7 +4730,7 @@
           <a:p>
             <a:fld id="{381D60EE-3D79-455C-ACAD-DB08D31B7304}" type="datetime1">
               <a:rPr lang="en-US" smtClean="0"/>
-              <a:t>11/13/12</a:t>
+              <a:t>11/13/2012</a:t>
             </a:fld>
             <a:endParaRPr lang="en-US"/>
           </a:p>
@@ -4987,7 +4983,7 @@
           <a:p>
             <a:fld id="{7B864028-9744-478B-88E3-26F084497025}" type="datetime1">
               <a:rPr lang="en-US" smtClean="0"/>
-              <a:t>11/13/12</a:t>
+              <a:t>11/13/2012</a:t>
             </a:fld>
             <a:endParaRPr lang="en-US"/>
           </a:p>
@@ -5221,7 +5217,7 @@
           <a:p>
             <a:fld id="{9C3E8280-08C7-4D0C-A667-EBCDF03AF467}" type="datetime1">
               <a:rPr lang="en-US" smtClean="0"/>
-              <a:t>11/13/12</a:t>
+              <a:t>11/13/2012</a:t>
             </a:fld>
             <a:endParaRPr lang="en-US"/>
           </a:p>
@@ -5668,7 +5664,7 @@
           <a:p>
             <a:fld id="{69502636-3651-4D64-AD56-5443027FFC3F}" type="datetime1">
               <a:rPr lang="hu-HU" smtClean="0"/>
-              <a:t>11/13/12</a:t>
+              <a:t>2012.11.13.</a:t>
             </a:fld>
             <a:endParaRPr lang="en-US"/>
           </a:p>
@@ -5687,7 +5683,7 @@
   <p:timing>
     <p:tnLst>
       <p:par>
-        <p:cTn xmlns:p14="http://schemas.microsoft.com/office/powerpoint/2010/main" id="1" dur="indefinite" restart="never" nodeType="tmRoot"/>
+        <p:cTn id="1" dur="indefinite" restart="never" nodeType="tmRoot"/>
       </p:par>
     </p:tnLst>
   </p:timing>
@@ -6086,14 +6082,14 @@
             </a:ln>
             <a:effectLst/>
             <a:extLst>
-              <a:ext uri="{909E8E84-426E-40dd-AFC4-6F175D3DCCD1}">
+              <a:ext uri="{909E8E84-426E-40DD-AFC4-6F175D3DCCD1}">
                 <a14:hiddenFill xmlns:a14="http://schemas.microsoft.com/office/drawing/2010/main">
                   <a:solidFill>
                     <a:schemeClr val="accent1"/>
                   </a:solidFill>
                 </a14:hiddenFill>
               </a:ext>
-              <a:ext uri="{91240B29-F687-4f45-9708-019B960494DF}">
+              <a:ext uri="{91240B29-F687-4F45-9708-019B960494DF}">
                 <a14:hiddenLine xmlns:a14="http://schemas.microsoft.com/office/drawing/2010/main" w="9525">
                   <a:solidFill>
                     <a:schemeClr val="tx1"/>
@@ -6103,7 +6099,7 @@
                   <a:tailEnd/>
                 </a14:hiddenLine>
               </a:ext>
-              <a:ext uri="{AF507438-7753-43e0-B8FC-AC1667EBCBE1}">
+              <a:ext uri="{AF507438-7753-43E0-B8FC-AC1667EBCBE1}">
                 <a14:hiddenEffects xmlns:a14="http://schemas.microsoft.com/office/drawing/2010/main">
                   <a:effectLst>
                     <a:outerShdw dist="35921" dir="2700000" algn="ctr" rotWithShape="0">
@@ -6562,7 +6558,7 @@
   <p:timing>
     <p:tnLst>
       <p:par>
-        <p:cTn xmlns:p14="http://schemas.microsoft.com/office/powerpoint/2010/main" id="1" dur="indefinite" restart="never" nodeType="tmRoot"/>
+        <p:cTn id="1" dur="indefinite" restart="never" nodeType="tmRoot"/>
       </p:par>
     </p:tnLst>
   </p:timing>
@@ -6671,7 +6667,7 @@
   <p:timing>
     <p:tnLst>
       <p:par>
-        <p:cTn xmlns:p14="http://schemas.microsoft.com/office/powerpoint/2010/main" id="1" dur="indefinite" restart="never" nodeType="tmRoot"/>
+        <p:cTn id="1" dur="indefinite" restart="never" nodeType="tmRoot"/>
       </p:par>
     </p:tnLst>
   </p:timing>
@@ -6751,11 +6747,7 @@
             <a:pPr lvl="1"/>
             <a:r>
               <a:rPr lang="hu-HU" dirty="0" smtClean="0"/>
-              <a:t>Lekérdezések </a:t>
-            </a:r>
-            <a:r>
-              <a:rPr lang="hu-HU" dirty="0" smtClean="0"/>
-              <a:t>csak </a:t>
+              <a:t>Lekérdezések csak </a:t>
             </a:r>
             <a:r>
               <a:rPr lang="hu-HU" b="1" dirty="0" smtClean="0"/>
@@ -6763,11 +6755,7 @@
             </a:r>
             <a:r>
               <a:rPr lang="hu-HU" dirty="0" smtClean="0"/>
-              <a:t> </a:t>
-            </a:r>
-            <a:r>
-              <a:rPr lang="hu-HU" dirty="0" smtClean="0"/>
-              <a:t>elem függőségeire</a:t>
+              <a:t> elem függőségeire</a:t>
             </a:r>
           </a:p>
           <a:p>
@@ -6836,11 +6824,7 @@
             </a:br>
             <a:r>
               <a:rPr lang="hu-HU" dirty="0" smtClean="0"/>
-              <a:t>Forráskód </a:t>
-            </a:r>
-            <a:r>
-              <a:rPr lang="hu-HU" dirty="0" smtClean="0"/>
-              <a:t>és függőségi </a:t>
+              <a:t>Forráskód és függőségi </a:t>
             </a:r>
             <a:r>
               <a:rPr lang="hu-HU" dirty="0"/>
@@ -6848,7 +6832,14 @@
             </a:r>
             <a:r>
               <a:rPr lang="hu-HU" dirty="0" smtClean="0"/>
-              <a:t>összekapcsolása (</a:t>
+              <a:t>összekapcsolása</a:t>
+            </a:r>
+            <a:br>
+              <a:rPr lang="hu-HU" dirty="0" smtClean="0"/>
+            </a:br>
+            <a:r>
+              <a:rPr lang="hu-HU" dirty="0" smtClean="0"/>
+              <a:t>(</a:t>
             </a:r>
             <a:r>
               <a:rPr lang="hu-HU" b="1" dirty="0" smtClean="0"/>
@@ -6856,7 +6847,15 @@
             </a:r>
             <a:r>
               <a:rPr lang="hu-HU" dirty="0" smtClean="0"/>
-              <a:t> analízis)</a:t>
+              <a:t> </a:t>
+            </a:r>
+            <a:r>
+              <a:rPr lang="hu-HU" b="1" dirty="0" smtClean="0"/>
+              <a:t>analízis</a:t>
+            </a:r>
+            <a:r>
+              <a:rPr lang="hu-HU" dirty="0" smtClean="0"/>
+              <a:t>)</a:t>
             </a:r>
             <a:endParaRPr lang="hu-HU" dirty="0"/>
           </a:p>
@@ -6870,12 +6869,12 @@
               <a:rPr lang="hu-HU" dirty="0" smtClean="0"/>
             </a:br>
             <a:r>
-              <a:rPr lang="hu-HU" dirty="0" smtClean="0"/>
-              <a:t>Inkrementális lekérdezések </a:t>
-            </a:r>
-            <a:r>
-              <a:rPr lang="hu-HU" dirty="0" smtClean="0"/>
-              <a:t>az </a:t>
+              <a:rPr lang="hu-HU" b="1" dirty="0" smtClean="0"/>
+              <a:t>Inkrementális lekérdezések</a:t>
+            </a:r>
+            <a:r>
+              <a:rPr lang="hu-HU" dirty="0" smtClean="0"/>
+              <a:t> az </a:t>
             </a:r>
             <a:r>
               <a:rPr lang="hu-HU" b="1" dirty="0" smtClean="0"/>
@@ -6883,13 +6882,8 @@
             </a:r>
             <a:r>
               <a:rPr lang="hu-HU" dirty="0" smtClean="0"/>
-              <a:t> elem </a:t>
-            </a:r>
-            <a:r>
-              <a:rPr lang="hu-HU" dirty="0" smtClean="0"/>
-              <a:t>függőségeire</a:t>
-            </a:r>
-            <a:endParaRPr lang="hu-HU" dirty="0" smtClean="0"/>
+              <a:t> elem függőségeire</a:t>
+            </a:r>
           </a:p>
           <a:p>
             <a:pPr marL="457200" lvl="1" indent="0">
@@ -6935,7 +6929,7 @@
   <p:timing>
     <p:tnLst>
       <p:par>
-        <p:cTn xmlns:p14="http://schemas.microsoft.com/office/powerpoint/2010/main" id="1" dur="indefinite" restart="never" nodeType="tmRoot"/>
+        <p:cTn id="1" dur="indefinite" restart="never" nodeType="tmRoot"/>
       </p:par>
     </p:tnLst>
   </p:timing>
@@ -7431,14 +7425,14 @@
             </a:ln>
             <a:effectLst/>
             <a:extLst>
-              <a:ext uri="{909E8E84-426E-40dd-AFC4-6F175D3DCCD1}">
+              <a:ext uri="{909E8E84-426E-40DD-AFC4-6F175D3DCCD1}">
                 <a14:hiddenFill xmlns:a14="http://schemas.microsoft.com/office/drawing/2010/main">
                   <a:solidFill>
                     <a:schemeClr val="accent1"/>
                   </a:solidFill>
                 </a14:hiddenFill>
               </a:ext>
-              <a:ext uri="{91240B29-F687-4f45-9708-019B960494DF}">
+              <a:ext uri="{91240B29-F687-4F45-9708-019B960494DF}">
                 <a14:hiddenLine xmlns:a14="http://schemas.microsoft.com/office/drawing/2010/main" w="9525">
                   <a:solidFill>
                     <a:schemeClr val="tx1"/>
@@ -7448,7 +7442,7 @@
                   <a:tailEnd/>
                 </a14:hiddenLine>
               </a:ext>
-              <a:ext uri="{AF507438-7753-43e0-B8FC-AC1667EBCBE1}">
+              <a:ext uri="{AF507438-7753-43E0-B8FC-AC1667EBCBE1}">
                 <a14:hiddenEffects xmlns:a14="http://schemas.microsoft.com/office/drawing/2010/main">
                   <a:effectLst>
                     <a:outerShdw dist="35921" dir="2700000" algn="ctr" rotWithShape="0">
@@ -7969,17 +7963,8 @@
           <a:p>
             <a:r>
               <a:rPr lang="hu-HU" dirty="0" smtClean="0"/>
-              <a:t>Tömörített </a:t>
-            </a:r>
-            <a:r>
-              <a:rPr lang="hu-HU" dirty="0" smtClean="0"/>
-              <a:t>függőségi </a:t>
-            </a:r>
-            <a:r>
-              <a:rPr lang="hu-HU" dirty="0" smtClean="0"/>
-              <a:t>modell</a:t>
-            </a:r>
-            <a:endParaRPr lang="hu-HU" dirty="0" smtClean="0"/>
+              <a:t>Tömörített függőségi modell</a:t>
+            </a:r>
           </a:p>
         </p:txBody>
       </p:sp>
@@ -7991,13 +7976,13 @@
         </p:nvSpPr>
         <p:spPr>
           <a:xfrm>
-            <a:off x="2743200" y="1219200"/>
+            <a:off x="5026672" y="3830274"/>
             <a:ext cx="3279128" cy="1940652"/>
           </a:xfrm>
           <a:prstGeom prst="wedgeRoundRectCallout">
             <a:avLst>
-              <a:gd name="adj1" fmla="val 63093"/>
-              <a:gd name="adj2" fmla="val 23170"/>
+              <a:gd name="adj1" fmla="val -26434"/>
+              <a:gd name="adj2" fmla="val -107439"/>
               <a:gd name="adj3" fmla="val 16667"/>
             </a:avLst>
           </a:prstGeom>
@@ -8030,11 +8015,7 @@
             </a:r>
             <a:r>
               <a:rPr lang="hu-HU" dirty="0" smtClean="0"/>
-              <a:t> függőségi </a:t>
-            </a:r>
-            <a:r>
-              <a:rPr lang="hu-HU" dirty="0" smtClean="0"/>
-              <a:t>kapcsolat  lekérdezése inkrementális gráfmintaillesztéssel</a:t>
+              <a:t> függőségi kapcsolat  lekérdezése inkrementális gráfmintaillesztéssel</a:t>
             </a:r>
           </a:p>
           <a:p>
@@ -8058,7 +8039,6 @@
               <a:rPr lang="hu-HU" dirty="0" smtClean="0"/>
               <a:t> frissítése a modell változásai alapján</a:t>
             </a:r>
-            <a:endParaRPr lang="hu-HU" dirty="0" smtClean="0"/>
           </a:p>
         </p:txBody>
       </p:sp>
@@ -8215,13 +8195,8 @@
             </a:pPr>
             <a:r>
               <a:rPr lang="hu-HU" dirty="0" smtClean="0"/>
-              <a:t>Eclipse projekteket </a:t>
-            </a:r>
-            <a:r>
-              <a:rPr lang="hu-HU" dirty="0" smtClean="0"/>
-              <a:t>leíró, forráskódból származtatott modell</a:t>
-            </a:r>
-            <a:endParaRPr lang="hu-HU" dirty="0" smtClean="0"/>
+              <a:t>Eclipse projekteket leíró, forráskódból származtatott modell</a:t>
+            </a:r>
           </a:p>
           <a:p>
             <a:pPr marL="285750" indent="-285750">
@@ -8234,13 +8209,8 @@
             </a:r>
             <a:r>
               <a:rPr lang="hu-HU" dirty="0" smtClean="0"/>
-              <a:t> </a:t>
-            </a:r>
-            <a:r>
-              <a:rPr lang="hu-HU" dirty="0" smtClean="0"/>
-              <a:t>szinkronizáció</a:t>
-            </a:r>
-            <a:endParaRPr lang="hu-HU" dirty="0" smtClean="0"/>
+              <a:t> szinkronizáció</a:t>
+            </a:r>
           </a:p>
         </p:txBody>
       </p:sp>
@@ -8280,7 +8250,7 @@
   <p:timing>
     <p:tnLst>
       <p:par>
-        <p:cTn xmlns:p14="http://schemas.microsoft.com/office/powerpoint/2010/main" id="1" dur="indefinite" restart="never" nodeType="tmRoot">
+        <p:cTn id="1" dur="indefinite" restart="never" nodeType="tmRoot">
           <p:childTnLst>
             <p:seq concurrent="1" nextAc="seek">
               <p:cTn id="2" dur="indefinite" nodeType="mainSeq">
@@ -9052,11 +9022,7 @@
           <a:p>
             <a:r>
               <a:rPr lang="hu-HU" sz="2400" dirty="0" smtClean="0"/>
-              <a:t>A függőségi- és forráskód modellek </a:t>
-            </a:r>
-            <a:r>
-              <a:rPr lang="hu-HU" sz="2400" dirty="0" smtClean="0"/>
-              <a:t>logikai összekapcsolásával</a:t>
+              <a:t>A függőségi- és forráskód modellek logikai összekapcsolásával</a:t>
             </a:r>
           </a:p>
           <a:p>
@@ -9064,7 +9030,6 @@
               <a:rPr lang="hu-HU" sz="2400" dirty="0" smtClean="0"/>
               <a:t>Inkrementális kiértékelés = eredmény + eredmény változásai</a:t>
             </a:r>
-            <a:endParaRPr lang="hu-HU" sz="2400" dirty="0" smtClean="0"/>
           </a:p>
         </p:txBody>
       </p:sp>
@@ -10402,7 +10367,7 @@
   <p:timing>
     <p:tnLst>
       <p:par>
-        <p:cTn xmlns:p14="http://schemas.microsoft.com/office/powerpoint/2010/main" id="1" dur="indefinite" restart="never" nodeType="tmRoot">
+        <p:cTn id="1" dur="indefinite" restart="never" nodeType="tmRoot">
           <p:childTnLst>
             <p:seq concurrent="1" nextAc="seek">
               <p:cTn id="2" dur="indefinite" nodeType="mainSeq">
@@ -10695,11 +10660,7 @@
             </a:r>
             <a:r>
               <a:rPr lang="hu-HU" sz="2400" b="1" dirty="0" smtClean="0"/>
-              <a:t>és </a:t>
-            </a:r>
-            <a:r>
-              <a:rPr lang="hu-HU" sz="2400" b="1" dirty="0" smtClean="0"/>
-              <a:t>automatikus </a:t>
+              <a:t>és automatikus </a:t>
             </a:r>
             <a:r>
               <a:rPr lang="hu-HU" sz="2400" dirty="0" smtClean="0"/>
@@ -10731,15 +10692,7 @@
             </a:r>
             <a:r>
               <a:rPr lang="hu-HU" sz="2000" dirty="0" smtClean="0"/>
-              <a:t>orráskód </a:t>
-            </a:r>
-            <a:r>
-              <a:rPr lang="hu-HU" sz="2000" dirty="0" smtClean="0"/>
-              <a:t>modell </a:t>
-            </a:r>
-            <a:r>
-              <a:rPr lang="hu-HU" sz="2000" dirty="0" smtClean="0"/>
-              <a:t>frissítése </a:t>
+              <a:t>orráskód modell frissítése </a:t>
             </a:r>
             <a:r>
               <a:rPr lang="hu-HU" sz="2000" dirty="0" smtClean="0">
@@ -10770,12 +10723,6 @@
               </a:rPr>
               <a:t> </a:t>
             </a:r>
-            <a:r>
-              <a:rPr lang="hu-HU" sz="2000" dirty="0" smtClean="0">
-                <a:sym typeface="Wingdings" pitchFamily="2" charset="2"/>
-              </a:rPr>
-              <a:t/>
-            </a:r>
             <a:br>
               <a:rPr lang="hu-HU" sz="2000" dirty="0" smtClean="0">
                 <a:sym typeface="Wingdings" pitchFamily="2" charset="2"/>
@@ -10793,9 +10740,6 @@
               </a:rPr>
               <a:t>ítés frissítése</a:t>
             </a:r>
-            <a:endParaRPr lang="hu-HU" sz="2000" dirty="0" smtClean="0">
-              <a:sym typeface="Wingdings" pitchFamily="2" charset="2"/>
-            </a:endParaRPr>
           </a:p>
           <a:p>
             <a:pPr lvl="1" indent="-342900">
@@ -10820,11 +10764,7 @@
             </a:r>
             <a:r>
               <a:rPr lang="hu-HU" sz="2000" b="1" dirty="0" smtClean="0"/>
-              <a:t>összes </a:t>
-            </a:r>
-            <a:r>
-              <a:rPr lang="hu-HU" sz="2000" b="1" dirty="0" smtClean="0"/>
-              <a:t>objektumra</a:t>
+              <a:t>összes objektumra</a:t>
             </a:r>
           </a:p>
           <a:p>
@@ -10958,14 +10898,14 @@
           </a:ln>
           <a:effectLst/>
           <a:extLst>
-            <a:ext uri="{909E8E84-426E-40dd-AFC4-6F175D3DCCD1}">
+            <a:ext uri="{909E8E84-426E-40DD-AFC4-6F175D3DCCD1}">
               <a14:hiddenFill xmlns:a14="http://schemas.microsoft.com/office/drawing/2010/main">
                 <a:solidFill>
                   <a:schemeClr val="accent1"/>
                 </a:solidFill>
               </a14:hiddenFill>
             </a:ext>
-            <a:ext uri="{91240B29-F687-4f45-9708-019B960494DF}">
+            <a:ext uri="{91240B29-F687-4F45-9708-019B960494DF}">
               <a14:hiddenLine xmlns:a14="http://schemas.microsoft.com/office/drawing/2010/main" w="9525">
                 <a:solidFill>
                   <a:schemeClr val="tx1"/>
@@ -10975,7 +10915,7 @@
                 <a:tailEnd/>
               </a14:hiddenLine>
             </a:ext>
-            <a:ext uri="{AF507438-7753-43e0-B8FC-AC1667EBCBE1}">
+            <a:ext uri="{AF507438-7753-43E0-B8FC-AC1667EBCBE1}">
               <a14:hiddenEffects xmlns:a14="http://schemas.microsoft.com/office/drawing/2010/main">
                 <a:effectLst>
                   <a:outerShdw dist="35921" dir="2700000" algn="ctr" rotWithShape="0">
@@ -11022,14 +10962,14 @@
           </a:ln>
           <a:effectLst/>
           <a:extLst>
-            <a:ext uri="{909E8E84-426E-40dd-AFC4-6F175D3DCCD1}">
+            <a:ext uri="{909E8E84-426E-40DD-AFC4-6F175D3DCCD1}">
               <a14:hiddenFill xmlns:a14="http://schemas.microsoft.com/office/drawing/2010/main">
                 <a:solidFill>
                   <a:schemeClr val="accent1"/>
                 </a:solidFill>
               </a14:hiddenFill>
             </a:ext>
-            <a:ext uri="{91240B29-F687-4f45-9708-019B960494DF}">
+            <a:ext uri="{91240B29-F687-4F45-9708-019B960494DF}">
               <a14:hiddenLine xmlns:a14="http://schemas.microsoft.com/office/drawing/2010/main" w="9525">
                 <a:solidFill>
                   <a:schemeClr val="tx1"/>
@@ -11039,7 +10979,7 @@
                 <a:tailEnd/>
               </a14:hiddenLine>
             </a:ext>
-            <a:ext uri="{AF507438-7753-43e0-B8FC-AC1667EBCBE1}">
+            <a:ext uri="{AF507438-7753-43E0-B8FC-AC1667EBCBE1}">
               <a14:hiddenEffects xmlns:a14="http://schemas.microsoft.com/office/drawing/2010/main">
                 <a:effectLst>
                   <a:outerShdw dist="35921" dir="2700000" algn="ctr" rotWithShape="0">
@@ -11264,7 +11204,7 @@
   <p:timing>
     <p:tnLst>
       <p:par>
-        <p:cTn xmlns:p14="http://schemas.microsoft.com/office/powerpoint/2010/main" id="1" dur="indefinite" restart="never" nodeType="tmRoot">
+        <p:cTn id="1" dur="indefinite" restart="never" nodeType="tmRoot">
           <p:childTnLst>
             <p:seq concurrent="1" nextAc="seek">
               <p:cTn id="2" dur="indefinite" nodeType="mainSeq">
@@ -11576,7 +11516,7 @@
   <p:timing>
     <p:tnLst>
       <p:par>
-        <p:cTn xmlns:p14="http://schemas.microsoft.com/office/powerpoint/2010/main" id="1" dur="indefinite" restart="never" nodeType="tmRoot"/>
+        <p:cTn id="1" dur="indefinite" restart="never" nodeType="tmRoot"/>
       </p:par>
     </p:tnLst>
   </p:timing>
@@ -11678,17 +11618,12 @@
               <a:rPr lang="hu-HU" dirty="0" smtClean="0"/>
               <a:t>Fejlesztői környezet:</a:t>
             </a:r>
-            <a:endParaRPr lang="hu-HU" dirty="0" smtClean="0"/>
           </a:p>
           <a:p>
             <a:pPr lvl="2"/>
             <a:r>
               <a:rPr lang="hu-HU" dirty="0" smtClean="0"/>
-              <a:t>Azonnali függőségi analízis visszacsatolás a forráskód módosításával a teljes szoftverinfrastruktúrára</a:t>
-            </a:r>
-            <a:r>
-              <a:rPr lang="hu-HU" dirty="0" smtClean="0"/>
-              <a:t>!</a:t>
+              <a:t>Azonnali függőségi analízis visszacsatolás a forráskód módosításával a teljes szoftverinfrastruktúrára!</a:t>
             </a:r>
             <a:br>
               <a:rPr lang="hu-HU" dirty="0" smtClean="0"/>
@@ -11745,7 +11680,7 @@
   <p:timing>
     <p:tnLst>
       <p:par>
-        <p:cTn xmlns:p14="http://schemas.microsoft.com/office/powerpoint/2010/main" id="1" dur="indefinite" restart="never" nodeType="tmRoot"/>
+        <p:cTn id="1" dur="indefinite" restart="never" nodeType="tmRoot"/>
       </p:par>
     </p:tnLst>
   </p:timing>
@@ -11823,13 +11758,8 @@
           <a:p>
             <a:r>
               <a:rPr lang="hu-HU" dirty="0" smtClean="0"/>
-              <a:t>Mérések valós </a:t>
-            </a:r>
-            <a:r>
-              <a:rPr lang="hu-HU" dirty="0" smtClean="0"/>
-              <a:t>projektekkel (CERN Controls Systems)</a:t>
-            </a:r>
-            <a:endParaRPr lang="hu-HU" dirty="0" smtClean="0"/>
+              <a:t>Mérések valós projektekkel (CERN Controls Systems)</a:t>
+            </a:r>
           </a:p>
           <a:p>
             <a:r>
@@ -11890,23 +11820,7 @@
           <a:p>
             <a:r>
               <a:rPr lang="hu-HU" dirty="0" smtClean="0"/>
-              <a:t>Függőségi l</a:t>
-            </a:r>
-            <a:r>
-              <a:rPr lang="hu-HU" dirty="0" smtClean="0"/>
-              <a:t>ekérdezés </a:t>
-            </a:r>
-            <a:r>
-              <a:rPr lang="hu-HU" dirty="0" smtClean="0"/>
-              <a:t>ideje </a:t>
-            </a:r>
-            <a:r>
-              <a:rPr lang="hu-HU" dirty="0" smtClean="0"/>
-              <a:t>egyetlen </a:t>
-            </a:r>
-            <a:r>
-              <a:rPr lang="hu-HU" dirty="0" smtClean="0"/>
-              <a:t>elemre: </a:t>
+              <a:t>Függőségi lekérdezés ideje egyetlen elemre: </a:t>
             </a:r>
             <a:r>
               <a:rPr lang="hu-HU" dirty="0"/>
@@ -11987,7 +11901,7 @@
   <p:timing>
     <p:tnLst>
       <p:par>
-        <p:cTn xmlns:p14="http://schemas.microsoft.com/office/powerpoint/2010/main" id="1" dur="indefinite" restart="never" nodeType="tmRoot"/>
+        <p:cTn id="1" dur="indefinite" restart="never" nodeType="tmRoot"/>
       </p:par>
     </p:tnLst>
   </p:timing>
@@ -12421,11 +12335,7 @@
             </a:r>
             <a:r>
               <a:rPr lang="hu-HU" dirty="0" smtClean="0"/>
-              <a:t> </a:t>
-            </a:r>
-            <a:r>
-              <a:rPr lang="hu-HU" dirty="0" smtClean="0"/>
-              <a:t>elemre és kapcsolatra </a:t>
+              <a:t> elemre és kapcsolatra </a:t>
             </a:r>
             <a:r>
               <a:rPr lang="hu-HU" dirty="0" smtClean="0">
@@ -12456,7 +12366,7 @@
   <p:timing>
     <p:tnLst>
       <p:par>
-        <p:cTn xmlns:p14="http://schemas.microsoft.com/office/powerpoint/2010/main" id="1" dur="indefinite" restart="never" nodeType="tmRoot">
+        <p:cTn id="1" dur="indefinite" restart="never" nodeType="tmRoot">
           <p:childTnLst>
             <p:seq concurrent="1" nextAc="seek">
               <p:cTn id="2" dur="indefinite" nodeType="mainSeq">
@@ -12675,18 +12585,18 @@
   <p:clrMapOvr>
     <a:masterClrMapping/>
   </p:clrMapOvr>
-  <mc:AlternateContent xmlns:mc="http://schemas.openxmlformats.org/markup-compatibility/2006">
-    <mc:Choice xmlns:p14="http://schemas.microsoft.com/office/powerpoint/2010/main" Requires="p14">
+  <mc:AlternateContent xmlns:mc="http://schemas.openxmlformats.org/markup-compatibility/2006" xmlns:p14="http://schemas.microsoft.com/office/powerpoint/2010/main">
+    <mc:Choice Requires="p14">
       <p:transition spd="slow" p14:dur="2000"/>
     </mc:Choice>
-    <mc:Fallback>
+    <mc:Fallback xmlns="">
       <p:transition xmlns:p14="http://schemas.microsoft.com/office/powerpoint/2010/main" spd="slow"/>
     </mc:Fallback>
   </mc:AlternateContent>
   <p:timing>
     <p:tnLst>
       <p:par>
-        <p:cTn xmlns:p14="http://schemas.microsoft.com/office/powerpoint/2010/main" id="1" dur="indefinite" restart="never" nodeType="tmRoot"/>
+        <p:cTn id="1" dur="indefinite" restart="never" nodeType="tmRoot"/>
       </p:par>
     </p:tnLst>
   </p:timing>
@@ -12795,7 +12705,7 @@
   <p:timing>
     <p:tnLst>
       <p:par>
-        <p:cTn xmlns:p14="http://schemas.microsoft.com/office/powerpoint/2010/main" id="1" dur="indefinite" restart="never" nodeType="tmRoot"/>
+        <p:cTn id="1" dur="indefinite" restart="never" nodeType="tmRoot"/>
       </p:par>
     </p:tnLst>
   </p:timing>
@@ -12860,7 +12770,7 @@
         </p:spPr>
         <p:txBody>
           <a:bodyPr>
-            <a:normAutofit fontScale="77500" lnSpcReduction="20000"/>
+            <a:normAutofit fontScale="70000" lnSpcReduction="20000"/>
           </a:bodyPr>
           <a:lstStyle/>
           <a:p>
@@ -12879,15 +12789,7 @@
           <a:p>
             <a:r>
               <a:rPr lang="hu-HU" dirty="0" smtClean="0"/>
-              <a:t>Kiterjesztés </a:t>
-            </a:r>
-            <a:r>
-              <a:rPr lang="hu-HU" dirty="0" smtClean="0"/>
-              <a:t>azonnali, </a:t>
-            </a:r>
-            <a:r>
-              <a:rPr lang="hu-HU" dirty="0" smtClean="0"/>
-              <a:t>hibrid függőségi analízisre</a:t>
+              <a:t>Kiterjesztés azonnali, hibrid függőségi analízisre</a:t>
             </a:r>
           </a:p>
           <a:p>
@@ -12901,34 +12803,35 @@
             <a:pPr lvl="1"/>
             <a:r>
               <a:rPr lang="hu-HU" dirty="0" smtClean="0"/>
-              <a:t>Azonnali visszajelzés inkrementális gráfmintaillesztés alapján</a:t>
-            </a:r>
-          </a:p>
-          <a:p>
-            <a:r>
-              <a:rPr lang="hu-HU" dirty="0" smtClean="0"/>
-              <a:t>A rendszer jelenleg éles használatban </a:t>
-            </a:r>
-            <a:r>
-              <a:rPr lang="hu-HU" dirty="0" smtClean="0"/>
-              <a:t>van:</a:t>
+              <a:t>Azonnali visszajelzés inkrementális gráfmintaillesztés </a:t>
+            </a:r>
+            <a:r>
+              <a:rPr lang="hu-HU" dirty="0" smtClean="0"/>
+              <a:t>alapján</a:t>
+            </a:r>
+          </a:p>
+          <a:p>
+            <a:r>
+              <a:rPr lang="hu-HU" dirty="0" smtClean="0"/>
+              <a:t>A rendszer teljesítőképességét igazoló mérések</a:t>
+            </a:r>
+          </a:p>
+          <a:p>
+            <a:r>
+              <a:rPr lang="hu-HU" dirty="0" smtClean="0"/>
+              <a:t>A </a:t>
+            </a:r>
+            <a:r>
+              <a:rPr lang="hu-HU" dirty="0" smtClean="0"/>
+              <a:t>rendszer jelenleg éles használatban van:</a:t>
             </a:r>
             <a:br>
               <a:rPr lang="hu-HU" dirty="0" smtClean="0"/>
             </a:br>
             <a:r>
               <a:rPr lang="hu-HU" dirty="0" smtClean="0"/>
-              <a:t>CERN </a:t>
-            </a:r>
-            <a:r>
-              <a:rPr lang="hu-HU" dirty="0" smtClean="0"/>
-              <a:t>Controls </a:t>
-            </a:r>
-            <a:r>
-              <a:rPr lang="hu-HU" dirty="0" smtClean="0"/>
-              <a:t>Systems</a:t>
-            </a:r>
-            <a:endParaRPr lang="hu-HU" dirty="0" smtClean="0"/>
+              <a:t>CERN Controls Systems</a:t>
+            </a:r>
           </a:p>
           <a:p>
             <a:pPr lvl="1"/>
@@ -12954,15 +12857,7 @@
             <a:pPr lvl="1"/>
             <a:r>
               <a:rPr lang="hu-HU" dirty="0" smtClean="0"/>
-              <a:t>~</a:t>
-            </a:r>
-            <a:r>
-              <a:rPr lang="hu-HU" dirty="0" smtClean="0"/>
-              <a:t>1300 Java projekt, </a:t>
-            </a:r>
-            <a:r>
-              <a:rPr lang="hu-HU" dirty="0" smtClean="0"/>
-              <a:t>projektenként átlag 15 verzió, átlagosan 10 release / nap</a:t>
+              <a:t>~1300 Java projekt, projektenként átlag 15 verzió, átlagosan 10 release / nap</a:t>
             </a:r>
           </a:p>
           <a:p>
@@ -12975,7 +12870,6 @@
               <a:rPr lang="hu-HU" dirty="0" smtClean="0"/>
               <a:t>irtualizált fejlesztői munkaállomások (2GB RAM)</a:t>
             </a:r>
-            <a:endParaRPr lang="hu-HU" dirty="0" smtClean="0"/>
           </a:p>
         </p:txBody>
       </p:sp>
@@ -13015,7 +12909,7 @@
   <p:timing>
     <p:tnLst>
       <p:par>
-        <p:cTn xmlns:p14="http://schemas.microsoft.com/office/powerpoint/2010/main" id="1" dur="indefinite" restart="never" nodeType="tmRoot"/>
+        <p:cTn id="1" dur="indefinite" restart="never" nodeType="tmRoot"/>
       </p:par>
     </p:tnLst>
   </p:timing>
@@ -13083,15 +12977,7 @@
             </a:r>
             <a:r>
               <a:rPr lang="hu-HU" dirty="0" smtClean="0"/>
-              <a:t>elhasználói </a:t>
-            </a:r>
-            <a:r>
-              <a:rPr lang="hu-HU" dirty="0" smtClean="0"/>
-              <a:t>felület </a:t>
-            </a:r>
-            <a:r>
-              <a:rPr lang="hu-HU" dirty="0" smtClean="0"/>
-              <a:t>integráció kiterjesztése</a:t>
+              <a:t>elhasználói felület integráció kiterjesztése</a:t>
             </a:r>
           </a:p>
           <a:p>
@@ -13100,16 +12986,11 @@
               <a:rPr lang="hu-HU" dirty="0" smtClean="0"/>
               <a:t>Eclipse-be épített függőségi keresés kiváltása</a:t>
             </a:r>
-            <a:endParaRPr lang="hu-HU" dirty="0" smtClean="0"/>
-          </a:p>
-          <a:p>
-            <a:r>
-              <a:rPr lang="hu-HU" dirty="0" smtClean="0"/>
-              <a:t>Kiterjeszés C/C++ </a:t>
-            </a:r>
-            <a:r>
-              <a:rPr lang="hu-HU" dirty="0" smtClean="0"/>
-              <a:t>szoftverekre</a:t>
+          </a:p>
+          <a:p>
+            <a:r>
+              <a:rPr lang="hu-HU" dirty="0" smtClean="0"/>
+              <a:t>Kiterjeszés C/C++ szoftverekre</a:t>
             </a:r>
           </a:p>
           <a:p>
@@ -13118,16 +12999,11 @@
               <a:rPr lang="hu-HU" dirty="0" smtClean="0"/>
               <a:t>Eclipse CDT alapján</a:t>
             </a:r>
-            <a:endParaRPr lang="hu-HU" dirty="0" smtClean="0"/>
-          </a:p>
-          <a:p>
-            <a:r>
-              <a:rPr lang="hu-HU" dirty="0" smtClean="0"/>
-              <a:t>Szoftver</a:t>
-            </a:r>
-            <a:r>
-              <a:rPr lang="hu-HU" dirty="0" smtClean="0"/>
-              <a:t>metrikák azonnali ellenőrzése</a:t>
+          </a:p>
+          <a:p>
+            <a:r>
+              <a:rPr lang="hu-HU" dirty="0" smtClean="0"/>
+              <a:t>Szoftvermetrikák azonnali ellenőrzése</a:t>
             </a:r>
           </a:p>
           <a:p>
@@ -13140,7 +13016,6 @@
               <a:rPr lang="hu-HU" dirty="0" smtClean="0"/>
               <a:t>ráfminták kiterjesztése metrikákra</a:t>
             </a:r>
-            <a:endParaRPr lang="hu-HU" dirty="0" smtClean="0"/>
           </a:p>
           <a:p>
             <a:endParaRPr lang="en-US" dirty="0"/>
@@ -13183,7 +13058,619 @@
   <p:timing>
     <p:tnLst>
       <p:par>
-        <p:cTn xmlns:p14="http://schemas.microsoft.com/office/powerpoint/2010/main" id="1" dur="indefinite" restart="never" nodeType="tmRoot"/>
+        <p:cTn id="1" dur="indefinite" restart="never" nodeType="tmRoot"/>
+      </p:par>
+    </p:tnLst>
+  </p:timing>
+</p:sld>
+</file>
+
+<file path=ppt/slides/slide23.xml><?xml version="1.0" encoding="utf-8"?>
+<p:sld xmlns:a="http://schemas.openxmlformats.org/drawingml/2006/main" xmlns:r="http://schemas.openxmlformats.org/officeDocument/2006/relationships" xmlns:p="http://schemas.openxmlformats.org/presentationml/2006/main">
+  <p:cSld>
+    <p:spTree>
+      <p:nvGrpSpPr>
+        <p:cNvPr id="1" name=""/>
+        <p:cNvGrpSpPr/>
+        <p:nvPr/>
+      </p:nvGrpSpPr>
+      <p:grpSpPr>
+        <a:xfrm>
+          <a:off x="0" y="0"/>
+          <a:ext cx="0" cy="0"/>
+          <a:chOff x="0" y="0"/>
+          <a:chExt cx="0" cy="0"/>
+        </a:xfrm>
+      </p:grpSpPr>
+      <p:sp>
+        <p:nvSpPr>
+          <p:cNvPr id="5" name="Title 4"/>
+          <p:cNvSpPr>
+            <a:spLocks noGrp="1"/>
+          </p:cNvSpPr>
+          <p:nvPr>
+            <p:ph type="title"/>
+          </p:nvPr>
+        </p:nvSpPr>
+        <p:spPr/>
+        <p:txBody>
+          <a:bodyPr/>
+          <a:lstStyle/>
+          <a:p>
+            <a:r>
+              <a:rPr lang="hu-HU" dirty="0" smtClean="0"/>
+              <a:t>Válaszok a bírálók kérdéseire</a:t>
+            </a:r>
+            <a:endParaRPr lang="en-US" dirty="0"/>
+          </a:p>
+        </p:txBody>
+      </p:sp>
+      <p:sp>
+        <p:nvSpPr>
+          <p:cNvPr id="6" name="Text Placeholder 5"/>
+          <p:cNvSpPr>
+            <a:spLocks noGrp="1"/>
+          </p:cNvSpPr>
+          <p:nvPr>
+            <p:ph type="body" idx="1"/>
+          </p:nvPr>
+        </p:nvSpPr>
+        <p:spPr/>
+        <p:txBody>
+          <a:bodyPr/>
+          <a:lstStyle/>
+          <a:p>
+            <a:endParaRPr lang="en-US"/>
+          </a:p>
+        </p:txBody>
+      </p:sp>
+      <p:sp>
+        <p:nvSpPr>
+          <p:cNvPr id="4" name="Slide Number Placeholder 3"/>
+          <p:cNvSpPr>
+            <a:spLocks noGrp="1"/>
+          </p:cNvSpPr>
+          <p:nvPr>
+            <p:ph type="sldNum" sz="quarter" idx="12"/>
+          </p:nvPr>
+        </p:nvSpPr>
+        <p:spPr/>
+        <p:txBody>
+          <a:bodyPr/>
+          <a:lstStyle/>
+          <a:p>
+            <a:fld id="{E5B09FA9-A177-4256-9C7F-5CF31ABA7234}" type="slidenum">
+              <a:rPr lang="en-US" smtClean="0"/>
+              <a:t>23</a:t>
+            </a:fld>
+            <a:endParaRPr lang="en-US"/>
+          </a:p>
+        </p:txBody>
+      </p:sp>
+    </p:spTree>
+    <p:extLst>
+      <p:ext uri="{BB962C8B-B14F-4D97-AF65-F5344CB8AC3E}">
+        <p14:creationId xmlns:p14="http://schemas.microsoft.com/office/powerpoint/2010/main" val="85958453"/>
+      </p:ext>
+    </p:extLst>
+  </p:cSld>
+  <p:clrMapOvr>
+    <a:masterClrMapping/>
+  </p:clrMapOvr>
+  <p:timing>
+    <p:tnLst>
+      <p:par>
+        <p:cTn id="1" dur="indefinite" restart="never" nodeType="tmRoot"/>
+      </p:par>
+    </p:tnLst>
+  </p:timing>
+</p:sld>
+</file>
+
+<file path=ppt/slides/slide24.xml><?xml version="1.0" encoding="utf-8"?>
+<p:sld xmlns:a="http://schemas.openxmlformats.org/drawingml/2006/main" xmlns:r="http://schemas.openxmlformats.org/officeDocument/2006/relationships" xmlns:p="http://schemas.openxmlformats.org/presentationml/2006/main">
+  <p:cSld>
+    <p:spTree>
+      <p:nvGrpSpPr>
+        <p:cNvPr id="1" name=""/>
+        <p:cNvGrpSpPr/>
+        <p:nvPr/>
+      </p:nvGrpSpPr>
+      <p:grpSpPr>
+        <a:xfrm>
+          <a:off x="0" y="0"/>
+          <a:ext cx="0" cy="0"/>
+          <a:chOff x="0" y="0"/>
+          <a:chExt cx="0" cy="0"/>
+        </a:xfrm>
+      </p:grpSpPr>
+      <p:sp>
+        <p:nvSpPr>
+          <p:cNvPr id="5" name="Title 4"/>
+          <p:cNvSpPr>
+            <a:spLocks noGrp="1"/>
+          </p:cNvSpPr>
+          <p:nvPr>
+            <p:ph type="title"/>
+          </p:nvPr>
+        </p:nvSpPr>
+        <p:spPr/>
+        <p:txBody>
+          <a:bodyPr/>
+          <a:lstStyle/>
+          <a:p>
+            <a:r>
+              <a:rPr lang="hu-HU" dirty="0" smtClean="0"/>
+              <a:t>C/C++ kiterjesztés</a:t>
+            </a:r>
+            <a:endParaRPr lang="en-US" dirty="0"/>
+          </a:p>
+        </p:txBody>
+      </p:sp>
+      <p:sp>
+        <p:nvSpPr>
+          <p:cNvPr id="6" name="Content Placeholder 5"/>
+          <p:cNvSpPr>
+            <a:spLocks noGrp="1"/>
+          </p:cNvSpPr>
+          <p:nvPr>
+            <p:ph idx="1"/>
+          </p:nvPr>
+        </p:nvSpPr>
+        <p:spPr/>
+        <p:txBody>
+          <a:bodyPr>
+            <a:normAutofit fontScale="92500" lnSpcReduction="10000"/>
+          </a:bodyPr>
+          <a:lstStyle/>
+          <a:p>
+            <a:r>
+              <a:rPr lang="hu-HU" dirty="0" smtClean="0"/>
+              <a:t>Forráskód kezelése:</a:t>
+            </a:r>
+            <a:br>
+              <a:rPr lang="hu-HU" dirty="0" smtClean="0"/>
+            </a:br>
+            <a:r>
+              <a:rPr lang="hu-HU" dirty="0" smtClean="0"/>
+              <a:t>Eclipse CDT AST modell alapján</a:t>
+            </a:r>
+          </a:p>
+          <a:p>
+            <a:r>
+              <a:rPr lang="hu-HU" dirty="0" smtClean="0"/>
+              <a:t>Függőségi analízis:</a:t>
+            </a:r>
+          </a:p>
+          <a:p>
+            <a:pPr lvl="1"/>
+            <a:r>
+              <a:rPr lang="hu-HU" dirty="0" smtClean="0"/>
+              <a:t>Forráskód esetben fordítóprogrammal</a:t>
+            </a:r>
+            <a:br>
+              <a:rPr lang="hu-HU" dirty="0" smtClean="0"/>
+            </a:br>
+            <a:r>
+              <a:rPr lang="hu-HU" dirty="0" smtClean="0"/>
+              <a:t>(a build közben)</a:t>
+            </a:r>
+          </a:p>
+          <a:p>
+            <a:pPr lvl="1"/>
+            <a:r>
+              <a:rPr lang="hu-HU" dirty="0" smtClean="0"/>
+              <a:t>Bináris esetben fordítófüggő, nyitott kérdések</a:t>
+            </a:r>
+          </a:p>
+          <a:p>
+            <a:pPr lvl="2"/>
+            <a:r>
+              <a:rPr lang="hu-HU" dirty="0" smtClean="0"/>
+              <a:t>Statikusan linkelt binárisok esetén kódinstrumentációval („debug szimbólumok” alapján)</a:t>
+            </a:r>
+          </a:p>
+          <a:p>
+            <a:pPr lvl="2"/>
+            <a:r>
+              <a:rPr lang="hu-HU" dirty="0" smtClean="0"/>
+              <a:t>Dinamikusan linkelt esetben hivatkozott könyvtárak szimbólumai alapján</a:t>
+            </a:r>
+          </a:p>
+          <a:p>
+            <a:pPr lvl="2"/>
+            <a:r>
+              <a:rPr lang="hu-HU" dirty="0" smtClean="0"/>
+              <a:t>Bináris kód belső struktúrájának felderítése kérdéses</a:t>
+            </a:r>
+            <a:endParaRPr lang="en-US" dirty="0"/>
+          </a:p>
+        </p:txBody>
+      </p:sp>
+      <p:sp>
+        <p:nvSpPr>
+          <p:cNvPr id="4" name="Slide Number Placeholder 3"/>
+          <p:cNvSpPr>
+            <a:spLocks noGrp="1"/>
+          </p:cNvSpPr>
+          <p:nvPr>
+            <p:ph type="sldNum" sz="quarter" idx="12"/>
+          </p:nvPr>
+        </p:nvSpPr>
+        <p:spPr/>
+        <p:txBody>
+          <a:bodyPr/>
+          <a:lstStyle/>
+          <a:p>
+            <a:fld id="{E5B09FA9-A177-4256-9C7F-5CF31ABA7234}" type="slidenum">
+              <a:rPr lang="en-US" smtClean="0"/>
+              <a:t>24</a:t>
+            </a:fld>
+            <a:endParaRPr lang="en-US"/>
+          </a:p>
+        </p:txBody>
+      </p:sp>
+    </p:spTree>
+    <p:extLst>
+      <p:ext uri="{BB962C8B-B14F-4D97-AF65-F5344CB8AC3E}">
+        <p14:creationId xmlns:p14="http://schemas.microsoft.com/office/powerpoint/2010/main" val="2707785328"/>
+      </p:ext>
+    </p:extLst>
+  </p:cSld>
+  <p:clrMapOvr>
+    <a:masterClrMapping/>
+  </p:clrMapOvr>
+  <p:timing>
+    <p:tnLst>
+      <p:par>
+        <p:cTn id="1" dur="indefinite" restart="never" nodeType="tmRoot"/>
+      </p:par>
+    </p:tnLst>
+  </p:timing>
+</p:sld>
+</file>
+
+<file path=ppt/slides/slide25.xml><?xml version="1.0" encoding="utf-8"?>
+<p:sld xmlns:a="http://schemas.openxmlformats.org/drawingml/2006/main" xmlns:r="http://schemas.openxmlformats.org/officeDocument/2006/relationships" xmlns:p="http://schemas.openxmlformats.org/presentationml/2006/main">
+  <p:cSld>
+    <p:spTree>
+      <p:nvGrpSpPr>
+        <p:cNvPr id="1" name=""/>
+        <p:cNvGrpSpPr/>
+        <p:nvPr/>
+      </p:nvGrpSpPr>
+      <p:grpSpPr>
+        <a:xfrm>
+          <a:off x="0" y="0"/>
+          <a:ext cx="0" cy="0"/>
+          <a:chOff x="0" y="0"/>
+          <a:chExt cx="0" cy="0"/>
+        </a:xfrm>
+      </p:grpSpPr>
+      <p:sp>
+        <p:nvSpPr>
+          <p:cNvPr id="2" name="Title 1"/>
+          <p:cNvSpPr>
+            <a:spLocks noGrp="1"/>
+          </p:cNvSpPr>
+          <p:nvPr>
+            <p:ph type="title"/>
+          </p:nvPr>
+        </p:nvSpPr>
+        <p:spPr/>
+        <p:txBody>
+          <a:bodyPr/>
+          <a:lstStyle/>
+          <a:p>
+            <a:r>
+              <a:rPr lang="hu-HU" dirty="0" smtClean="0"/>
+              <a:t>Álpozitív függőségek</a:t>
+            </a:r>
+            <a:endParaRPr lang="en-US" dirty="0"/>
+          </a:p>
+        </p:txBody>
+      </p:sp>
+      <p:sp>
+        <p:nvSpPr>
+          <p:cNvPr id="3" name="Content Placeholder 2"/>
+          <p:cNvSpPr>
+            <a:spLocks noGrp="1"/>
+          </p:cNvSpPr>
+          <p:nvPr>
+            <p:ph idx="1"/>
+          </p:nvPr>
+        </p:nvSpPr>
+        <p:spPr/>
+        <p:txBody>
+          <a:bodyPr>
+            <a:normAutofit fontScale="85000" lnSpcReduction="20000"/>
+          </a:bodyPr>
+          <a:lstStyle/>
+          <a:p>
+            <a:r>
+              <a:rPr lang="hu-HU" dirty="0" smtClean="0"/>
+              <a:t>Modelltömörítés (fejlesztőkörnyezetbeli memóriakorlát miatt)</a:t>
+            </a:r>
+          </a:p>
+          <a:p>
+            <a:pPr lvl="1"/>
+            <a:r>
+              <a:rPr lang="hu-HU" dirty="0" smtClean="0"/>
+              <a:t>Szerver oldalról érkező elemek kvalifikált neve elveszik </a:t>
+            </a:r>
+            <a:r>
+              <a:rPr lang="hu-HU" dirty="0" smtClean="0">
+                <a:sym typeface="Wingdings" pitchFamily="2" charset="2"/>
+              </a:rPr>
+              <a:t> álpozitív függőségek jelenhetnek meg</a:t>
+            </a:r>
+          </a:p>
+          <a:p>
+            <a:pPr marL="457200" lvl="1" indent="0">
+              <a:buNone/>
+            </a:pPr>
+            <a:r>
+              <a:rPr lang="hu-HU" dirty="0" smtClean="0">
+                <a:sym typeface="Wingdings" pitchFamily="2" charset="2"/>
+              </a:rPr>
+              <a:t>= függőségi analízis felülbecslést végez (létező függőséget nem hagyunk figyelmen kívül)</a:t>
+            </a:r>
+          </a:p>
+          <a:p>
+            <a:r>
+              <a:rPr lang="hu-HU" dirty="0" smtClean="0">
+                <a:sym typeface="Wingdings" pitchFamily="2" charset="2"/>
+              </a:rPr>
+              <a:t>Gyakorlatban ez nem probléma: </a:t>
+            </a:r>
+          </a:p>
+          <a:p>
+            <a:pPr lvl="1"/>
+            <a:r>
+              <a:rPr lang="hu-HU" dirty="0" smtClean="0">
+                <a:sym typeface="Wingdings" pitchFamily="2" charset="2"/>
+              </a:rPr>
+              <a:t>Ilyen esetekben a lekérdezés mindig végrehajtható a szerver oldalon is, ahol precíz eredményeket kapunk</a:t>
+            </a:r>
+          </a:p>
+          <a:p>
+            <a:pPr lvl="1"/>
+            <a:r>
+              <a:rPr lang="hu-HU" dirty="0" smtClean="0">
+                <a:sym typeface="Wingdings" pitchFamily="2" charset="2"/>
+              </a:rPr>
+              <a:t>A felhasználó ennek tudatában van</a:t>
+            </a:r>
+          </a:p>
+          <a:p>
+            <a:r>
+              <a:rPr lang="hu-HU" dirty="0" smtClean="0">
+                <a:sym typeface="Wingdings" pitchFamily="2" charset="2"/>
+              </a:rPr>
+              <a:t>A kliens oldali memóriakorlát feloldása esetén a tömörítés elhagyható</a:t>
+            </a:r>
+          </a:p>
+          <a:p>
+            <a:pPr lvl="1"/>
+            <a:endParaRPr lang="hu-HU" dirty="0" smtClean="0">
+              <a:sym typeface="Wingdings" pitchFamily="2" charset="2"/>
+            </a:endParaRPr>
+          </a:p>
+          <a:p>
+            <a:pPr lvl="1"/>
+            <a:endParaRPr lang="en-US" dirty="0"/>
+          </a:p>
+        </p:txBody>
+      </p:sp>
+      <p:sp>
+        <p:nvSpPr>
+          <p:cNvPr id="4" name="Slide Number Placeholder 3"/>
+          <p:cNvSpPr>
+            <a:spLocks noGrp="1"/>
+          </p:cNvSpPr>
+          <p:nvPr>
+            <p:ph type="sldNum" sz="quarter" idx="12"/>
+          </p:nvPr>
+        </p:nvSpPr>
+        <p:spPr/>
+        <p:txBody>
+          <a:bodyPr/>
+          <a:lstStyle/>
+          <a:p>
+            <a:fld id="{E5B09FA9-A177-4256-9C7F-5CF31ABA7234}" type="slidenum">
+              <a:rPr lang="en-US" smtClean="0"/>
+              <a:t>25</a:t>
+            </a:fld>
+            <a:endParaRPr lang="en-US"/>
+          </a:p>
+        </p:txBody>
+      </p:sp>
+    </p:spTree>
+    <p:extLst>
+      <p:ext uri="{BB962C8B-B14F-4D97-AF65-F5344CB8AC3E}">
+        <p14:creationId xmlns:p14="http://schemas.microsoft.com/office/powerpoint/2010/main" val="3545411751"/>
+      </p:ext>
+    </p:extLst>
+  </p:cSld>
+  <p:clrMapOvr>
+    <a:masterClrMapping/>
+  </p:clrMapOvr>
+  <p:timing>
+    <p:tnLst>
+      <p:par>
+        <p:cTn id="1" dur="indefinite" restart="never" nodeType="tmRoot"/>
+      </p:par>
+    </p:tnLst>
+  </p:timing>
+</p:sld>
+</file>
+
+<file path=ppt/slides/slide26.xml><?xml version="1.0" encoding="utf-8"?>
+<p:sld xmlns:a="http://schemas.openxmlformats.org/drawingml/2006/main" xmlns:r="http://schemas.openxmlformats.org/officeDocument/2006/relationships" xmlns:p="http://schemas.openxmlformats.org/presentationml/2006/main">
+  <p:cSld>
+    <p:spTree>
+      <p:nvGrpSpPr>
+        <p:cNvPr id="1" name=""/>
+        <p:cNvGrpSpPr/>
+        <p:nvPr/>
+      </p:nvGrpSpPr>
+      <p:grpSpPr>
+        <a:xfrm>
+          <a:off x="0" y="0"/>
+          <a:ext cx="0" cy="0"/>
+          <a:chOff x="0" y="0"/>
+          <a:chExt cx="0" cy="0"/>
+        </a:xfrm>
+      </p:grpSpPr>
+      <p:sp>
+        <p:nvSpPr>
+          <p:cNvPr id="2" name="Title 1"/>
+          <p:cNvSpPr>
+            <a:spLocks noGrp="1"/>
+          </p:cNvSpPr>
+          <p:nvPr>
+            <p:ph type="title"/>
+          </p:nvPr>
+        </p:nvSpPr>
+        <p:spPr/>
+        <p:txBody>
+          <a:bodyPr>
+            <a:normAutofit fontScale="90000"/>
+          </a:bodyPr>
+          <a:lstStyle/>
+          <a:p>
+            <a:r>
+              <a:rPr lang="hu-HU" dirty="0" smtClean="0"/>
+              <a:t>Szervezeti kérdések, követelmény-menedzsment eszközök</a:t>
+            </a:r>
+            <a:endParaRPr lang="en-US" dirty="0"/>
+          </a:p>
+        </p:txBody>
+      </p:sp>
+      <p:sp>
+        <p:nvSpPr>
+          <p:cNvPr id="3" name="Content Placeholder 2"/>
+          <p:cNvSpPr>
+            <a:spLocks noGrp="1"/>
+          </p:cNvSpPr>
+          <p:nvPr>
+            <p:ph idx="1"/>
+          </p:nvPr>
+        </p:nvSpPr>
+        <p:spPr/>
+        <p:txBody>
+          <a:bodyPr>
+            <a:normAutofit fontScale="85000" lnSpcReduction="20000"/>
+          </a:bodyPr>
+          <a:lstStyle/>
+          <a:p>
+            <a:r>
+              <a:rPr lang="hu-HU" dirty="0" smtClean="0"/>
+              <a:t>CERN szervezeti sajátosságok</a:t>
+            </a:r>
+          </a:p>
+          <a:p>
+            <a:pPr lvl="1"/>
+            <a:r>
+              <a:rPr lang="hu-HU" dirty="0" smtClean="0"/>
+              <a:t>Cél: üzembiztos működés (konzervatív technológiai fejlődés)</a:t>
+            </a:r>
+          </a:p>
+          <a:p>
+            <a:pPr lvl="1"/>
+            <a:r>
+              <a:rPr lang="hu-HU" dirty="0" smtClean="0"/>
+              <a:t>Nagy méretű, elosztott, dinamikusan változó szervezet</a:t>
+            </a:r>
+          </a:p>
+          <a:p>
+            <a:pPr lvl="2"/>
+            <a:r>
+              <a:rPr lang="hu-HU" dirty="0" smtClean="0"/>
+              <a:t>Munkatársak gyakran változnak</a:t>
+            </a:r>
+          </a:p>
+          <a:p>
+            <a:pPr lvl="2"/>
+            <a:r>
+              <a:rPr lang="hu-HU" dirty="0" smtClean="0"/>
+              <a:t>Csapatok a „függőségeik mentén” kommunikálnak</a:t>
+            </a:r>
+          </a:p>
+          <a:p>
+            <a:pPr lvl="2"/>
+            <a:r>
+              <a:rPr lang="hu-HU" dirty="0" smtClean="0"/>
+              <a:t>Kis méretű magasszintű irányító csoport a globális célok meghatározásához</a:t>
+            </a:r>
+          </a:p>
+          <a:p>
+            <a:r>
+              <a:rPr lang="hu-HU" dirty="0" smtClean="0"/>
+              <a:t>A fentiekből következik</a:t>
+            </a:r>
+          </a:p>
+          <a:p>
+            <a:pPr lvl="1"/>
+            <a:r>
+              <a:rPr lang="hu-HU" dirty="0" smtClean="0"/>
+              <a:t>Összetett követelménykezelő rendszerek használata túl nagy „overheaddel” járna</a:t>
+            </a:r>
+          </a:p>
+          <a:p>
+            <a:pPr lvl="1"/>
+            <a:r>
+              <a:rPr lang="hu-HU" dirty="0" smtClean="0"/>
+              <a:t>Szoftverekre a „Unix szemlélet” jellemző:</a:t>
+            </a:r>
+            <a:br>
+              <a:rPr lang="hu-HU" dirty="0" smtClean="0"/>
+            </a:br>
+            <a:r>
+              <a:rPr lang="hu-HU" i="1" dirty="0" smtClean="0"/>
+              <a:t>do one thing but do it well</a:t>
+            </a:r>
+            <a:endParaRPr lang="en-US" i="1" dirty="0"/>
+          </a:p>
+        </p:txBody>
+      </p:sp>
+      <p:sp>
+        <p:nvSpPr>
+          <p:cNvPr id="4" name="Slide Number Placeholder 3"/>
+          <p:cNvSpPr>
+            <a:spLocks noGrp="1"/>
+          </p:cNvSpPr>
+          <p:nvPr>
+            <p:ph type="sldNum" sz="quarter" idx="12"/>
+          </p:nvPr>
+        </p:nvSpPr>
+        <p:spPr/>
+        <p:txBody>
+          <a:bodyPr/>
+          <a:lstStyle/>
+          <a:p>
+            <a:fld id="{E5B09FA9-A177-4256-9C7F-5CF31ABA7234}" type="slidenum">
+              <a:rPr lang="en-US" smtClean="0"/>
+              <a:t>26</a:t>
+            </a:fld>
+            <a:endParaRPr lang="en-US"/>
+          </a:p>
+        </p:txBody>
+      </p:sp>
+    </p:spTree>
+    <p:extLst>
+      <p:ext uri="{BB962C8B-B14F-4D97-AF65-F5344CB8AC3E}">
+        <p14:creationId xmlns:p14="http://schemas.microsoft.com/office/powerpoint/2010/main" val="369864677"/>
+      </p:ext>
+    </p:extLst>
+  </p:cSld>
+  <p:clrMapOvr>
+    <a:masterClrMapping/>
+  </p:clrMapOvr>
+  <p:timing>
+    <p:tnLst>
+      <p:par>
+        <p:cTn id="1" dur="indefinite" restart="never" nodeType="tmRoot"/>
       </p:par>
     </p:tnLst>
   </p:timing>
@@ -13376,11 +13863,7 @@
           <a:p>
             <a:r>
               <a:rPr lang="hu-HU" dirty="0" smtClean="0"/>
-              <a:t>F</a:t>
-            </a:r>
-            <a:r>
-              <a:rPr lang="hu-HU" dirty="0" smtClean="0"/>
-              <a:t>üggőségi problémák</a:t>
+              <a:t>Függőségi problémák</a:t>
             </a:r>
             <a:endParaRPr lang="en-US" dirty="0"/>
           </a:p>
@@ -14175,7 +14658,7 @@
   <p:timing>
     <p:tnLst>
       <p:par>
-        <p:cTn xmlns:p14="http://schemas.microsoft.com/office/powerpoint/2010/main" id="1" dur="indefinite" restart="never" nodeType="tmRoot">
+        <p:cTn id="1" dur="indefinite" restart="never" nodeType="tmRoot">
           <p:childTnLst>
             <p:seq concurrent="1" nextAc="seek">
               <p:cTn id="2" dur="indefinite" nodeType="mainSeq">
@@ -14877,23 +15360,14 @@
             <a:pPr lvl="1"/>
             <a:r>
               <a:rPr lang="hu-HU" dirty="0" smtClean="0"/>
-              <a:t>Tisztán forráskód </a:t>
-            </a:r>
-            <a:r>
-              <a:rPr lang="hu-HU" dirty="0" smtClean="0"/>
-              <a:t>alapú analízis lassú</a:t>
-            </a:r>
-            <a:endParaRPr lang="hu-HU" dirty="0" smtClean="0"/>
+              <a:t>Tisztán forráskód alapú analízis lassú</a:t>
+            </a:r>
           </a:p>
           <a:p>
             <a:pPr lvl="2"/>
             <a:r>
               <a:rPr lang="hu-HU" dirty="0" smtClean="0"/>
-              <a:t>Fordítás + tesztek lefutattása idő- és </a:t>
-            </a:r>
-            <a:r>
-              <a:rPr lang="hu-HU" dirty="0" smtClean="0"/>
-              <a:t>erőforrásigényes</a:t>
+              <a:t>Fordítás + tesztek lefutattása idő- és erőforrásigényes</a:t>
             </a:r>
           </a:p>
           <a:p>
@@ -14909,7 +15383,6 @@
               <a:rPr lang="hu-HU" dirty="0" smtClean="0"/>
               <a:t>Nem mindig elérhető a forráskód</a:t>
             </a:r>
-            <a:endParaRPr lang="hu-HU" dirty="0" smtClean="0"/>
           </a:p>
           <a:p>
             <a:endParaRPr lang="en-US" dirty="0"/>
@@ -14952,7 +15425,7 @@
   <p:timing>
     <p:tnLst>
       <p:par>
-        <p:cTn xmlns:p14="http://schemas.microsoft.com/office/powerpoint/2010/main" id="1" dur="indefinite" restart="never" nodeType="tmRoot"/>
+        <p:cTn id="1" dur="indefinite" restart="never" nodeType="tmRoot"/>
       </p:par>
     </p:tnLst>
   </p:timing>
@@ -15164,7 +15637,7 @@
   <p:timing>
     <p:tnLst>
       <p:par>
-        <p:cTn xmlns:p14="http://schemas.microsoft.com/office/powerpoint/2010/main" id="1" dur="indefinite" restart="never" nodeType="tmRoot"/>
+        <p:cTn id="1" dur="indefinite" restart="never" nodeType="tmRoot"/>
       </p:par>
     </p:tnLst>
   </p:timing>
@@ -15295,17 +15768,31 @@
             <a:pPr marL="285750" indent="-285750"/>
             <a:r>
               <a:rPr lang="hu-HU" dirty="0" smtClean="0"/>
-              <a:t>Javasolt megvalósítás</a:t>
-            </a:r>
-            <a:r>
-              <a:rPr lang="hu-HU" dirty="0" smtClean="0"/>
-              <a:t>: szerver-kliens </a:t>
-            </a:r>
-            <a:r>
-              <a:rPr lang="hu-HU" dirty="0" smtClean="0"/>
-              <a:t>architektúrájú függőségkezelő eszköz</a:t>
-            </a:r>
-            <a:endParaRPr lang="hu-HU" dirty="0" smtClean="0"/>
+              <a:t>Javasolt </a:t>
+            </a:r>
+            <a:r>
+              <a:rPr lang="hu-HU" dirty="0" smtClean="0"/>
+              <a:t>megvalósítás:</a:t>
+            </a:r>
+            <a:br>
+              <a:rPr lang="hu-HU" dirty="0" smtClean="0"/>
+            </a:br>
+            <a:r>
+              <a:rPr lang="hu-HU" dirty="0" smtClean="0"/>
+              <a:t>szerver-kliens </a:t>
+            </a:r>
+            <a:r>
+              <a:rPr lang="hu-HU" dirty="0" smtClean="0"/>
+              <a:t>architektúrájú </a:t>
+            </a:r>
+            <a:r>
+              <a:rPr lang="hu-HU" dirty="0" smtClean="0"/>
+              <a:t>Java függőségkezelő </a:t>
+            </a:r>
+            <a:r>
+              <a:rPr lang="hu-HU" dirty="0" smtClean="0"/>
+              <a:t>eszköz</a:t>
+            </a:r>
           </a:p>
           <a:p>
             <a:pPr lvl="1">
@@ -15316,14 +15803,18 @@
               <a:rPr lang="hu-HU" dirty="0" smtClean="0"/>
               <a:t>Szerver (build rendszer): </a:t>
             </a:r>
+          </a:p>
+          <a:p>
+            <a:pPr lvl="2"/>
+            <a:r>
+              <a:rPr lang="hu-HU" dirty="0" smtClean="0"/>
+              <a:t>Gyors függőségi analízis a </a:t>
+            </a:r>
+            <a:r>
+              <a:rPr lang="hu-HU" dirty="0" smtClean="0"/>
+              <a:t>Java binárisokon</a:t>
+            </a:r>
             <a:endParaRPr lang="hu-HU" dirty="0" smtClean="0"/>
-          </a:p>
-          <a:p>
-            <a:pPr lvl="2"/>
-            <a:r>
-              <a:rPr lang="hu-HU" dirty="0" smtClean="0"/>
-              <a:t>Gyors függőségi analízis a binárisokon</a:t>
-            </a:r>
           </a:p>
           <a:p>
             <a:pPr lvl="2"/>
@@ -15349,7 +15840,6 @@
               <a:rPr lang="hu-HU" dirty="0" smtClean="0"/>
               <a:t>Kliens (fejlesztői munkaállomások): </a:t>
             </a:r>
-            <a:endParaRPr lang="hu-HU" dirty="0" smtClean="0"/>
           </a:p>
           <a:p>
             <a:pPr lvl="2"/>
@@ -15372,7 +15862,6 @@
               <a:rPr lang="hu-HU" dirty="0" smtClean="0"/>
               <a:t>Eclipse keretrendszerbe integrálva</a:t>
             </a:r>
-            <a:endParaRPr lang="hu-HU" dirty="0" smtClean="0"/>
           </a:p>
           <a:p>
             <a:pPr lvl="2"/>
@@ -15423,7 +15912,7 @@
   <p:timing>
     <p:tnLst>
       <p:par>
-        <p:cTn xmlns:p14="http://schemas.microsoft.com/office/powerpoint/2010/main" id="1" dur="indefinite" restart="never" nodeType="tmRoot"/>
+        <p:cTn id="1" dur="indefinite" restart="never" nodeType="tmRoot"/>
       </p:par>
     </p:tnLst>
   </p:timing>
@@ -15532,7 +16021,7 @@
   <p:timing>
     <p:tnLst>
       <p:par>
-        <p:cTn xmlns:p14="http://schemas.microsoft.com/office/powerpoint/2010/main" id="1" dur="indefinite" restart="never" nodeType="tmRoot"/>
+        <p:cTn id="1" dur="indefinite" restart="never" nodeType="tmRoot"/>
       </p:par>
     </p:tnLst>
   </p:timing>
@@ -16280,7 +16769,15 @@
             </a:pPr>
             <a:r>
               <a:rPr lang="hu-HU" b="1" dirty="0" smtClean="0"/>
-              <a:t>Bemenet méretétől függetlenül</a:t>
+              <a:t>Infrastruktúra </a:t>
+            </a:r>
+            <a:r>
+              <a:rPr lang="hu-HU" b="1" dirty="0" smtClean="0"/>
+              <a:t>méretétől </a:t>
+            </a:r>
+            <a:r>
+              <a:rPr lang="hu-HU" b="1" dirty="0" smtClean="0"/>
+              <a:t>függetlenül</a:t>
             </a:r>
           </a:p>
           <a:p>
@@ -16353,14 +16850,14 @@
             </a:ln>
             <a:effectLst/>
             <a:extLst>
-              <a:ext uri="{909E8E84-426E-40dd-AFC4-6F175D3DCCD1}">
+              <a:ext uri="{909E8E84-426E-40DD-AFC4-6F175D3DCCD1}">
                 <a14:hiddenFill xmlns:a14="http://schemas.microsoft.com/office/drawing/2010/main">
                   <a:solidFill>
                     <a:schemeClr val="accent1"/>
                   </a:solidFill>
                 </a14:hiddenFill>
               </a:ext>
-              <a:ext uri="{91240B29-F687-4f45-9708-019B960494DF}">
+              <a:ext uri="{91240B29-F687-4F45-9708-019B960494DF}">
                 <a14:hiddenLine xmlns:a14="http://schemas.microsoft.com/office/drawing/2010/main" w="9525">
                   <a:solidFill>
                     <a:schemeClr val="tx1"/>
@@ -16370,7 +16867,7 @@
                   <a:tailEnd/>
                 </a14:hiddenLine>
               </a:ext>
-              <a:ext uri="{AF507438-7753-43e0-B8FC-AC1667EBCBE1}">
+              <a:ext uri="{AF507438-7753-43E0-B8FC-AC1667EBCBE1}">
                 <a14:hiddenEffects xmlns:a14="http://schemas.microsoft.com/office/drawing/2010/main">
                   <a:effectLst>
                     <a:outerShdw dist="35921" dir="2700000" algn="ctr" rotWithShape="0">
@@ -16554,7 +17051,7 @@
   <p:timing>
     <p:tnLst>
       <p:par>
-        <p:cTn xmlns:p14="http://schemas.microsoft.com/office/powerpoint/2010/main" id="1" dur="indefinite" restart="never" nodeType="tmRoot">
+        <p:cTn id="1" dur="indefinite" restart="never" nodeType="tmRoot">
           <p:childTnLst>
             <p:seq concurrent="1" nextAc="seek">
               <p:cTn id="2" dur="indefinite" nodeType="mainSeq">
@@ -16964,7 +17461,7 @@
         </p:spPr>
         <p:txBody>
           <a:bodyPr vert="horz" lIns="91440" tIns="45720" rIns="91440" bIns="45720" rtlCol="0" anchor="ctr">
-            <a:normAutofit fontScale="92500" lnSpcReduction="20000"/>
+            <a:normAutofit fontScale="92500"/>
           </a:bodyPr>
           <a:lstStyle>
             <a:lvl1pPr algn="ctr" defTabSz="914400" rtl="0" eaLnBrk="1" latinLnBrk="0" hangingPunct="1">
@@ -17158,7 +17655,6 @@
               <a:rPr lang="hu-HU" dirty="0" smtClean="0"/>
               <a:t>Fejlesztési folyamat</a:t>
             </a:r>
-            <a:endParaRPr lang="hu-HU" dirty="0" smtClean="0"/>
           </a:p>
           <a:p>
             <a:pPr marL="742950" lvl="2" indent="-342900"/>
@@ -17195,7 +17691,7 @@
           </a:prstGeom>
           <a:noFill/>
           <a:extLst>
-            <a:ext uri="{909E8E84-426E-40dd-AFC4-6F175D3DCCD1}">
+            <a:ext uri="{909E8E84-426E-40DD-AFC4-6F175D3DCCD1}">
               <a14:hiddenFill xmlns:a14="http://schemas.microsoft.com/office/drawing/2010/main">
                 <a:solidFill>
                   <a:srgbClr val="FFFFFF"/>
@@ -17234,7 +17730,7 @@
           </a:prstGeom>
           <a:noFill/>
           <a:extLst>
-            <a:ext uri="{909E8E84-426E-40dd-AFC4-6F175D3DCCD1}">
+            <a:ext uri="{909E8E84-426E-40DD-AFC4-6F175D3DCCD1}">
               <a14:hiddenFill xmlns:a14="http://schemas.microsoft.com/office/drawing/2010/main">
                 <a:solidFill>
                   <a:srgbClr val="FFFFFF"/>
@@ -17484,7 +17980,7 @@
   <p:timing>
     <p:tnLst>
       <p:par>
-        <p:cTn xmlns:p14="http://schemas.microsoft.com/office/powerpoint/2010/main" id="1" dur="indefinite" restart="never" nodeType="tmRoot">
+        <p:cTn id="1" dur="indefinite" restart="never" nodeType="tmRoot">
           <p:childTnLst>
             <p:seq concurrent="1" nextAc="seek">
               <p:cTn id="2" dur="indefinite" nodeType="mainSeq">

--- a/incquery-deps-documentation/presentation/tdk_pres_hu_v3.pptx
+++ b/incquery-deps-documentation/presentation/tdk_pres_hu_v3.pptx
@@ -5,30 +5,29 @@
     <p:sldMasterId id="2147483648" r:id="rId1"/>
   </p:sldMasterIdLst>
   <p:notesMasterIdLst>
-    <p:notesMasterId r:id="rId23"/>
+    <p:notesMasterId r:id="rId22"/>
   </p:notesMasterIdLst>
   <p:sldIdLst>
     <p:sldId id="256" r:id="rId2"/>
-    <p:sldId id="258" r:id="rId3"/>
-    <p:sldId id="284" r:id="rId4"/>
-    <p:sldId id="285" r:id="rId5"/>
-    <p:sldId id="262" r:id="rId6"/>
-    <p:sldId id="264" r:id="rId7"/>
-    <p:sldId id="267" r:id="rId8"/>
-    <p:sldId id="270" r:id="rId9"/>
-    <p:sldId id="275" r:id="rId10"/>
-    <p:sldId id="266" r:id="rId11"/>
-    <p:sldId id="263" r:id="rId12"/>
-    <p:sldId id="276" r:id="rId13"/>
-    <p:sldId id="268" r:id="rId14"/>
-    <p:sldId id="269" r:id="rId15"/>
-    <p:sldId id="271" r:id="rId16"/>
-    <p:sldId id="272" r:id="rId17"/>
-    <p:sldId id="273" r:id="rId18"/>
-    <p:sldId id="280" r:id="rId19"/>
-    <p:sldId id="281" r:id="rId20"/>
-    <p:sldId id="282" r:id="rId21"/>
-    <p:sldId id="283" r:id="rId22"/>
+    <p:sldId id="284" r:id="rId3"/>
+    <p:sldId id="285" r:id="rId4"/>
+    <p:sldId id="262" r:id="rId5"/>
+    <p:sldId id="264" r:id="rId6"/>
+    <p:sldId id="267" r:id="rId7"/>
+    <p:sldId id="270" r:id="rId8"/>
+    <p:sldId id="275" r:id="rId9"/>
+    <p:sldId id="266" r:id="rId10"/>
+    <p:sldId id="263" r:id="rId11"/>
+    <p:sldId id="276" r:id="rId12"/>
+    <p:sldId id="268" r:id="rId13"/>
+    <p:sldId id="269" r:id="rId14"/>
+    <p:sldId id="271" r:id="rId15"/>
+    <p:sldId id="272" r:id="rId16"/>
+    <p:sldId id="273" r:id="rId17"/>
+    <p:sldId id="280" r:id="rId18"/>
+    <p:sldId id="281" r:id="rId19"/>
+    <p:sldId id="282" r:id="rId20"/>
+    <p:sldId id="283" r:id="rId21"/>
   </p:sldIdLst>
   <p:sldSz cx="9144000" cy="6858000" type="screen4x3"/>
   <p:notesSz cx="6858000" cy="9144000"/>
@@ -308,11 +307,11 @@
         </c:dLbls>
         <c:marker val="1"/>
         <c:smooth val="0"/>
-        <c:axId val="77012480"/>
-        <c:axId val="51676288"/>
+        <c:axId val="167755776"/>
+        <c:axId val="155618688"/>
       </c:lineChart>
       <c:catAx>
-        <c:axId val="77012480"/>
+        <c:axId val="167755776"/>
         <c:scaling>
           <c:orientation val="minMax"/>
         </c:scaling>
@@ -356,7 +355,7 @@
             <a:endParaRPr lang="en-US"/>
           </a:p>
         </c:txPr>
-        <c:crossAx val="51676288"/>
+        <c:crossAx val="155618688"/>
         <c:crosses val="autoZero"/>
         <c:auto val="0"/>
         <c:lblAlgn val="ctr"/>
@@ -366,7 +365,7 @@
         <c:noMultiLvlLbl val="0"/>
       </c:catAx>
       <c:valAx>
-        <c:axId val="51676288"/>
+        <c:axId val="155618688"/>
         <c:scaling>
           <c:orientation val="minMax"/>
         </c:scaling>
@@ -407,7 +406,7 @@
             <a:endParaRPr lang="en-US"/>
           </a:p>
         </c:txPr>
-        <c:crossAx val="77012480"/>
+        <c:crossAx val="167755776"/>
         <c:crosses val="autoZero"/>
         <c:crossBetween val="between"/>
       </c:valAx>
@@ -530,11 +529,11 @@
         </c:dLbls>
         <c:marker val="1"/>
         <c:smooth val="0"/>
-        <c:axId val="77162496"/>
-        <c:axId val="51642944"/>
+        <c:axId val="196879872"/>
+        <c:axId val="155622144"/>
       </c:lineChart>
       <c:catAx>
-        <c:axId val="77162496"/>
+        <c:axId val="196879872"/>
         <c:scaling>
           <c:orientation val="minMax"/>
         </c:scaling>
@@ -578,7 +577,7 @@
             <a:endParaRPr lang="en-US"/>
           </a:p>
         </c:txPr>
-        <c:crossAx val="51642944"/>
+        <c:crossAx val="155622144"/>
         <c:crosses val="autoZero"/>
         <c:auto val="1"/>
         <c:lblAlgn val="ctr"/>
@@ -586,7 +585,7 @@
         <c:noMultiLvlLbl val="0"/>
       </c:catAx>
       <c:valAx>
-        <c:axId val="51642944"/>
+        <c:axId val="155622144"/>
         <c:scaling>
           <c:orientation val="minMax"/>
         </c:scaling>
@@ -627,7 +626,7 @@
             <a:endParaRPr lang="en-US"/>
           </a:p>
         </c:txPr>
-        <c:crossAx val="77162496"/>
+        <c:crossAx val="196879872"/>
         <c:crosses val="autoZero"/>
         <c:crossBetween val="between"/>
       </c:valAx>
@@ -750,11 +749,11 @@
         </c:dLbls>
         <c:marker val="1"/>
         <c:smooth val="0"/>
-        <c:axId val="77163008"/>
-        <c:axId val="51644672"/>
+        <c:axId val="196880384"/>
+        <c:axId val="155683648"/>
       </c:lineChart>
       <c:catAx>
-        <c:axId val="77163008"/>
+        <c:axId val="196880384"/>
         <c:scaling>
           <c:orientation val="minMax"/>
         </c:scaling>
@@ -798,7 +797,7 @@
             <a:endParaRPr lang="en-US"/>
           </a:p>
         </c:txPr>
-        <c:crossAx val="51644672"/>
+        <c:crossAx val="155683648"/>
         <c:crosses val="autoZero"/>
         <c:auto val="1"/>
         <c:lblAlgn val="ctr"/>
@@ -806,7 +805,7 @@
         <c:noMultiLvlLbl val="0"/>
       </c:catAx>
       <c:valAx>
-        <c:axId val="51644672"/>
+        <c:axId val="155683648"/>
         <c:scaling>
           <c:orientation val="minMax"/>
         </c:scaling>
@@ -847,7 +846,7 @@
             <a:endParaRPr lang="en-US"/>
           </a:p>
         </c:txPr>
-        <c:crossAx val="77163008"/>
+        <c:crossAx val="196880384"/>
         <c:crosses val="autoZero"/>
         <c:crossBetween val="between"/>
       </c:valAx>
@@ -1258,11 +1257,31 @@
           <a:p>
             <a:r>
               <a:rPr lang="hu-HU" dirty="0" smtClean="0"/>
-              <a:t>Hangsúlyozni: Java  alkalmazások.</a:t>
-            </a:r>
-          </a:p>
-          <a:p>
-            <a:endParaRPr lang="en-US" dirty="0"/>
+              <a:t>Kód/bináris </a:t>
+            </a:r>
+            <a:r>
+              <a:rPr lang="hu-HU" dirty="0" smtClean="0">
+                <a:sym typeface="Wingdings" pitchFamily="2" charset="2"/>
+              </a:rPr>
+              <a:t> </a:t>
+            </a:r>
+            <a:r>
+              <a:rPr lang="hu-HU" dirty="0" smtClean="0"/>
+              <a:t>modell absztrakció</a:t>
+            </a:r>
+          </a:p>
+          <a:p>
+            <a:r>
+              <a:rPr lang="hu-HU" dirty="0" smtClean="0"/>
+              <a:t>Sokféle statikus függőség</a:t>
+            </a:r>
+          </a:p>
+          <a:p>
+            <a:r>
+              <a:rPr lang="hu-HU" dirty="0" smtClean="0"/>
+              <a:t>Szoftverkomponensek ÖSSZEFÜGGENEK</a:t>
+            </a:r>
+            <a:endParaRPr lang="hu-HU" dirty="0"/>
           </a:p>
         </p:txBody>
       </p:sp>
@@ -1292,7 +1311,7 @@
     </p:spTree>
     <p:extLst>
       <p:ext uri="{BB962C8B-B14F-4D97-AF65-F5344CB8AC3E}">
-        <p14:creationId xmlns:p14="http://schemas.microsoft.com/office/powerpoint/2010/main" val="289021335"/>
+        <p14:creationId xmlns:p14="http://schemas.microsoft.com/office/powerpoint/2010/main" val="3109533612"/>
       </p:ext>
     </p:extLst>
   </p:cSld>
@@ -1367,7 +1386,7 @@
           <a:p>
             <a:fld id="{660D7955-1178-45C7-88EB-DB10C946F729}" type="slidenum">
               <a:rPr lang="en-US" smtClean="0"/>
-              <a:t>14</a:t>
+              <a:t>13</a:t>
             </a:fld>
             <a:endParaRPr lang="en-US"/>
           </a:p>
@@ -1476,7 +1495,7 @@
           <a:p>
             <a:fld id="{E7AA0654-642B-4EC6-9896-06614A0153EC}" type="slidenum">
               <a:rPr lang="en-US" smtClean="0"/>
-              <a:t>5</a:t>
+              <a:t>4</a:t>
             </a:fld>
             <a:endParaRPr lang="en-US"/>
           </a:p>
@@ -1560,7 +1579,7 @@
           <a:p>
             <a:fld id="{E7AA0654-642B-4EC6-9896-06614A0153EC}" type="slidenum">
               <a:rPr lang="en-US" smtClean="0"/>
-              <a:t>6</a:t>
+              <a:t>5</a:t>
             </a:fld>
             <a:endParaRPr lang="en-US"/>
           </a:p>
@@ -1670,7 +1689,7 @@
           <a:p>
             <a:fld id="{E7AA0654-642B-4EC6-9896-06614A0153EC}" type="slidenum">
               <a:rPr lang="en-US" smtClean="0"/>
-              <a:t>7</a:t>
+              <a:t>6</a:t>
             </a:fld>
             <a:endParaRPr lang="en-US"/>
           </a:p>
@@ -1764,7 +1783,7 @@
           <a:p>
             <a:fld id="{E7AA0654-642B-4EC6-9896-06614A0153EC}" type="slidenum">
               <a:rPr lang="en-US" smtClean="0"/>
-              <a:t>8</a:t>
+              <a:t>7</a:t>
             </a:fld>
             <a:endParaRPr lang="en-US"/>
           </a:p>
@@ -1860,7 +1879,7 @@
           <a:p>
             <a:fld id="{660D7955-1178-45C7-88EB-DB10C946F729}" type="slidenum">
               <a:rPr lang="en-US" smtClean="0"/>
-              <a:t>9</a:t>
+              <a:t>8</a:t>
             </a:fld>
             <a:endParaRPr lang="en-US"/>
           </a:p>
@@ -1952,7 +1971,7 @@
           <a:p>
             <a:fld id="{E7AA0654-642B-4EC6-9896-06614A0153EC}" type="slidenum">
               <a:rPr lang="en-US" smtClean="0"/>
-              <a:t>10</a:t>
+              <a:t>9</a:t>
             </a:fld>
             <a:endParaRPr lang="en-US"/>
           </a:p>
@@ -2036,7 +2055,7 @@
           <a:p>
             <a:fld id="{E7AA0654-642B-4EC6-9896-06614A0153EC}" type="slidenum">
               <a:rPr lang="en-US" smtClean="0"/>
-              <a:t>11</a:t>
+              <a:t>10</a:t>
             </a:fld>
             <a:endParaRPr lang="en-US"/>
           </a:p>
@@ -2120,7 +2139,7 @@
           <a:p>
             <a:fld id="{660D7955-1178-45C7-88EB-DB10C946F729}" type="slidenum">
               <a:rPr lang="en-US" smtClean="0"/>
-              <a:t>13</a:t>
+              <a:t>12</a:t>
             </a:fld>
             <a:endParaRPr lang="en-US"/>
           </a:p>
@@ -5186,11 +5205,7 @@
           <a:p>
             <a:r>
               <a:rPr lang="hu-HU" dirty="0" smtClean="0"/>
-              <a:t>Nagy szoftverinfrastruktúra feletti inkrementális </a:t>
-            </a:r>
-            <a:r>
-              <a:rPr lang="hu-HU" dirty="0" smtClean="0"/>
-              <a:t>függőségi analízis</a:t>
+              <a:t>Nagy szoftverinfrastruktúra feletti inkrementális függőségi analízis</a:t>
             </a:r>
             <a:endParaRPr lang="en-US" dirty="0"/>
           </a:p>
@@ -5219,11 +5234,7 @@
           <a:p>
             <a:r>
               <a:rPr lang="hu-HU" dirty="0" smtClean="0"/>
-              <a:t>Konzulens: Horváth Ákos, Ráth </a:t>
-            </a:r>
-            <a:r>
-              <a:rPr lang="hu-HU" dirty="0" smtClean="0"/>
-              <a:t>István</a:t>
+              <a:t>Konzulens: Horváth Ákos, Ráth István</a:t>
             </a:r>
           </a:p>
           <a:p>
@@ -5297,45 +5308,22 @@
       </p:grpSpPr>
       <p:sp>
         <p:nvSpPr>
-          <p:cNvPr id="3" name="Title 1"/>
-          <p:cNvSpPr txBox="1">
-            <a:spLocks/>
+          <p:cNvPr id="2" name="Title 1"/>
+          <p:cNvSpPr>
+            <a:spLocks noGrp="1"/>
           </p:cNvSpPr>
-          <p:nvPr/>
-        </p:nvSpPr>
-        <p:spPr>
-          <a:xfrm>
-            <a:off x="457200" y="274638"/>
-            <a:ext cx="8229600" cy="1143000"/>
-          </a:xfrm>
-          <a:prstGeom prst="rect">
-            <a:avLst/>
-          </a:prstGeom>
-        </p:spPr>
-        <p:txBody>
-          <a:bodyPr vert="horz" lIns="91440" tIns="45720" rIns="91440" bIns="45720" rtlCol="0" anchor="ctr">
-            <a:normAutofit fontScale="92500"/>
-          </a:bodyPr>
-          <a:lstStyle>
-            <a:lvl1pPr algn="ctr" defTabSz="914400" rtl="0" eaLnBrk="1" latinLnBrk="0" hangingPunct="1">
-              <a:spcBef>
-                <a:spcPct val="0"/>
-              </a:spcBef>
-              <a:buNone/>
-              <a:defRPr sz="4400" kern="1200">
-                <a:solidFill>
-                  <a:schemeClr val="tx1"/>
-                </a:solidFill>
-                <a:latin typeface="+mj-lt"/>
-                <a:ea typeface="+mj-ea"/>
-                <a:cs typeface="+mj-cs"/>
-              </a:defRPr>
-            </a:lvl1pPr>
-          </a:lstStyle>
+          <p:nvPr>
+            <p:ph type="title"/>
+          </p:nvPr>
+        </p:nvSpPr>
+        <p:spPr/>
+        <p:txBody>
+          <a:bodyPr/>
+          <a:lstStyle/>
           <a:p>
             <a:r>
               <a:rPr lang="hu-HU" dirty="0" smtClean="0"/>
-              <a:t>Integráció a fejlesztői keretrendszerbe</a:t>
+              <a:t>A rendszer teljesítménye</a:t>
             </a:r>
             <a:endParaRPr lang="en-US" dirty="0"/>
           </a:p>
@@ -5343,259 +5331,26 @@
       </p:sp>
       <p:sp>
         <p:nvSpPr>
-          <p:cNvPr id="4" name="Content Placeholder 7"/>
-          <p:cNvSpPr txBox="1">
-            <a:spLocks/>
+          <p:cNvPr id="3" name="Text Placeholder 2"/>
+          <p:cNvSpPr>
+            <a:spLocks noGrp="1"/>
           </p:cNvSpPr>
-          <p:nvPr/>
-        </p:nvSpPr>
-        <p:spPr>
-          <a:xfrm>
-            <a:off x="457200" y="1600201"/>
-            <a:ext cx="4038600" cy="609600"/>
-          </a:xfrm>
-          <a:prstGeom prst="rect">
-            <a:avLst/>
-          </a:prstGeom>
-        </p:spPr>
-        <p:txBody>
-          <a:bodyPr>
-            <a:normAutofit/>
-          </a:bodyPr>
-          <a:lstStyle>
-            <a:lvl1pPr marL="342900" indent="-342900" algn="l" defTabSz="914400" rtl="0" eaLnBrk="1" latinLnBrk="0" hangingPunct="1">
-              <a:spcBef>
-                <a:spcPct val="20000"/>
-              </a:spcBef>
-              <a:buFont typeface="Arial" pitchFamily="34" charset="0"/>
-              <a:buChar char="•"/>
-              <a:defRPr sz="3200" kern="1200">
-                <a:solidFill>
-                  <a:schemeClr val="tx1"/>
-                </a:solidFill>
-                <a:latin typeface="+mn-lt"/>
-                <a:ea typeface="+mn-ea"/>
-                <a:cs typeface="+mn-cs"/>
-              </a:defRPr>
-            </a:lvl1pPr>
-            <a:lvl2pPr marL="742950" indent="-285750" algn="l" defTabSz="914400" rtl="0" eaLnBrk="1" latinLnBrk="0" hangingPunct="1">
-              <a:spcBef>
-                <a:spcPct val="20000"/>
-              </a:spcBef>
-              <a:buFont typeface="Arial" pitchFamily="34" charset="0"/>
-              <a:buChar char="–"/>
-              <a:defRPr sz="2800" kern="1200">
-                <a:solidFill>
-                  <a:schemeClr val="tx1"/>
-                </a:solidFill>
-                <a:latin typeface="+mn-lt"/>
-                <a:ea typeface="+mn-ea"/>
-                <a:cs typeface="+mn-cs"/>
-              </a:defRPr>
-            </a:lvl2pPr>
-            <a:lvl3pPr marL="1143000" indent="-228600" algn="l" defTabSz="914400" rtl="0" eaLnBrk="1" latinLnBrk="0" hangingPunct="1">
-              <a:spcBef>
-                <a:spcPct val="20000"/>
-              </a:spcBef>
-              <a:buFont typeface="Arial" pitchFamily="34" charset="0"/>
-              <a:buChar char="•"/>
-              <a:defRPr sz="2400" kern="1200">
-                <a:solidFill>
-                  <a:schemeClr val="tx1"/>
-                </a:solidFill>
-                <a:latin typeface="+mn-lt"/>
-                <a:ea typeface="+mn-ea"/>
-                <a:cs typeface="+mn-cs"/>
-              </a:defRPr>
-            </a:lvl3pPr>
-            <a:lvl4pPr marL="1600200" indent="-228600" algn="l" defTabSz="914400" rtl="0" eaLnBrk="1" latinLnBrk="0" hangingPunct="1">
-              <a:spcBef>
-                <a:spcPct val="20000"/>
-              </a:spcBef>
-              <a:buFont typeface="Arial" pitchFamily="34" charset="0"/>
-              <a:buChar char="–"/>
-              <a:defRPr sz="2000" kern="1200">
-                <a:solidFill>
-                  <a:schemeClr val="tx1"/>
-                </a:solidFill>
-                <a:latin typeface="+mn-lt"/>
-                <a:ea typeface="+mn-ea"/>
-                <a:cs typeface="+mn-cs"/>
-              </a:defRPr>
-            </a:lvl4pPr>
-            <a:lvl5pPr marL="2057400" indent="-228600" algn="l" defTabSz="914400" rtl="0" eaLnBrk="1" latinLnBrk="0" hangingPunct="1">
-              <a:spcBef>
-                <a:spcPct val="20000"/>
-              </a:spcBef>
-              <a:buFont typeface="Arial" pitchFamily="34" charset="0"/>
-              <a:buChar char="»"/>
-              <a:defRPr sz="2000" kern="1200">
-                <a:solidFill>
-                  <a:schemeClr val="tx1"/>
-                </a:solidFill>
-                <a:latin typeface="+mn-lt"/>
-                <a:ea typeface="+mn-ea"/>
-                <a:cs typeface="+mn-cs"/>
-              </a:defRPr>
-            </a:lvl5pPr>
-            <a:lvl6pPr marL="2514600" indent="-228600" algn="l" defTabSz="914400" rtl="0" eaLnBrk="1" latinLnBrk="0" hangingPunct="1">
-              <a:spcBef>
-                <a:spcPct val="20000"/>
-              </a:spcBef>
-              <a:buFont typeface="Arial" pitchFamily="34" charset="0"/>
-              <a:buChar char="•"/>
-              <a:defRPr sz="2000" kern="1200">
-                <a:solidFill>
-                  <a:schemeClr val="tx1"/>
-                </a:solidFill>
-                <a:latin typeface="+mn-lt"/>
-                <a:ea typeface="+mn-ea"/>
-                <a:cs typeface="+mn-cs"/>
-              </a:defRPr>
-            </a:lvl6pPr>
-            <a:lvl7pPr marL="2971800" indent="-228600" algn="l" defTabSz="914400" rtl="0" eaLnBrk="1" latinLnBrk="0" hangingPunct="1">
-              <a:spcBef>
-                <a:spcPct val="20000"/>
-              </a:spcBef>
-              <a:buFont typeface="Arial" pitchFamily="34" charset="0"/>
-              <a:buChar char="•"/>
-              <a:defRPr sz="2000" kern="1200">
-                <a:solidFill>
-                  <a:schemeClr val="tx1"/>
-                </a:solidFill>
-                <a:latin typeface="+mn-lt"/>
-                <a:ea typeface="+mn-ea"/>
-                <a:cs typeface="+mn-cs"/>
-              </a:defRPr>
-            </a:lvl7pPr>
-            <a:lvl8pPr marL="3429000" indent="-228600" algn="l" defTabSz="914400" rtl="0" eaLnBrk="1" latinLnBrk="0" hangingPunct="1">
-              <a:spcBef>
-                <a:spcPct val="20000"/>
-              </a:spcBef>
-              <a:buFont typeface="Arial" pitchFamily="34" charset="0"/>
-              <a:buChar char="•"/>
-              <a:defRPr sz="2000" kern="1200">
-                <a:solidFill>
-                  <a:schemeClr val="tx1"/>
-                </a:solidFill>
-                <a:latin typeface="+mn-lt"/>
-                <a:ea typeface="+mn-ea"/>
-                <a:cs typeface="+mn-cs"/>
-              </a:defRPr>
-            </a:lvl8pPr>
-            <a:lvl9pPr marL="3886200" indent="-228600" algn="l" defTabSz="914400" rtl="0" eaLnBrk="1" latinLnBrk="0" hangingPunct="1">
-              <a:spcBef>
-                <a:spcPct val="20000"/>
-              </a:spcBef>
-              <a:buFont typeface="Arial" pitchFamily="34" charset="0"/>
-              <a:buChar char="•"/>
-              <a:defRPr sz="2000" kern="1200">
-                <a:solidFill>
-                  <a:schemeClr val="tx1"/>
-                </a:solidFill>
-                <a:latin typeface="+mn-lt"/>
-                <a:ea typeface="+mn-ea"/>
-                <a:cs typeface="+mn-cs"/>
-              </a:defRPr>
-            </a:lvl9pPr>
-          </a:lstStyle>
-          <a:p>
-            <a:pPr marL="342900" lvl="1" indent="-342900">
-              <a:buFont typeface="Arial" pitchFamily="34" charset="0"/>
-              <a:buChar char="•"/>
-            </a:pPr>
-            <a:r>
-              <a:rPr lang="hu-HU" dirty="0" smtClean="0"/>
-              <a:t>Fejlesztési folyamat</a:t>
-            </a:r>
-          </a:p>
-          <a:p>
-            <a:pPr marL="742950" lvl="2" indent="-342900"/>
-            <a:endParaRPr lang="hu-HU" dirty="0"/>
-          </a:p>
-        </p:txBody>
-      </p:sp>
-      <p:pic>
-        <p:nvPicPr>
-          <p:cNvPr id="5" name="Picture 2" descr="C:\opt\github\incquery-deps\incquery-deps-documentation\figures\incdeps.png"/>
-          <p:cNvPicPr>
-            <a:picLocks noChangeAspect="1" noChangeArrowheads="1"/>
-          </p:cNvPicPr>
-          <p:nvPr/>
-        </p:nvPicPr>
-        <p:blipFill rotWithShape="1">
-          <a:blip r:embed="rId3">
-            <a:extLst>
-              <a:ext uri="{28A0092B-C50C-407E-A947-70E740481C1C}">
-                <a14:useLocalDpi xmlns:a14="http://schemas.microsoft.com/office/drawing/2010/main" val="0"/>
-              </a:ext>
-            </a:extLst>
-          </a:blip>
-          <a:srcRect r="6980"/>
-          <a:stretch/>
-        </p:blipFill>
-        <p:spPr bwMode="auto">
-          <a:xfrm>
-            <a:off x="4648200" y="1552800"/>
-            <a:ext cx="4031343" cy="1838325"/>
-          </a:xfrm>
-          <a:prstGeom prst="rect">
-            <a:avLst/>
-          </a:prstGeom>
-          <a:noFill/>
-          <a:extLst>
-            <a:ext uri="{909E8E84-426E-40DD-AFC4-6F175D3DCCD1}">
-              <a14:hiddenFill xmlns:a14="http://schemas.microsoft.com/office/drawing/2010/main">
-                <a:solidFill>
-                  <a:srgbClr val="FFFFFF"/>
-                </a:solidFill>
-              </a14:hiddenFill>
-            </a:ext>
-          </a:extLst>
-        </p:spPr>
-      </p:pic>
-      <p:pic>
-        <p:nvPicPr>
-          <p:cNvPr id="6" name="Picture 3" descr="C:\opt\github\incquery-deps\incquery-deps-documentation\figures\results.png"/>
-          <p:cNvPicPr>
-            <a:picLocks noChangeAspect="1" noChangeArrowheads="1"/>
-          </p:cNvPicPr>
-          <p:nvPr/>
-        </p:nvPicPr>
-        <p:blipFill rotWithShape="1">
-          <a:blip r:embed="rId4">
-            <a:extLst>
-              <a:ext uri="{28A0092B-C50C-407E-A947-70E740481C1C}">
-                <a14:useLocalDpi xmlns:a14="http://schemas.microsoft.com/office/drawing/2010/main" val="0"/>
-              </a:ext>
-            </a:extLst>
-          </a:blip>
-          <a:srcRect r="36562" b="5448"/>
-          <a:stretch/>
-        </p:blipFill>
-        <p:spPr bwMode="auto">
-          <a:xfrm>
-            <a:off x="4648200" y="3791857"/>
-            <a:ext cx="4031343" cy="1999343"/>
-          </a:xfrm>
-          <a:prstGeom prst="rect">
-            <a:avLst/>
-          </a:prstGeom>
-          <a:noFill/>
-          <a:extLst>
-            <a:ext uri="{909E8E84-426E-40DD-AFC4-6F175D3DCCD1}">
-              <a14:hiddenFill xmlns:a14="http://schemas.microsoft.com/office/drawing/2010/main">
-                <a:solidFill>
-                  <a:srgbClr val="FFFFFF"/>
-                </a:solidFill>
-              </a14:hiddenFill>
-            </a:ext>
-          </a:extLst>
-        </p:spPr>
-      </p:pic>
-      <p:sp>
-        <p:nvSpPr>
-          <p:cNvPr id="2" name="Slide Number Placeholder 1"/>
+          <p:nvPr>
+            <p:ph type="body" idx="1"/>
+          </p:nvPr>
+        </p:nvSpPr>
+        <p:spPr/>
+        <p:txBody>
+          <a:bodyPr/>
+          <a:lstStyle/>
+          <a:p>
+            <a:endParaRPr lang="en-US" dirty="0"/>
+          </a:p>
+        </p:txBody>
+      </p:sp>
+      <p:sp>
+        <p:nvSpPr>
+          <p:cNvPr id="4" name="Slide Number Placeholder 3"/>
           <p:cNvSpPr>
             <a:spLocks noGrp="1"/>
           </p:cNvSpPr>
@@ -5616,386 +5371,10 @@
           </a:p>
         </p:txBody>
       </p:sp>
-      <p:pic>
-        <p:nvPicPr>
-          <p:cNvPr id="7" name="Picture 6"/>
-          <p:cNvPicPr>
-            <a:picLocks noChangeAspect="1"/>
-          </p:cNvPicPr>
-          <p:nvPr/>
-        </p:nvPicPr>
-        <p:blipFill>
-          <a:blip r:embed="rId5"/>
-          <a:stretch>
-            <a:fillRect/>
-          </a:stretch>
-        </p:blipFill>
-        <p:spPr>
-          <a:xfrm>
-            <a:off x="304800" y="2362200"/>
-            <a:ext cx="4254500" cy="3390900"/>
-          </a:xfrm>
-          <a:prstGeom prst="rect">
-            <a:avLst/>
-          </a:prstGeom>
-        </p:spPr>
-      </p:pic>
-      <p:grpSp>
-        <p:nvGrpSpPr>
-          <p:cNvPr id="10" name="Group 9"/>
-          <p:cNvGrpSpPr/>
-          <p:nvPr/>
-        </p:nvGrpSpPr>
-        <p:grpSpPr>
-          <a:xfrm>
-            <a:off x="228600" y="2362200"/>
-            <a:ext cx="3200400" cy="4267200"/>
-            <a:chOff x="228600" y="2362200"/>
-            <a:chExt cx="3200400" cy="4267200"/>
-          </a:xfrm>
-        </p:grpSpPr>
-        <p:sp>
-          <p:nvSpPr>
-            <p:cNvPr id="8" name="Rectangle 7"/>
-            <p:cNvSpPr/>
-            <p:nvPr/>
-          </p:nvSpPr>
-          <p:spPr>
-            <a:xfrm>
-              <a:off x="1905000" y="2362200"/>
-              <a:ext cx="1447800" cy="685800"/>
-            </a:xfrm>
-            <a:prstGeom prst="rect">
-              <a:avLst/>
-            </a:prstGeom>
-            <a:solidFill>
-              <a:schemeClr val="lt1">
-                <a:alpha val="0"/>
-              </a:schemeClr>
-            </a:solidFill>
-            <a:ln w="57150" cmpd="sng"/>
-          </p:spPr>
-          <p:style>
-            <a:lnRef idx="2">
-              <a:schemeClr val="accent2"/>
-            </a:lnRef>
-            <a:fillRef idx="1">
-              <a:schemeClr val="lt1"/>
-            </a:fillRef>
-            <a:effectRef idx="0">
-              <a:schemeClr val="accent2"/>
-            </a:effectRef>
-            <a:fontRef idx="minor">
-              <a:schemeClr val="dk1"/>
-            </a:fontRef>
-          </p:style>
-          <p:txBody>
-            <a:bodyPr rtlCol="0" anchor="ctr"/>
-            <a:lstStyle/>
-            <a:p>
-              <a:pPr algn="ctr"/>
-              <a:endParaRPr lang="en-US" sz="2000"/>
-            </a:p>
-          </p:txBody>
-        </p:sp>
-        <p:sp>
-          <p:nvSpPr>
-            <p:cNvPr id="9" name="Rounded Rectangular Callout 8"/>
-            <p:cNvSpPr/>
-            <p:nvPr/>
-          </p:nvSpPr>
-          <p:spPr>
-            <a:xfrm>
-              <a:off x="228600" y="4495800"/>
-              <a:ext cx="3200400" cy="2133600"/>
-            </a:xfrm>
-            <a:prstGeom prst="wedgeRoundRectCallout">
-              <a:avLst>
-                <a:gd name="adj1" fmla="val 44938"/>
-                <a:gd name="adj2" fmla="val -122241"/>
-                <a:gd name="adj3" fmla="val 16667"/>
-              </a:avLst>
-            </a:prstGeom>
-          </p:spPr>
-          <p:style>
-            <a:lnRef idx="2">
-              <a:schemeClr val="accent2">
-                <a:shade val="50000"/>
-              </a:schemeClr>
-            </a:lnRef>
-            <a:fillRef idx="1">
-              <a:schemeClr val="accent2"/>
-            </a:fillRef>
-            <a:effectRef idx="0">
-              <a:schemeClr val="accent2"/>
-            </a:effectRef>
-            <a:fontRef idx="minor">
-              <a:schemeClr val="lt1"/>
-            </a:fontRef>
-          </p:style>
-          <p:txBody>
-            <a:bodyPr rtlCol="0" anchor="ctr"/>
-            <a:lstStyle/>
-            <a:p>
-              <a:r>
-                <a:rPr lang="en-US" sz="2000" dirty="0" err="1" smtClean="0"/>
-                <a:t>Lekérdezések</a:t>
-              </a:r>
-              <a:r>
-                <a:rPr lang="en-US" sz="2000" dirty="0" smtClean="0"/>
-                <a:t> </a:t>
-              </a:r>
-              <a:r>
-                <a:rPr lang="en-US" sz="2000" dirty="0" err="1" smtClean="0"/>
-                <a:t>futtatása</a:t>
-              </a:r>
-              <a:endParaRPr lang="en-US" sz="2000" dirty="0" smtClean="0"/>
-            </a:p>
-            <a:p>
-              <a:pPr marL="285750" indent="-285750">
-                <a:buFont typeface="Arial"/>
-                <a:buChar char="•"/>
-              </a:pPr>
-              <a:r>
-                <a:rPr lang="en-US" sz="2000" dirty="0" err="1" smtClean="0"/>
-                <a:t>Kódmódosítás</a:t>
-              </a:r>
-              <a:r>
-                <a:rPr lang="en-US" sz="2000" dirty="0" smtClean="0"/>
-                <a:t> </a:t>
-              </a:r>
-              <a:r>
-                <a:rPr lang="en-US" sz="2000" dirty="0" err="1" smtClean="0"/>
-                <a:t>közben</a:t>
-              </a:r>
-              <a:r>
-                <a:rPr lang="en-US" sz="2000" dirty="0" smtClean="0"/>
-                <a:t> </a:t>
-              </a:r>
-              <a:r>
-                <a:rPr lang="en-US" sz="2000" dirty="0" err="1" smtClean="0"/>
-                <a:t>igény</a:t>
-              </a:r>
-              <a:r>
-                <a:rPr lang="en-US" sz="2000" dirty="0" smtClean="0"/>
-                <a:t> </a:t>
-              </a:r>
-              <a:r>
-                <a:rPr lang="en-US" sz="2000" dirty="0" err="1" smtClean="0"/>
-                <a:t>szerint</a:t>
-              </a:r>
-              <a:endParaRPr lang="en-US" sz="2000" dirty="0" smtClean="0"/>
-            </a:p>
-            <a:p>
-              <a:pPr marL="285750" indent="-285750">
-                <a:buFont typeface="Arial"/>
-                <a:buChar char="•"/>
-              </a:pPr>
-              <a:r>
-                <a:rPr lang="en-US" sz="2000" dirty="0" smtClean="0"/>
-                <a:t>Release </a:t>
-              </a:r>
-              <a:r>
-                <a:rPr lang="en-US" sz="2000" dirty="0" err="1" smtClean="0"/>
-                <a:t>előtt</a:t>
-              </a:r>
-              <a:r>
-                <a:rPr lang="en-US" sz="2000" dirty="0" smtClean="0"/>
-                <a:t> </a:t>
-              </a:r>
-              <a:r>
-                <a:rPr lang="en-US" sz="2000" dirty="0" err="1" smtClean="0"/>
-                <a:t>ellenőrzési</a:t>
-              </a:r>
-              <a:r>
-                <a:rPr lang="en-US" sz="2000" dirty="0" smtClean="0"/>
-                <a:t> </a:t>
-              </a:r>
-              <a:r>
-                <a:rPr lang="en-US" sz="2000" dirty="0" err="1" smtClean="0"/>
-                <a:t>céllal</a:t>
-              </a:r>
-              <a:endParaRPr lang="en-US" sz="2000" dirty="0"/>
-            </a:p>
-          </p:txBody>
-        </p:sp>
-      </p:grpSp>
-      <p:grpSp>
-        <p:nvGrpSpPr>
-          <p:cNvPr id="15" name="Group 14"/>
-          <p:cNvGrpSpPr/>
-          <p:nvPr/>
-        </p:nvGrpSpPr>
-        <p:grpSpPr>
-          <a:xfrm>
-            <a:off x="4343400" y="3505200"/>
-            <a:ext cx="4724400" cy="3200400"/>
-            <a:chOff x="4648200" y="3657600"/>
-            <a:chExt cx="4724400" cy="3200400"/>
-          </a:xfrm>
-        </p:grpSpPr>
-        <p:sp>
-          <p:nvSpPr>
-            <p:cNvPr id="14" name="Rectangle 13"/>
-            <p:cNvSpPr/>
-            <p:nvPr/>
-          </p:nvSpPr>
-          <p:spPr>
-            <a:xfrm>
-              <a:off x="4648200" y="3657600"/>
-              <a:ext cx="4724400" cy="3200400"/>
-            </a:xfrm>
-            <a:prstGeom prst="rect">
-              <a:avLst/>
-            </a:prstGeom>
-          </p:spPr>
-          <p:style>
-            <a:lnRef idx="2">
-              <a:schemeClr val="accent1">
-                <a:shade val="50000"/>
-              </a:schemeClr>
-            </a:lnRef>
-            <a:fillRef idx="1">
-              <a:schemeClr val="accent1"/>
-            </a:fillRef>
-            <a:effectRef idx="0">
-              <a:schemeClr val="accent1"/>
-            </a:effectRef>
-            <a:fontRef idx="minor">
-              <a:schemeClr val="lt1"/>
-            </a:fontRef>
-          </p:style>
-          <p:txBody>
-            <a:bodyPr rtlCol="0" anchor="ctr"/>
-            <a:lstStyle/>
-            <a:p>
-              <a:pPr algn="ctr"/>
-              <a:endParaRPr lang="en-US"/>
-            </a:p>
-          </p:txBody>
-        </p:sp>
-        <p:grpSp>
-          <p:nvGrpSpPr>
-            <p:cNvPr id="11" name="Group 10"/>
-            <p:cNvGrpSpPr/>
-            <p:nvPr/>
-          </p:nvGrpSpPr>
-          <p:grpSpPr>
-            <a:xfrm>
-              <a:off x="4953000" y="3933447"/>
-              <a:ext cx="4048581" cy="2617232"/>
-              <a:chOff x="4638219" y="3478768"/>
-              <a:chExt cx="4048581" cy="2617232"/>
-            </a:xfrm>
-          </p:grpSpPr>
-          <p:pic>
-            <p:nvPicPr>
-              <p:cNvPr id="12" name="Picture 2"/>
-              <p:cNvPicPr>
-                <a:picLocks noChangeAspect="1" noChangeArrowheads="1"/>
-              </p:cNvPicPr>
-              <p:nvPr/>
-            </p:nvPicPr>
-            <p:blipFill>
-              <a:blip r:embed="rId6">
-                <a:extLst>
-                  <a:ext uri="{28A0092B-C50C-407E-A947-70E740481C1C}">
-                    <a14:useLocalDpi xmlns:a14="http://schemas.microsoft.com/office/drawing/2010/main" val="0"/>
-                  </a:ext>
-                </a:extLst>
-              </a:blip>
-              <a:srcRect/>
-              <a:stretch>
-                <a:fillRect/>
-              </a:stretch>
-            </p:blipFill>
-            <p:spPr bwMode="auto">
-              <a:xfrm>
-                <a:off x="4638219" y="3848100"/>
-                <a:ext cx="4029075" cy="2247900"/>
-              </a:xfrm>
-              <a:prstGeom prst="rect">
-                <a:avLst/>
-              </a:prstGeom>
-              <a:noFill/>
-              <a:ln>
-                <a:noFill/>
-              </a:ln>
-              <a:effectLst/>
-              <a:extLst>
-                <a:ext uri="{909E8E84-426E-40DD-AFC4-6F175D3DCCD1}">
-                  <a14:hiddenFill xmlns:a14="http://schemas.microsoft.com/office/drawing/2010/main">
-                    <a:solidFill>
-                      <a:schemeClr val="accent1"/>
-                    </a:solidFill>
-                  </a14:hiddenFill>
-                </a:ext>
-                <a:ext uri="{91240B29-F687-4F45-9708-019B960494DF}">
-                  <a14:hiddenLine xmlns:a14="http://schemas.microsoft.com/office/drawing/2010/main" w="9525">
-                    <a:solidFill>
-                      <a:schemeClr val="tx1"/>
-                    </a:solidFill>
-                    <a:miter lim="800000"/>
-                    <a:headEnd/>
-                    <a:tailEnd/>
-                  </a14:hiddenLine>
-                </a:ext>
-                <a:ext uri="{AF507438-7753-43E0-B8FC-AC1667EBCBE1}">
-                  <a14:hiddenEffects xmlns:a14="http://schemas.microsoft.com/office/drawing/2010/main">
-                    <a:effectLst>
-                      <a:outerShdw dist="35921" dir="2700000" algn="ctr" rotWithShape="0">
-                        <a:schemeClr val="bg2"/>
-                      </a:outerShdw>
-                    </a:effectLst>
-                  </a14:hiddenEffects>
-                </a:ext>
-              </a:extLst>
-            </p:spPr>
-          </p:pic>
-          <p:sp>
-            <p:nvSpPr>
-              <p:cNvPr id="13" name="TextBox 12"/>
-              <p:cNvSpPr txBox="1"/>
-              <p:nvPr/>
-            </p:nvSpPr>
-            <p:spPr>
-              <a:xfrm>
-                <a:off x="4638219" y="3478768"/>
-                <a:ext cx="4048581" cy="369332"/>
-              </a:xfrm>
-              <a:prstGeom prst="rect">
-                <a:avLst/>
-              </a:prstGeom>
-              <a:noFill/>
-            </p:spPr>
-            <p:txBody>
-              <a:bodyPr wrap="square" rtlCol="0">
-                <a:spAutoFit/>
-              </a:bodyPr>
-              <a:lstStyle/>
-              <a:p>
-                <a:r>
-                  <a:rPr lang="hu-HU" b="1" dirty="0" smtClean="0">
-                    <a:solidFill>
-                      <a:schemeClr val="bg1"/>
-                    </a:solidFill>
-                  </a:rPr>
-                  <a:t>Kiterjesztési lehetőség:</a:t>
-                </a:r>
-                <a:endParaRPr lang="en-US" b="1" dirty="0">
-                  <a:solidFill>
-                    <a:schemeClr val="bg1"/>
-                  </a:solidFill>
-                </a:endParaRPr>
-              </a:p>
-            </p:txBody>
-          </p:sp>
-        </p:grpSp>
-      </p:grpSp>
     </p:spTree>
     <p:extLst>
       <p:ext uri="{BB962C8B-B14F-4D97-AF65-F5344CB8AC3E}">
-        <p14:creationId xmlns:p14="http://schemas.microsoft.com/office/powerpoint/2010/main" val="3676012807"/>
+        <p14:creationId xmlns:p14="http://schemas.microsoft.com/office/powerpoint/2010/main" val="2388552978"/>
       </p:ext>
     </p:extLst>
   </p:cSld>
@@ -6005,120 +5384,7 @@
   <p:timing>
     <p:tnLst>
       <p:par>
-        <p:cTn id="1" dur="indefinite" restart="never" nodeType="tmRoot">
-          <p:childTnLst>
-            <p:seq concurrent="1" nextAc="seek">
-              <p:cTn id="2" dur="indefinite" nodeType="mainSeq">
-                <p:childTnLst>
-                  <p:par>
-                    <p:cTn id="3" fill="hold">
-                      <p:stCondLst>
-                        <p:cond delay="indefinite"/>
-                      </p:stCondLst>
-                      <p:childTnLst>
-                        <p:par>
-                          <p:cTn id="4" fill="hold">
-                            <p:stCondLst>
-                              <p:cond delay="0"/>
-                            </p:stCondLst>
-                            <p:childTnLst>
-                              <p:par>
-                                <p:cTn id="5" presetID="1" presetClass="entr" presetSubtype="0" fill="hold" nodeType="clickEffect">
-                                  <p:stCondLst>
-                                    <p:cond delay="0"/>
-                                  </p:stCondLst>
-                                  <p:childTnLst>
-                                    <p:set>
-                                      <p:cBhvr>
-                                        <p:cTn id="6" dur="1" fill="hold">
-                                          <p:stCondLst>
-                                            <p:cond delay="0"/>
-                                          </p:stCondLst>
-                                        </p:cTn>
-                                        <p:tgtEl>
-                                          <p:spTgt spid="10"/>
-                                        </p:tgtEl>
-                                        <p:attrNameLst>
-                                          <p:attrName>style.visibility</p:attrName>
-                                        </p:attrNameLst>
-                                      </p:cBhvr>
-                                      <p:to>
-                                        <p:strVal val="visible"/>
-                                      </p:to>
-                                    </p:set>
-                                  </p:childTnLst>
-                                </p:cTn>
-                              </p:par>
-                            </p:childTnLst>
-                          </p:cTn>
-                        </p:par>
-                      </p:childTnLst>
-                    </p:cTn>
-                  </p:par>
-                  <p:par>
-                    <p:cTn id="7" fill="hold">
-                      <p:stCondLst>
-                        <p:cond delay="indefinite"/>
-                      </p:stCondLst>
-                      <p:childTnLst>
-                        <p:par>
-                          <p:cTn id="8" fill="hold">
-                            <p:stCondLst>
-                              <p:cond delay="0"/>
-                            </p:stCondLst>
-                            <p:childTnLst>
-                              <p:par>
-                                <p:cTn id="9" presetID="1" presetClass="entr" presetSubtype="0" fill="hold" nodeType="clickEffect">
-                                  <p:stCondLst>
-                                    <p:cond delay="0"/>
-                                  </p:stCondLst>
-                                  <p:childTnLst>
-                                    <p:set>
-                                      <p:cBhvr>
-                                        <p:cTn id="10" dur="1" fill="hold">
-                                          <p:stCondLst>
-                                            <p:cond delay="0"/>
-                                          </p:stCondLst>
-                                        </p:cTn>
-                                        <p:tgtEl>
-                                          <p:spTgt spid="15"/>
-                                        </p:tgtEl>
-                                        <p:attrNameLst>
-                                          <p:attrName>style.visibility</p:attrName>
-                                        </p:attrNameLst>
-                                      </p:cBhvr>
-                                      <p:to>
-                                        <p:strVal val="visible"/>
-                                      </p:to>
-                                    </p:set>
-                                  </p:childTnLst>
-                                </p:cTn>
-                              </p:par>
-                            </p:childTnLst>
-                          </p:cTn>
-                        </p:par>
-                      </p:childTnLst>
-                    </p:cTn>
-                  </p:par>
-                </p:childTnLst>
-              </p:cTn>
-              <p:prevCondLst>
-                <p:cond evt="onPrev" delay="0">
-                  <p:tgtEl>
-                    <p:sldTgt/>
-                  </p:tgtEl>
-                </p:cond>
-              </p:prevCondLst>
-              <p:nextCondLst>
-                <p:cond evt="onNext" delay="0">
-                  <p:tgtEl>
-                    <p:sldTgt/>
-                  </p:tgtEl>
-                </p:cond>
-              </p:nextCondLst>
-            </p:seq>
-          </p:childTnLst>
-        </p:cTn>
+        <p:cTn id="1" dur="indefinite" restart="never" nodeType="tmRoot"/>
       </p:par>
     </p:tnLst>
   </p:timing>
@@ -6144,7 +5410,7 @@
       </p:grpSpPr>
       <p:sp>
         <p:nvSpPr>
-          <p:cNvPr id="2" name="Title 1"/>
+          <p:cNvPr id="4" name="Title 3"/>
           <p:cNvSpPr>
             <a:spLocks noGrp="1"/>
           </p:cNvSpPr>
@@ -6159,7 +5425,7 @@
           <a:p>
             <a:r>
               <a:rPr lang="hu-HU" dirty="0" smtClean="0"/>
-              <a:t>A rendszer teljesítménye</a:t>
+              <a:t>Hatékonyság mérése – miért?</a:t>
             </a:r>
             <a:endParaRPr lang="en-US" dirty="0"/>
           </a:p>
@@ -6167,26 +5433,88 @@
       </p:sp>
       <p:sp>
         <p:nvSpPr>
-          <p:cNvPr id="3" name="Text Placeholder 2"/>
+          <p:cNvPr id="5" name="Content Placeholder 4"/>
           <p:cNvSpPr>
             <a:spLocks noGrp="1"/>
           </p:cNvSpPr>
           <p:nvPr>
-            <p:ph type="body" idx="1"/>
+            <p:ph idx="1"/>
           </p:nvPr>
         </p:nvSpPr>
         <p:spPr/>
         <p:txBody>
-          <a:bodyPr/>
-          <a:lstStyle/>
-          <a:p>
+          <a:bodyPr>
+            <a:normAutofit fontScale="92500" lnSpcReduction="20000"/>
+          </a:bodyPr>
+          <a:lstStyle/>
+          <a:p>
+            <a:r>
+              <a:rPr lang="hu-HU" dirty="0" smtClean="0"/>
+              <a:t>Az eszköz műkődését a CERN Controls Systems fejlesztőivel együttműködve, éles üzemben értékeltük ki</a:t>
+            </a:r>
+          </a:p>
+          <a:p>
+            <a:r>
+              <a:rPr lang="hu-HU" dirty="0" smtClean="0"/>
+              <a:t>Célok</a:t>
+            </a:r>
+          </a:p>
+          <a:p>
+            <a:pPr lvl="1"/>
+            <a:r>
+              <a:rPr lang="hu-HU" dirty="0" smtClean="0"/>
+              <a:t>Build szerver:</a:t>
+            </a:r>
+          </a:p>
+          <a:p>
+            <a:pPr lvl="2"/>
+            <a:r>
+              <a:rPr lang="hu-HU" dirty="0" smtClean="0"/>
+              <a:t>Bináris függőségi analízis gyors legyen (1300+ JAR)</a:t>
+            </a:r>
+          </a:p>
+          <a:p>
+            <a:pPr lvl="2"/>
+            <a:r>
+              <a:rPr lang="hu-HU" dirty="0" smtClean="0"/>
+              <a:t>Függőségek lekérdezése gyors legyen</a:t>
+            </a:r>
+          </a:p>
+          <a:p>
+            <a:pPr lvl="1"/>
+            <a:r>
+              <a:rPr lang="hu-HU" dirty="0" smtClean="0"/>
+              <a:t>Fejlesztői környezet:</a:t>
+            </a:r>
+          </a:p>
+          <a:p>
+            <a:pPr lvl="2"/>
+            <a:r>
+              <a:rPr lang="hu-HU" dirty="0" smtClean="0"/>
+              <a:t>Azonnali függőségi analízis visszacsatolás a forráskód módosításával a teljes szoftverinfrastruktúrára!</a:t>
+            </a:r>
+            <a:br>
+              <a:rPr lang="hu-HU" dirty="0" smtClean="0"/>
+            </a:br>
+            <a:r>
+              <a:rPr lang="hu-HU" dirty="0" smtClean="0"/>
+              <a:t>(= tipikus lokális munkakörnyezet – 5-10 projekt – és a szoftverinfrastruktúra – 100+ projekt – </a:t>
+            </a:r>
+            <a:r>
+              <a:rPr lang="hu-HU" b="1" dirty="0" smtClean="0"/>
+              <a:t>együttesén</a:t>
+            </a:r>
+            <a:r>
+              <a:rPr lang="hu-HU" dirty="0" smtClean="0"/>
+              <a:t> működjön, erőforráskorlátos fejlesztői gépeken is)</a:t>
+            </a:r>
             <a:endParaRPr lang="en-US" dirty="0"/>
           </a:p>
         </p:txBody>
       </p:sp>
       <p:sp>
         <p:nvSpPr>
-          <p:cNvPr id="4" name="Slide Number Placeholder 3"/>
+          <p:cNvPr id="2" name="Slide Number Placeholder 1"/>
           <p:cNvSpPr>
             <a:spLocks noGrp="1"/>
           </p:cNvSpPr>
@@ -6210,7 +5538,7 @@
     </p:spTree>
     <p:extLst>
       <p:ext uri="{BB962C8B-B14F-4D97-AF65-F5344CB8AC3E}">
-        <p14:creationId xmlns:p14="http://schemas.microsoft.com/office/powerpoint/2010/main" val="2388552978"/>
+        <p14:creationId xmlns:p14="http://schemas.microsoft.com/office/powerpoint/2010/main" val="1618283345"/>
       </p:ext>
     </p:extLst>
   </p:cSld>
@@ -6246,200 +5574,6 @@
       </p:grpSpPr>
       <p:sp>
         <p:nvSpPr>
-          <p:cNvPr id="4" name="Title 3"/>
-          <p:cNvSpPr>
-            <a:spLocks noGrp="1"/>
-          </p:cNvSpPr>
-          <p:nvPr>
-            <p:ph type="title"/>
-          </p:nvPr>
-        </p:nvSpPr>
-        <p:spPr/>
-        <p:txBody>
-          <a:bodyPr/>
-          <a:lstStyle/>
-          <a:p>
-            <a:r>
-              <a:rPr lang="hu-HU" dirty="0" smtClean="0"/>
-              <a:t>Hatékonyság mérése – miért?</a:t>
-            </a:r>
-            <a:endParaRPr lang="en-US" dirty="0"/>
-          </a:p>
-        </p:txBody>
-      </p:sp>
-      <p:sp>
-        <p:nvSpPr>
-          <p:cNvPr id="5" name="Content Placeholder 4"/>
-          <p:cNvSpPr>
-            <a:spLocks noGrp="1"/>
-          </p:cNvSpPr>
-          <p:nvPr>
-            <p:ph idx="1"/>
-          </p:nvPr>
-        </p:nvSpPr>
-        <p:spPr/>
-        <p:txBody>
-          <a:bodyPr>
-            <a:normAutofit fontScale="92500" lnSpcReduction="20000"/>
-          </a:bodyPr>
-          <a:lstStyle/>
-          <a:p>
-            <a:r>
-              <a:rPr lang="hu-HU" dirty="0" smtClean="0"/>
-              <a:t>Az eszköz műkődését a CERN Controls Systems fejlesztőivel együttműködve, éles üzemben értékeltük ki</a:t>
-            </a:r>
-          </a:p>
-          <a:p>
-            <a:r>
-              <a:rPr lang="hu-HU" dirty="0" smtClean="0"/>
-              <a:t>Célok</a:t>
-            </a:r>
-            <a:endParaRPr lang="hu-HU" dirty="0" smtClean="0"/>
-          </a:p>
-          <a:p>
-            <a:pPr lvl="1"/>
-            <a:r>
-              <a:rPr lang="hu-HU" dirty="0" smtClean="0"/>
-              <a:t>Build szerver:</a:t>
-            </a:r>
-          </a:p>
-          <a:p>
-            <a:pPr lvl="2"/>
-            <a:r>
-              <a:rPr lang="hu-HU" dirty="0" smtClean="0"/>
-              <a:t>Bináris függőségi analízis gyors </a:t>
-            </a:r>
-            <a:r>
-              <a:rPr lang="hu-HU" dirty="0" smtClean="0"/>
-              <a:t>legyen (1300+ JAR)</a:t>
-            </a:r>
-            <a:endParaRPr lang="hu-HU" dirty="0" smtClean="0"/>
-          </a:p>
-          <a:p>
-            <a:pPr lvl="2"/>
-            <a:r>
-              <a:rPr lang="hu-HU" dirty="0" smtClean="0"/>
-              <a:t>Függőségek lekérdezése gyors legyen</a:t>
-            </a:r>
-          </a:p>
-          <a:p>
-            <a:pPr lvl="1"/>
-            <a:r>
-              <a:rPr lang="hu-HU" dirty="0" smtClean="0"/>
-              <a:t>Fejlesztői környezet:</a:t>
-            </a:r>
-          </a:p>
-          <a:p>
-            <a:pPr lvl="2"/>
-            <a:r>
-              <a:rPr lang="hu-HU" dirty="0" smtClean="0"/>
-              <a:t>Azonnali függőségi analízis visszacsatolás a forráskód módosításával a teljes szoftverinfrastruktúrára!</a:t>
-            </a:r>
-            <a:br>
-              <a:rPr lang="hu-HU" dirty="0" smtClean="0"/>
-            </a:br>
-            <a:r>
-              <a:rPr lang="hu-HU" dirty="0" smtClean="0"/>
-              <a:t>(= tipikus lokális munkakörnyezet – </a:t>
-            </a:r>
-            <a:r>
-              <a:rPr lang="hu-HU" dirty="0" smtClean="0"/>
-              <a:t>5-10 </a:t>
-            </a:r>
-            <a:r>
-              <a:rPr lang="hu-HU" dirty="0" smtClean="0"/>
-              <a:t>projekt – és </a:t>
-            </a:r>
-            <a:r>
-              <a:rPr lang="hu-HU" dirty="0" smtClean="0"/>
-              <a:t>a szoftverinfrastruktúra </a:t>
-            </a:r>
-            <a:r>
-              <a:rPr lang="hu-HU" dirty="0" smtClean="0"/>
-              <a:t>– </a:t>
-            </a:r>
-            <a:r>
-              <a:rPr lang="hu-HU" dirty="0" smtClean="0"/>
-              <a:t>100+ </a:t>
-            </a:r>
-            <a:r>
-              <a:rPr lang="hu-HU" dirty="0" smtClean="0"/>
-              <a:t>projekt – </a:t>
-            </a:r>
-            <a:r>
-              <a:rPr lang="hu-HU" b="1" dirty="0" smtClean="0"/>
-              <a:t>együttesén</a:t>
-            </a:r>
-            <a:r>
-              <a:rPr lang="hu-HU" dirty="0" smtClean="0"/>
-              <a:t> működjön, erőforráskorlátos fejlesztői gépeken is)</a:t>
-            </a:r>
-            <a:endParaRPr lang="en-US" dirty="0"/>
-          </a:p>
-        </p:txBody>
-      </p:sp>
-      <p:sp>
-        <p:nvSpPr>
-          <p:cNvPr id="2" name="Slide Number Placeholder 1"/>
-          <p:cNvSpPr>
-            <a:spLocks noGrp="1"/>
-          </p:cNvSpPr>
-          <p:nvPr>
-            <p:ph type="sldNum" sz="quarter" idx="12"/>
-          </p:nvPr>
-        </p:nvSpPr>
-        <p:spPr/>
-        <p:txBody>
-          <a:bodyPr/>
-          <a:lstStyle/>
-          <a:p>
-            <a:fld id="{E5B09FA9-A177-4256-9C7F-5CF31ABA7234}" type="slidenum">
-              <a:rPr lang="en-US" smtClean="0"/>
-              <a:t>12</a:t>
-            </a:fld>
-            <a:endParaRPr lang="en-US"/>
-          </a:p>
-        </p:txBody>
-      </p:sp>
-    </p:spTree>
-    <p:extLst>
-      <p:ext uri="{BB962C8B-B14F-4D97-AF65-F5344CB8AC3E}">
-        <p14:creationId xmlns:p14="http://schemas.microsoft.com/office/powerpoint/2010/main" val="1618283345"/>
-      </p:ext>
-    </p:extLst>
-  </p:cSld>
-  <p:clrMapOvr>
-    <a:masterClrMapping/>
-  </p:clrMapOvr>
-  <p:timing>
-    <p:tnLst>
-      <p:par>
-        <p:cTn id="1" dur="indefinite" restart="never" nodeType="tmRoot"/>
-      </p:par>
-    </p:tnLst>
-  </p:timing>
-</p:sld>
-</file>
-
-<file path=ppt/slides/slide13.xml><?xml version="1.0" encoding="utf-8"?>
-<p:sld xmlns:a="http://schemas.openxmlformats.org/drawingml/2006/main" xmlns:r="http://schemas.openxmlformats.org/officeDocument/2006/relationships" xmlns:p="http://schemas.openxmlformats.org/presentationml/2006/main">
-  <p:cSld>
-    <p:spTree>
-      <p:nvGrpSpPr>
-        <p:cNvPr id="1" name=""/>
-        <p:cNvGrpSpPr/>
-        <p:nvPr/>
-      </p:nvGrpSpPr>
-      <p:grpSpPr>
-        <a:xfrm>
-          <a:off x="0" y="0"/>
-          <a:ext cx="0" cy="0"/>
-          <a:chOff x="0" y="0"/>
-          <a:chExt cx="0" cy="0"/>
-        </a:xfrm>
-      </p:grpSpPr>
-      <p:sp>
-        <p:nvSpPr>
           <p:cNvPr id="2" name="Title 1"/>
           <p:cNvSpPr>
             <a:spLocks noGrp="1"/>
@@ -6610,7 +5744,7 @@
           <a:p>
             <a:fld id="{E5B09FA9-A177-4256-9C7F-5CF31ABA7234}" type="slidenum">
               <a:rPr lang="en-US" smtClean="0"/>
-              <a:t>13</a:t>
+              <a:t>12</a:t>
             </a:fld>
             <a:endParaRPr lang="en-US"/>
           </a:p>
@@ -6636,7 +5770,7 @@
 </p:sld>
 </file>
 
-<file path=ppt/slides/slide14.xml><?xml version="1.0" encoding="utf-8"?>
+<file path=ppt/slides/slide13.xml><?xml version="1.0" encoding="utf-8"?>
 <p:sld xmlns:a="http://schemas.openxmlformats.org/drawingml/2006/main" xmlns:r="http://schemas.openxmlformats.org/officeDocument/2006/relationships" xmlns:p="http://schemas.openxmlformats.org/presentationml/2006/main">
   <p:cSld>
     <p:spTree>
@@ -6743,7 +5877,7 @@
           <a:p>
             <a:fld id="{E5B09FA9-A177-4256-9C7F-5CF31ABA7234}" type="slidenum">
               <a:rPr lang="en-US" smtClean="0"/>
-              <a:t>14</a:t>
+              <a:t>13</a:t>
             </a:fld>
             <a:endParaRPr lang="en-US"/>
           </a:p>
@@ -7209,7 +6343,7 @@
 </p:sld>
 </file>
 
-<file path=ppt/slides/slide15.xml><?xml version="1.0" encoding="utf-8"?>
+<file path=ppt/slides/slide14.xml><?xml version="1.0" encoding="utf-8"?>
 <p:sld xmlns:a="http://schemas.openxmlformats.org/drawingml/2006/main" xmlns:r="http://schemas.openxmlformats.org/officeDocument/2006/relationships" xmlns:p="http://schemas.openxmlformats.org/presentationml/2006/main">
   <p:cSld>
     <p:spTree>
@@ -7293,7 +6427,7 @@
           <a:p>
             <a:fld id="{E5B09FA9-A177-4256-9C7F-5CF31ABA7234}" type="slidenum">
               <a:rPr lang="en-US" smtClean="0"/>
-              <a:t>15</a:t>
+              <a:t>14</a:t>
             </a:fld>
             <a:endParaRPr lang="en-US"/>
           </a:p>
@@ -7319,7 +6453,7 @@
 </p:sld>
 </file>
 
-<file path=ppt/slides/slide16.xml><?xml version="1.0" encoding="utf-8"?>
+<file path=ppt/slides/slide15.xml><?xml version="1.0" encoding="utf-8"?>
 <p:sld xmlns:a="http://schemas.openxmlformats.org/drawingml/2006/main" xmlns:r="http://schemas.openxmlformats.org/officeDocument/2006/relationships" xmlns:p="http://schemas.openxmlformats.org/presentationml/2006/main">
   <p:cSld>
     <p:spTree>
@@ -7410,15 +6544,7 @@
             <a:pPr lvl="1"/>
             <a:r>
               <a:rPr lang="hu-HU" dirty="0" smtClean="0"/>
-              <a:t>Nagy </a:t>
-            </a:r>
-            <a:r>
-              <a:rPr lang="hu-HU" dirty="0" smtClean="0"/>
-              <a:t>mennyiségű bináris komponens hatékony </a:t>
-            </a:r>
-            <a:r>
-              <a:rPr lang="hu-HU" dirty="0" smtClean="0"/>
-              <a:t>függőségi analízise</a:t>
+              <a:t>Nagy mennyiségű bináris komponens hatékony függőségi analízise</a:t>
             </a:r>
           </a:p>
           <a:p>
@@ -7427,7 +6553,6 @@
               <a:rPr lang="hu-HU" dirty="0" smtClean="0"/>
               <a:t>Inkrementális modell-forráskód szinkronizáció</a:t>
             </a:r>
-            <a:endParaRPr lang="hu-HU" dirty="0" smtClean="0"/>
           </a:p>
           <a:p>
             <a:pPr lvl="1"/>
@@ -7439,11 +6564,7 @@
           <a:p>
             <a:r>
               <a:rPr lang="hu-HU" dirty="0" smtClean="0"/>
-              <a:t>A </a:t>
-            </a:r>
-            <a:r>
-              <a:rPr lang="hu-HU" dirty="0" smtClean="0"/>
-              <a:t>rendszer jelenleg éles használatban van:</a:t>
+              <a:t>A rendszer jelenleg éles használatban van:</a:t>
             </a:r>
             <a:br>
               <a:rPr lang="hu-HU" dirty="0" smtClean="0"/>
@@ -7457,27 +6578,7 @@
             <a:pPr lvl="1"/>
             <a:r>
               <a:rPr lang="hu-HU" dirty="0" smtClean="0"/>
-              <a:t>~</a:t>
-            </a:r>
-            <a:r>
-              <a:rPr lang="hu-HU" dirty="0" smtClean="0"/>
-              <a:t>1300 Java projekt, projektenként átlag </a:t>
-            </a:r>
-            <a:r>
-              <a:rPr lang="hu-HU" dirty="0" smtClean="0"/>
-              <a:t>15 aktív verzió / projekt, </a:t>
-            </a:r>
-            <a:r>
-              <a:rPr lang="hu-HU" dirty="0" smtClean="0"/>
-              <a:t>átlagosan </a:t>
-            </a:r>
-            <a:r>
-              <a:rPr lang="hu-HU" dirty="0" smtClean="0"/>
-              <a:t>összesen 10 </a:t>
-            </a:r>
-            <a:r>
-              <a:rPr lang="hu-HU" dirty="0" smtClean="0"/>
-              <a:t>release / nap</a:t>
+              <a:t>~1300 Java projekt, projektenként átlag 15 aktív verzió / projekt, átlagosan összesen 10 release / nap</a:t>
             </a:r>
           </a:p>
           <a:p>
@@ -7510,7 +6611,7 @@
           <a:p>
             <a:fld id="{E5B09FA9-A177-4256-9C7F-5CF31ABA7234}" type="slidenum">
               <a:rPr lang="en-US" smtClean="0"/>
-              <a:t>16</a:t>
+              <a:t>15</a:t>
             </a:fld>
             <a:endParaRPr lang="en-US"/>
           </a:p>
@@ -7536,7 +6637,7 @@
 </p:sld>
 </file>
 
-<file path=ppt/slides/slide17.xml><?xml version="1.0" encoding="utf-8"?>
+<file path=ppt/slides/slide16.xml><?xml version="1.0" encoding="utf-8"?>
 <p:sld xmlns:a="http://schemas.openxmlformats.org/drawingml/2006/main" xmlns:r="http://schemas.openxmlformats.org/officeDocument/2006/relationships" xmlns:p="http://schemas.openxmlformats.org/presentationml/2006/main" show="0">
   <p:cSld>
     <p:spTree>
@@ -7659,7 +6760,7 @@
           <a:p>
             <a:fld id="{E5B09FA9-A177-4256-9C7F-5CF31ABA7234}" type="slidenum">
               <a:rPr lang="en-US" smtClean="0"/>
-              <a:t>17</a:t>
+              <a:t>16</a:t>
             </a:fld>
             <a:endParaRPr lang="en-US"/>
           </a:p>
@@ -7675,14 +6776,116 @@
   <p:clrMapOvr>
     <a:masterClrMapping/>
   </p:clrMapOvr>
-  <mc:AlternateContent xmlns:mc="http://schemas.openxmlformats.org/markup-compatibility/2006">
-    <mc:Choice xmlns:p14="http://schemas.microsoft.com/office/powerpoint/2010/main" Requires="p14">
+  <mc:AlternateContent xmlns:mc="http://schemas.openxmlformats.org/markup-compatibility/2006" xmlns:p14="http://schemas.microsoft.com/office/powerpoint/2010/main">
+    <mc:Choice Requires="p14">
       <p:transition spd="slow" p14:dur="2000"/>
     </mc:Choice>
-    <mc:Fallback>
+    <mc:Fallback xmlns="">
       <p:transition spd="slow"/>
     </mc:Fallback>
   </mc:AlternateContent>
+  <p:timing>
+    <p:tnLst>
+      <p:par>
+        <p:cTn id="1" dur="indefinite" restart="never" nodeType="tmRoot"/>
+      </p:par>
+    </p:tnLst>
+  </p:timing>
+</p:sld>
+</file>
+
+<file path=ppt/slides/slide17.xml><?xml version="1.0" encoding="utf-8"?>
+<p:sld xmlns:a="http://schemas.openxmlformats.org/drawingml/2006/main" xmlns:r="http://schemas.openxmlformats.org/officeDocument/2006/relationships" xmlns:p="http://schemas.openxmlformats.org/presentationml/2006/main">
+  <p:cSld>
+    <p:spTree>
+      <p:nvGrpSpPr>
+        <p:cNvPr id="1" name=""/>
+        <p:cNvGrpSpPr/>
+        <p:nvPr/>
+      </p:nvGrpSpPr>
+      <p:grpSpPr>
+        <a:xfrm>
+          <a:off x="0" y="0"/>
+          <a:ext cx="0" cy="0"/>
+          <a:chOff x="0" y="0"/>
+          <a:chExt cx="0" cy="0"/>
+        </a:xfrm>
+      </p:grpSpPr>
+      <p:sp>
+        <p:nvSpPr>
+          <p:cNvPr id="5" name="Title 4"/>
+          <p:cNvSpPr>
+            <a:spLocks noGrp="1"/>
+          </p:cNvSpPr>
+          <p:nvPr>
+            <p:ph type="title"/>
+          </p:nvPr>
+        </p:nvSpPr>
+        <p:spPr/>
+        <p:txBody>
+          <a:bodyPr/>
+          <a:lstStyle/>
+          <a:p>
+            <a:r>
+              <a:rPr lang="hu-HU" dirty="0" smtClean="0"/>
+              <a:t>Válaszok a bírálók kérdéseire</a:t>
+            </a:r>
+            <a:endParaRPr lang="en-US" dirty="0"/>
+          </a:p>
+        </p:txBody>
+      </p:sp>
+      <p:sp>
+        <p:nvSpPr>
+          <p:cNvPr id="6" name="Text Placeholder 5"/>
+          <p:cNvSpPr>
+            <a:spLocks noGrp="1"/>
+          </p:cNvSpPr>
+          <p:nvPr>
+            <p:ph type="body" idx="1"/>
+          </p:nvPr>
+        </p:nvSpPr>
+        <p:spPr/>
+        <p:txBody>
+          <a:bodyPr/>
+          <a:lstStyle/>
+          <a:p>
+            <a:endParaRPr lang="en-US"/>
+          </a:p>
+        </p:txBody>
+      </p:sp>
+      <p:sp>
+        <p:nvSpPr>
+          <p:cNvPr id="4" name="Slide Number Placeholder 3"/>
+          <p:cNvSpPr>
+            <a:spLocks noGrp="1"/>
+          </p:cNvSpPr>
+          <p:nvPr>
+            <p:ph type="sldNum" sz="quarter" idx="12"/>
+          </p:nvPr>
+        </p:nvSpPr>
+        <p:spPr/>
+        <p:txBody>
+          <a:bodyPr/>
+          <a:lstStyle/>
+          <a:p>
+            <a:fld id="{E5B09FA9-A177-4256-9C7F-5CF31ABA7234}" type="slidenum">
+              <a:rPr lang="en-US" smtClean="0"/>
+              <a:t>17</a:t>
+            </a:fld>
+            <a:endParaRPr lang="en-US"/>
+          </a:p>
+        </p:txBody>
+      </p:sp>
+    </p:spTree>
+    <p:extLst>
+      <p:ext uri="{BB962C8B-B14F-4D97-AF65-F5344CB8AC3E}">
+        <p14:creationId xmlns:p14="http://schemas.microsoft.com/office/powerpoint/2010/main" val="85958453"/>
+      </p:ext>
+    </p:extLst>
+  </p:cSld>
+  <p:clrMapOvr>
+    <a:masterClrMapping/>
+  </p:clrMapOvr>
   <p:timing>
     <p:tnLst>
       <p:par>
@@ -7727,7 +6930,7 @@
           <a:p>
             <a:r>
               <a:rPr lang="hu-HU" dirty="0" smtClean="0"/>
-              <a:t>Válaszok a bírálók kérdéseire</a:t>
+              <a:t>C/C++ kiterjesztés</a:t>
             </a:r>
             <a:endParaRPr lang="en-US" dirty="0"/>
           </a:p>
@@ -7735,20 +6938,81 @@
       </p:sp>
       <p:sp>
         <p:nvSpPr>
-          <p:cNvPr id="6" name="Text Placeholder 5"/>
+          <p:cNvPr id="6" name="Content Placeholder 5"/>
           <p:cNvSpPr>
             <a:spLocks noGrp="1"/>
           </p:cNvSpPr>
           <p:nvPr>
-            <p:ph type="body" idx="1"/>
+            <p:ph idx="1"/>
           </p:nvPr>
         </p:nvSpPr>
         <p:spPr/>
         <p:txBody>
-          <a:bodyPr/>
-          <a:lstStyle/>
-          <a:p>
-            <a:endParaRPr lang="en-US"/>
+          <a:bodyPr>
+            <a:normAutofit fontScale="92500" lnSpcReduction="10000"/>
+          </a:bodyPr>
+          <a:lstStyle/>
+          <a:p>
+            <a:r>
+              <a:rPr lang="hu-HU" dirty="0" smtClean="0"/>
+              <a:t>Forráskód kezelése:</a:t>
+            </a:r>
+            <a:br>
+              <a:rPr lang="hu-HU" dirty="0" smtClean="0"/>
+            </a:br>
+            <a:r>
+              <a:rPr lang="hu-HU" dirty="0" smtClean="0"/>
+              <a:t>Eclipse CDT AST modell alapján</a:t>
+            </a:r>
+          </a:p>
+          <a:p>
+            <a:r>
+              <a:rPr lang="hu-HU" dirty="0" smtClean="0"/>
+              <a:t>Függőségi analízis:</a:t>
+            </a:r>
+          </a:p>
+          <a:p>
+            <a:pPr lvl="1"/>
+            <a:r>
+              <a:rPr lang="hu-HU" dirty="0" smtClean="0"/>
+              <a:t>Forráskód esetben fordítóprogrammal</a:t>
+            </a:r>
+            <a:br>
+              <a:rPr lang="hu-HU" dirty="0" smtClean="0"/>
+            </a:br>
+            <a:r>
+              <a:rPr lang="hu-HU" dirty="0" smtClean="0"/>
+              <a:t>(a build közben)</a:t>
+            </a:r>
+          </a:p>
+          <a:p>
+            <a:pPr lvl="1"/>
+            <a:r>
+              <a:rPr lang="hu-HU" dirty="0" smtClean="0"/>
+              <a:t>Bináris esetben fordítófüggő, nyitott kérdések</a:t>
+            </a:r>
+          </a:p>
+          <a:p>
+            <a:pPr lvl="2"/>
+            <a:r>
+              <a:rPr lang="hu-HU" dirty="0" smtClean="0"/>
+              <a:t>Statikusan linkelt binárisok esetén kódinstrumentációval („debug szimbólumok” alapján)</a:t>
+            </a:r>
+          </a:p>
+          <a:p>
+            <a:pPr lvl="2"/>
+            <a:r>
+              <a:rPr lang="hu-HU" dirty="0" smtClean="0"/>
+              <a:t>Dinamikusan linkelt esetben hivatkozott könyvtárak szimbólumai alapján</a:t>
+            </a:r>
+          </a:p>
+          <a:p>
+            <a:pPr lvl="2"/>
+            <a:r>
+              <a:rPr lang="hu-HU" dirty="0" smtClean="0"/>
+              <a:t>Bináris kód belső struktúrájának felderítése kérdéses</a:t>
+            </a:r>
+            <a:endParaRPr lang="en-US" dirty="0"/>
           </a:p>
         </p:txBody>
       </p:sp>
@@ -7778,7 +7042,7 @@
     </p:spTree>
     <p:extLst>
       <p:ext uri="{BB962C8B-B14F-4D97-AF65-F5344CB8AC3E}">
-        <p14:creationId xmlns:p14="http://schemas.microsoft.com/office/powerpoint/2010/main" val="85958453"/>
+        <p14:creationId xmlns:p14="http://schemas.microsoft.com/office/powerpoint/2010/main" val="2707785328"/>
       </p:ext>
     </p:extLst>
   </p:cSld>
@@ -7814,7 +7078,7 @@
       </p:grpSpPr>
       <p:sp>
         <p:nvSpPr>
-          <p:cNvPr id="5" name="Title 4"/>
+          <p:cNvPr id="2" name="Title 1"/>
           <p:cNvSpPr>
             <a:spLocks noGrp="1"/>
           </p:cNvSpPr>
@@ -7829,7 +7093,7 @@
           <a:p>
             <a:r>
               <a:rPr lang="hu-HU" dirty="0" smtClean="0"/>
-              <a:t>C/C++ kiterjesztés</a:t>
+              <a:t>Álpozitív függőségek</a:t>
             </a:r>
             <a:endParaRPr lang="en-US" dirty="0"/>
           </a:p>
@@ -7837,7 +7101,7 @@
       </p:sp>
       <p:sp>
         <p:nvSpPr>
-          <p:cNvPr id="6" name="Content Placeholder 5"/>
+          <p:cNvPr id="3" name="Content Placeholder 2"/>
           <p:cNvSpPr>
             <a:spLocks noGrp="1"/>
           </p:cNvSpPr>
@@ -7848,69 +7112,81 @@
         <p:spPr/>
         <p:txBody>
           <a:bodyPr>
-            <a:normAutofit fontScale="92500" lnSpcReduction="10000"/>
+            <a:normAutofit fontScale="85000" lnSpcReduction="20000"/>
           </a:bodyPr>
           <a:lstStyle/>
           <a:p>
             <a:r>
               <a:rPr lang="hu-HU" dirty="0" smtClean="0"/>
-              <a:t>Forráskód kezelése:</a:t>
-            </a:r>
-            <a:br>
+              <a:t>Modelltömörítés (fejlesztőkörnyezetbeli memóriakorlát miatt)</a:t>
+            </a:r>
+          </a:p>
+          <a:p>
+            <a:pPr lvl="1"/>
+            <a:r>
               <a:rPr lang="hu-HU" dirty="0" smtClean="0"/>
-            </a:br>
-            <a:r>
-              <a:rPr lang="hu-HU" dirty="0" smtClean="0"/>
-              <a:t>Eclipse CDT AST modell alapján</a:t>
-            </a:r>
-          </a:p>
-          <a:p>
-            <a:r>
-              <a:rPr lang="hu-HU" dirty="0" smtClean="0"/>
-              <a:t>Függőségi analízis:</a:t>
+              <a:t>Szerver oldalról érkező elemek kvalifikált neve elveszik </a:t>
+            </a:r>
+            <a:r>
+              <a:rPr lang="hu-HU" dirty="0" smtClean="0">
+                <a:sym typeface="Wingdings" pitchFamily="2" charset="2"/>
+              </a:rPr>
+              <a:t> álpozitív függőségek jelenhetnek meg</a:t>
+            </a:r>
+          </a:p>
+          <a:p>
+            <a:pPr marL="457200" lvl="1" indent="0">
+              <a:buNone/>
+            </a:pPr>
+            <a:r>
+              <a:rPr lang="hu-HU" dirty="0" smtClean="0">
+                <a:sym typeface="Wingdings" pitchFamily="2" charset="2"/>
+              </a:rPr>
+              <a:t>= függőségi analízis felülbecslést végez (létező függőséget nem hagyunk figyelmen kívül)</a:t>
+            </a:r>
+          </a:p>
+          <a:p>
+            <a:r>
+              <a:rPr lang="hu-HU" dirty="0" smtClean="0">
+                <a:sym typeface="Wingdings" pitchFamily="2" charset="2"/>
+              </a:rPr>
+              <a:t>Gyakorlatban ez nem probléma: </a:t>
             </a:r>
           </a:p>
           <a:p>
             <a:pPr lvl="1"/>
             <a:r>
-              <a:rPr lang="hu-HU" dirty="0" smtClean="0"/>
-              <a:t>Forráskód esetben fordítóprogrammal</a:t>
-            </a:r>
-            <a:br>
-              <a:rPr lang="hu-HU" dirty="0" smtClean="0"/>
-            </a:br>
-            <a:r>
-              <a:rPr lang="hu-HU" dirty="0" smtClean="0"/>
-              <a:t>(a build közben)</a:t>
+              <a:rPr lang="hu-HU" dirty="0" smtClean="0">
+                <a:sym typeface="Wingdings" pitchFamily="2" charset="2"/>
+              </a:rPr>
+              <a:t>Ilyen esetekben a lekérdezés mindig végrehajtható a szerver oldalon is, ahol precíz eredményeket kapunk</a:t>
             </a:r>
           </a:p>
           <a:p>
             <a:pPr lvl="1"/>
             <a:r>
-              <a:rPr lang="hu-HU" dirty="0" smtClean="0"/>
-              <a:t>Bináris esetben fordítófüggő, nyitott kérdések</a:t>
-            </a:r>
-          </a:p>
-          <a:p>
-            <a:pPr lvl="2"/>
-            <a:r>
-              <a:rPr lang="hu-HU" dirty="0" smtClean="0"/>
-              <a:t>Statikusan linkelt binárisok esetén kódinstrumentációval („debug szimbólumok” alapján)</a:t>
-            </a:r>
-          </a:p>
-          <a:p>
-            <a:pPr lvl="2"/>
-            <a:r>
-              <a:rPr lang="hu-HU" dirty="0" smtClean="0"/>
-              <a:t>Dinamikusan linkelt esetben hivatkozott könyvtárak szimbólumai alapján</a:t>
-            </a:r>
-          </a:p>
-          <a:p>
-            <a:pPr lvl="2"/>
-            <a:r>
-              <a:rPr lang="hu-HU" dirty="0" smtClean="0"/>
-              <a:t>Bináris kód belső struktúrájának felderítése kérdéses</a:t>
-            </a:r>
+              <a:rPr lang="hu-HU" dirty="0" smtClean="0">
+                <a:sym typeface="Wingdings" pitchFamily="2" charset="2"/>
+              </a:rPr>
+              <a:t>A felhasználó ennek tudatában van</a:t>
+            </a:r>
+          </a:p>
+          <a:p>
+            <a:r>
+              <a:rPr lang="hu-HU" dirty="0" smtClean="0">
+                <a:sym typeface="Wingdings" pitchFamily="2" charset="2"/>
+              </a:rPr>
+              <a:t>A kliens oldali memóriakorlát feloldása esetén a tömörítés elhagyható</a:t>
+            </a:r>
+          </a:p>
+          <a:p>
+            <a:pPr lvl="1"/>
+            <a:endParaRPr lang="hu-HU" dirty="0" smtClean="0">
+              <a:sym typeface="Wingdings" pitchFamily="2" charset="2"/>
+            </a:endParaRPr>
+          </a:p>
+          <a:p>
+            <a:pPr lvl="1"/>
             <a:endParaRPr lang="en-US" dirty="0"/>
           </a:p>
         </p:txBody>
@@ -7941,7 +7217,7 @@
     </p:spTree>
     <p:extLst>
       <p:ext uri="{BB962C8B-B14F-4D97-AF65-F5344CB8AC3E}">
-        <p14:creationId xmlns:p14="http://schemas.microsoft.com/office/powerpoint/2010/main" val="2707785328"/>
+        <p14:creationId xmlns:p14="http://schemas.microsoft.com/office/powerpoint/2010/main" val="3545411751"/>
       </p:ext>
     </p:extLst>
   </p:cSld>
@@ -7977,27 +7253,27 @@
       </p:grpSpPr>
       <p:sp>
         <p:nvSpPr>
-          <p:cNvPr id="8" name="Rectangle 7"/>
+          <p:cNvPr id="42" name="Rectangle 41"/>
           <p:cNvSpPr/>
           <p:nvPr/>
         </p:nvSpPr>
         <p:spPr>
           <a:xfrm>
-            <a:off x="2355542" y="1828800"/>
-            <a:ext cx="4343400" cy="1828800"/>
+            <a:off x="4114800" y="1544583"/>
+            <a:ext cx="4648200" cy="4868917"/>
           </a:xfrm>
           <a:prstGeom prst="rect">
             <a:avLst/>
           </a:prstGeom>
         </p:spPr>
         <p:style>
-          <a:lnRef idx="1">
+          <a:lnRef idx="2">
             <a:schemeClr val="accent1"/>
           </a:lnRef>
-          <a:fillRef idx="2">
-            <a:schemeClr val="accent1"/>
+          <a:fillRef idx="1">
+            <a:schemeClr val="lt1"/>
           </a:fillRef>
-          <a:effectRef idx="1">
+          <a:effectRef idx="0">
             <a:schemeClr val="accent1"/>
           </a:effectRef>
           <a:fontRef idx="minor">
@@ -8009,80 +7285,159 @@
           <a:lstStyle/>
           <a:p>
             <a:pPr algn="ctr"/>
+            <a:endParaRPr lang="en-US" dirty="0"/>
+          </a:p>
+        </p:txBody>
+      </p:sp>
+      <p:sp>
+        <p:nvSpPr>
+          <p:cNvPr id="39" name="Rectangle 38"/>
+          <p:cNvSpPr/>
+          <p:nvPr/>
+        </p:nvSpPr>
+        <p:spPr>
+          <a:xfrm>
+            <a:off x="236991" y="1536700"/>
+            <a:ext cx="2971800" cy="4876800"/>
+          </a:xfrm>
+          <a:prstGeom prst="rect">
+            <a:avLst/>
+          </a:prstGeom>
+        </p:spPr>
+        <p:style>
+          <a:lnRef idx="2">
+            <a:schemeClr val="accent1"/>
+          </a:lnRef>
+          <a:fillRef idx="1">
+            <a:schemeClr val="lt1"/>
+          </a:fillRef>
+          <a:effectRef idx="0">
+            <a:schemeClr val="accent1"/>
+          </a:effectRef>
+          <a:fontRef idx="minor">
+            <a:schemeClr val="dk1"/>
+          </a:fontRef>
+        </p:style>
+        <p:txBody>
+          <a:bodyPr rtlCol="0" anchor="ctr"/>
+          <a:lstStyle/>
+          <a:p>
+            <a:pPr algn="ctr"/>
+            <a:endParaRPr lang="en-US"/>
+          </a:p>
+        </p:txBody>
+      </p:sp>
+      <p:sp>
+        <p:nvSpPr>
+          <p:cNvPr id="2" name="Title 1"/>
+          <p:cNvSpPr>
+            <a:spLocks noGrp="1"/>
+          </p:cNvSpPr>
+          <p:nvPr>
+            <p:ph type="title"/>
+          </p:nvPr>
+        </p:nvSpPr>
+        <p:spPr/>
+        <p:txBody>
+          <a:bodyPr>
+            <a:normAutofit fontScale="90000"/>
+          </a:bodyPr>
+          <a:lstStyle/>
+          <a:p>
             <a:r>
               <a:rPr lang="hu-HU" dirty="0" smtClean="0"/>
-              <a:t>Project </a:t>
-            </a:r>
-            <a:r>
-              <a:rPr lang="hu-HU" dirty="0" smtClean="0"/>
-              <a:t>A</a:t>
-            </a:r>
-          </a:p>
-          <a:p>
-            <a:pPr algn="ctr"/>
-            <a:endParaRPr lang="hu-HU" dirty="0"/>
-          </a:p>
-          <a:p>
-            <a:pPr algn="ctr"/>
+              <a:t>Java szoftverek és függőségeik modellezése</a:t>
+            </a:r>
+            <a:endParaRPr lang="en-US" dirty="0"/>
+          </a:p>
+        </p:txBody>
+      </p:sp>
+      <p:sp>
+        <p:nvSpPr>
+          <p:cNvPr id="4" name="Content Placeholder 3"/>
+          <p:cNvSpPr>
+            <a:spLocks noGrp="1"/>
+          </p:cNvSpPr>
+          <p:nvPr>
+            <p:ph idx="1"/>
+          </p:nvPr>
+        </p:nvSpPr>
+        <p:spPr/>
+        <p:txBody>
+          <a:bodyPr/>
+          <a:lstStyle/>
+          <a:p>
             <a:endParaRPr lang="hu-HU" dirty="0" smtClean="0"/>
           </a:p>
           <a:p>
-            <a:pPr algn="ctr"/>
-            <a:endParaRPr lang="hu-HU" dirty="0"/>
-          </a:p>
-          <a:p>
-            <a:pPr algn="ctr"/>
-            <a:endParaRPr lang="hu-HU" dirty="0" smtClean="0"/>
-          </a:p>
-          <a:p>
-            <a:pPr algn="ctr"/>
-            <a:endParaRPr lang="hu-HU" dirty="0" smtClean="0"/>
+            <a:pPr marL="0" indent="0">
+              <a:buNone/>
+            </a:pPr>
+            <a:endParaRPr lang="en-US" dirty="0"/>
+          </a:p>
+        </p:txBody>
+      </p:sp>
+      <p:sp>
+        <p:nvSpPr>
+          <p:cNvPr id="3" name="Slide Number Placeholder 2"/>
+          <p:cNvSpPr>
+            <a:spLocks noGrp="1"/>
+          </p:cNvSpPr>
+          <p:nvPr>
+            <p:ph type="sldNum" sz="quarter" idx="12"/>
+          </p:nvPr>
+        </p:nvSpPr>
+        <p:spPr/>
+        <p:txBody>
+          <a:bodyPr/>
+          <a:lstStyle/>
+          <a:p>
+            <a:fld id="{E5B09FA9-A177-4256-9C7F-5CF31ABA7234}" type="slidenum">
+              <a:rPr lang="en-US" smtClean="0"/>
+              <a:t>2</a:t>
+            </a:fld>
+            <a:endParaRPr lang="en-US"/>
           </a:p>
         </p:txBody>
       </p:sp>
       <p:grpSp>
         <p:nvGrpSpPr>
-          <p:cNvPr id="43" name="Group 42"/>
+          <p:cNvPr id="22" name="Group 21"/>
           <p:cNvGrpSpPr/>
           <p:nvPr/>
         </p:nvGrpSpPr>
         <p:grpSpPr>
           <a:xfrm>
-            <a:off x="1524000" y="1505503"/>
-            <a:ext cx="6096000" cy="5075070"/>
-            <a:chOff x="1524000" y="1505503"/>
-            <a:chExt cx="6096000" cy="5075070"/>
+            <a:off x="465523" y="1775592"/>
+            <a:ext cx="2582477" cy="3886200"/>
+            <a:chOff x="814826" y="1442117"/>
+            <a:chExt cx="4343400" cy="4626746"/>
           </a:xfrm>
-          <a:noFill/>
         </p:grpSpPr>
         <p:sp>
           <p:nvSpPr>
-            <p:cNvPr id="38" name="Rectangle 37"/>
+            <p:cNvPr id="8" name="Rectangle 7"/>
             <p:cNvSpPr/>
             <p:nvPr/>
           </p:nvSpPr>
           <p:spPr>
             <a:xfrm>
-              <a:off x="1524000" y="1523999"/>
-              <a:ext cx="6096000" cy="5056574"/>
+              <a:off x="814826" y="1442117"/>
+              <a:ext cx="4343400" cy="1828800"/>
             </a:xfrm>
             <a:prstGeom prst="rect">
               <a:avLst/>
             </a:prstGeom>
-            <a:grpFill/>
-            <a:ln>
-              <a:prstDash val="dash"/>
-            </a:ln>
           </p:spPr>
           <p:style>
-            <a:lnRef idx="2">
-              <a:schemeClr val="dk1"/>
+            <a:lnRef idx="1">
+              <a:schemeClr val="accent1"/>
             </a:lnRef>
-            <a:fillRef idx="1">
-              <a:schemeClr val="lt1"/>
+            <a:fillRef idx="2">
+              <a:schemeClr val="accent1"/>
             </a:fillRef>
-            <a:effectRef idx="0">
-              <a:schemeClr val="dk1"/>
+            <a:effectRef idx="1">
+              <a:schemeClr val="accent1"/>
             </a:effectRef>
             <a:fontRef idx="minor">
               <a:schemeClr val="dk1"/>
@@ -8093,79 +7448,1137 @@
             <a:lstStyle/>
             <a:p>
               <a:pPr algn="ctr"/>
-              <a:endParaRPr lang="hu-HU" dirty="0"/>
+              <a:r>
+                <a:rPr lang="hu-HU" sz="1400" dirty="0" smtClean="0"/>
+                <a:t>Project A</a:t>
+              </a:r>
+            </a:p>
+            <a:p>
+              <a:pPr algn="ctr"/>
+              <a:endParaRPr lang="hu-HU" sz="1400" dirty="0"/>
+            </a:p>
+            <a:p>
+              <a:pPr algn="ctr"/>
+              <a:endParaRPr lang="hu-HU" sz="1400" dirty="0" smtClean="0"/>
+            </a:p>
+            <a:p>
+              <a:pPr algn="ctr"/>
+              <a:endParaRPr lang="hu-HU" sz="1400" dirty="0"/>
+            </a:p>
+            <a:p>
+              <a:pPr algn="ctr"/>
+              <a:endParaRPr lang="hu-HU" sz="1400" dirty="0" smtClean="0"/>
+            </a:p>
+            <a:p>
+              <a:pPr algn="ctr"/>
+              <a:endParaRPr lang="hu-HU" sz="1400" dirty="0" smtClean="0"/>
             </a:p>
           </p:txBody>
         </p:sp>
         <p:sp>
           <p:nvSpPr>
-            <p:cNvPr id="39" name="TextBox 38"/>
-            <p:cNvSpPr txBox="1"/>
+            <p:cNvPr id="9" name="Rectangle 8"/>
+            <p:cNvSpPr/>
             <p:nvPr/>
           </p:nvSpPr>
           <p:spPr>
-            <a:xfrm rot="16200000">
-              <a:off x="4897799" y="3858372"/>
-              <a:ext cx="5075069" cy="369332"/>
+            <a:xfrm>
+              <a:off x="814826" y="3782863"/>
+              <a:ext cx="4343400" cy="2286000"/>
             </a:xfrm>
             <a:prstGeom prst="rect">
               <a:avLst/>
             </a:prstGeom>
-            <a:grpFill/>
           </p:spPr>
+          <p:style>
+            <a:lnRef idx="1">
+              <a:schemeClr val="accent1"/>
+            </a:lnRef>
+            <a:fillRef idx="2">
+              <a:schemeClr val="accent1"/>
+            </a:fillRef>
+            <a:effectRef idx="1">
+              <a:schemeClr val="accent1"/>
+            </a:effectRef>
+            <a:fontRef idx="minor">
+              <a:schemeClr val="dk1"/>
+            </a:fontRef>
+          </p:style>
           <p:txBody>
-            <a:bodyPr wrap="square" rtlCol="0">
-              <a:spAutoFit/>
-            </a:bodyPr>
+            <a:bodyPr rtlCol="0" anchor="ctr"/>
             <a:lstStyle/>
             <a:p>
               <a:pPr algn="ctr"/>
               <a:r>
-                <a:rPr lang="hu-HU" dirty="0" smtClean="0"/>
-                <a:t>Java szoftver tároló</a:t>
+                <a:rPr lang="hu-HU" sz="1400" dirty="0" smtClean="0"/>
+                <a:t>Project B</a:t>
               </a:r>
-              <a:endParaRPr lang="en-US" dirty="0"/>
+            </a:p>
+            <a:p>
+              <a:pPr algn="ctr"/>
+              <a:endParaRPr lang="hu-HU" sz="1400" dirty="0"/>
+            </a:p>
+            <a:p>
+              <a:pPr algn="ctr"/>
+              <a:endParaRPr lang="hu-HU" sz="1400" dirty="0" smtClean="0"/>
+            </a:p>
+            <a:p>
+              <a:pPr algn="ctr"/>
+              <a:endParaRPr lang="hu-HU" sz="1400" dirty="0"/>
+            </a:p>
+            <a:p>
+              <a:pPr algn="ctr"/>
+              <a:endParaRPr lang="hu-HU" sz="1400" dirty="0" smtClean="0"/>
+            </a:p>
+            <a:p>
+              <a:pPr algn="ctr"/>
+              <a:endParaRPr lang="hu-HU" sz="1400" dirty="0"/>
+            </a:p>
+            <a:p>
+              <a:pPr algn="ctr"/>
+              <a:endParaRPr lang="hu-HU" sz="1400" dirty="0" smtClean="0"/>
+            </a:p>
+            <a:p>
+              <a:pPr algn="ctr"/>
+              <a:endParaRPr lang="en-US" sz="1400" dirty="0"/>
+            </a:p>
+          </p:txBody>
+        </p:sp>
+        <p:sp>
+          <p:nvSpPr>
+            <p:cNvPr id="10" name="Rectangle 9"/>
+            <p:cNvSpPr/>
+            <p:nvPr/>
+          </p:nvSpPr>
+          <p:spPr>
+            <a:xfrm>
+              <a:off x="1043426" y="4227103"/>
+              <a:ext cx="3886199" cy="1634615"/>
+            </a:xfrm>
+            <a:prstGeom prst="rect">
+              <a:avLst/>
+            </a:prstGeom>
+          </p:spPr>
+          <p:style>
+            <a:lnRef idx="1">
+              <a:schemeClr val="dk1"/>
+            </a:lnRef>
+            <a:fillRef idx="2">
+              <a:schemeClr val="dk1"/>
+            </a:fillRef>
+            <a:effectRef idx="1">
+              <a:schemeClr val="dk1"/>
+            </a:effectRef>
+            <a:fontRef idx="minor">
+              <a:schemeClr val="dk1"/>
+            </a:fontRef>
+          </p:style>
+          <p:txBody>
+            <a:bodyPr rtlCol="0" anchor="t" anchorCtr="0"/>
+            <a:lstStyle/>
+            <a:p>
+              <a:r>
+                <a:rPr lang="hu-HU" sz="1100" dirty="0" smtClean="0">
+                  <a:latin typeface="Lucida Console" pitchFamily="49" charset="0"/>
+                </a:rPr>
+                <a:t>public class Client {</a:t>
+              </a:r>
+            </a:p>
+            <a:p>
+              <a:r>
+                <a:rPr lang="hu-HU" sz="1100" dirty="0" smtClean="0">
+                  <a:latin typeface="Lucida Console" pitchFamily="49" charset="0"/>
+                </a:rPr>
+                <a:t>    public void doWork</a:t>
+              </a:r>
+              <a:r>
+                <a:rPr lang="hu-HU" sz="1100" dirty="0" smtClean="0">
+                  <a:latin typeface="Lucida Console" pitchFamily="49" charset="0"/>
+                </a:rPr>
+                <a:t>(){</a:t>
+              </a:r>
+            </a:p>
+            <a:p>
+              <a:r>
+                <a:rPr lang="hu-HU" sz="1100" dirty="0" smtClean="0">
+                  <a:latin typeface="Lucida Console" pitchFamily="49" charset="0"/>
+                </a:rPr>
+                <a:t>        Service s = 	getService();</a:t>
+              </a:r>
+            </a:p>
+            <a:p>
+              <a:r>
+                <a:rPr lang="hu-HU" sz="1100" dirty="0" smtClean="0">
+                  <a:latin typeface="Lucida Console" pitchFamily="49" charset="0"/>
+                </a:rPr>
+                <a:t>        </a:t>
+              </a:r>
+              <a:r>
+                <a:rPr lang="hu-HU" sz="1100" dirty="0" smtClean="0">
+                  <a:latin typeface="Lucida Console" pitchFamily="49" charset="0"/>
+                </a:rPr>
+                <a:t>s.serve(); </a:t>
+              </a:r>
+            </a:p>
+            <a:p>
+              <a:r>
+                <a:rPr lang="hu-HU" sz="1100" dirty="0">
+                  <a:latin typeface="Lucida Console" pitchFamily="49" charset="0"/>
+                </a:rPr>
+                <a:t> </a:t>
+              </a:r>
+              <a:r>
+                <a:rPr lang="hu-HU" sz="1100" dirty="0" smtClean="0">
+                  <a:latin typeface="Lucida Console" pitchFamily="49" charset="0"/>
+                </a:rPr>
+                <a:t>   }   </a:t>
+              </a:r>
+            </a:p>
+            <a:p>
+              <a:r>
+                <a:rPr lang="hu-HU" sz="1100" dirty="0" smtClean="0">
+                  <a:latin typeface="Lucida Console" pitchFamily="49" charset="0"/>
+                </a:rPr>
+                <a:t>}</a:t>
+              </a:r>
+              <a:endParaRPr lang="hu-HU" sz="1400" dirty="0">
+                <a:latin typeface="Lucida Console" pitchFamily="49" charset="0"/>
+              </a:endParaRPr>
+            </a:p>
+            <a:p>
+              <a:pPr algn="ctr"/>
+              <a:endParaRPr lang="hu-HU" sz="1400" dirty="0" smtClean="0"/>
+            </a:p>
+            <a:p>
+              <a:pPr algn="ctr"/>
+              <a:endParaRPr lang="hu-HU" sz="1400" dirty="0"/>
+            </a:p>
+            <a:p>
+              <a:pPr algn="ctr"/>
+              <a:endParaRPr lang="hu-HU" sz="1400" dirty="0" smtClean="0"/>
+            </a:p>
+          </p:txBody>
+        </p:sp>
+        <p:sp>
+          <p:nvSpPr>
+            <p:cNvPr id="14" name="Rectangle 13"/>
+            <p:cNvSpPr/>
+            <p:nvPr/>
+          </p:nvSpPr>
+          <p:spPr>
+            <a:xfrm>
+              <a:off x="910261" y="2280317"/>
+              <a:ext cx="4038600" cy="705775"/>
+            </a:xfrm>
+            <a:prstGeom prst="rect">
+              <a:avLst/>
+            </a:prstGeom>
+          </p:spPr>
+          <p:style>
+            <a:lnRef idx="1">
+              <a:schemeClr val="dk1"/>
+            </a:lnRef>
+            <a:fillRef idx="2">
+              <a:schemeClr val="dk1"/>
+            </a:fillRef>
+            <a:effectRef idx="1">
+              <a:schemeClr val="dk1"/>
+            </a:effectRef>
+            <a:fontRef idx="minor">
+              <a:schemeClr val="dk1"/>
+            </a:fontRef>
+          </p:style>
+          <p:txBody>
+            <a:bodyPr rtlCol="0" anchor="t" anchorCtr="0"/>
+            <a:lstStyle/>
+            <a:p>
+              <a:r>
+                <a:rPr lang="hu-HU" sz="1100" dirty="0">
+                  <a:latin typeface="Lucida Console" pitchFamily="49" charset="0"/>
+                </a:rPr>
+                <a:t>public </a:t>
+              </a:r>
+              <a:r>
+                <a:rPr lang="hu-HU" sz="1100" dirty="0" smtClean="0">
+                  <a:latin typeface="Lucida Console" pitchFamily="49" charset="0"/>
+                </a:rPr>
+                <a:t>class Service </a:t>
+              </a:r>
+              <a:r>
+                <a:rPr lang="hu-HU" sz="1100" dirty="0">
+                  <a:latin typeface="Lucida Console" pitchFamily="49" charset="0"/>
+                </a:rPr>
+                <a:t>{</a:t>
+              </a:r>
+            </a:p>
+            <a:p>
+              <a:r>
+                <a:rPr lang="hu-HU" sz="1100" dirty="0">
+                  <a:latin typeface="Lucida Console" pitchFamily="49" charset="0"/>
+                </a:rPr>
+                <a:t>    public void serve</a:t>
+              </a:r>
+              <a:r>
+                <a:rPr lang="hu-HU" sz="1100" dirty="0" smtClean="0">
+                  <a:latin typeface="Lucida Console" pitchFamily="49" charset="0"/>
+                </a:rPr>
+                <a:t>(){}</a:t>
+              </a:r>
+              <a:endParaRPr lang="hu-HU" sz="1100" dirty="0">
+                <a:latin typeface="Lucida Console" pitchFamily="49" charset="0"/>
+              </a:endParaRPr>
+            </a:p>
+            <a:p>
+              <a:r>
+                <a:rPr lang="hu-HU" sz="1100" dirty="0" smtClean="0">
+                  <a:latin typeface="Lucida Console" pitchFamily="49" charset="0"/>
+                </a:rPr>
+                <a:t>}</a:t>
+              </a:r>
+              <a:endParaRPr lang="hu-HU" sz="1100" dirty="0">
+                <a:latin typeface="Lucida Console" pitchFamily="49" charset="0"/>
+              </a:endParaRPr>
+            </a:p>
+          </p:txBody>
+        </p:sp>
+        <p:sp>
+          <p:nvSpPr>
+            <p:cNvPr id="15" name="Rectangle 14"/>
+            <p:cNvSpPr/>
+            <p:nvPr/>
+          </p:nvSpPr>
+          <p:spPr>
+            <a:xfrm>
+              <a:off x="1354884" y="2549900"/>
+              <a:ext cx="2362200" cy="219907"/>
+            </a:xfrm>
+            <a:prstGeom prst="rect">
+              <a:avLst/>
+            </a:prstGeom>
+            <a:noFill/>
+          </p:spPr>
+          <p:style>
+            <a:lnRef idx="2">
+              <a:schemeClr val="accent2"/>
+            </a:lnRef>
+            <a:fillRef idx="1">
+              <a:schemeClr val="lt1"/>
+            </a:fillRef>
+            <a:effectRef idx="0">
+              <a:schemeClr val="accent2"/>
+            </a:effectRef>
+            <a:fontRef idx="minor">
+              <a:schemeClr val="dk1"/>
+            </a:fontRef>
+          </p:style>
+          <p:txBody>
+            <a:bodyPr rtlCol="0" anchor="t" anchorCtr="0"/>
+            <a:lstStyle/>
+            <a:p>
+              <a:endParaRPr lang="hu-HU" sz="1100" dirty="0">
+                <a:latin typeface="Lucida Console" pitchFamily="49" charset="0"/>
+              </a:endParaRPr>
+            </a:p>
+          </p:txBody>
+        </p:sp>
+        <p:sp>
+          <p:nvSpPr>
+            <p:cNvPr id="16" name="Rectangle 15"/>
+            <p:cNvSpPr/>
+            <p:nvPr/>
+          </p:nvSpPr>
+          <p:spPr>
+            <a:xfrm>
+              <a:off x="910261" y="2280316"/>
+              <a:ext cx="4038600" cy="705775"/>
+            </a:xfrm>
+            <a:prstGeom prst="rect">
+              <a:avLst/>
+            </a:prstGeom>
+          </p:spPr>
+          <p:style>
+            <a:lnRef idx="1">
+              <a:schemeClr val="dk1"/>
+            </a:lnRef>
+            <a:fillRef idx="2">
+              <a:schemeClr val="dk1"/>
+            </a:fillRef>
+            <a:effectRef idx="1">
+              <a:schemeClr val="dk1"/>
+            </a:effectRef>
+            <a:fontRef idx="minor">
+              <a:schemeClr val="dk1"/>
+            </a:fontRef>
+          </p:style>
+          <p:txBody>
+            <a:bodyPr rtlCol="0" anchor="t" anchorCtr="0"/>
+            <a:lstStyle/>
+            <a:p>
+              <a:r>
+                <a:rPr lang="hu-HU" sz="1100" dirty="0">
+                  <a:latin typeface="Lucida Console" pitchFamily="49" charset="0"/>
+                </a:rPr>
+                <a:t>public </a:t>
+              </a:r>
+              <a:r>
+                <a:rPr lang="hu-HU" sz="1100" dirty="0" smtClean="0">
+                  <a:latin typeface="Lucida Console" pitchFamily="49" charset="0"/>
+                </a:rPr>
+                <a:t>class Service </a:t>
+              </a:r>
+              <a:r>
+                <a:rPr lang="hu-HU" sz="1100" dirty="0">
+                  <a:latin typeface="Lucida Console" pitchFamily="49" charset="0"/>
+                </a:rPr>
+                <a:t>{</a:t>
+              </a:r>
+            </a:p>
+            <a:p>
+              <a:r>
+                <a:rPr lang="hu-HU" sz="1100" dirty="0">
+                  <a:latin typeface="Lucida Console" pitchFamily="49" charset="0"/>
+                </a:rPr>
+                <a:t>    public void </a:t>
+              </a:r>
+              <a:r>
+                <a:rPr lang="hu-HU" sz="1100" dirty="0" smtClean="0">
+                  <a:latin typeface="Lucida Console" pitchFamily="49" charset="0"/>
+                </a:rPr>
+                <a:t>serve(){}</a:t>
+              </a:r>
+              <a:endParaRPr lang="hu-HU" sz="1100" dirty="0">
+                <a:latin typeface="Lucida Console" pitchFamily="49" charset="0"/>
+              </a:endParaRPr>
+            </a:p>
+            <a:p>
+              <a:r>
+                <a:rPr lang="hu-HU" sz="1100" dirty="0" smtClean="0">
+                  <a:latin typeface="Lucida Console" pitchFamily="49" charset="0"/>
+                </a:rPr>
+                <a:t>}</a:t>
+              </a:r>
+              <a:endParaRPr lang="hu-HU" sz="1100" dirty="0">
+                <a:latin typeface="Lucida Console" pitchFamily="49" charset="0"/>
+              </a:endParaRPr>
             </a:p>
           </p:txBody>
         </p:sp>
       </p:grpSp>
       <p:sp>
         <p:nvSpPr>
-          <p:cNvPr id="4" name="Title 3"/>
-          <p:cNvSpPr>
-            <a:spLocks noGrp="1"/>
-          </p:cNvSpPr>
-          <p:nvPr>
-            <p:ph type="title"/>
-          </p:nvPr>
-        </p:nvSpPr>
-        <p:spPr/>
-        <p:txBody>
-          <a:bodyPr>
-            <a:normAutofit/>
-          </a:bodyPr>
-          <a:lstStyle/>
-          <a:p>
-            <a:r>
-              <a:rPr lang="hu-HU" dirty="0" smtClean="0"/>
-              <a:t>Függőségi problémák</a:t>
-            </a:r>
-            <a:endParaRPr lang="en-US" dirty="0"/>
-          </a:p>
-        </p:txBody>
-      </p:sp>
-      <p:sp>
-        <p:nvSpPr>
-          <p:cNvPr id="10" name="Rectangle 9"/>
+          <p:cNvPr id="23" name="Rectangle 22"/>
           <p:cNvSpPr/>
           <p:nvPr/>
         </p:nvSpPr>
         <p:spPr>
           <a:xfrm>
-            <a:off x="2355542" y="4169546"/>
-            <a:ext cx="4343400" cy="2286000"/>
+            <a:off x="4267200" y="2606839"/>
+            <a:ext cx="1644134" cy="533400"/>
           </a:xfrm>
           <a:prstGeom prst="rect">
+            <a:avLst/>
+          </a:prstGeom>
+        </p:spPr>
+        <p:style>
+          <a:lnRef idx="2">
+            <a:schemeClr val="accent1"/>
+          </a:lnRef>
+          <a:fillRef idx="1">
+            <a:schemeClr val="lt1"/>
+          </a:fillRef>
+          <a:effectRef idx="0">
+            <a:schemeClr val="accent1"/>
+          </a:effectRef>
+          <a:fontRef idx="minor">
+            <a:schemeClr val="dk1"/>
+          </a:fontRef>
+        </p:style>
+        <p:txBody>
+          <a:bodyPr rtlCol="0" anchor="ctr"/>
+          <a:lstStyle/>
+          <a:p>
+            <a:pPr algn="ctr"/>
+            <a:r>
+              <a:rPr lang="hu-HU" dirty="0" smtClean="0"/>
+              <a:t>Service: </a:t>
+            </a:r>
+          </a:p>
+          <a:p>
+            <a:pPr algn="ctr"/>
+            <a:r>
+              <a:rPr lang="hu-HU" dirty="0" smtClean="0"/>
+              <a:t>DClass</a:t>
+            </a:r>
+            <a:endParaRPr lang="en-US" dirty="0"/>
+          </a:p>
+        </p:txBody>
+      </p:sp>
+      <p:sp>
+        <p:nvSpPr>
+          <p:cNvPr id="24" name="Rectangle 23"/>
+          <p:cNvSpPr/>
+          <p:nvPr/>
+        </p:nvSpPr>
+        <p:spPr>
+          <a:xfrm>
+            <a:off x="4267200" y="1722383"/>
+            <a:ext cx="1644134" cy="533400"/>
+          </a:xfrm>
+          <a:prstGeom prst="rect">
+            <a:avLst/>
+          </a:prstGeom>
+        </p:spPr>
+        <p:style>
+          <a:lnRef idx="2">
+            <a:schemeClr val="accent1"/>
+          </a:lnRef>
+          <a:fillRef idx="1">
+            <a:schemeClr val="lt1"/>
+          </a:fillRef>
+          <a:effectRef idx="0">
+            <a:schemeClr val="accent1"/>
+          </a:effectRef>
+          <a:fontRef idx="minor">
+            <a:schemeClr val="dk1"/>
+          </a:fontRef>
+        </p:style>
+        <p:txBody>
+          <a:bodyPr rtlCol="0" anchor="ctr"/>
+          <a:lstStyle/>
+          <a:p>
+            <a:pPr algn="ctr"/>
+            <a:r>
+              <a:rPr lang="hu-HU" dirty="0" smtClean="0"/>
+              <a:t>A: </a:t>
+            </a:r>
+          </a:p>
+          <a:p>
+            <a:pPr algn="ctr"/>
+            <a:r>
+              <a:rPr lang="hu-HU" dirty="0" smtClean="0"/>
+              <a:t>DJar</a:t>
+            </a:r>
+            <a:endParaRPr lang="en-US" dirty="0"/>
+          </a:p>
+        </p:txBody>
+      </p:sp>
+      <p:sp>
+        <p:nvSpPr>
+          <p:cNvPr id="25" name="Rectangle 24"/>
+          <p:cNvSpPr/>
+          <p:nvPr/>
+        </p:nvSpPr>
+        <p:spPr>
+          <a:xfrm>
+            <a:off x="4247555" y="3552076"/>
+            <a:ext cx="1644134" cy="533400"/>
+          </a:xfrm>
+          <a:prstGeom prst="rect">
+            <a:avLst/>
+          </a:prstGeom>
+        </p:spPr>
+        <p:style>
+          <a:lnRef idx="2">
+            <a:schemeClr val="accent1"/>
+          </a:lnRef>
+          <a:fillRef idx="1">
+            <a:schemeClr val="lt1"/>
+          </a:fillRef>
+          <a:effectRef idx="0">
+            <a:schemeClr val="accent1"/>
+          </a:effectRef>
+          <a:fontRef idx="minor">
+            <a:schemeClr val="dk1"/>
+          </a:fontRef>
+        </p:style>
+        <p:txBody>
+          <a:bodyPr rtlCol="0" anchor="ctr"/>
+          <a:lstStyle/>
+          <a:p>
+            <a:pPr algn="ctr"/>
+            <a:r>
+              <a:rPr lang="hu-HU" dirty="0" smtClean="0"/>
+              <a:t>Service: </a:t>
+            </a:r>
+          </a:p>
+          <a:p>
+            <a:pPr algn="ctr"/>
+            <a:r>
+              <a:rPr lang="hu-HU" dirty="0" smtClean="0"/>
+              <a:t>DMethod</a:t>
+            </a:r>
+            <a:endParaRPr lang="en-US" dirty="0"/>
+          </a:p>
+        </p:txBody>
+      </p:sp>
+      <p:sp>
+        <p:nvSpPr>
+          <p:cNvPr id="26" name="Rectangle 25"/>
+          <p:cNvSpPr/>
+          <p:nvPr/>
+        </p:nvSpPr>
+        <p:spPr>
+          <a:xfrm>
+            <a:off x="6832600" y="2606839"/>
+            <a:ext cx="1644134" cy="533400"/>
+          </a:xfrm>
+          <a:prstGeom prst="rect">
+            <a:avLst/>
+          </a:prstGeom>
+        </p:spPr>
+        <p:style>
+          <a:lnRef idx="2">
+            <a:schemeClr val="accent1"/>
+          </a:lnRef>
+          <a:fillRef idx="1">
+            <a:schemeClr val="lt1"/>
+          </a:fillRef>
+          <a:effectRef idx="0">
+            <a:schemeClr val="accent1"/>
+          </a:effectRef>
+          <a:fontRef idx="minor">
+            <a:schemeClr val="dk1"/>
+          </a:fontRef>
+        </p:style>
+        <p:txBody>
+          <a:bodyPr rtlCol="0" anchor="ctr"/>
+          <a:lstStyle/>
+          <a:p>
+            <a:pPr algn="ctr"/>
+            <a:r>
+              <a:rPr lang="hu-HU" dirty="0" smtClean="0"/>
+              <a:t>Client: </a:t>
+            </a:r>
+          </a:p>
+          <a:p>
+            <a:pPr algn="ctr"/>
+            <a:r>
+              <a:rPr lang="hu-HU" dirty="0" smtClean="0"/>
+              <a:t>DClass</a:t>
+            </a:r>
+            <a:endParaRPr lang="en-US" dirty="0"/>
+          </a:p>
+        </p:txBody>
+      </p:sp>
+      <p:sp>
+        <p:nvSpPr>
+          <p:cNvPr id="27" name="Rectangle 26"/>
+          <p:cNvSpPr/>
+          <p:nvPr/>
+        </p:nvSpPr>
+        <p:spPr>
+          <a:xfrm>
+            <a:off x="6832600" y="1722383"/>
+            <a:ext cx="1644134" cy="533400"/>
+          </a:xfrm>
+          <a:prstGeom prst="rect">
+            <a:avLst/>
+          </a:prstGeom>
+        </p:spPr>
+        <p:style>
+          <a:lnRef idx="2">
+            <a:schemeClr val="accent1"/>
+          </a:lnRef>
+          <a:fillRef idx="1">
+            <a:schemeClr val="lt1"/>
+          </a:fillRef>
+          <a:effectRef idx="0">
+            <a:schemeClr val="accent1"/>
+          </a:effectRef>
+          <a:fontRef idx="minor">
+            <a:schemeClr val="dk1"/>
+          </a:fontRef>
+        </p:style>
+        <p:txBody>
+          <a:bodyPr rtlCol="0" anchor="ctr"/>
+          <a:lstStyle/>
+          <a:p>
+            <a:pPr algn="ctr"/>
+            <a:r>
+              <a:rPr lang="hu-HU" dirty="0" smtClean="0"/>
+              <a:t>B: </a:t>
+            </a:r>
+          </a:p>
+          <a:p>
+            <a:pPr algn="ctr"/>
+            <a:r>
+              <a:rPr lang="hu-HU" dirty="0" smtClean="0"/>
+              <a:t>DJar</a:t>
+            </a:r>
+            <a:endParaRPr lang="en-US" dirty="0"/>
+          </a:p>
+        </p:txBody>
+      </p:sp>
+      <p:sp>
+        <p:nvSpPr>
+          <p:cNvPr id="28" name="Rectangle 27"/>
+          <p:cNvSpPr/>
+          <p:nvPr/>
+        </p:nvSpPr>
+        <p:spPr>
+          <a:xfrm>
+            <a:off x="6832600" y="3552076"/>
+            <a:ext cx="1644134" cy="533400"/>
+          </a:xfrm>
+          <a:prstGeom prst="rect">
+            <a:avLst/>
+          </a:prstGeom>
+        </p:spPr>
+        <p:style>
+          <a:lnRef idx="2">
+            <a:schemeClr val="accent1"/>
+          </a:lnRef>
+          <a:fillRef idx="1">
+            <a:schemeClr val="lt1"/>
+          </a:fillRef>
+          <a:effectRef idx="0">
+            <a:schemeClr val="accent1"/>
+          </a:effectRef>
+          <a:fontRef idx="minor">
+            <a:schemeClr val="dk1"/>
+          </a:fontRef>
+        </p:style>
+        <p:txBody>
+          <a:bodyPr rtlCol="0" anchor="ctr"/>
+          <a:lstStyle/>
+          <a:p>
+            <a:pPr algn="ctr"/>
+            <a:r>
+              <a:rPr lang="hu-HU" dirty="0" smtClean="0"/>
+              <a:t>doWork: </a:t>
+            </a:r>
+          </a:p>
+          <a:p>
+            <a:pPr algn="ctr"/>
+            <a:r>
+              <a:rPr lang="hu-HU" dirty="0" smtClean="0"/>
+              <a:t>DMethod</a:t>
+            </a:r>
+            <a:endParaRPr lang="en-US" dirty="0"/>
+          </a:p>
+        </p:txBody>
+      </p:sp>
+      <p:cxnSp>
+        <p:nvCxnSpPr>
+          <p:cNvPr id="30" name="Elbow Connector 29"/>
+          <p:cNvCxnSpPr>
+            <a:stCxn id="28" idx="2"/>
+            <a:endCxn id="25" idx="2"/>
+          </p:cNvCxnSpPr>
+          <p:nvPr/>
+        </p:nvCxnSpPr>
+        <p:spPr>
+          <a:xfrm rot="5400000">
+            <a:off x="6362145" y="2792954"/>
+            <a:ext cx="12700" cy="2585045"/>
+          </a:xfrm>
+          <a:prstGeom prst="bentConnector3">
+            <a:avLst>
+              <a:gd name="adj1" fmla="val 5000000"/>
+            </a:avLst>
+          </a:prstGeom>
+          <a:ln w="38100">
+            <a:tailEnd type="arrow"/>
+          </a:ln>
+        </p:spPr>
+        <p:style>
+          <a:lnRef idx="3">
+            <a:schemeClr val="dk1"/>
+          </a:lnRef>
+          <a:fillRef idx="0">
+            <a:schemeClr val="dk1"/>
+          </a:fillRef>
+          <a:effectRef idx="2">
+            <a:schemeClr val="dk1"/>
+          </a:effectRef>
+          <a:fontRef idx="minor">
+            <a:schemeClr val="tx1"/>
+          </a:fontRef>
+        </p:style>
+      </p:cxnSp>
+      <p:cxnSp>
+        <p:nvCxnSpPr>
+          <p:cNvPr id="17" name="Straight Arrow Connector 16"/>
+          <p:cNvCxnSpPr>
+            <a:stCxn id="27" idx="1"/>
+            <a:endCxn id="24" idx="3"/>
+          </p:cNvCxnSpPr>
+          <p:nvPr/>
+        </p:nvCxnSpPr>
+        <p:spPr>
+          <a:xfrm flipH="1">
+            <a:off x="5911334" y="1989083"/>
+            <a:ext cx="921266" cy="0"/>
+          </a:xfrm>
+          <a:prstGeom prst="straightConnector1">
+            <a:avLst/>
+          </a:prstGeom>
+          <a:ln>
+            <a:prstDash val="dash"/>
+            <a:tailEnd type="arrow"/>
+          </a:ln>
+        </p:spPr>
+        <p:style>
+          <a:lnRef idx="2">
+            <a:schemeClr val="dk1"/>
+          </a:lnRef>
+          <a:fillRef idx="0">
+            <a:schemeClr val="dk1"/>
+          </a:fillRef>
+          <a:effectRef idx="1">
+            <a:schemeClr val="dk1"/>
+          </a:effectRef>
+          <a:fontRef idx="minor">
+            <a:schemeClr val="tx1"/>
+          </a:fontRef>
+        </p:style>
+      </p:cxnSp>
+      <p:cxnSp>
+        <p:nvCxnSpPr>
+          <p:cNvPr id="29" name="Straight Arrow Connector 28"/>
+          <p:cNvCxnSpPr>
+            <a:stCxn id="26" idx="1"/>
+            <a:endCxn id="23" idx="3"/>
+          </p:cNvCxnSpPr>
+          <p:nvPr/>
+        </p:nvCxnSpPr>
+        <p:spPr>
+          <a:xfrm flipH="1">
+            <a:off x="5911334" y="2873539"/>
+            <a:ext cx="921266" cy="0"/>
+          </a:xfrm>
+          <a:prstGeom prst="straightConnector1">
+            <a:avLst/>
+          </a:prstGeom>
+          <a:ln>
+            <a:prstDash val="dash"/>
+            <a:tailEnd type="arrow"/>
+          </a:ln>
+        </p:spPr>
+        <p:style>
+          <a:lnRef idx="2">
+            <a:schemeClr val="dk1"/>
+          </a:lnRef>
+          <a:fillRef idx="0">
+            <a:schemeClr val="dk1"/>
+          </a:fillRef>
+          <a:effectRef idx="1">
+            <a:schemeClr val="dk1"/>
+          </a:effectRef>
+          <a:fontRef idx="minor">
+            <a:schemeClr val="tx1"/>
+          </a:fontRef>
+        </p:style>
+      </p:cxnSp>
+      <p:sp>
+        <p:nvSpPr>
+          <p:cNvPr id="38" name="Right Arrow 37"/>
+          <p:cNvSpPr/>
+          <p:nvPr/>
+        </p:nvSpPr>
+        <p:spPr>
+          <a:xfrm>
+            <a:off x="3289300" y="2706066"/>
+            <a:ext cx="762000" cy="1925701"/>
+          </a:xfrm>
+          <a:prstGeom prst="rightArrow">
+            <a:avLst/>
+          </a:prstGeom>
+        </p:spPr>
+        <p:style>
+          <a:lnRef idx="2">
+            <a:schemeClr val="accent1">
+              <a:shade val="50000"/>
+            </a:schemeClr>
+          </a:lnRef>
+          <a:fillRef idx="1">
+            <a:schemeClr val="accent1"/>
+          </a:fillRef>
+          <a:effectRef idx="0">
+            <a:schemeClr val="accent1"/>
+          </a:effectRef>
+          <a:fontRef idx="minor">
+            <a:schemeClr val="lt1"/>
+          </a:fontRef>
+        </p:style>
+        <p:txBody>
+          <a:bodyPr rtlCol="0" anchor="ctr"/>
+          <a:lstStyle/>
+          <a:p>
+            <a:pPr algn="ctr"/>
+            <a:endParaRPr lang="en-US"/>
+          </a:p>
+        </p:txBody>
+      </p:sp>
+      <p:sp>
+        <p:nvSpPr>
+          <p:cNvPr id="44" name="TextBox 43"/>
+          <p:cNvSpPr txBox="1"/>
+          <p:nvPr/>
+        </p:nvSpPr>
+        <p:spPr>
+          <a:xfrm>
+            <a:off x="236991" y="5767169"/>
+            <a:ext cx="2971800" cy="646331"/>
+          </a:xfrm>
+          <a:prstGeom prst="rect">
+            <a:avLst/>
+          </a:prstGeom>
+          <a:noFill/>
+        </p:spPr>
+        <p:txBody>
+          <a:bodyPr wrap="square" rtlCol="0">
+            <a:spAutoFit/>
+          </a:bodyPr>
+          <a:lstStyle/>
+          <a:p>
+            <a:pPr algn="ctr"/>
+            <a:r>
+              <a:rPr lang="hu-HU" dirty="0" smtClean="0"/>
+              <a:t>Összefüggő Java szoftverkomponensek</a:t>
+            </a:r>
+            <a:endParaRPr lang="en-US" dirty="0"/>
+          </a:p>
+        </p:txBody>
+      </p:sp>
+      <p:sp>
+        <p:nvSpPr>
+          <p:cNvPr id="45" name="TextBox 44"/>
+          <p:cNvSpPr txBox="1"/>
+          <p:nvPr/>
+        </p:nvSpPr>
+        <p:spPr>
+          <a:xfrm>
+            <a:off x="4114800" y="6020137"/>
+            <a:ext cx="4648200" cy="369332"/>
+          </a:xfrm>
+          <a:prstGeom prst="rect">
+            <a:avLst/>
+          </a:prstGeom>
+          <a:noFill/>
+        </p:spPr>
+        <p:txBody>
+          <a:bodyPr wrap="square" rtlCol="0">
+            <a:spAutoFit/>
+          </a:bodyPr>
+          <a:lstStyle/>
+          <a:p>
+            <a:pPr algn="ctr"/>
+            <a:r>
+              <a:rPr lang="hu-HU" dirty="0" smtClean="0"/>
+              <a:t>Java komponensek modell reprezentációja</a:t>
+            </a:r>
+            <a:endParaRPr lang="en-US" dirty="0"/>
+          </a:p>
+        </p:txBody>
+      </p:sp>
+      <p:grpSp>
+        <p:nvGrpSpPr>
+          <p:cNvPr id="52" name="Group 51"/>
+          <p:cNvGrpSpPr/>
+          <p:nvPr/>
+        </p:nvGrpSpPr>
+        <p:grpSpPr>
+          <a:xfrm>
+            <a:off x="4910950" y="5066543"/>
+            <a:ext cx="3055899" cy="842518"/>
+            <a:chOff x="5924034" y="5177619"/>
+            <a:chExt cx="3055899" cy="842518"/>
+          </a:xfrm>
+        </p:grpSpPr>
+        <p:sp>
+          <p:nvSpPr>
+            <p:cNvPr id="46" name="Rounded Rectangular Callout 45"/>
+            <p:cNvSpPr/>
+            <p:nvPr/>
+          </p:nvSpPr>
+          <p:spPr>
+            <a:xfrm>
+              <a:off x="5932176" y="5184891"/>
+              <a:ext cx="3047757" cy="833546"/>
+            </a:xfrm>
+            <a:prstGeom prst="wedgeRoundRectCallout">
+              <a:avLst>
+                <a:gd name="adj1" fmla="val -2515"/>
+                <a:gd name="adj2" fmla="val -307633"/>
+                <a:gd name="adj3" fmla="val 16667"/>
+              </a:avLst>
+            </a:prstGeom>
+          </p:spPr>
+          <p:style>
+            <a:lnRef idx="1">
+              <a:schemeClr val="accent4"/>
+            </a:lnRef>
+            <a:fillRef idx="2">
+              <a:schemeClr val="accent4"/>
+            </a:fillRef>
+            <a:effectRef idx="1">
+              <a:schemeClr val="accent4"/>
+            </a:effectRef>
+            <a:fontRef idx="minor">
+              <a:schemeClr val="dk1"/>
+            </a:fontRef>
+          </p:style>
+          <p:txBody>
+            <a:bodyPr rtlCol="0" anchor="ctr"/>
+            <a:lstStyle/>
+            <a:p>
+              <a:pPr marL="285750" indent="-285750">
+                <a:buFont typeface="Arial" pitchFamily="34" charset="0"/>
+                <a:buChar char="•"/>
+              </a:pPr>
+              <a:r>
+                <a:rPr lang="hu-HU" dirty="0" smtClean="0"/>
+                <a:t>Strukúra</a:t>
+              </a:r>
+            </a:p>
+            <a:p>
+              <a:pPr marL="285750" indent="-285750">
+                <a:buFont typeface="Arial" pitchFamily="34" charset="0"/>
+                <a:buChar char="•"/>
+              </a:pPr>
+              <a:r>
+                <a:rPr lang="hu-HU" dirty="0" smtClean="0"/>
+                <a:t>Explicit és implicit függőségek</a:t>
+              </a:r>
+              <a:endParaRPr lang="hu-HU" dirty="0" smtClean="0"/>
+            </a:p>
+          </p:txBody>
+        </p:sp>
+        <p:sp>
+          <p:nvSpPr>
+            <p:cNvPr id="50" name="Rounded Rectangular Callout 49"/>
+            <p:cNvSpPr/>
+            <p:nvPr/>
+          </p:nvSpPr>
+          <p:spPr>
+            <a:xfrm>
+              <a:off x="5924034" y="5186591"/>
+              <a:ext cx="3047757" cy="833546"/>
+            </a:xfrm>
+            <a:prstGeom prst="wedgeRoundRectCallout">
+              <a:avLst>
+                <a:gd name="adj1" fmla="val 3854"/>
+                <a:gd name="adj2" fmla="val -92803"/>
+                <a:gd name="adj3" fmla="val 16667"/>
+              </a:avLst>
+            </a:prstGeom>
+          </p:spPr>
+          <p:style>
+            <a:lnRef idx="1">
+              <a:schemeClr val="accent4"/>
+            </a:lnRef>
+            <a:fillRef idx="2">
+              <a:schemeClr val="accent4"/>
+            </a:fillRef>
+            <a:effectRef idx="1">
+              <a:schemeClr val="accent4"/>
+            </a:effectRef>
+            <a:fontRef idx="minor">
+              <a:schemeClr val="dk1"/>
+            </a:fontRef>
+          </p:style>
+          <p:txBody>
+            <a:bodyPr rtlCol="0" anchor="ctr"/>
+            <a:lstStyle/>
+            <a:p>
+              <a:pPr marL="285750" indent="-285750">
+                <a:buFont typeface="Arial" pitchFamily="34" charset="0"/>
+                <a:buChar char="•"/>
+              </a:pPr>
+              <a:r>
+                <a:rPr lang="hu-HU" dirty="0" smtClean="0"/>
+                <a:t>Strukúra</a:t>
+              </a:r>
+            </a:p>
+            <a:p>
+              <a:pPr marL="285750" indent="-285750">
+                <a:buFont typeface="Arial" pitchFamily="34" charset="0"/>
+                <a:buChar char="•"/>
+              </a:pPr>
+              <a:r>
+                <a:rPr lang="hu-HU" dirty="0" smtClean="0"/>
+                <a:t>Explicit és implicit függőségek</a:t>
+              </a:r>
+              <a:endParaRPr lang="hu-HU" dirty="0" smtClean="0"/>
+            </a:p>
+          </p:txBody>
+        </p:sp>
+        <p:sp>
+          <p:nvSpPr>
+            <p:cNvPr id="51" name="Rounded Rectangular Callout 50"/>
+            <p:cNvSpPr/>
+            <p:nvPr/>
+          </p:nvSpPr>
+          <p:spPr>
+            <a:xfrm>
+              <a:off x="5924034" y="5177619"/>
+              <a:ext cx="3047757" cy="833546"/>
+            </a:xfrm>
+            <a:prstGeom prst="wedgeRoundRectCallout">
+              <a:avLst>
+                <a:gd name="adj1" fmla="val 19451"/>
+                <a:gd name="adj2" fmla="val -194233"/>
+                <a:gd name="adj3" fmla="val 16667"/>
+              </a:avLst>
+            </a:prstGeom>
+          </p:spPr>
+          <p:style>
+            <a:lnRef idx="1">
+              <a:schemeClr val="accent4"/>
+            </a:lnRef>
+            <a:fillRef idx="2">
+              <a:schemeClr val="accent4"/>
+            </a:fillRef>
+            <a:effectRef idx="1">
+              <a:schemeClr val="accent4"/>
+            </a:effectRef>
+            <a:fontRef idx="minor">
+              <a:schemeClr val="dk1"/>
+            </a:fontRef>
+          </p:style>
+          <p:txBody>
+            <a:bodyPr rtlCol="0" anchor="ctr"/>
+            <a:lstStyle/>
+            <a:p>
+              <a:pPr marL="285750" indent="-285750">
+                <a:buFont typeface="Arial" pitchFamily="34" charset="0"/>
+                <a:buChar char="•"/>
+              </a:pPr>
+              <a:r>
+                <a:rPr lang="hu-HU" dirty="0" smtClean="0"/>
+                <a:t>Strukúra</a:t>
+              </a:r>
+            </a:p>
+            <a:p>
+              <a:pPr marL="285750" indent="-285750">
+                <a:buFont typeface="Arial" pitchFamily="34" charset="0"/>
+                <a:buChar char="•"/>
+              </a:pPr>
+              <a:r>
+                <a:rPr lang="hu-HU" dirty="0" smtClean="0"/>
+                <a:t>Explicit és implicit függőségek</a:t>
+              </a:r>
+              <a:endParaRPr lang="hu-HU" dirty="0" smtClean="0"/>
+            </a:p>
+          </p:txBody>
+        </p:sp>
+      </p:grpSp>
+      <p:cxnSp>
+        <p:nvCxnSpPr>
+          <p:cNvPr id="55" name="Straight Connector 54"/>
+          <p:cNvCxnSpPr>
+            <a:stCxn id="24" idx="2"/>
+            <a:endCxn id="23" idx="0"/>
+          </p:cNvCxnSpPr>
+          <p:nvPr/>
+        </p:nvCxnSpPr>
+        <p:spPr>
+          <a:xfrm>
+            <a:off x="5089267" y="2255783"/>
+            <a:ext cx="0" cy="351056"/>
+          </a:xfrm>
+          <a:prstGeom prst="line">
             <a:avLst/>
           </a:prstGeom>
         </p:spPr>
@@ -8173,280 +8586,46 @@
           <a:lnRef idx="1">
             <a:schemeClr val="accent1"/>
           </a:lnRef>
-          <a:fillRef idx="2">
+          <a:fillRef idx="0">
             <a:schemeClr val="accent1"/>
           </a:fillRef>
-          <a:effectRef idx="1">
+          <a:effectRef idx="0">
             <a:schemeClr val="accent1"/>
           </a:effectRef>
           <a:fontRef idx="minor">
-            <a:schemeClr val="dk1"/>
+            <a:schemeClr val="tx1"/>
           </a:fontRef>
         </p:style>
-        <p:txBody>
-          <a:bodyPr rtlCol="0" anchor="ctr"/>
-          <a:lstStyle/>
-          <a:p>
-            <a:pPr algn="ctr"/>
-            <a:r>
-              <a:rPr lang="hu-HU" dirty="0" smtClean="0"/>
-              <a:t>Project B</a:t>
-            </a:r>
-            <a:endParaRPr lang="hu-HU" dirty="0" smtClean="0"/>
-          </a:p>
-          <a:p>
-            <a:pPr algn="ctr"/>
-            <a:endParaRPr lang="hu-HU" dirty="0"/>
-          </a:p>
-          <a:p>
-            <a:pPr algn="ctr"/>
-            <a:endParaRPr lang="hu-HU" dirty="0" smtClean="0"/>
-          </a:p>
-          <a:p>
-            <a:pPr algn="ctr"/>
-            <a:endParaRPr lang="hu-HU" dirty="0"/>
-          </a:p>
-          <a:p>
-            <a:pPr algn="ctr"/>
-            <a:endParaRPr lang="hu-HU" dirty="0" smtClean="0"/>
-          </a:p>
-          <a:p>
-            <a:pPr algn="ctr"/>
-            <a:endParaRPr lang="hu-HU" dirty="0"/>
-          </a:p>
-          <a:p>
-            <a:pPr algn="ctr"/>
-            <a:endParaRPr lang="hu-HU" dirty="0" smtClean="0"/>
-          </a:p>
-          <a:p>
-            <a:pPr algn="ctr"/>
-            <a:endParaRPr lang="en-US" dirty="0"/>
-          </a:p>
-        </p:txBody>
-      </p:sp>
-      <p:sp>
-        <p:nvSpPr>
-          <p:cNvPr id="18" name="Rectangle 17"/>
+      </p:cxnSp>
+      <p:sp>
+        <p:nvSpPr>
+          <p:cNvPr id="53" name="Rectangular Callout 52"/>
           <p:cNvSpPr/>
           <p:nvPr/>
         </p:nvSpPr>
         <p:spPr>
           <a:xfrm>
-            <a:off x="2584142" y="4876800"/>
-            <a:ext cx="3886200" cy="1371600"/>
+            <a:off x="1790700" y="2211006"/>
+            <a:ext cx="5562600" cy="3048000"/>
           </a:xfrm>
-          <a:prstGeom prst="rect">
-            <a:avLst/>
-          </a:prstGeom>
-        </p:spPr>
-        <p:style>
-          <a:lnRef idx="1">
-            <a:schemeClr val="dk1"/>
-          </a:lnRef>
-          <a:fillRef idx="2">
-            <a:schemeClr val="dk1"/>
-          </a:fillRef>
-          <a:effectRef idx="1">
-            <a:schemeClr val="dk1"/>
-          </a:effectRef>
-          <a:fontRef idx="minor">
-            <a:schemeClr val="dk1"/>
-          </a:fontRef>
-        </p:style>
-        <p:txBody>
-          <a:bodyPr rtlCol="0" anchor="t" anchorCtr="0"/>
-          <a:lstStyle/>
-          <a:p>
-            <a:r>
-              <a:rPr lang="hu-HU" sz="1400" dirty="0" smtClean="0">
-                <a:latin typeface="Lucida Console" pitchFamily="49" charset="0"/>
-              </a:rPr>
-              <a:t>public class Client {</a:t>
-            </a:r>
-          </a:p>
-          <a:p>
-            <a:r>
-              <a:rPr lang="hu-HU" sz="1400" dirty="0" smtClean="0">
-                <a:latin typeface="Lucida Console" pitchFamily="49" charset="0"/>
-              </a:rPr>
-              <a:t>    public void doWork() {</a:t>
-            </a:r>
-          </a:p>
-          <a:p>
-            <a:r>
-              <a:rPr lang="hu-HU" sz="1400" dirty="0" smtClean="0">
-                <a:latin typeface="Lucida Console" pitchFamily="49" charset="0"/>
-              </a:rPr>
-              <a:t>        Service s = getService();</a:t>
-            </a:r>
-          </a:p>
-          <a:p>
-            <a:r>
-              <a:rPr lang="hu-HU" sz="1400" dirty="0">
-                <a:latin typeface="Lucida Console" pitchFamily="49" charset="0"/>
-              </a:rPr>
-              <a:t> </a:t>
-            </a:r>
-            <a:r>
-              <a:rPr lang="hu-HU" sz="1400" dirty="0" smtClean="0">
-                <a:latin typeface="Lucida Console" pitchFamily="49" charset="0"/>
-              </a:rPr>
-              <a:t>       s.serve(); </a:t>
-            </a:r>
-          </a:p>
-          <a:p>
-            <a:r>
-              <a:rPr lang="hu-HU" sz="1400" dirty="0">
-                <a:latin typeface="Lucida Console" pitchFamily="49" charset="0"/>
-              </a:rPr>
-              <a:t> </a:t>
-            </a:r>
-            <a:r>
-              <a:rPr lang="hu-HU" sz="1400" dirty="0" smtClean="0">
-                <a:latin typeface="Lucida Console" pitchFamily="49" charset="0"/>
-              </a:rPr>
-              <a:t>   }   </a:t>
-            </a:r>
-          </a:p>
-          <a:p>
-            <a:r>
-              <a:rPr lang="hu-HU" sz="1400" dirty="0" smtClean="0">
-                <a:latin typeface="Lucida Console" pitchFamily="49" charset="0"/>
-              </a:rPr>
-              <a:t>}</a:t>
-            </a:r>
-            <a:endParaRPr lang="hu-HU" dirty="0">
-              <a:latin typeface="Lucida Console" pitchFamily="49" charset="0"/>
-            </a:endParaRPr>
-          </a:p>
-          <a:p>
-            <a:pPr algn="ctr"/>
-            <a:endParaRPr lang="hu-HU" dirty="0" smtClean="0"/>
-          </a:p>
-          <a:p>
-            <a:pPr algn="ctr"/>
-            <a:endParaRPr lang="hu-HU" dirty="0"/>
-          </a:p>
-          <a:p>
-            <a:pPr algn="ctr"/>
-            <a:endParaRPr lang="hu-HU" dirty="0" smtClean="0"/>
-          </a:p>
-          <a:p>
-            <a:pPr algn="ctr"/>
-            <a:endParaRPr lang="en-US" dirty="0"/>
-          </a:p>
-        </p:txBody>
-      </p:sp>
-      <p:sp>
-        <p:nvSpPr>
-          <p:cNvPr id="41" name="Rectangle 40"/>
-          <p:cNvSpPr/>
-          <p:nvPr/>
-        </p:nvSpPr>
-        <p:spPr>
-          <a:xfrm>
-            <a:off x="3458592" y="5562600"/>
-            <a:ext cx="1189608" cy="219907"/>
-          </a:xfrm>
-          <a:prstGeom prst="rect">
-            <a:avLst/>
-          </a:prstGeom>
-          <a:noFill/>
-        </p:spPr>
-        <p:style>
-          <a:lnRef idx="2">
-            <a:schemeClr val="accent2"/>
-          </a:lnRef>
-          <a:fillRef idx="1">
-            <a:schemeClr val="lt1"/>
-          </a:fillRef>
-          <a:effectRef idx="0">
-            <a:schemeClr val="accent2"/>
-          </a:effectRef>
-          <a:fontRef idx="minor">
-            <a:schemeClr val="dk1"/>
-          </a:fontRef>
-        </p:style>
-        <p:txBody>
-          <a:bodyPr rtlCol="0" anchor="t" anchorCtr="0"/>
-          <a:lstStyle/>
-          <a:p>
-            <a:endParaRPr lang="hu-HU" sz="1400" dirty="0">
-              <a:latin typeface="Lucida Console" pitchFamily="49" charset="0"/>
-            </a:endParaRPr>
-          </a:p>
-        </p:txBody>
-      </p:sp>
-      <p:sp>
-        <p:nvSpPr>
-          <p:cNvPr id="44" name="Rounded Rectangular Callout 43"/>
-          <p:cNvSpPr/>
-          <p:nvPr/>
-        </p:nvSpPr>
-        <p:spPr>
-          <a:xfrm>
-            <a:off x="3199552" y="3530879"/>
-            <a:ext cx="2655379" cy="405841"/>
-          </a:xfrm>
-          <a:prstGeom prst="wedgeRoundRectCallout">
+          <a:prstGeom prst="wedgeRectCallout">
             <a:avLst>
-              <a:gd name="adj1" fmla="val -86073"/>
-              <a:gd name="adj2" fmla="val 81266"/>
-              <a:gd name="adj3" fmla="val 16667"/>
+              <a:gd name="adj1" fmla="val 7660"/>
+              <a:gd name="adj2" fmla="val 49500"/>
             </a:avLst>
           </a:prstGeom>
         </p:spPr>
         <p:style>
-          <a:lnRef idx="1">
-            <a:schemeClr val="accent4"/>
-          </a:lnRef>
-          <a:fillRef idx="2">
-            <a:schemeClr val="accent4"/>
-          </a:fillRef>
-          <a:effectRef idx="1">
-            <a:schemeClr val="accent4"/>
-          </a:effectRef>
-          <a:fontRef idx="minor">
-            <a:schemeClr val="dk1"/>
-          </a:fontRef>
-        </p:style>
-        <p:txBody>
-          <a:bodyPr rtlCol="0" anchor="ctr"/>
-          <a:lstStyle/>
-          <a:p>
-            <a:r>
-              <a:rPr lang="hu-HU" sz="1600" dirty="0" smtClean="0"/>
-              <a:t>Metódushívás =&gt; függőség.</a:t>
-            </a:r>
-          </a:p>
-        </p:txBody>
-      </p:sp>
-      <p:sp>
-        <p:nvSpPr>
-          <p:cNvPr id="53" name="Lightning Bolt 52"/>
-          <p:cNvSpPr/>
-          <p:nvPr/>
-        </p:nvSpPr>
-        <p:spPr>
-          <a:xfrm rot="4233296">
-            <a:off x="4607475" y="5445999"/>
-            <a:ext cx="381000" cy="629575"/>
-          </a:xfrm>
-          <a:prstGeom prst="lightningBolt">
-            <a:avLst/>
-          </a:prstGeom>
-        </p:spPr>
-        <p:style>
           <a:lnRef idx="2">
-            <a:schemeClr val="accent2">
+            <a:schemeClr val="accent3">
               <a:shade val="50000"/>
             </a:schemeClr>
           </a:lnRef>
           <a:fillRef idx="1">
-            <a:schemeClr val="accent2"/>
+            <a:schemeClr val="accent3"/>
           </a:fillRef>
           <a:effectRef idx="0">
-            <a:schemeClr val="accent2"/>
+            <a:schemeClr val="accent3"/>
           </a:effectRef>
           <a:fontRef idx="minor">
             <a:schemeClr val="lt1"/>
@@ -8456,576 +8635,130 @@
           <a:bodyPr rtlCol="0" anchor="ctr"/>
           <a:lstStyle/>
           <a:p>
-            <a:pPr algn="ctr"/>
-            <a:endParaRPr lang="en-US"/>
-          </a:p>
-        </p:txBody>
-      </p:sp>
-      <p:sp>
-        <p:nvSpPr>
-          <p:cNvPr id="17" name="Rectangle 16"/>
-          <p:cNvSpPr/>
+            <a:pPr marL="342900" indent="-342900">
+              <a:buFont typeface="Arial" pitchFamily="34" charset="0"/>
+              <a:buChar char="•"/>
+            </a:pPr>
+            <a:r>
+              <a:rPr lang="hu-HU" sz="2400" dirty="0" smtClean="0"/>
+              <a:t>Komponensek között változatos függőségi viszonyok</a:t>
+            </a:r>
+            <a:r>
+              <a:rPr lang="hu-HU" sz="2000" i="1" dirty="0"/>
+              <a:t> </a:t>
+            </a:r>
+            <a:r>
+              <a:rPr lang="hu-HU" sz="2000" i="1" dirty="0" smtClean="0">
+                <a:sym typeface="Wingdings" pitchFamily="2" charset="2"/>
+              </a:rPr>
+              <a:t> Összefüggő komponensek </a:t>
+            </a:r>
+            <a:endParaRPr lang="hu-HU" sz="2400" dirty="0" smtClean="0"/>
+          </a:p>
+        </p:txBody>
+      </p:sp>
+      <p:cxnSp>
+        <p:nvCxnSpPr>
+          <p:cNvPr id="56" name="Straight Connector 55"/>
+          <p:cNvCxnSpPr>
+            <a:stCxn id="23" idx="2"/>
+            <a:endCxn id="25" idx="0"/>
+          </p:cNvCxnSpPr>
           <p:nvPr/>
-        </p:nvSpPr>
+        </p:nvCxnSpPr>
         <p:spPr>
-          <a:xfrm>
-            <a:off x="2450977" y="2667000"/>
-            <a:ext cx="4038600" cy="705775"/>
+          <a:xfrm flipH="1">
+            <a:off x="5069622" y="3140239"/>
+            <a:ext cx="19645" cy="411837"/>
           </a:xfrm>
-          <a:prstGeom prst="rect">
+          <a:prstGeom prst="line">
             <a:avLst/>
-          </a:prstGeom>
-        </p:spPr>
-        <p:style>
-          <a:lnRef idx="1">
-            <a:schemeClr val="dk1"/>
-          </a:lnRef>
-          <a:fillRef idx="2">
-            <a:schemeClr val="dk1"/>
-          </a:fillRef>
-          <a:effectRef idx="1">
-            <a:schemeClr val="dk1"/>
-          </a:effectRef>
-          <a:fontRef idx="minor">
-            <a:schemeClr val="dk1"/>
-          </a:fontRef>
-        </p:style>
-        <p:txBody>
-          <a:bodyPr rtlCol="0" anchor="t" anchorCtr="0"/>
-          <a:lstStyle/>
-          <a:p>
-            <a:r>
-              <a:rPr lang="hu-HU" sz="1400" dirty="0">
-                <a:latin typeface="Lucida Console" pitchFamily="49" charset="0"/>
-              </a:rPr>
-              <a:t>public </a:t>
-            </a:r>
-            <a:r>
-              <a:rPr lang="hu-HU" sz="1400" dirty="0" smtClean="0">
-                <a:latin typeface="Lucida Console" pitchFamily="49" charset="0"/>
-              </a:rPr>
-              <a:t>class Service </a:t>
-            </a:r>
-            <a:r>
-              <a:rPr lang="hu-HU" sz="1400" dirty="0">
-                <a:latin typeface="Lucida Console" pitchFamily="49" charset="0"/>
-              </a:rPr>
-              <a:t>{</a:t>
-            </a:r>
-          </a:p>
-          <a:p>
-            <a:r>
-              <a:rPr lang="hu-HU" sz="1400" dirty="0">
-                <a:latin typeface="Lucida Console" pitchFamily="49" charset="0"/>
-              </a:rPr>
-              <a:t>    public void serve</a:t>
-            </a:r>
-            <a:r>
-              <a:rPr lang="hu-HU" sz="1400" dirty="0" smtClean="0">
-                <a:latin typeface="Lucida Console" pitchFamily="49" charset="0"/>
-              </a:rPr>
-              <a:t>(){}</a:t>
-            </a:r>
-            <a:endParaRPr lang="hu-HU" sz="1400" dirty="0">
-              <a:latin typeface="Lucida Console" pitchFamily="49" charset="0"/>
-            </a:endParaRPr>
-          </a:p>
-          <a:p>
-            <a:r>
-              <a:rPr lang="hu-HU" sz="1400" dirty="0" smtClean="0">
-                <a:latin typeface="Lucida Console" pitchFamily="49" charset="0"/>
-              </a:rPr>
-              <a:t>}</a:t>
-            </a:r>
-            <a:endParaRPr lang="hu-HU" sz="1400" dirty="0">
-              <a:latin typeface="Lucida Console" pitchFamily="49" charset="0"/>
-            </a:endParaRPr>
-          </a:p>
-        </p:txBody>
-      </p:sp>
-      <p:sp>
-        <p:nvSpPr>
-          <p:cNvPr id="40" name="Rectangle 39"/>
-          <p:cNvSpPr/>
-          <p:nvPr/>
-        </p:nvSpPr>
-        <p:spPr>
-          <a:xfrm>
-            <a:off x="2895600" y="2936583"/>
-            <a:ext cx="2362200" cy="219907"/>
-          </a:xfrm>
-          <a:prstGeom prst="rect">
-            <a:avLst/>
-          </a:prstGeom>
-          <a:noFill/>
-        </p:spPr>
-        <p:style>
-          <a:lnRef idx="2">
-            <a:schemeClr val="accent2"/>
-          </a:lnRef>
-          <a:fillRef idx="1">
-            <a:schemeClr val="lt1"/>
-          </a:fillRef>
-          <a:effectRef idx="0">
-            <a:schemeClr val="accent2"/>
-          </a:effectRef>
-          <a:fontRef idx="minor">
-            <a:schemeClr val="dk1"/>
-          </a:fontRef>
-        </p:style>
-        <p:txBody>
-          <a:bodyPr rtlCol="0" anchor="t" anchorCtr="0"/>
-          <a:lstStyle/>
-          <a:p>
-            <a:endParaRPr lang="hu-HU" sz="1400" dirty="0">
-              <a:latin typeface="Lucida Console" pitchFamily="49" charset="0"/>
-            </a:endParaRPr>
-          </a:p>
-        </p:txBody>
-      </p:sp>
-      <p:sp>
-        <p:nvSpPr>
-          <p:cNvPr id="46" name="Rectangle 45"/>
-          <p:cNvSpPr/>
-          <p:nvPr/>
-        </p:nvSpPr>
-        <p:spPr>
-          <a:xfrm>
-            <a:off x="2450977" y="2666999"/>
-            <a:ext cx="4038600" cy="705775"/>
-          </a:xfrm>
-          <a:prstGeom prst="rect">
-            <a:avLst/>
-          </a:prstGeom>
-        </p:spPr>
-        <p:style>
-          <a:lnRef idx="1">
-            <a:schemeClr val="dk1"/>
-          </a:lnRef>
-          <a:fillRef idx="2">
-            <a:schemeClr val="dk1"/>
-          </a:fillRef>
-          <a:effectRef idx="1">
-            <a:schemeClr val="dk1"/>
-          </a:effectRef>
-          <a:fontRef idx="minor">
-            <a:schemeClr val="dk1"/>
-          </a:fontRef>
-        </p:style>
-        <p:txBody>
-          <a:bodyPr rtlCol="0" anchor="t" anchorCtr="0"/>
-          <a:lstStyle/>
-          <a:p>
-            <a:r>
-              <a:rPr lang="hu-HU" sz="1400" dirty="0">
-                <a:latin typeface="Lucida Console" pitchFamily="49" charset="0"/>
-              </a:rPr>
-              <a:t>public </a:t>
-            </a:r>
-            <a:r>
-              <a:rPr lang="hu-HU" sz="1400" dirty="0" smtClean="0">
-                <a:latin typeface="Lucida Console" pitchFamily="49" charset="0"/>
-              </a:rPr>
-              <a:t>class Service </a:t>
-            </a:r>
-            <a:r>
-              <a:rPr lang="hu-HU" sz="1400" dirty="0">
-                <a:latin typeface="Lucida Console" pitchFamily="49" charset="0"/>
-              </a:rPr>
-              <a:t>{</a:t>
-            </a:r>
-          </a:p>
-          <a:p>
-            <a:r>
-              <a:rPr lang="hu-HU" sz="1400" dirty="0">
-                <a:latin typeface="Lucida Console" pitchFamily="49" charset="0"/>
-              </a:rPr>
-              <a:t>    public void </a:t>
-            </a:r>
-            <a:r>
-              <a:rPr lang="hu-HU" sz="1400" dirty="0" smtClean="0">
-                <a:latin typeface="Lucida Console" pitchFamily="49" charset="0"/>
-              </a:rPr>
-              <a:t>serve(</a:t>
-            </a:r>
-            <a:r>
-              <a:rPr lang="hu-HU" sz="1400" dirty="0" smtClean="0">
-                <a:solidFill>
-                  <a:srgbClr val="FF0000"/>
-                </a:solidFill>
-                <a:latin typeface="Lucida Console" pitchFamily="49" charset="0"/>
-              </a:rPr>
-              <a:t>String in</a:t>
-            </a:r>
-            <a:r>
-              <a:rPr lang="hu-HU" sz="1400" dirty="0" smtClean="0">
-                <a:latin typeface="Lucida Console" pitchFamily="49" charset="0"/>
-              </a:rPr>
-              <a:t>){}</a:t>
-            </a:r>
-            <a:endParaRPr lang="hu-HU" sz="1400" dirty="0">
-              <a:latin typeface="Lucida Console" pitchFamily="49" charset="0"/>
-            </a:endParaRPr>
-          </a:p>
-          <a:p>
-            <a:r>
-              <a:rPr lang="hu-HU" sz="1400" dirty="0" smtClean="0">
-                <a:latin typeface="Lucida Console" pitchFamily="49" charset="0"/>
-              </a:rPr>
-              <a:t>}</a:t>
-            </a:r>
-            <a:endParaRPr lang="hu-HU" sz="1400" dirty="0">
-              <a:latin typeface="Lucida Console" pitchFamily="49" charset="0"/>
-            </a:endParaRPr>
-          </a:p>
-        </p:txBody>
-      </p:sp>
-      <p:sp>
-        <p:nvSpPr>
-          <p:cNvPr id="42" name="U-Turn Arrow 41"/>
-          <p:cNvSpPr/>
-          <p:nvPr/>
-        </p:nvSpPr>
-        <p:spPr>
-          <a:xfrm rot="16200000">
-            <a:off x="1305920" y="3735626"/>
-            <a:ext cx="2908363" cy="1185398"/>
-          </a:xfrm>
-          <a:prstGeom prst="uturnArrow">
-            <a:avLst>
-              <a:gd name="adj1" fmla="val 11519"/>
-              <a:gd name="adj2" fmla="val 14141"/>
-              <a:gd name="adj3" fmla="val 25000"/>
-              <a:gd name="adj4" fmla="val 36261"/>
-              <a:gd name="adj5" fmla="val 57026"/>
-            </a:avLst>
           </a:prstGeom>
         </p:spPr>
         <p:style>
           <a:lnRef idx="1">
             <a:schemeClr val="accent1"/>
           </a:lnRef>
-          <a:fillRef idx="2">
+          <a:fillRef idx="0">
             <a:schemeClr val="accent1"/>
           </a:fillRef>
-          <a:effectRef idx="1">
+          <a:effectRef idx="0">
             <a:schemeClr val="accent1"/>
           </a:effectRef>
           <a:fontRef idx="minor">
-            <a:schemeClr val="dk1"/>
+            <a:schemeClr val="tx1"/>
           </a:fontRef>
         </p:style>
-        <p:txBody>
-          <a:bodyPr rtlCol="0" anchor="ctr"/>
-          <a:lstStyle/>
-          <a:p>
-            <a:pPr algn="ctr"/>
-            <a:endParaRPr lang="en-US">
-              <a:solidFill>
-                <a:schemeClr val="tx1"/>
-              </a:solidFill>
-            </a:endParaRPr>
-          </a:p>
-        </p:txBody>
-      </p:sp>
-      <p:sp>
-        <p:nvSpPr>
-          <p:cNvPr id="45" name="Rounded Rectangular Callout 44"/>
-          <p:cNvSpPr/>
+      </p:cxnSp>
+      <p:cxnSp>
+        <p:nvCxnSpPr>
+          <p:cNvPr id="59" name="Straight Connector 58"/>
+          <p:cNvCxnSpPr>
+            <a:endCxn id="26" idx="0"/>
+          </p:cNvCxnSpPr>
           <p:nvPr/>
-        </p:nvSpPr>
+        </p:nvCxnSpPr>
         <p:spPr>
-          <a:xfrm>
-            <a:off x="5958488" y="2057400"/>
-            <a:ext cx="2597674" cy="533400"/>
+          <a:xfrm flipH="1">
+            <a:off x="7654667" y="2255783"/>
+            <a:ext cx="6352" cy="351056"/>
           </a:xfrm>
-          <a:prstGeom prst="wedgeRoundRectCallout">
-            <a:avLst>
-              <a:gd name="adj1" fmla="val -82433"/>
-              <a:gd name="adj2" fmla="val 137903"/>
-              <a:gd name="adj3" fmla="val 16667"/>
-            </a:avLst>
+          <a:prstGeom prst="line">
+            <a:avLst/>
           </a:prstGeom>
         </p:spPr>
         <p:style>
           <a:lnRef idx="1">
-            <a:schemeClr val="accent4"/>
+            <a:schemeClr val="accent1"/>
           </a:lnRef>
-          <a:fillRef idx="2">
-            <a:schemeClr val="accent4"/>
+          <a:fillRef idx="0">
+            <a:schemeClr val="accent1"/>
           </a:fillRef>
-          <a:effectRef idx="1">
-            <a:schemeClr val="accent4"/>
+          <a:effectRef idx="0">
+            <a:schemeClr val="accent1"/>
           </a:effectRef>
           <a:fontRef idx="minor">
-            <a:schemeClr val="dk1"/>
+            <a:schemeClr val="tx1"/>
           </a:fontRef>
         </p:style>
-        <p:txBody>
-          <a:bodyPr rtlCol="0" anchor="ctr"/>
-          <a:lstStyle/>
-          <a:p>
-            <a:r>
-              <a:rPr lang="hu-HU" sz="1600" dirty="0" smtClean="0"/>
-              <a:t>Változtatás </a:t>
-            </a:r>
-            <a:r>
-              <a:rPr lang="hu-HU" sz="1600" smtClean="0"/>
-              <a:t>=&gt; kit érint?</a:t>
-            </a:r>
-          </a:p>
-        </p:txBody>
-      </p:sp>
-      <p:sp>
-        <p:nvSpPr>
-          <p:cNvPr id="47" name="Down Arrow 46"/>
-          <p:cNvSpPr/>
+      </p:cxnSp>
+      <p:cxnSp>
+        <p:nvCxnSpPr>
+          <p:cNvPr id="62" name="Straight Connector 61"/>
+          <p:cNvCxnSpPr>
+            <a:stCxn id="26" idx="2"/>
+            <a:endCxn id="28" idx="0"/>
+          </p:cNvCxnSpPr>
           <p:nvPr/>
-        </p:nvSpPr>
+        </p:nvCxnSpPr>
         <p:spPr>
-          <a:xfrm rot="1503578">
-            <a:off x="4656511" y="3037995"/>
-            <a:ext cx="231866" cy="2479611"/>
+          <a:xfrm>
+            <a:off x="7654667" y="3140239"/>
+            <a:ext cx="0" cy="411837"/>
           </a:xfrm>
-          <a:prstGeom prst="downArrow">
+          <a:prstGeom prst="line">
             <a:avLst/>
           </a:prstGeom>
         </p:spPr>
         <p:style>
-          <a:lnRef idx="2">
-            <a:schemeClr val="accent2">
-              <a:shade val="50000"/>
-            </a:schemeClr>
+          <a:lnRef idx="1">
+            <a:schemeClr val="accent1"/>
           </a:lnRef>
-          <a:fillRef idx="1">
-            <a:schemeClr val="accent2"/>
+          <a:fillRef idx="0">
+            <a:schemeClr val="accent1"/>
           </a:fillRef>
           <a:effectRef idx="0">
-            <a:schemeClr val="accent2"/>
+            <a:schemeClr val="accent1"/>
           </a:effectRef>
           <a:fontRef idx="minor">
-            <a:schemeClr val="lt1"/>
+            <a:schemeClr val="tx1"/>
           </a:fontRef>
         </p:style>
-        <p:txBody>
-          <a:bodyPr rtlCol="0" anchor="ctr"/>
-          <a:lstStyle/>
-          <a:p>
-            <a:pPr algn="ctr"/>
-            <a:endParaRPr lang="en-US"/>
-          </a:p>
-        </p:txBody>
-      </p:sp>
-      <p:sp>
-        <p:nvSpPr>
-          <p:cNvPr id="56" name="Rectangle 55"/>
-          <p:cNvSpPr/>
-          <p:nvPr/>
-        </p:nvSpPr>
-        <p:spPr>
-          <a:xfrm>
-            <a:off x="2895600" y="2936103"/>
-            <a:ext cx="3276600" cy="219907"/>
-          </a:xfrm>
-          <a:prstGeom prst="rect">
-            <a:avLst/>
-          </a:prstGeom>
-          <a:noFill/>
-        </p:spPr>
-        <p:style>
-          <a:lnRef idx="2">
-            <a:schemeClr val="accent2"/>
-          </a:lnRef>
-          <a:fillRef idx="1">
-            <a:schemeClr val="lt1"/>
-          </a:fillRef>
-          <a:effectRef idx="0">
-            <a:schemeClr val="accent2"/>
-          </a:effectRef>
-          <a:fontRef idx="minor">
-            <a:schemeClr val="dk1"/>
-          </a:fontRef>
-        </p:style>
-        <p:txBody>
-          <a:bodyPr rtlCol="0" anchor="t" anchorCtr="0"/>
-          <a:lstStyle/>
-          <a:p>
-            <a:endParaRPr lang="hu-HU" sz="1400" dirty="0">
-              <a:latin typeface="Lucida Console" pitchFamily="49" charset="0"/>
-            </a:endParaRPr>
-          </a:p>
-        </p:txBody>
-      </p:sp>
-      <p:sp>
-        <p:nvSpPr>
-          <p:cNvPr id="54" name="Rounded Rectangular Callout 53"/>
-          <p:cNvSpPr/>
-          <p:nvPr/>
-        </p:nvSpPr>
-        <p:spPr>
-          <a:xfrm>
-            <a:off x="5402598" y="3674616"/>
-            <a:ext cx="1854727" cy="533400"/>
-          </a:xfrm>
-          <a:prstGeom prst="wedgeRoundRectCallout">
-            <a:avLst>
-              <a:gd name="adj1" fmla="val -83943"/>
-              <a:gd name="adj2" fmla="val 51357"/>
-              <a:gd name="adj3" fmla="val 16667"/>
-            </a:avLst>
-          </a:prstGeom>
-        </p:spPr>
-        <p:style>
-          <a:lnRef idx="1">
-            <a:schemeClr val="accent4"/>
-          </a:lnRef>
-          <a:fillRef idx="2">
-            <a:schemeClr val="accent4"/>
-          </a:fillRef>
-          <a:effectRef idx="1">
-            <a:schemeClr val="accent4"/>
-          </a:effectRef>
-          <a:fontRef idx="minor">
-            <a:schemeClr val="dk1"/>
-          </a:fontRef>
-        </p:style>
-        <p:txBody>
-          <a:bodyPr rtlCol="0" anchor="ctr"/>
-          <a:lstStyle/>
-          <a:p>
-            <a:r>
-              <a:rPr lang="hu-HU" sz="1600" dirty="0" smtClean="0"/>
-              <a:t>Az összes „</a:t>
-            </a:r>
-            <a:r>
-              <a:rPr lang="hu-HU" sz="1600" i="1" dirty="0" smtClean="0"/>
-              <a:t>bejövő függőséget</a:t>
-            </a:r>
-            <a:r>
-              <a:rPr lang="hu-HU" sz="1600" dirty="0" smtClean="0"/>
-              <a:t>”</a:t>
-            </a:r>
-          </a:p>
-        </p:txBody>
-      </p:sp>
-      <p:sp>
-        <p:nvSpPr>
-          <p:cNvPr id="2" name="Slide Number Placeholder 1"/>
-          <p:cNvSpPr>
-            <a:spLocks noGrp="1"/>
-          </p:cNvSpPr>
-          <p:nvPr>
-            <p:ph type="sldNum" sz="quarter" idx="12"/>
-          </p:nvPr>
-        </p:nvSpPr>
-        <p:spPr/>
-        <p:txBody>
-          <a:bodyPr/>
-          <a:lstStyle/>
-          <a:p>
-            <a:fld id="{E5B09FA9-A177-4256-9C7F-5CF31ABA7234}" type="slidenum">
-              <a:rPr lang="en-US" smtClean="0"/>
-              <a:t>2</a:t>
-            </a:fld>
-            <a:endParaRPr lang="en-US"/>
-          </a:p>
-        </p:txBody>
-      </p:sp>
-      <p:sp>
-        <p:nvSpPr>
-          <p:cNvPr id="3" name="Rectangular Callout 2"/>
-          <p:cNvSpPr/>
-          <p:nvPr/>
-        </p:nvSpPr>
-        <p:spPr>
-          <a:xfrm>
-            <a:off x="5402598" y="4277800"/>
-            <a:ext cx="3436602" cy="1970600"/>
-          </a:xfrm>
-          <a:prstGeom prst="wedgeRectCallout">
-            <a:avLst>
-              <a:gd name="adj1" fmla="val -61188"/>
-              <a:gd name="adj2" fmla="val -11743"/>
-            </a:avLst>
-          </a:prstGeom>
-        </p:spPr>
-        <p:style>
-          <a:lnRef idx="2">
-            <a:schemeClr val="accent2">
-              <a:shade val="50000"/>
-            </a:schemeClr>
-          </a:lnRef>
-          <a:fillRef idx="1">
-            <a:schemeClr val="accent2"/>
-          </a:fillRef>
-          <a:effectRef idx="0">
-            <a:schemeClr val="accent2"/>
-          </a:effectRef>
-          <a:fontRef idx="minor">
-            <a:schemeClr val="lt1"/>
-          </a:fontRef>
-        </p:style>
-        <p:txBody>
-          <a:bodyPr rtlCol="0" anchor="ctr"/>
-          <a:lstStyle/>
-          <a:p>
-            <a:r>
-              <a:rPr lang="hu-HU" sz="2000" b="1" dirty="0" smtClean="0"/>
-              <a:t>Kihívások:</a:t>
-            </a:r>
-            <a:endParaRPr lang="hu-HU" b="1" dirty="0" smtClean="0"/>
-          </a:p>
-          <a:p>
-            <a:r>
-              <a:rPr lang="hu-HU" dirty="0" smtClean="0"/>
-              <a:t>OO </a:t>
-            </a:r>
-            <a:r>
-              <a:rPr lang="hu-HU" dirty="0"/>
-              <a:t>rendszerek </a:t>
-            </a:r>
-            <a:r>
-              <a:rPr lang="hu-HU" dirty="0">
-                <a:sym typeface="Wingdings" pitchFamily="2" charset="2"/>
-              </a:rPr>
-              <a:t></a:t>
-            </a:r>
-            <a:r>
-              <a:rPr lang="hu-HU" dirty="0"/>
-              <a:t> sokféle függőség</a:t>
-            </a:r>
-          </a:p>
-          <a:p>
-            <a:r>
-              <a:rPr lang="hu-HU" dirty="0" smtClean="0"/>
-              <a:t>Nagy szoftverinfrastuktúra</a:t>
-            </a:r>
-            <a:endParaRPr lang="hu-HU" dirty="0"/>
-          </a:p>
-          <a:p>
-            <a:pPr lvl="1"/>
-            <a:r>
-              <a:rPr lang="hu-HU" dirty="0"/>
-              <a:t>Tisztán forráskód alapú analízis lassú</a:t>
-            </a:r>
-          </a:p>
-          <a:p>
-            <a:pPr lvl="1"/>
-            <a:r>
-              <a:rPr lang="hu-HU" dirty="0" smtClean="0"/>
-              <a:t>Nem </a:t>
-            </a:r>
-            <a:r>
-              <a:rPr lang="hu-HU" dirty="0"/>
-              <a:t>mindig elérhető a forráskód</a:t>
-            </a:r>
-          </a:p>
-        </p:txBody>
-      </p:sp>
+      </p:cxnSp>
     </p:spTree>
     <p:extLst>
       <p:ext uri="{BB962C8B-B14F-4D97-AF65-F5344CB8AC3E}">
-        <p14:creationId xmlns:p14="http://schemas.microsoft.com/office/powerpoint/2010/main" val="1492559404"/>
+        <p14:creationId xmlns:p14="http://schemas.microsoft.com/office/powerpoint/2010/main" val="3405118101"/>
       </p:ext>
     </p:extLst>
   </p:cSld>
@@ -9053,7 +8786,7 @@
                             </p:stCondLst>
                             <p:childTnLst>
                               <p:par>
-                                <p:cTn id="5" presetID="1" presetClass="entr" presetSubtype="0" fill="hold" nodeType="clickEffect">
+                                <p:cTn id="5" presetID="1" presetClass="entr" presetSubtype="0" fill="hold" grpId="0" nodeType="clickEffect">
                                   <p:stCondLst>
                                     <p:cond delay="0"/>
                                   </p:stCondLst>
@@ -9066,7 +8799,61 @@
                                           </p:stCondLst>
                                         </p:cTn>
                                         <p:tgtEl>
-                                          <p:spTgt spid="43"/>
+                                          <p:spTgt spid="39"/>
+                                        </p:tgtEl>
+                                        <p:attrNameLst>
+                                          <p:attrName>style.visibility</p:attrName>
+                                        </p:attrNameLst>
+                                      </p:cBhvr>
+                                      <p:to>
+                                        <p:strVal val="visible"/>
+                                      </p:to>
+                                    </p:set>
+                                  </p:childTnLst>
+                                </p:cTn>
+                              </p:par>
+                              <p:par>
+                                <p:cTn id="7" presetID="1" presetClass="entr" presetSubtype="0" fill="hold" nodeType="withEffect">
+                                  <p:stCondLst>
+                                    <p:cond delay="0"/>
+                                  </p:stCondLst>
+                                  <p:childTnLst>
+                                    <p:set>
+                                      <p:cBhvr>
+                                        <p:cTn id="8" dur="1" fill="hold">
+                                          <p:stCondLst>
+                                            <p:cond delay="0"/>
+                                          </p:stCondLst>
+                                        </p:cTn>
+                                        <p:tgtEl>
+                                          <p:spTgt spid="22"/>
+                                        </p:tgtEl>
+                                        <p:attrNameLst>
+                                          <p:attrName>style.visibility</p:attrName>
+                                        </p:attrNameLst>
+                                      </p:cBhvr>
+                                      <p:to>
+                                        <p:strVal val="visible"/>
+                                      </p:to>
+                                    </p:set>
+                                  </p:childTnLst>
+                                </p:cTn>
+                              </p:par>
+                              <p:par>
+                                <p:cTn id="9" presetID="1" presetClass="entr" presetSubtype="0" fill="hold" grpId="0" nodeType="withEffect">
+                                  <p:stCondLst>
+                                    <p:cond delay="0"/>
+                                  </p:stCondLst>
+                                  <p:childTnLst>
+                                    <p:set>
+                                      <p:cBhvr>
+                                        <p:cTn id="10" dur="1" fill="hold">
+                                          <p:stCondLst>
+                                            <p:cond delay="0"/>
+                                          </p:stCondLst>
+                                        </p:cTn>
+                                        <p:tgtEl>
+                                          <p:spTgt spid="44"/>
                                         </p:tgtEl>
                                         <p:attrNameLst>
                                           <p:attrName>style.visibility</p:attrName>
@@ -9086,73 +8873,19 @@
                     </p:cTn>
                   </p:par>
                   <p:par>
-                    <p:cTn id="7" fill="hold">
+                    <p:cTn id="11" fill="hold">
                       <p:stCondLst>
                         <p:cond delay="indefinite"/>
                       </p:stCondLst>
                       <p:childTnLst>
                         <p:par>
-                          <p:cTn id="8" fill="hold">
+                          <p:cTn id="12" fill="hold">
                             <p:stCondLst>
                               <p:cond delay="0"/>
                             </p:stCondLst>
                             <p:childTnLst>
                               <p:par>
-                                <p:cTn id="9" presetID="1" presetClass="entr" presetSubtype="0" fill="hold" grpId="0" nodeType="clickEffect">
-                                  <p:stCondLst>
-                                    <p:cond delay="0"/>
-                                  </p:stCondLst>
-                                  <p:childTnLst>
-                                    <p:set>
-                                      <p:cBhvr>
-                                        <p:cTn id="10" dur="1" fill="hold">
-                                          <p:stCondLst>
-                                            <p:cond delay="0"/>
-                                          </p:stCondLst>
-                                        </p:cTn>
-                                        <p:tgtEl>
-                                          <p:spTgt spid="8"/>
-                                        </p:tgtEl>
-                                        <p:attrNameLst>
-                                          <p:attrName>style.visibility</p:attrName>
-                                        </p:attrNameLst>
-                                      </p:cBhvr>
-                                      <p:to>
-                                        <p:strVal val="visible"/>
-                                      </p:to>
-                                    </p:set>
-                                  </p:childTnLst>
-                                </p:cTn>
-                              </p:par>
-                              <p:par>
-                                <p:cTn id="11" presetID="1" presetClass="entr" presetSubtype="0" fill="hold" grpId="0" nodeType="withEffect">
-                                  <p:stCondLst>
-                                    <p:cond delay="0"/>
-                                  </p:stCondLst>
-                                  <p:childTnLst>
-                                    <p:set>
-                                      <p:cBhvr>
-                                        <p:cTn id="12" dur="1" fill="hold">
-                                          <p:stCondLst>
-                                            <p:cond delay="0"/>
-                                          </p:stCondLst>
-                                        </p:cTn>
-                                        <p:tgtEl>
-                                          <p:spTgt spid="18"/>
-                                        </p:tgtEl>
-                                        <p:attrNameLst>
-                                          <p:attrName>style.visibility</p:attrName>
-                                        </p:attrNameLst>
-                                      </p:cBhvr>
-                                      <p:to>
-                                        <p:strVal val="visible"/>
-                                      </p:to>
-                                    </p:set>
-                                  </p:childTnLst>
-                                </p:cTn>
-                              </p:par>
-                              <p:par>
-                                <p:cTn id="13" presetID="1" presetClass="entr" presetSubtype="0" fill="hold" grpId="0" nodeType="withEffect">
+                                <p:cTn id="13" presetID="1" presetClass="entr" presetSubtype="0" fill="hold" grpId="0" nodeType="clickEffect">
                                   <p:stCondLst>
                                     <p:cond delay="0"/>
                                   </p:stCondLst>
@@ -9165,7 +8898,7 @@
                                           </p:stCondLst>
                                         </p:cTn>
                                         <p:tgtEl>
-                                          <p:spTgt spid="10"/>
+                                          <p:spTgt spid="23"/>
                                         </p:tgtEl>
                                         <p:attrNameLst>
                                           <p:attrName>style.visibility</p:attrName>
@@ -9192,7 +8925,7 @@
                                           </p:stCondLst>
                                         </p:cTn>
                                         <p:tgtEl>
-                                          <p:spTgt spid="17"/>
+                                          <p:spTgt spid="24"/>
                                         </p:tgtEl>
                                         <p:attrNameLst>
                                           <p:attrName>style.visibility</p:attrName>
@@ -9205,26 +8938,35 @@
                                   </p:childTnLst>
                                 </p:cTn>
                               </p:par>
-                            </p:childTnLst>
-                          </p:cTn>
-                        </p:par>
-                      </p:childTnLst>
-                    </p:cTn>
-                  </p:par>
-                  <p:par>
-                    <p:cTn id="17" fill="hold">
-                      <p:stCondLst>
-                        <p:cond delay="indefinite"/>
-                      </p:stCondLst>
-                      <p:childTnLst>
-                        <p:par>
-                          <p:cTn id="18" fill="hold">
-                            <p:stCondLst>
-                              <p:cond delay="0"/>
-                            </p:stCondLst>
-                            <p:childTnLst>
                               <p:par>
-                                <p:cTn id="19" presetID="1" presetClass="entr" presetSubtype="0" fill="hold" grpId="0" nodeType="clickEffect">
+                                <p:cTn id="17" presetID="1" presetClass="entr" presetSubtype="0" fill="hold" grpId="0" nodeType="withEffect">
+                                  <p:stCondLst>
+                                    <p:cond delay="0"/>
+                                  </p:stCondLst>
+                                  <p:childTnLst>
+                                    <p:set>
+                                      <p:cBhvr>
+                                        <p:cTn id="18" dur="1" fill="hold">
+                                          <p:stCondLst>
+                                            <p:cond delay="0"/>
+                                          </p:stCondLst>
+                                        </p:cTn>
+                                        <p:tgtEl>
+                                          <p:spTgt spid="25"/>
+                                        </p:tgtEl>
+                                        <p:attrNameLst>
+                                          <p:attrName>style.visibility</p:attrName>
+                                        </p:attrNameLst>
+                                      </p:cBhvr>
+                                      <p:to>
+                                        <p:strVal val="visible"/>
+                                      </p:to>
+                                    </p:set>
+                                  </p:childTnLst>
+                                </p:cTn>
+                              </p:par>
+                              <p:par>
+                                <p:cTn id="19" presetID="1" presetClass="entr" presetSubtype="0" fill="hold" grpId="0" nodeType="withEffect">
                                   <p:stCondLst>
                                     <p:cond delay="0"/>
                                   </p:stCondLst>
@@ -9237,7 +8979,7 @@
                                           </p:stCondLst>
                                         </p:cTn>
                                         <p:tgtEl>
-                                          <p:spTgt spid="41"/>
+                                          <p:spTgt spid="26"/>
                                         </p:tgtEl>
                                         <p:attrNameLst>
                                           <p:attrName>style.visibility</p:attrName>
@@ -9264,7 +9006,7 @@
                                           </p:stCondLst>
                                         </p:cTn>
                                         <p:tgtEl>
-                                          <p:spTgt spid="40"/>
+                                          <p:spTgt spid="27"/>
                                         </p:tgtEl>
                                         <p:attrNameLst>
                                           <p:attrName>style.visibility</p:attrName>
@@ -9291,7 +9033,7 @@
                                           </p:stCondLst>
                                         </p:cTn>
                                         <p:tgtEl>
-                                          <p:spTgt spid="42"/>
+                                          <p:spTgt spid="28"/>
                                         </p:tgtEl>
                                         <p:attrNameLst>
                                           <p:attrName>style.visibility</p:attrName>
@@ -9305,7 +9047,7 @@
                                 </p:cTn>
                               </p:par>
                               <p:par>
-                                <p:cTn id="25" presetID="1" presetClass="entr" presetSubtype="0" fill="hold" grpId="0" nodeType="withEffect">
+                                <p:cTn id="25" presetID="1" presetClass="entr" presetSubtype="0" fill="hold" nodeType="withEffect">
                                   <p:stCondLst>
                                     <p:cond delay="0"/>
                                   </p:stCondLst>
@@ -9318,7 +9060,7 @@
                                           </p:stCondLst>
                                         </p:cTn>
                                         <p:tgtEl>
-                                          <p:spTgt spid="44"/>
+                                          <p:spTgt spid="30"/>
                                         </p:tgtEl>
                                         <p:attrNameLst>
                                           <p:attrName>style.visibility</p:attrName>
@@ -9331,26 +9073,35 @@
                                   </p:childTnLst>
                                 </p:cTn>
                               </p:par>
-                            </p:childTnLst>
-                          </p:cTn>
-                        </p:par>
-                      </p:childTnLst>
-                    </p:cTn>
-                  </p:par>
-                  <p:par>
-                    <p:cTn id="27" fill="hold">
-                      <p:stCondLst>
-                        <p:cond delay="indefinite"/>
-                      </p:stCondLst>
-                      <p:childTnLst>
-                        <p:par>
-                          <p:cTn id="28" fill="hold">
-                            <p:stCondLst>
-                              <p:cond delay="0"/>
-                            </p:stCondLst>
-                            <p:childTnLst>
                               <p:par>
-                                <p:cTn id="29" presetID="1" presetClass="entr" presetSubtype="0" fill="hold" grpId="0" nodeType="clickEffect">
+                                <p:cTn id="27" presetID="1" presetClass="entr" presetSubtype="0" fill="hold" nodeType="withEffect">
+                                  <p:stCondLst>
+                                    <p:cond delay="0"/>
+                                  </p:stCondLst>
+                                  <p:childTnLst>
+                                    <p:set>
+                                      <p:cBhvr>
+                                        <p:cTn id="28" dur="1" fill="hold">
+                                          <p:stCondLst>
+                                            <p:cond delay="0"/>
+                                          </p:stCondLst>
+                                        </p:cTn>
+                                        <p:tgtEl>
+                                          <p:spTgt spid="17"/>
+                                        </p:tgtEl>
+                                        <p:attrNameLst>
+                                          <p:attrName>style.visibility</p:attrName>
+                                        </p:attrNameLst>
+                                      </p:cBhvr>
+                                      <p:to>
+                                        <p:strVal val="visible"/>
+                                      </p:to>
+                                    </p:set>
+                                  </p:childTnLst>
+                                </p:cTn>
+                              </p:par>
+                              <p:par>
+                                <p:cTn id="29" presetID="1" presetClass="entr" presetSubtype="0" fill="hold" nodeType="withEffect">
                                   <p:stCondLst>
                                     <p:cond delay="0"/>
                                   </p:stCondLst>
@@ -9358,6 +9109,60 @@
                                     <p:set>
                                       <p:cBhvr>
                                         <p:cTn id="30" dur="1" fill="hold">
+                                          <p:stCondLst>
+                                            <p:cond delay="0"/>
+                                          </p:stCondLst>
+                                        </p:cTn>
+                                        <p:tgtEl>
+                                          <p:spTgt spid="29"/>
+                                        </p:tgtEl>
+                                        <p:attrNameLst>
+                                          <p:attrName>style.visibility</p:attrName>
+                                        </p:attrNameLst>
+                                      </p:cBhvr>
+                                      <p:to>
+                                        <p:strVal val="visible"/>
+                                      </p:to>
+                                    </p:set>
+                                  </p:childTnLst>
+                                </p:cTn>
+                              </p:par>
+                              <p:par>
+                                <p:cTn id="31" presetID="1" presetClass="entr" presetSubtype="0" fill="hold" grpId="0" nodeType="withEffect">
+                                  <p:stCondLst>
+                                    <p:cond delay="0"/>
+                                  </p:stCondLst>
+                                  <p:childTnLst>
+                                    <p:set>
+                                      <p:cBhvr>
+                                        <p:cTn id="32" dur="1" fill="hold">
+                                          <p:stCondLst>
+                                            <p:cond delay="0"/>
+                                          </p:stCondLst>
+                                        </p:cTn>
+                                        <p:tgtEl>
+                                          <p:spTgt spid="38"/>
+                                        </p:tgtEl>
+                                        <p:attrNameLst>
+                                          <p:attrName>style.visibility</p:attrName>
+                                        </p:attrNameLst>
+                                      </p:cBhvr>
+                                      <p:to>
+                                        <p:strVal val="visible"/>
+                                      </p:to>
+                                    </p:set>
+                                  </p:childTnLst>
+                                </p:cTn>
+                              </p:par>
+                              <p:par>
+                                <p:cTn id="33" presetID="1" presetClass="entr" presetSubtype="0" fill="hold" grpId="0" nodeType="withEffect">
+                                  <p:stCondLst>
+                                    <p:cond delay="0"/>
+                                  </p:stCondLst>
+                                  <p:childTnLst>
+                                    <p:set>
+                                      <p:cBhvr>
+                                        <p:cTn id="34" dur="1" fill="hold">
                                           <p:stCondLst>
                                             <p:cond delay="0"/>
                                           </p:stCondLst>
@@ -9377,52 +9182,7 @@
                                 </p:cTn>
                               </p:par>
                               <p:par>
-                                <p:cTn id="31" presetID="1" presetClass="exit" presetSubtype="0" fill="hold" grpId="1" nodeType="withEffect">
-                                  <p:stCondLst>
-                                    <p:cond delay="0"/>
-                                  </p:stCondLst>
-                                  <p:childTnLst>
-                                    <p:set>
-                                      <p:cBhvr>
-                                        <p:cTn id="32" dur="1" fill="hold">
-                                          <p:stCondLst>
-                                            <p:cond delay="0"/>
-                                          </p:stCondLst>
-                                        </p:cTn>
-                                        <p:tgtEl>
-                                          <p:spTgt spid="44"/>
-                                        </p:tgtEl>
-                                        <p:attrNameLst>
-                                          <p:attrName>style.visibility</p:attrName>
-                                        </p:attrNameLst>
-                                      </p:cBhvr>
-                                      <p:to>
-                                        <p:strVal val="hidden"/>
-                                      </p:to>
-                                    </p:set>
-                                  </p:childTnLst>
-                                </p:cTn>
-                              </p:par>
-                            </p:childTnLst>
-                          </p:cTn>
-                        </p:par>
-                      </p:childTnLst>
-                    </p:cTn>
-                  </p:par>
-                  <p:par>
-                    <p:cTn id="33" fill="hold">
-                      <p:stCondLst>
-                        <p:cond delay="indefinite"/>
-                      </p:stCondLst>
-                      <p:childTnLst>
-                        <p:par>
-                          <p:cTn id="34" fill="hold">
-                            <p:stCondLst>
-                              <p:cond delay="0"/>
-                            </p:stCondLst>
-                            <p:childTnLst>
-                              <p:par>
-                                <p:cTn id="35" presetID="1" presetClass="entr" presetSubtype="0" fill="hold" grpId="0" nodeType="clickEffect">
+                                <p:cTn id="35" presetID="1" presetClass="entr" presetSubtype="0" fill="hold" grpId="0" nodeType="withEffect">
                                   <p:stCondLst>
                                     <p:cond delay="0"/>
                                   </p:stCondLst>
@@ -9435,7 +9195,7 @@
                                           </p:stCondLst>
                                         </p:cTn>
                                         <p:tgtEl>
-                                          <p:spTgt spid="46"/>
+                                          <p:spTgt spid="42"/>
                                         </p:tgtEl>
                                         <p:attrNameLst>
                                           <p:attrName>style.visibility</p:attrName>
@@ -9449,7 +9209,7 @@
                                 </p:cTn>
                               </p:par>
                               <p:par>
-                                <p:cTn id="37" presetID="1" presetClass="entr" presetSubtype="0" fill="hold" grpId="0" nodeType="withEffect">
+                                <p:cTn id="37" presetID="1" presetClass="entr" presetSubtype="0" fill="hold" nodeType="withEffect">
                                   <p:stCondLst>
                                     <p:cond delay="0"/>
                                   </p:stCondLst>
@@ -9462,7 +9222,7 @@
                                           </p:stCondLst>
                                         </p:cTn>
                                         <p:tgtEl>
-                                          <p:spTgt spid="47"/>
+                                          <p:spTgt spid="55"/>
                                         </p:tgtEl>
                                         <p:attrNameLst>
                                           <p:attrName>style.visibility</p:attrName>
@@ -9476,7 +9236,7 @@
                                 </p:cTn>
                               </p:par>
                               <p:par>
-                                <p:cTn id="39" presetID="1" presetClass="entr" presetSubtype="0" fill="hold" grpId="0" nodeType="withEffect">
+                                <p:cTn id="39" presetID="1" presetClass="entr" presetSubtype="0" fill="hold" nodeType="withEffect">
                                   <p:stCondLst>
                                     <p:cond delay="0"/>
                                   </p:stCondLst>
@@ -9489,7 +9249,7 @@
                                           </p:stCondLst>
                                         </p:cTn>
                                         <p:tgtEl>
-                                          <p:spTgt spid="53"/>
+                                          <p:spTgt spid="59"/>
                                         </p:tgtEl>
                                         <p:attrNameLst>
                                           <p:attrName>style.visibility</p:attrName>
@@ -9503,7 +9263,7 @@
                                 </p:cTn>
                               </p:par>
                               <p:par>
-                                <p:cTn id="41" presetID="1" presetClass="entr" presetSubtype="0" fill="hold" grpId="0" nodeType="withEffect">
+                                <p:cTn id="41" presetID="1" presetClass="entr" presetSubtype="0" fill="hold" nodeType="withEffect">
                                   <p:stCondLst>
                                     <p:cond delay="0"/>
                                   </p:stCondLst>
@@ -9516,7 +9276,7 @@
                                           </p:stCondLst>
                                         </p:cTn>
                                         <p:tgtEl>
-                                          <p:spTgt spid="54"/>
+                                          <p:spTgt spid="62"/>
                                         </p:tgtEl>
                                         <p:attrNameLst>
                                           <p:attrName>style.visibility</p:attrName>
@@ -9530,7 +9290,7 @@
                                 </p:cTn>
                               </p:par>
                               <p:par>
-                                <p:cTn id="43" presetID="1" presetClass="entr" presetSubtype="0" fill="hold" grpId="0" nodeType="withEffect">
+                                <p:cTn id="43" presetID="1" presetClass="entr" presetSubtype="0" fill="hold" nodeType="withEffect">
                                   <p:stCondLst>
                                     <p:cond delay="0"/>
                                   </p:stCondLst>
@@ -9556,28 +9316,46 @@
                                   </p:childTnLst>
                                 </p:cTn>
                               </p:par>
+                            </p:childTnLst>
+                          </p:cTn>
+                        </p:par>
+                      </p:childTnLst>
+                    </p:cTn>
+                  </p:par>
+                  <p:par>
+                    <p:cTn id="45" fill="hold">
+                      <p:stCondLst>
+                        <p:cond delay="indefinite"/>
+                      </p:stCondLst>
+                      <p:childTnLst>
+                        <p:par>
+                          <p:cTn id="46" fill="hold">
+                            <p:stCondLst>
+                              <p:cond delay="0"/>
+                            </p:stCondLst>
+                            <p:childTnLst>
                               <p:par>
-                                <p:cTn id="45" presetID="1" presetClass="exit" presetSubtype="0" fill="hold" grpId="1" nodeType="withEffect">
+                                <p:cTn id="47" presetID="1" presetClass="entr" presetSubtype="0" fill="hold" nodeType="clickEffect">
                                   <p:stCondLst>
                                     <p:cond delay="0"/>
                                   </p:stCondLst>
                                   <p:childTnLst>
                                     <p:set>
                                       <p:cBhvr>
-                                        <p:cTn id="46" dur="1" fill="hold">
+                                        <p:cTn id="48" dur="1" fill="hold">
                                           <p:stCondLst>
                                             <p:cond delay="0"/>
                                           </p:stCondLst>
                                         </p:cTn>
                                         <p:tgtEl>
-                                          <p:spTgt spid="45"/>
+                                          <p:spTgt spid="52"/>
                                         </p:tgtEl>
                                         <p:attrNameLst>
                                           <p:attrName>style.visibility</p:attrName>
                                         </p:attrNameLst>
                                       </p:cBhvr>
                                       <p:to>
-                                        <p:strVal val="hidden"/>
+                                        <p:strVal val="visible"/>
                                       </p:to>
                                     </p:set>
                                   </p:childTnLst>
@@ -9590,32 +9368,32 @@
                     </p:cTn>
                   </p:par>
                   <p:par>
-                    <p:cTn id="47" fill="hold">
+                    <p:cTn id="49" fill="hold">
                       <p:stCondLst>
                         <p:cond delay="indefinite"/>
                       </p:stCondLst>
                       <p:childTnLst>
                         <p:par>
-                          <p:cTn id="48" fill="hold">
+                          <p:cTn id="50" fill="hold">
                             <p:stCondLst>
                               <p:cond delay="0"/>
                             </p:stCondLst>
                             <p:childTnLst>
                               <p:par>
-                                <p:cTn id="49" presetID="1" presetClass="entr" presetSubtype="0" fill="hold" grpId="0" nodeType="clickEffect">
+                                <p:cTn id="51" presetID="1" presetClass="entr" presetSubtype="0" fill="hold" grpId="0" nodeType="clickEffect">
                                   <p:stCondLst>
                                     <p:cond delay="0"/>
                                   </p:stCondLst>
                                   <p:childTnLst>
                                     <p:set>
                                       <p:cBhvr>
-                                        <p:cTn id="50" dur="1" fill="hold">
+                                        <p:cTn id="52" dur="1" fill="hold">
                                           <p:stCondLst>
                                             <p:cond delay="0"/>
                                           </p:stCondLst>
                                         </p:cTn>
                                         <p:tgtEl>
-                                          <p:spTgt spid="3"/>
+                                          <p:spTgt spid="53"/>
                                         </p:tgtEl>
                                         <p:attrNameLst>
                                           <p:attrName>style.visibility</p:attrName>
@@ -9656,23 +9434,18 @@
       </p:par>
     </p:tnLst>
     <p:bldLst>
-      <p:bldP spid="8" grpId="0" animBg="1"/>
-      <p:bldP spid="10" grpId="0" animBg="1"/>
-      <p:bldP spid="18" grpId="0" animBg="1"/>
-      <p:bldP spid="41" grpId="0" animBg="1"/>
-      <p:bldP spid="44" grpId="0" animBg="1"/>
-      <p:bldP spid="44" grpId="1" animBg="1"/>
+      <p:bldP spid="42" grpId="0" animBg="1"/>
+      <p:bldP spid="39" grpId="0" animBg="1"/>
+      <p:bldP spid="23" grpId="0" animBg="1"/>
+      <p:bldP spid="24" grpId="0" animBg="1"/>
+      <p:bldP spid="25" grpId="0" animBg="1"/>
+      <p:bldP spid="26" grpId="0" animBg="1"/>
+      <p:bldP spid="27" grpId="0" animBg="1"/>
+      <p:bldP spid="28" grpId="0" animBg="1"/>
+      <p:bldP spid="38" grpId="0" animBg="1"/>
+      <p:bldP spid="44" grpId="0"/>
+      <p:bldP spid="45" grpId="0"/>
       <p:bldP spid="53" grpId="0" animBg="1"/>
-      <p:bldP spid="17" grpId="0" animBg="1"/>
-      <p:bldP spid="40" grpId="0" animBg="1"/>
-      <p:bldP spid="46" grpId="0" animBg="1"/>
-      <p:bldP spid="42" grpId="0" animBg="1"/>
-      <p:bldP spid="45" grpId="0" animBg="1"/>
-      <p:bldP spid="45" grpId="1" animBg="1"/>
-      <p:bldP spid="47" grpId="0" animBg="1"/>
-      <p:bldP spid="56" grpId="0" animBg="1"/>
-      <p:bldP spid="54" grpId="0" animBg="1"/>
-      <p:bldP spid="3" grpId="0" animBg="1"/>
     </p:bldLst>
   </p:timing>
 </p:sld>
@@ -9707,12 +9480,14 @@
         </p:nvSpPr>
         <p:spPr/>
         <p:txBody>
-          <a:bodyPr/>
+          <a:bodyPr>
+            <a:normAutofit fontScale="90000"/>
+          </a:bodyPr>
           <a:lstStyle/>
           <a:p>
             <a:r>
               <a:rPr lang="hu-HU" dirty="0" smtClean="0"/>
-              <a:t>Álpozitív függőségek</a:t>
+              <a:t>Szervezeti kérdések, követelmény-menedzsment eszközök</a:t>
             </a:r>
             <a:endParaRPr lang="en-US" dirty="0"/>
           </a:p>
@@ -9737,76 +9512,71 @@
           <a:p>
             <a:r>
               <a:rPr lang="hu-HU" dirty="0" smtClean="0"/>
-              <a:t>Modelltömörítés (fejlesztőkörnyezetbeli memóriakorlát miatt)</a:t>
+              <a:t>CERN szervezeti sajátosságok</a:t>
             </a:r>
           </a:p>
           <a:p>
             <a:pPr lvl="1"/>
             <a:r>
               <a:rPr lang="hu-HU" dirty="0" smtClean="0"/>
-              <a:t>Szerver oldalról érkező elemek kvalifikált neve elveszik </a:t>
-            </a:r>
-            <a:r>
-              <a:rPr lang="hu-HU" dirty="0" smtClean="0">
-                <a:sym typeface="Wingdings" pitchFamily="2" charset="2"/>
-              </a:rPr>
-              <a:t> álpozitív függőségek jelenhetnek meg</a:t>
-            </a:r>
-          </a:p>
-          <a:p>
-            <a:pPr marL="457200" lvl="1" indent="0">
-              <a:buNone/>
-            </a:pPr>
-            <a:r>
-              <a:rPr lang="hu-HU" dirty="0" smtClean="0">
-                <a:sym typeface="Wingdings" pitchFamily="2" charset="2"/>
-              </a:rPr>
-              <a:t>= függőségi analízis felülbecslést végez (létező függőséget nem hagyunk figyelmen kívül)</a:t>
-            </a:r>
-          </a:p>
-          <a:p>
-            <a:r>
-              <a:rPr lang="hu-HU" dirty="0" smtClean="0">
-                <a:sym typeface="Wingdings" pitchFamily="2" charset="2"/>
-              </a:rPr>
-              <a:t>Gyakorlatban ez nem probléma: </a:t>
+              <a:t>Cél: üzembiztos működés (konzervatív technológiai fejlődés)</a:t>
             </a:r>
           </a:p>
           <a:p>
             <a:pPr lvl="1"/>
             <a:r>
-              <a:rPr lang="hu-HU" dirty="0" smtClean="0">
-                <a:sym typeface="Wingdings" pitchFamily="2" charset="2"/>
-              </a:rPr>
-              <a:t>Ilyen esetekben a lekérdezés mindig végrehajtható a szerver oldalon is, ahol precíz eredményeket kapunk</a:t>
+              <a:rPr lang="hu-HU" dirty="0" smtClean="0"/>
+              <a:t>Nagy méretű, elosztott, dinamikusan változó szervezet</a:t>
+            </a:r>
+          </a:p>
+          <a:p>
+            <a:pPr lvl="2"/>
+            <a:r>
+              <a:rPr lang="hu-HU" dirty="0" smtClean="0"/>
+              <a:t>Munkatársak gyakran változnak</a:t>
+            </a:r>
+          </a:p>
+          <a:p>
+            <a:pPr lvl="2"/>
+            <a:r>
+              <a:rPr lang="hu-HU" dirty="0" smtClean="0"/>
+              <a:t>Csapatok a „függőségeik mentén” kommunikálnak</a:t>
+            </a:r>
+          </a:p>
+          <a:p>
+            <a:pPr lvl="2"/>
+            <a:r>
+              <a:rPr lang="hu-HU" dirty="0" smtClean="0"/>
+              <a:t>Kis méretű magasszintű irányító csoport a globális célok meghatározásához</a:t>
+            </a:r>
+          </a:p>
+          <a:p>
+            <a:r>
+              <a:rPr lang="hu-HU" dirty="0" smtClean="0"/>
+              <a:t>A fentiekből következik</a:t>
             </a:r>
           </a:p>
           <a:p>
             <a:pPr lvl="1"/>
             <a:r>
-              <a:rPr lang="hu-HU" dirty="0" smtClean="0">
-                <a:sym typeface="Wingdings" pitchFamily="2" charset="2"/>
-              </a:rPr>
-              <a:t>A felhasználó ennek tudatában van</a:t>
-            </a:r>
-          </a:p>
-          <a:p>
-            <a:r>
-              <a:rPr lang="hu-HU" dirty="0" smtClean="0">
-                <a:sym typeface="Wingdings" pitchFamily="2" charset="2"/>
-              </a:rPr>
-              <a:t>A kliens oldali memóriakorlát feloldása esetén a tömörítés elhagyható</a:t>
+              <a:rPr lang="hu-HU" dirty="0" smtClean="0"/>
+              <a:t>Összetett követelménykezelő rendszerek használata túl nagy „overheaddel” járna</a:t>
             </a:r>
           </a:p>
           <a:p>
             <a:pPr lvl="1"/>
-            <a:endParaRPr lang="hu-HU" dirty="0" smtClean="0">
-              <a:sym typeface="Wingdings" pitchFamily="2" charset="2"/>
-            </a:endParaRPr>
-          </a:p>
-          <a:p>
-            <a:pPr lvl="1"/>
-            <a:endParaRPr lang="en-US" dirty="0"/>
+            <a:r>
+              <a:rPr lang="hu-HU" dirty="0" smtClean="0"/>
+              <a:t>CERN szoftverekre a „Unix szemlélet” jellemző:</a:t>
+            </a:r>
+            <a:br>
+              <a:rPr lang="hu-HU" dirty="0" smtClean="0"/>
+            </a:br>
+            <a:r>
+              <a:rPr lang="hu-HU" i="1" dirty="0" smtClean="0"/>
+              <a:t>do one thing but do it well</a:t>
+            </a:r>
+            <a:endParaRPr lang="en-US" i="1" dirty="0"/>
           </a:p>
         </p:txBody>
       </p:sp>
@@ -9828,178 +9598,6 @@
             <a:fld id="{E5B09FA9-A177-4256-9C7F-5CF31ABA7234}" type="slidenum">
               <a:rPr lang="en-US" smtClean="0"/>
               <a:t>20</a:t>
-            </a:fld>
-            <a:endParaRPr lang="en-US"/>
-          </a:p>
-        </p:txBody>
-      </p:sp>
-    </p:spTree>
-    <p:extLst>
-      <p:ext uri="{BB962C8B-B14F-4D97-AF65-F5344CB8AC3E}">
-        <p14:creationId xmlns:p14="http://schemas.microsoft.com/office/powerpoint/2010/main" val="3545411751"/>
-      </p:ext>
-    </p:extLst>
-  </p:cSld>
-  <p:clrMapOvr>
-    <a:masterClrMapping/>
-  </p:clrMapOvr>
-  <p:timing>
-    <p:tnLst>
-      <p:par>
-        <p:cTn id="1" dur="indefinite" restart="never" nodeType="tmRoot"/>
-      </p:par>
-    </p:tnLst>
-  </p:timing>
-</p:sld>
-</file>
-
-<file path=ppt/slides/slide21.xml><?xml version="1.0" encoding="utf-8"?>
-<p:sld xmlns:a="http://schemas.openxmlformats.org/drawingml/2006/main" xmlns:r="http://schemas.openxmlformats.org/officeDocument/2006/relationships" xmlns:p="http://schemas.openxmlformats.org/presentationml/2006/main">
-  <p:cSld>
-    <p:spTree>
-      <p:nvGrpSpPr>
-        <p:cNvPr id="1" name=""/>
-        <p:cNvGrpSpPr/>
-        <p:nvPr/>
-      </p:nvGrpSpPr>
-      <p:grpSpPr>
-        <a:xfrm>
-          <a:off x="0" y="0"/>
-          <a:ext cx="0" cy="0"/>
-          <a:chOff x="0" y="0"/>
-          <a:chExt cx="0" cy="0"/>
-        </a:xfrm>
-      </p:grpSpPr>
-      <p:sp>
-        <p:nvSpPr>
-          <p:cNvPr id="2" name="Title 1"/>
-          <p:cNvSpPr>
-            <a:spLocks noGrp="1"/>
-          </p:cNvSpPr>
-          <p:nvPr>
-            <p:ph type="title"/>
-          </p:nvPr>
-        </p:nvSpPr>
-        <p:spPr/>
-        <p:txBody>
-          <a:bodyPr>
-            <a:normAutofit fontScale="90000"/>
-          </a:bodyPr>
-          <a:lstStyle/>
-          <a:p>
-            <a:r>
-              <a:rPr lang="hu-HU" dirty="0" smtClean="0"/>
-              <a:t>Szervezeti kérdések, követelmény-menedzsment eszközök</a:t>
-            </a:r>
-            <a:endParaRPr lang="en-US" dirty="0"/>
-          </a:p>
-        </p:txBody>
-      </p:sp>
-      <p:sp>
-        <p:nvSpPr>
-          <p:cNvPr id="3" name="Content Placeholder 2"/>
-          <p:cNvSpPr>
-            <a:spLocks noGrp="1"/>
-          </p:cNvSpPr>
-          <p:nvPr>
-            <p:ph idx="1"/>
-          </p:nvPr>
-        </p:nvSpPr>
-        <p:spPr/>
-        <p:txBody>
-          <a:bodyPr>
-            <a:normAutofit fontScale="85000" lnSpcReduction="20000"/>
-          </a:bodyPr>
-          <a:lstStyle/>
-          <a:p>
-            <a:r>
-              <a:rPr lang="hu-HU" dirty="0" smtClean="0"/>
-              <a:t>CERN szervezeti sajátosságok</a:t>
-            </a:r>
-          </a:p>
-          <a:p>
-            <a:pPr lvl="1"/>
-            <a:r>
-              <a:rPr lang="hu-HU" dirty="0" smtClean="0"/>
-              <a:t>Cél: üzembiztos működés (konzervatív technológiai fejlődés)</a:t>
-            </a:r>
-          </a:p>
-          <a:p>
-            <a:pPr lvl="1"/>
-            <a:r>
-              <a:rPr lang="hu-HU" dirty="0" smtClean="0"/>
-              <a:t>Nagy méretű, elosztott, dinamikusan változó szervezet</a:t>
-            </a:r>
-          </a:p>
-          <a:p>
-            <a:pPr lvl="2"/>
-            <a:r>
-              <a:rPr lang="hu-HU" dirty="0" smtClean="0"/>
-              <a:t>Munkatársak gyakran változnak</a:t>
-            </a:r>
-          </a:p>
-          <a:p>
-            <a:pPr lvl="2"/>
-            <a:r>
-              <a:rPr lang="hu-HU" dirty="0" smtClean="0"/>
-              <a:t>Csapatok a „függőségeik mentén” kommunikálnak</a:t>
-            </a:r>
-          </a:p>
-          <a:p>
-            <a:pPr lvl="2"/>
-            <a:r>
-              <a:rPr lang="hu-HU" dirty="0" smtClean="0"/>
-              <a:t>Kis méretű magasszintű irányító csoport a globális célok meghatározásához</a:t>
-            </a:r>
-          </a:p>
-          <a:p>
-            <a:r>
-              <a:rPr lang="hu-HU" dirty="0" smtClean="0"/>
-              <a:t>A fentiekből következik</a:t>
-            </a:r>
-          </a:p>
-          <a:p>
-            <a:pPr lvl="1"/>
-            <a:r>
-              <a:rPr lang="hu-HU" dirty="0" smtClean="0"/>
-              <a:t>Összetett követelménykezelő rendszerek használata túl nagy „overheaddel” járna</a:t>
-            </a:r>
-          </a:p>
-          <a:p>
-            <a:pPr lvl="1"/>
-            <a:r>
-              <a:rPr lang="hu-HU" dirty="0" smtClean="0"/>
-              <a:t>CERN szoftverekre a „Unix szemlélet” jellemző:</a:t>
-            </a:r>
-            <a:br>
-              <a:rPr lang="hu-HU" dirty="0" smtClean="0"/>
-            </a:br>
-            <a:r>
-              <a:rPr lang="hu-HU" i="1" dirty="0" smtClean="0"/>
-              <a:t>do one thing but do it well</a:t>
-            </a:r>
-            <a:endParaRPr lang="en-US" i="1" dirty="0"/>
-          </a:p>
-        </p:txBody>
-      </p:sp>
-      <p:sp>
-        <p:nvSpPr>
-          <p:cNvPr id="4" name="Slide Number Placeholder 3"/>
-          <p:cNvSpPr>
-            <a:spLocks noGrp="1"/>
-          </p:cNvSpPr>
-          <p:nvPr>
-            <p:ph type="sldNum" sz="quarter" idx="12"/>
-          </p:nvPr>
-        </p:nvSpPr>
-        <p:spPr/>
-        <p:txBody>
-          <a:bodyPr/>
-          <a:lstStyle/>
-          <a:p>
-            <a:fld id="{E5B09FA9-A177-4256-9C7F-5CF31ABA7234}" type="slidenum">
-              <a:rPr lang="en-US" smtClean="0"/>
-              <a:t>21</a:t>
             </a:fld>
             <a:endParaRPr lang="en-US"/>
           </a:p>
@@ -10054,147 +9652,6 @@
         </p:nvSpPr>
         <p:spPr/>
         <p:txBody>
-          <a:bodyPr/>
-          <a:lstStyle/>
-          <a:p>
-            <a:r>
-              <a:rPr lang="hu-HU" dirty="0" smtClean="0"/>
-              <a:t>TODO Ábra</a:t>
-            </a:r>
-            <a:endParaRPr lang="en-US" dirty="0"/>
-          </a:p>
-        </p:txBody>
-      </p:sp>
-      <p:sp>
-        <p:nvSpPr>
-          <p:cNvPr id="4" name="Content Placeholder 3"/>
-          <p:cNvSpPr>
-            <a:spLocks noGrp="1"/>
-          </p:cNvSpPr>
-          <p:nvPr>
-            <p:ph idx="1"/>
-          </p:nvPr>
-        </p:nvSpPr>
-        <p:spPr/>
-        <p:txBody>
-          <a:bodyPr/>
-          <a:lstStyle/>
-          <a:p>
-            <a:r>
-              <a:rPr lang="hu-HU" dirty="0" smtClean="0"/>
-              <a:t>Kód/bináris </a:t>
-            </a:r>
-            <a:r>
-              <a:rPr lang="hu-HU" dirty="0" smtClean="0">
-                <a:sym typeface="Wingdings" pitchFamily="2" charset="2"/>
-              </a:rPr>
-              <a:t> </a:t>
-            </a:r>
-            <a:r>
-              <a:rPr lang="hu-HU" dirty="0" smtClean="0"/>
-              <a:t>modell absztrakció</a:t>
-            </a:r>
-          </a:p>
-          <a:p>
-            <a:r>
-              <a:rPr lang="hu-HU" dirty="0"/>
-              <a:t>Sokféle </a:t>
-            </a:r>
-            <a:r>
-              <a:rPr lang="hu-HU" dirty="0" smtClean="0"/>
-              <a:t>statikus függőség</a:t>
-            </a:r>
-          </a:p>
-          <a:p>
-            <a:r>
-              <a:rPr lang="hu-HU" dirty="0" smtClean="0"/>
-              <a:t>Szoftverkomponensek ÖSSZEFÜGGENEK</a:t>
-            </a:r>
-            <a:endParaRPr lang="hu-HU" dirty="0"/>
-          </a:p>
-          <a:p>
-            <a:endParaRPr lang="hu-HU" dirty="0" smtClean="0"/>
-          </a:p>
-          <a:p>
-            <a:pPr marL="0" indent="0">
-              <a:buNone/>
-            </a:pPr>
-            <a:endParaRPr lang="en-US" dirty="0"/>
-          </a:p>
-        </p:txBody>
-      </p:sp>
-      <p:sp>
-        <p:nvSpPr>
-          <p:cNvPr id="3" name="Slide Number Placeholder 2"/>
-          <p:cNvSpPr>
-            <a:spLocks noGrp="1"/>
-          </p:cNvSpPr>
-          <p:nvPr>
-            <p:ph type="sldNum" sz="quarter" idx="12"/>
-          </p:nvPr>
-        </p:nvSpPr>
-        <p:spPr/>
-        <p:txBody>
-          <a:bodyPr/>
-          <a:lstStyle/>
-          <a:p>
-            <a:fld id="{E5B09FA9-A177-4256-9C7F-5CF31ABA7234}" type="slidenum">
-              <a:rPr lang="en-US" smtClean="0"/>
-              <a:t>3</a:t>
-            </a:fld>
-            <a:endParaRPr lang="en-US"/>
-          </a:p>
-        </p:txBody>
-      </p:sp>
-    </p:spTree>
-    <p:extLst>
-      <p:ext uri="{BB962C8B-B14F-4D97-AF65-F5344CB8AC3E}">
-        <p14:creationId xmlns:p14="http://schemas.microsoft.com/office/powerpoint/2010/main" val="3405118101"/>
-      </p:ext>
-    </p:extLst>
-  </p:cSld>
-  <p:clrMapOvr>
-    <a:masterClrMapping/>
-  </p:clrMapOvr>
-  <p:timing>
-    <p:tnLst>
-      <p:par>
-        <p:cTn id="1" dur="indefinite" restart="never" nodeType="tmRoot"/>
-      </p:par>
-    </p:tnLst>
-  </p:timing>
-</p:sld>
-</file>
-
-<file path=ppt/slides/slide4.xml><?xml version="1.0" encoding="utf-8"?>
-<p:sld xmlns:a="http://schemas.openxmlformats.org/drawingml/2006/main" xmlns:r="http://schemas.openxmlformats.org/officeDocument/2006/relationships" xmlns:p="http://schemas.openxmlformats.org/presentationml/2006/main">
-  <p:cSld>
-    <p:spTree>
-      <p:nvGrpSpPr>
-        <p:cNvPr id="1" name=""/>
-        <p:cNvGrpSpPr/>
-        <p:nvPr/>
-      </p:nvGrpSpPr>
-      <p:grpSpPr>
-        <a:xfrm>
-          <a:off x="0" y="0"/>
-          <a:ext cx="0" cy="0"/>
-          <a:chOff x="0" y="0"/>
-          <a:chExt cx="0" cy="0"/>
-        </a:xfrm>
-      </p:grpSpPr>
-      <p:sp>
-        <p:nvSpPr>
-          <p:cNvPr id="2" name="Title 1"/>
-          <p:cNvSpPr>
-            <a:spLocks noGrp="1"/>
-          </p:cNvSpPr>
-          <p:nvPr>
-            <p:ph type="title"/>
-          </p:nvPr>
-        </p:nvSpPr>
-        <p:spPr/>
-        <p:txBody>
           <a:bodyPr>
             <a:normAutofit fontScale="90000"/>
           </a:bodyPr>
@@ -10225,7 +9682,7 @@
           <a:p>
             <a:fld id="{E5B09FA9-A177-4256-9C7F-5CF31ABA7234}" type="slidenum">
               <a:rPr lang="en-US" smtClean="0"/>
-              <a:t>4</a:t>
+              <a:t>3</a:t>
             </a:fld>
             <a:endParaRPr lang="en-US"/>
           </a:p>
@@ -10582,7 +10039,6 @@
               <a:rPr lang="hu-HU" sz="2000" i="1" dirty="0"/>
               <a:t>Mit változtathatunk meg és hogyan</a:t>
             </a:r>
-            <a:endParaRPr lang="hu-HU" sz="2000" i="1" dirty="0"/>
           </a:p>
         </p:txBody>
       </p:sp>
@@ -10814,7 +10270,7 @@
 </p:sld>
 </file>
 
-<file path=ppt/slides/slide5.xml><?xml version="1.0" encoding="utf-8"?>
+<file path=ppt/slides/slide4.xml><?xml version="1.0" encoding="utf-8"?>
 <p:sld xmlns:a="http://schemas.openxmlformats.org/drawingml/2006/main" xmlns:r="http://schemas.openxmlformats.org/officeDocument/2006/relationships" xmlns:p="http://schemas.openxmlformats.org/presentationml/2006/main">
   <p:cSld>
     <p:spTree>
@@ -10897,7 +10353,7 @@
           <a:p>
             <a:fld id="{E5B09FA9-A177-4256-9C7F-5CF31ABA7234}" type="slidenum">
               <a:rPr lang="en-US" smtClean="0"/>
-              <a:t>5</a:t>
+              <a:t>4</a:t>
             </a:fld>
             <a:endParaRPr lang="en-US"/>
           </a:p>
@@ -10923,7 +10379,7 @@
 </p:sld>
 </file>
 
-<file path=ppt/slides/slide6.xml><?xml version="1.0" encoding="utf-8"?>
+<file path=ppt/slides/slide5.xml><?xml version="1.0" encoding="utf-8"?>
 <p:sld xmlns:a="http://schemas.openxmlformats.org/drawingml/2006/main" xmlns:r="http://schemas.openxmlformats.org/officeDocument/2006/relationships" xmlns:p="http://schemas.openxmlformats.org/presentationml/2006/main">
   <p:cSld>
     <p:spTree>
@@ -11664,15 +11120,7 @@
             </a:pPr>
             <a:r>
               <a:rPr lang="hu-HU" b="1" dirty="0" smtClean="0"/>
-              <a:t>Infrastruktúra </a:t>
-            </a:r>
-            <a:r>
-              <a:rPr lang="hu-HU" b="1" dirty="0" smtClean="0"/>
-              <a:t>méretétől </a:t>
-            </a:r>
-            <a:r>
-              <a:rPr lang="hu-HU" b="1" dirty="0" smtClean="0"/>
-              <a:t>függetlenül</a:t>
+              <a:t>Infrastruktúra méretétől függetlenül</a:t>
             </a:r>
           </a:p>
           <a:p>
@@ -11927,7 +11375,7 @@
           <a:p>
             <a:fld id="{E5B09FA9-A177-4256-9C7F-5CF31ABA7234}" type="slidenum">
               <a:rPr lang="en-US" smtClean="0"/>
-              <a:t>6</a:t>
+              <a:t>5</a:t>
             </a:fld>
             <a:endParaRPr lang="en-US"/>
           </a:p>
@@ -12543,7 +11991,7 @@
 </p:sld>
 </file>
 
-<file path=ppt/slides/slide7.xml><?xml version="1.0" encoding="utf-8"?>
+<file path=ppt/slides/slide6.xml><?xml version="1.0" encoding="utf-8"?>
 <p:sld xmlns:a="http://schemas.openxmlformats.org/drawingml/2006/main" xmlns:r="http://schemas.openxmlformats.org/officeDocument/2006/relationships" xmlns:p="http://schemas.openxmlformats.org/presentationml/2006/main">
   <p:cSld>
     <p:spTree>
@@ -12604,7 +12052,6 @@
               <a:rPr lang="hu-HU" dirty="0" smtClean="0"/>
               <a:t>Lokális forráskód-projektek felhasználása</a:t>
             </a:r>
-            <a:endParaRPr lang="hu-HU" dirty="0" smtClean="0"/>
           </a:p>
           <a:p>
             <a:pPr lvl="1"/>
@@ -12646,17 +12093,12 @@
               <a:rPr lang="hu-HU" dirty="0" smtClean="0"/>
               <a:t>Javasolt módszer</a:t>
             </a:r>
-            <a:endParaRPr lang="hu-HU" dirty="0" smtClean="0"/>
           </a:p>
           <a:p>
             <a:pPr lvl="1"/>
             <a:r>
               <a:rPr lang="hu-HU" dirty="0" smtClean="0"/>
-              <a:t>Forráskód </a:t>
-            </a:r>
-            <a:r>
-              <a:rPr lang="hu-HU" dirty="0" smtClean="0"/>
-              <a:t>és függőségi </a:t>
+              <a:t>Forráskód és függőségi </a:t>
             </a:r>
             <a:r>
               <a:rPr lang="hu-HU" dirty="0"/>
@@ -12695,11 +12137,7 @@
             <a:pPr lvl="1"/>
             <a:r>
               <a:rPr lang="hu-HU" b="1" dirty="0" smtClean="0"/>
-              <a:t>Inkrementális </a:t>
-            </a:r>
-            <a:r>
-              <a:rPr lang="hu-HU" b="1" dirty="0" smtClean="0"/>
-              <a:t>lekérdezések</a:t>
+              <a:t>Inkrementális lekérdezések</a:t>
             </a:r>
             <a:r>
               <a:rPr lang="hu-HU" dirty="0" smtClean="0"/>
@@ -12711,11 +12149,7 @@
             </a:r>
             <a:r>
               <a:rPr lang="hu-HU" dirty="0" smtClean="0"/>
-              <a:t> elem </a:t>
-            </a:r>
-            <a:r>
-              <a:rPr lang="hu-HU" dirty="0" smtClean="0"/>
-              <a:t>függőségeire</a:t>
+              <a:t> elem függőségeire</a:t>
             </a:r>
             <a:r>
               <a:rPr lang="hu-HU" dirty="0"/>
@@ -12755,7 +12189,7 @@
           <a:p>
             <a:fld id="{E5B09FA9-A177-4256-9C7F-5CF31ABA7234}" type="slidenum">
               <a:rPr lang="en-US" smtClean="0"/>
-              <a:t>7</a:t>
+              <a:t>6</a:t>
             </a:fld>
             <a:endParaRPr lang="en-US"/>
           </a:p>
@@ -12781,7 +12215,7 @@
 </p:sld>
 </file>
 
-<file path=ppt/slides/slide8.xml><?xml version="1.0" encoding="utf-8"?>
+<file path=ppt/slides/slide7.xml><?xml version="1.0" encoding="utf-8"?>
 <p:sld xmlns:a="http://schemas.openxmlformats.org/drawingml/2006/main" xmlns:r="http://schemas.openxmlformats.org/officeDocument/2006/relationships" xmlns:p="http://schemas.openxmlformats.org/presentationml/2006/main">
   <p:cSld>
     <p:spTree>
@@ -14072,7 +13506,7 @@
           <a:p>
             <a:fld id="{E5B09FA9-A177-4256-9C7F-5CF31ABA7234}" type="slidenum">
               <a:rPr lang="en-US" smtClean="0"/>
-              <a:t>8</a:t>
+              <a:t>7</a:t>
             </a:fld>
             <a:endParaRPr lang="en-US"/>
           </a:p>
@@ -14730,7 +14164,7 @@
 </p:sld>
 </file>
 
-<file path=ppt/slides/slide9.xml><?xml version="1.0" encoding="utf-8"?>
+<file path=ppt/slides/slide8.xml><?xml version="1.0" encoding="utf-8"?>
 <p:sld xmlns:a="http://schemas.openxmlformats.org/drawingml/2006/main" xmlns:r="http://schemas.openxmlformats.org/officeDocument/2006/relationships" xmlns:p="http://schemas.openxmlformats.org/presentationml/2006/main">
   <p:cSld>
     <p:spTree>
@@ -16189,7 +15623,7 @@
           <a:p>
             <a:fld id="{E5B09FA9-A177-4256-9C7F-5CF31ABA7234}" type="slidenum">
               <a:rPr lang="en-US" smtClean="0"/>
-              <a:t>9</a:t>
+              <a:t>8</a:t>
             </a:fld>
             <a:endParaRPr lang="en-US"/>
           </a:p>
@@ -16384,6 +15818,853 @@
                                         </p:cTn>
                                         <p:tgtEl>
                                           <p:spTgt spid="56"/>
+                                        </p:tgtEl>
+                                        <p:attrNameLst>
+                                          <p:attrName>style.visibility</p:attrName>
+                                        </p:attrNameLst>
+                                      </p:cBhvr>
+                                      <p:to>
+                                        <p:strVal val="visible"/>
+                                      </p:to>
+                                    </p:set>
+                                  </p:childTnLst>
+                                </p:cTn>
+                              </p:par>
+                            </p:childTnLst>
+                          </p:cTn>
+                        </p:par>
+                      </p:childTnLst>
+                    </p:cTn>
+                  </p:par>
+                </p:childTnLst>
+              </p:cTn>
+              <p:prevCondLst>
+                <p:cond evt="onPrev" delay="0">
+                  <p:tgtEl>
+                    <p:sldTgt/>
+                  </p:tgtEl>
+                </p:cond>
+              </p:prevCondLst>
+              <p:nextCondLst>
+                <p:cond evt="onNext" delay="0">
+                  <p:tgtEl>
+                    <p:sldTgt/>
+                  </p:tgtEl>
+                </p:cond>
+              </p:nextCondLst>
+            </p:seq>
+          </p:childTnLst>
+        </p:cTn>
+      </p:par>
+    </p:tnLst>
+  </p:timing>
+</p:sld>
+</file>
+
+<file path=ppt/slides/slide9.xml><?xml version="1.0" encoding="utf-8"?>
+<p:sld xmlns:a="http://schemas.openxmlformats.org/drawingml/2006/main" xmlns:r="http://schemas.openxmlformats.org/officeDocument/2006/relationships" xmlns:p="http://schemas.openxmlformats.org/presentationml/2006/main">
+  <p:cSld>
+    <p:spTree>
+      <p:nvGrpSpPr>
+        <p:cNvPr id="1" name=""/>
+        <p:cNvGrpSpPr/>
+        <p:nvPr/>
+      </p:nvGrpSpPr>
+      <p:grpSpPr>
+        <a:xfrm>
+          <a:off x="0" y="0"/>
+          <a:ext cx="0" cy="0"/>
+          <a:chOff x="0" y="0"/>
+          <a:chExt cx="0" cy="0"/>
+        </a:xfrm>
+      </p:grpSpPr>
+      <p:sp>
+        <p:nvSpPr>
+          <p:cNvPr id="3" name="Title 1"/>
+          <p:cNvSpPr txBox="1">
+            <a:spLocks/>
+          </p:cNvSpPr>
+          <p:nvPr/>
+        </p:nvSpPr>
+        <p:spPr>
+          <a:xfrm>
+            <a:off x="457200" y="274638"/>
+            <a:ext cx="8229600" cy="1143000"/>
+          </a:xfrm>
+          <a:prstGeom prst="rect">
+            <a:avLst/>
+          </a:prstGeom>
+        </p:spPr>
+        <p:txBody>
+          <a:bodyPr vert="horz" lIns="91440" tIns="45720" rIns="91440" bIns="45720" rtlCol="0" anchor="ctr">
+            <a:normAutofit fontScale="92500"/>
+          </a:bodyPr>
+          <a:lstStyle>
+            <a:lvl1pPr algn="ctr" defTabSz="914400" rtl="0" eaLnBrk="1" latinLnBrk="0" hangingPunct="1">
+              <a:spcBef>
+                <a:spcPct val="0"/>
+              </a:spcBef>
+              <a:buNone/>
+              <a:defRPr sz="4400" kern="1200">
+                <a:solidFill>
+                  <a:schemeClr val="tx1"/>
+                </a:solidFill>
+                <a:latin typeface="+mj-lt"/>
+                <a:ea typeface="+mj-ea"/>
+                <a:cs typeface="+mj-cs"/>
+              </a:defRPr>
+            </a:lvl1pPr>
+          </a:lstStyle>
+          <a:p>
+            <a:r>
+              <a:rPr lang="hu-HU" dirty="0" smtClean="0"/>
+              <a:t>Integráció a fejlesztői keretrendszerbe</a:t>
+            </a:r>
+            <a:endParaRPr lang="en-US" dirty="0"/>
+          </a:p>
+        </p:txBody>
+      </p:sp>
+      <p:sp>
+        <p:nvSpPr>
+          <p:cNvPr id="4" name="Content Placeholder 7"/>
+          <p:cNvSpPr txBox="1">
+            <a:spLocks/>
+          </p:cNvSpPr>
+          <p:nvPr/>
+        </p:nvSpPr>
+        <p:spPr>
+          <a:xfrm>
+            <a:off x="457200" y="1600201"/>
+            <a:ext cx="4038600" cy="609600"/>
+          </a:xfrm>
+          <a:prstGeom prst="rect">
+            <a:avLst/>
+          </a:prstGeom>
+        </p:spPr>
+        <p:txBody>
+          <a:bodyPr>
+            <a:normAutofit/>
+          </a:bodyPr>
+          <a:lstStyle>
+            <a:lvl1pPr marL="342900" indent="-342900" algn="l" defTabSz="914400" rtl="0" eaLnBrk="1" latinLnBrk="0" hangingPunct="1">
+              <a:spcBef>
+                <a:spcPct val="20000"/>
+              </a:spcBef>
+              <a:buFont typeface="Arial" pitchFamily="34" charset="0"/>
+              <a:buChar char="•"/>
+              <a:defRPr sz="3200" kern="1200">
+                <a:solidFill>
+                  <a:schemeClr val="tx1"/>
+                </a:solidFill>
+                <a:latin typeface="+mn-lt"/>
+                <a:ea typeface="+mn-ea"/>
+                <a:cs typeface="+mn-cs"/>
+              </a:defRPr>
+            </a:lvl1pPr>
+            <a:lvl2pPr marL="742950" indent="-285750" algn="l" defTabSz="914400" rtl="0" eaLnBrk="1" latinLnBrk="0" hangingPunct="1">
+              <a:spcBef>
+                <a:spcPct val="20000"/>
+              </a:spcBef>
+              <a:buFont typeface="Arial" pitchFamily="34" charset="0"/>
+              <a:buChar char="–"/>
+              <a:defRPr sz="2800" kern="1200">
+                <a:solidFill>
+                  <a:schemeClr val="tx1"/>
+                </a:solidFill>
+                <a:latin typeface="+mn-lt"/>
+                <a:ea typeface="+mn-ea"/>
+                <a:cs typeface="+mn-cs"/>
+              </a:defRPr>
+            </a:lvl2pPr>
+            <a:lvl3pPr marL="1143000" indent="-228600" algn="l" defTabSz="914400" rtl="0" eaLnBrk="1" latinLnBrk="0" hangingPunct="1">
+              <a:spcBef>
+                <a:spcPct val="20000"/>
+              </a:spcBef>
+              <a:buFont typeface="Arial" pitchFamily="34" charset="0"/>
+              <a:buChar char="•"/>
+              <a:defRPr sz="2400" kern="1200">
+                <a:solidFill>
+                  <a:schemeClr val="tx1"/>
+                </a:solidFill>
+                <a:latin typeface="+mn-lt"/>
+                <a:ea typeface="+mn-ea"/>
+                <a:cs typeface="+mn-cs"/>
+              </a:defRPr>
+            </a:lvl3pPr>
+            <a:lvl4pPr marL="1600200" indent="-228600" algn="l" defTabSz="914400" rtl="0" eaLnBrk="1" latinLnBrk="0" hangingPunct="1">
+              <a:spcBef>
+                <a:spcPct val="20000"/>
+              </a:spcBef>
+              <a:buFont typeface="Arial" pitchFamily="34" charset="0"/>
+              <a:buChar char="–"/>
+              <a:defRPr sz="2000" kern="1200">
+                <a:solidFill>
+                  <a:schemeClr val="tx1"/>
+                </a:solidFill>
+                <a:latin typeface="+mn-lt"/>
+                <a:ea typeface="+mn-ea"/>
+                <a:cs typeface="+mn-cs"/>
+              </a:defRPr>
+            </a:lvl4pPr>
+            <a:lvl5pPr marL="2057400" indent="-228600" algn="l" defTabSz="914400" rtl="0" eaLnBrk="1" latinLnBrk="0" hangingPunct="1">
+              <a:spcBef>
+                <a:spcPct val="20000"/>
+              </a:spcBef>
+              <a:buFont typeface="Arial" pitchFamily="34" charset="0"/>
+              <a:buChar char="»"/>
+              <a:defRPr sz="2000" kern="1200">
+                <a:solidFill>
+                  <a:schemeClr val="tx1"/>
+                </a:solidFill>
+                <a:latin typeface="+mn-lt"/>
+                <a:ea typeface="+mn-ea"/>
+                <a:cs typeface="+mn-cs"/>
+              </a:defRPr>
+            </a:lvl5pPr>
+            <a:lvl6pPr marL="2514600" indent="-228600" algn="l" defTabSz="914400" rtl="0" eaLnBrk="1" latinLnBrk="0" hangingPunct="1">
+              <a:spcBef>
+                <a:spcPct val="20000"/>
+              </a:spcBef>
+              <a:buFont typeface="Arial" pitchFamily="34" charset="0"/>
+              <a:buChar char="•"/>
+              <a:defRPr sz="2000" kern="1200">
+                <a:solidFill>
+                  <a:schemeClr val="tx1"/>
+                </a:solidFill>
+                <a:latin typeface="+mn-lt"/>
+                <a:ea typeface="+mn-ea"/>
+                <a:cs typeface="+mn-cs"/>
+              </a:defRPr>
+            </a:lvl6pPr>
+            <a:lvl7pPr marL="2971800" indent="-228600" algn="l" defTabSz="914400" rtl="0" eaLnBrk="1" latinLnBrk="0" hangingPunct="1">
+              <a:spcBef>
+                <a:spcPct val="20000"/>
+              </a:spcBef>
+              <a:buFont typeface="Arial" pitchFamily="34" charset="0"/>
+              <a:buChar char="•"/>
+              <a:defRPr sz="2000" kern="1200">
+                <a:solidFill>
+                  <a:schemeClr val="tx1"/>
+                </a:solidFill>
+                <a:latin typeface="+mn-lt"/>
+                <a:ea typeface="+mn-ea"/>
+                <a:cs typeface="+mn-cs"/>
+              </a:defRPr>
+            </a:lvl7pPr>
+            <a:lvl8pPr marL="3429000" indent="-228600" algn="l" defTabSz="914400" rtl="0" eaLnBrk="1" latinLnBrk="0" hangingPunct="1">
+              <a:spcBef>
+                <a:spcPct val="20000"/>
+              </a:spcBef>
+              <a:buFont typeface="Arial" pitchFamily="34" charset="0"/>
+              <a:buChar char="•"/>
+              <a:defRPr sz="2000" kern="1200">
+                <a:solidFill>
+                  <a:schemeClr val="tx1"/>
+                </a:solidFill>
+                <a:latin typeface="+mn-lt"/>
+                <a:ea typeface="+mn-ea"/>
+                <a:cs typeface="+mn-cs"/>
+              </a:defRPr>
+            </a:lvl8pPr>
+            <a:lvl9pPr marL="3886200" indent="-228600" algn="l" defTabSz="914400" rtl="0" eaLnBrk="1" latinLnBrk="0" hangingPunct="1">
+              <a:spcBef>
+                <a:spcPct val="20000"/>
+              </a:spcBef>
+              <a:buFont typeface="Arial" pitchFamily="34" charset="0"/>
+              <a:buChar char="•"/>
+              <a:defRPr sz="2000" kern="1200">
+                <a:solidFill>
+                  <a:schemeClr val="tx1"/>
+                </a:solidFill>
+                <a:latin typeface="+mn-lt"/>
+                <a:ea typeface="+mn-ea"/>
+                <a:cs typeface="+mn-cs"/>
+              </a:defRPr>
+            </a:lvl9pPr>
+          </a:lstStyle>
+          <a:p>
+            <a:pPr marL="342900" lvl="1" indent="-342900">
+              <a:buFont typeface="Arial" pitchFamily="34" charset="0"/>
+              <a:buChar char="•"/>
+            </a:pPr>
+            <a:r>
+              <a:rPr lang="hu-HU" dirty="0" smtClean="0"/>
+              <a:t>Fejlesztési folyamat</a:t>
+            </a:r>
+          </a:p>
+          <a:p>
+            <a:pPr marL="742950" lvl="2" indent="-342900"/>
+            <a:endParaRPr lang="hu-HU" dirty="0"/>
+          </a:p>
+        </p:txBody>
+      </p:sp>
+      <p:pic>
+        <p:nvPicPr>
+          <p:cNvPr id="5" name="Picture 2" descr="C:\opt\github\incquery-deps\incquery-deps-documentation\figures\incdeps.png"/>
+          <p:cNvPicPr>
+            <a:picLocks noChangeAspect="1" noChangeArrowheads="1"/>
+          </p:cNvPicPr>
+          <p:nvPr/>
+        </p:nvPicPr>
+        <p:blipFill rotWithShape="1">
+          <a:blip r:embed="rId3">
+            <a:extLst>
+              <a:ext uri="{28A0092B-C50C-407E-A947-70E740481C1C}">
+                <a14:useLocalDpi xmlns:a14="http://schemas.microsoft.com/office/drawing/2010/main" val="0"/>
+              </a:ext>
+            </a:extLst>
+          </a:blip>
+          <a:srcRect r="6980"/>
+          <a:stretch/>
+        </p:blipFill>
+        <p:spPr bwMode="auto">
+          <a:xfrm>
+            <a:off x="4648200" y="1552800"/>
+            <a:ext cx="4031343" cy="1838325"/>
+          </a:xfrm>
+          <a:prstGeom prst="rect">
+            <a:avLst/>
+          </a:prstGeom>
+          <a:noFill/>
+          <a:extLst>
+            <a:ext uri="{909E8E84-426E-40DD-AFC4-6F175D3DCCD1}">
+              <a14:hiddenFill xmlns:a14="http://schemas.microsoft.com/office/drawing/2010/main">
+                <a:solidFill>
+                  <a:srgbClr val="FFFFFF"/>
+                </a:solidFill>
+              </a14:hiddenFill>
+            </a:ext>
+          </a:extLst>
+        </p:spPr>
+      </p:pic>
+      <p:pic>
+        <p:nvPicPr>
+          <p:cNvPr id="6" name="Picture 3" descr="C:\opt\github\incquery-deps\incquery-deps-documentation\figures\results.png"/>
+          <p:cNvPicPr>
+            <a:picLocks noChangeAspect="1" noChangeArrowheads="1"/>
+          </p:cNvPicPr>
+          <p:nvPr/>
+        </p:nvPicPr>
+        <p:blipFill rotWithShape="1">
+          <a:blip r:embed="rId4">
+            <a:extLst>
+              <a:ext uri="{28A0092B-C50C-407E-A947-70E740481C1C}">
+                <a14:useLocalDpi xmlns:a14="http://schemas.microsoft.com/office/drawing/2010/main" val="0"/>
+              </a:ext>
+            </a:extLst>
+          </a:blip>
+          <a:srcRect r="36562" b="5448"/>
+          <a:stretch/>
+        </p:blipFill>
+        <p:spPr bwMode="auto">
+          <a:xfrm>
+            <a:off x="4648200" y="3791857"/>
+            <a:ext cx="4031343" cy="1999343"/>
+          </a:xfrm>
+          <a:prstGeom prst="rect">
+            <a:avLst/>
+          </a:prstGeom>
+          <a:noFill/>
+          <a:extLst>
+            <a:ext uri="{909E8E84-426E-40DD-AFC4-6F175D3DCCD1}">
+              <a14:hiddenFill xmlns:a14="http://schemas.microsoft.com/office/drawing/2010/main">
+                <a:solidFill>
+                  <a:srgbClr val="FFFFFF"/>
+                </a:solidFill>
+              </a14:hiddenFill>
+            </a:ext>
+          </a:extLst>
+        </p:spPr>
+      </p:pic>
+      <p:sp>
+        <p:nvSpPr>
+          <p:cNvPr id="2" name="Slide Number Placeholder 1"/>
+          <p:cNvSpPr>
+            <a:spLocks noGrp="1"/>
+          </p:cNvSpPr>
+          <p:nvPr>
+            <p:ph type="sldNum" sz="quarter" idx="12"/>
+          </p:nvPr>
+        </p:nvSpPr>
+        <p:spPr/>
+        <p:txBody>
+          <a:bodyPr/>
+          <a:lstStyle/>
+          <a:p>
+            <a:fld id="{E5B09FA9-A177-4256-9C7F-5CF31ABA7234}" type="slidenum">
+              <a:rPr lang="en-US" smtClean="0"/>
+              <a:t>9</a:t>
+            </a:fld>
+            <a:endParaRPr lang="en-US"/>
+          </a:p>
+        </p:txBody>
+      </p:sp>
+      <p:pic>
+        <p:nvPicPr>
+          <p:cNvPr id="7" name="Picture 6"/>
+          <p:cNvPicPr>
+            <a:picLocks noChangeAspect="1"/>
+          </p:cNvPicPr>
+          <p:nvPr/>
+        </p:nvPicPr>
+        <p:blipFill>
+          <a:blip r:embed="rId5"/>
+          <a:stretch>
+            <a:fillRect/>
+          </a:stretch>
+        </p:blipFill>
+        <p:spPr>
+          <a:xfrm>
+            <a:off x="304800" y="2362200"/>
+            <a:ext cx="4254500" cy="3390900"/>
+          </a:xfrm>
+          <a:prstGeom prst="rect">
+            <a:avLst/>
+          </a:prstGeom>
+        </p:spPr>
+      </p:pic>
+      <p:grpSp>
+        <p:nvGrpSpPr>
+          <p:cNvPr id="10" name="Group 9"/>
+          <p:cNvGrpSpPr/>
+          <p:nvPr/>
+        </p:nvGrpSpPr>
+        <p:grpSpPr>
+          <a:xfrm>
+            <a:off x="228600" y="2362200"/>
+            <a:ext cx="3200400" cy="4267200"/>
+            <a:chOff x="228600" y="2362200"/>
+            <a:chExt cx="3200400" cy="4267200"/>
+          </a:xfrm>
+        </p:grpSpPr>
+        <p:sp>
+          <p:nvSpPr>
+            <p:cNvPr id="8" name="Rectangle 7"/>
+            <p:cNvSpPr/>
+            <p:nvPr/>
+          </p:nvSpPr>
+          <p:spPr>
+            <a:xfrm>
+              <a:off x="1905000" y="2362200"/>
+              <a:ext cx="1447800" cy="685800"/>
+            </a:xfrm>
+            <a:prstGeom prst="rect">
+              <a:avLst/>
+            </a:prstGeom>
+            <a:solidFill>
+              <a:schemeClr val="lt1">
+                <a:alpha val="0"/>
+              </a:schemeClr>
+            </a:solidFill>
+            <a:ln w="57150" cmpd="sng"/>
+          </p:spPr>
+          <p:style>
+            <a:lnRef idx="2">
+              <a:schemeClr val="accent2"/>
+            </a:lnRef>
+            <a:fillRef idx="1">
+              <a:schemeClr val="lt1"/>
+            </a:fillRef>
+            <a:effectRef idx="0">
+              <a:schemeClr val="accent2"/>
+            </a:effectRef>
+            <a:fontRef idx="minor">
+              <a:schemeClr val="dk1"/>
+            </a:fontRef>
+          </p:style>
+          <p:txBody>
+            <a:bodyPr rtlCol="0" anchor="ctr"/>
+            <a:lstStyle/>
+            <a:p>
+              <a:pPr algn="ctr"/>
+              <a:endParaRPr lang="en-US" sz="2000"/>
+            </a:p>
+          </p:txBody>
+        </p:sp>
+        <p:sp>
+          <p:nvSpPr>
+            <p:cNvPr id="9" name="Rounded Rectangular Callout 8"/>
+            <p:cNvSpPr/>
+            <p:nvPr/>
+          </p:nvSpPr>
+          <p:spPr>
+            <a:xfrm>
+              <a:off x="228600" y="4495800"/>
+              <a:ext cx="3200400" cy="2133600"/>
+            </a:xfrm>
+            <a:prstGeom prst="wedgeRoundRectCallout">
+              <a:avLst>
+                <a:gd name="adj1" fmla="val 44938"/>
+                <a:gd name="adj2" fmla="val -122241"/>
+                <a:gd name="adj3" fmla="val 16667"/>
+              </a:avLst>
+            </a:prstGeom>
+          </p:spPr>
+          <p:style>
+            <a:lnRef idx="2">
+              <a:schemeClr val="accent2">
+                <a:shade val="50000"/>
+              </a:schemeClr>
+            </a:lnRef>
+            <a:fillRef idx="1">
+              <a:schemeClr val="accent2"/>
+            </a:fillRef>
+            <a:effectRef idx="0">
+              <a:schemeClr val="accent2"/>
+            </a:effectRef>
+            <a:fontRef idx="minor">
+              <a:schemeClr val="lt1"/>
+            </a:fontRef>
+          </p:style>
+          <p:txBody>
+            <a:bodyPr rtlCol="0" anchor="ctr"/>
+            <a:lstStyle/>
+            <a:p>
+              <a:r>
+                <a:rPr lang="en-US" sz="2000" dirty="0" err="1" smtClean="0"/>
+                <a:t>Lekérdezések</a:t>
+              </a:r>
+              <a:r>
+                <a:rPr lang="en-US" sz="2000" dirty="0" smtClean="0"/>
+                <a:t> </a:t>
+              </a:r>
+              <a:r>
+                <a:rPr lang="en-US" sz="2000" dirty="0" err="1" smtClean="0"/>
+                <a:t>futtatása</a:t>
+              </a:r>
+              <a:endParaRPr lang="en-US" sz="2000" dirty="0" smtClean="0"/>
+            </a:p>
+            <a:p>
+              <a:pPr marL="285750" indent="-285750">
+                <a:buFont typeface="Arial"/>
+                <a:buChar char="•"/>
+              </a:pPr>
+              <a:r>
+                <a:rPr lang="en-US" sz="2000" dirty="0" err="1" smtClean="0"/>
+                <a:t>Kódmódosítás</a:t>
+              </a:r>
+              <a:r>
+                <a:rPr lang="en-US" sz="2000" dirty="0" smtClean="0"/>
+                <a:t> </a:t>
+              </a:r>
+              <a:r>
+                <a:rPr lang="en-US" sz="2000" dirty="0" err="1" smtClean="0"/>
+                <a:t>közben</a:t>
+              </a:r>
+              <a:r>
+                <a:rPr lang="en-US" sz="2000" dirty="0" smtClean="0"/>
+                <a:t> </a:t>
+              </a:r>
+              <a:r>
+                <a:rPr lang="en-US" sz="2000" dirty="0" err="1" smtClean="0"/>
+                <a:t>igény</a:t>
+              </a:r>
+              <a:r>
+                <a:rPr lang="en-US" sz="2000" dirty="0" smtClean="0"/>
+                <a:t> </a:t>
+              </a:r>
+              <a:r>
+                <a:rPr lang="en-US" sz="2000" dirty="0" err="1" smtClean="0"/>
+                <a:t>szerint</a:t>
+              </a:r>
+              <a:endParaRPr lang="en-US" sz="2000" dirty="0" smtClean="0"/>
+            </a:p>
+            <a:p>
+              <a:pPr marL="285750" indent="-285750">
+                <a:buFont typeface="Arial"/>
+                <a:buChar char="•"/>
+              </a:pPr>
+              <a:r>
+                <a:rPr lang="en-US" sz="2000" dirty="0" smtClean="0"/>
+                <a:t>Release </a:t>
+              </a:r>
+              <a:r>
+                <a:rPr lang="en-US" sz="2000" dirty="0" err="1" smtClean="0"/>
+                <a:t>előtt</a:t>
+              </a:r>
+              <a:r>
+                <a:rPr lang="en-US" sz="2000" dirty="0" smtClean="0"/>
+                <a:t> </a:t>
+              </a:r>
+              <a:r>
+                <a:rPr lang="en-US" sz="2000" dirty="0" err="1" smtClean="0"/>
+                <a:t>ellenőrzési</a:t>
+              </a:r>
+              <a:r>
+                <a:rPr lang="en-US" sz="2000" dirty="0" smtClean="0"/>
+                <a:t> </a:t>
+              </a:r>
+              <a:r>
+                <a:rPr lang="en-US" sz="2000" dirty="0" err="1" smtClean="0"/>
+                <a:t>céllal</a:t>
+              </a:r>
+              <a:endParaRPr lang="en-US" sz="2000" dirty="0"/>
+            </a:p>
+          </p:txBody>
+        </p:sp>
+      </p:grpSp>
+      <p:grpSp>
+        <p:nvGrpSpPr>
+          <p:cNvPr id="15" name="Group 14"/>
+          <p:cNvGrpSpPr/>
+          <p:nvPr/>
+        </p:nvGrpSpPr>
+        <p:grpSpPr>
+          <a:xfrm>
+            <a:off x="4343400" y="3505200"/>
+            <a:ext cx="4724400" cy="3200400"/>
+            <a:chOff x="4648200" y="3657600"/>
+            <a:chExt cx="4724400" cy="3200400"/>
+          </a:xfrm>
+        </p:grpSpPr>
+        <p:sp>
+          <p:nvSpPr>
+            <p:cNvPr id="14" name="Rectangle 13"/>
+            <p:cNvSpPr/>
+            <p:nvPr/>
+          </p:nvSpPr>
+          <p:spPr>
+            <a:xfrm>
+              <a:off x="4648200" y="3657600"/>
+              <a:ext cx="4724400" cy="3200400"/>
+            </a:xfrm>
+            <a:prstGeom prst="rect">
+              <a:avLst/>
+            </a:prstGeom>
+          </p:spPr>
+          <p:style>
+            <a:lnRef idx="2">
+              <a:schemeClr val="accent1">
+                <a:shade val="50000"/>
+              </a:schemeClr>
+            </a:lnRef>
+            <a:fillRef idx="1">
+              <a:schemeClr val="accent1"/>
+            </a:fillRef>
+            <a:effectRef idx="0">
+              <a:schemeClr val="accent1"/>
+            </a:effectRef>
+            <a:fontRef idx="minor">
+              <a:schemeClr val="lt1"/>
+            </a:fontRef>
+          </p:style>
+          <p:txBody>
+            <a:bodyPr rtlCol="0" anchor="ctr"/>
+            <a:lstStyle/>
+            <a:p>
+              <a:pPr algn="ctr"/>
+              <a:endParaRPr lang="en-US"/>
+            </a:p>
+          </p:txBody>
+        </p:sp>
+        <p:grpSp>
+          <p:nvGrpSpPr>
+            <p:cNvPr id="11" name="Group 10"/>
+            <p:cNvGrpSpPr/>
+            <p:nvPr/>
+          </p:nvGrpSpPr>
+          <p:grpSpPr>
+            <a:xfrm>
+              <a:off x="4953000" y="3933447"/>
+              <a:ext cx="4048581" cy="2617232"/>
+              <a:chOff x="4638219" y="3478768"/>
+              <a:chExt cx="4048581" cy="2617232"/>
+            </a:xfrm>
+          </p:grpSpPr>
+          <p:pic>
+            <p:nvPicPr>
+              <p:cNvPr id="12" name="Picture 2"/>
+              <p:cNvPicPr>
+                <a:picLocks noChangeAspect="1" noChangeArrowheads="1"/>
+              </p:cNvPicPr>
+              <p:nvPr/>
+            </p:nvPicPr>
+            <p:blipFill>
+              <a:blip r:embed="rId6">
+                <a:extLst>
+                  <a:ext uri="{28A0092B-C50C-407E-A947-70E740481C1C}">
+                    <a14:useLocalDpi xmlns:a14="http://schemas.microsoft.com/office/drawing/2010/main" val="0"/>
+                  </a:ext>
+                </a:extLst>
+              </a:blip>
+              <a:srcRect/>
+              <a:stretch>
+                <a:fillRect/>
+              </a:stretch>
+            </p:blipFill>
+            <p:spPr bwMode="auto">
+              <a:xfrm>
+                <a:off x="4638219" y="3848100"/>
+                <a:ext cx="4029075" cy="2247900"/>
+              </a:xfrm>
+              <a:prstGeom prst="rect">
+                <a:avLst/>
+              </a:prstGeom>
+              <a:noFill/>
+              <a:ln>
+                <a:noFill/>
+              </a:ln>
+              <a:effectLst/>
+              <a:extLst>
+                <a:ext uri="{909E8E84-426E-40DD-AFC4-6F175D3DCCD1}">
+                  <a14:hiddenFill xmlns:a14="http://schemas.microsoft.com/office/drawing/2010/main">
+                    <a:solidFill>
+                      <a:schemeClr val="accent1"/>
+                    </a:solidFill>
+                  </a14:hiddenFill>
+                </a:ext>
+                <a:ext uri="{91240B29-F687-4F45-9708-019B960494DF}">
+                  <a14:hiddenLine xmlns:a14="http://schemas.microsoft.com/office/drawing/2010/main" w="9525">
+                    <a:solidFill>
+                      <a:schemeClr val="tx1"/>
+                    </a:solidFill>
+                    <a:miter lim="800000"/>
+                    <a:headEnd/>
+                    <a:tailEnd/>
+                  </a14:hiddenLine>
+                </a:ext>
+                <a:ext uri="{AF507438-7753-43E0-B8FC-AC1667EBCBE1}">
+                  <a14:hiddenEffects xmlns:a14="http://schemas.microsoft.com/office/drawing/2010/main">
+                    <a:effectLst>
+                      <a:outerShdw dist="35921" dir="2700000" algn="ctr" rotWithShape="0">
+                        <a:schemeClr val="bg2"/>
+                      </a:outerShdw>
+                    </a:effectLst>
+                  </a14:hiddenEffects>
+                </a:ext>
+              </a:extLst>
+            </p:spPr>
+          </p:pic>
+          <p:sp>
+            <p:nvSpPr>
+              <p:cNvPr id="13" name="TextBox 12"/>
+              <p:cNvSpPr txBox="1"/>
+              <p:nvPr/>
+            </p:nvSpPr>
+            <p:spPr>
+              <a:xfrm>
+                <a:off x="4638219" y="3478768"/>
+                <a:ext cx="4048581" cy="369332"/>
+              </a:xfrm>
+              <a:prstGeom prst="rect">
+                <a:avLst/>
+              </a:prstGeom>
+              <a:noFill/>
+            </p:spPr>
+            <p:txBody>
+              <a:bodyPr wrap="square" rtlCol="0">
+                <a:spAutoFit/>
+              </a:bodyPr>
+              <a:lstStyle/>
+              <a:p>
+                <a:r>
+                  <a:rPr lang="hu-HU" b="1" dirty="0" smtClean="0">
+                    <a:solidFill>
+                      <a:schemeClr val="bg1"/>
+                    </a:solidFill>
+                  </a:rPr>
+                  <a:t>Kiterjesztési lehetőség:</a:t>
+                </a:r>
+                <a:endParaRPr lang="en-US" b="1" dirty="0">
+                  <a:solidFill>
+                    <a:schemeClr val="bg1"/>
+                  </a:solidFill>
+                </a:endParaRPr>
+              </a:p>
+            </p:txBody>
+          </p:sp>
+        </p:grpSp>
+      </p:grpSp>
+    </p:spTree>
+    <p:extLst>
+      <p:ext uri="{BB962C8B-B14F-4D97-AF65-F5344CB8AC3E}">
+        <p14:creationId xmlns:p14="http://schemas.microsoft.com/office/powerpoint/2010/main" val="3676012807"/>
+      </p:ext>
+    </p:extLst>
+  </p:cSld>
+  <p:clrMapOvr>
+    <a:masterClrMapping/>
+  </p:clrMapOvr>
+  <p:timing>
+    <p:tnLst>
+      <p:par>
+        <p:cTn id="1" dur="indefinite" restart="never" nodeType="tmRoot">
+          <p:childTnLst>
+            <p:seq concurrent="1" nextAc="seek">
+              <p:cTn id="2" dur="indefinite" nodeType="mainSeq">
+                <p:childTnLst>
+                  <p:par>
+                    <p:cTn id="3" fill="hold">
+                      <p:stCondLst>
+                        <p:cond delay="indefinite"/>
+                      </p:stCondLst>
+                      <p:childTnLst>
+                        <p:par>
+                          <p:cTn id="4" fill="hold">
+                            <p:stCondLst>
+                              <p:cond delay="0"/>
+                            </p:stCondLst>
+                            <p:childTnLst>
+                              <p:par>
+                                <p:cTn id="5" presetID="1" presetClass="entr" presetSubtype="0" fill="hold" nodeType="clickEffect">
+                                  <p:stCondLst>
+                                    <p:cond delay="0"/>
+                                  </p:stCondLst>
+                                  <p:childTnLst>
+                                    <p:set>
+                                      <p:cBhvr>
+                                        <p:cTn id="6" dur="1" fill="hold">
+                                          <p:stCondLst>
+                                            <p:cond delay="0"/>
+                                          </p:stCondLst>
+                                        </p:cTn>
+                                        <p:tgtEl>
+                                          <p:spTgt spid="10"/>
+                                        </p:tgtEl>
+                                        <p:attrNameLst>
+                                          <p:attrName>style.visibility</p:attrName>
+                                        </p:attrNameLst>
+                                      </p:cBhvr>
+                                      <p:to>
+                                        <p:strVal val="visible"/>
+                                      </p:to>
+                                    </p:set>
+                                  </p:childTnLst>
+                                </p:cTn>
+                              </p:par>
+                            </p:childTnLst>
+                          </p:cTn>
+                        </p:par>
+                      </p:childTnLst>
+                    </p:cTn>
+                  </p:par>
+                  <p:par>
+                    <p:cTn id="7" fill="hold">
+                      <p:stCondLst>
+                        <p:cond delay="indefinite"/>
+                      </p:stCondLst>
+                      <p:childTnLst>
+                        <p:par>
+                          <p:cTn id="8" fill="hold">
+                            <p:stCondLst>
+                              <p:cond delay="0"/>
+                            </p:stCondLst>
+                            <p:childTnLst>
+                              <p:par>
+                                <p:cTn id="9" presetID="1" presetClass="entr" presetSubtype="0" fill="hold" nodeType="clickEffect">
+                                  <p:stCondLst>
+                                    <p:cond delay="0"/>
+                                  </p:stCondLst>
+                                  <p:childTnLst>
+                                    <p:set>
+                                      <p:cBhvr>
+                                        <p:cTn id="10" dur="1" fill="hold">
+                                          <p:stCondLst>
+                                            <p:cond delay="0"/>
+                                          </p:stCondLst>
+                                        </p:cTn>
+                                        <p:tgtEl>
+                                          <p:spTgt spid="15"/>
                                         </p:tgtEl>
                                         <p:attrNameLst>
                                           <p:attrName>style.visibility</p:attrName>

--- a/incquery-deps-documentation/presentation/tdk_pres_hu_v3.pptx
+++ b/incquery-deps-documentation/presentation/tdk_pres_hu_v3.pptx
@@ -8380,8 +8380,8 @@
         </p:nvGrpSpPr>
         <p:grpSpPr>
           <a:xfrm>
-            <a:off x="4910950" y="5066543"/>
-            <a:ext cx="3055899" cy="842518"/>
+            <a:off x="4919092" y="5161697"/>
+            <a:ext cx="3055899" cy="1251803"/>
             <a:chOff x="5924034" y="5177619"/>
             <a:chExt cx="3055899" cy="842518"/>
           </a:xfrm>
@@ -8517,8 +8517,8 @@
             </a:xfrm>
             <a:prstGeom prst="wedgeRoundRectCallout">
               <a:avLst>
-                <a:gd name="adj1" fmla="val 19451"/>
-                <a:gd name="adj2" fmla="val -194233"/>
+                <a:gd name="adj1" fmla="val 36119"/>
+                <a:gd name="adj2" fmla="val -160246"/>
                 <a:gd name="adj3" fmla="val 16667"/>
               </a:avLst>
             </a:prstGeom>
@@ -8559,6 +8559,16 @@
                 <a:rPr lang="hu-HU" dirty="0" smtClean="0"/>
                 <a:t>Explicit és implicit függőségek</a:t>
               </a:r>
+            </a:p>
+            <a:p>
+              <a:pPr marL="285750" indent="-285750">
+                <a:buFont typeface="Arial" pitchFamily="34" charset="0"/>
+                <a:buChar char="•"/>
+              </a:pPr>
+              <a:r>
+                <a:rPr lang="hu-HU" dirty="0" smtClean="0"/>
+                <a:t>Forráskódból és binárisból is előállítható </a:t>
+              </a:r>
               <a:endParaRPr lang="hu-HU" dirty="0" smtClean="0"/>
             </a:p>
           </p:txBody>
@@ -8583,20 +8593,53 @@
           </a:prstGeom>
         </p:spPr>
         <p:style>
-          <a:lnRef idx="1">
-            <a:schemeClr val="accent1"/>
+          <a:lnRef idx="2">
+            <a:schemeClr val="accent5"/>
           </a:lnRef>
           <a:fillRef idx="0">
-            <a:schemeClr val="accent1"/>
+            <a:schemeClr val="accent5"/>
           </a:fillRef>
-          <a:effectRef idx="0">
-            <a:schemeClr val="accent1"/>
+          <a:effectRef idx="1">
+            <a:schemeClr val="accent5"/>
           </a:effectRef>
           <a:fontRef idx="minor">
             <a:schemeClr val="tx1"/>
           </a:fontRef>
         </p:style>
       </p:cxnSp>
+      <p:cxnSp>
+        <p:nvCxnSpPr>
+          <p:cNvPr id="56" name="Straight Connector 55"/>
+          <p:cNvCxnSpPr>
+            <a:stCxn id="23" idx="2"/>
+            <a:endCxn id="25" idx="0"/>
+          </p:cNvCxnSpPr>
+          <p:nvPr/>
+        </p:nvCxnSpPr>
+        <p:spPr>
+          <a:xfrm flipH="1">
+            <a:off x="5069622" y="3140239"/>
+            <a:ext cx="19645" cy="411837"/>
+          </a:xfrm>
+          <a:prstGeom prst="line">
+            <a:avLst/>
+          </a:prstGeom>
+        </p:spPr>
+        <p:style>
+          <a:lnRef idx="2">
+            <a:schemeClr val="accent5"/>
+          </a:lnRef>
+          <a:fillRef idx="0">
+            <a:schemeClr val="accent5"/>
+          </a:fillRef>
+          <a:effectRef idx="1">
+            <a:schemeClr val="accent5"/>
+          </a:effectRef>
+          <a:fontRef idx="minor">
+            <a:schemeClr val="tx1"/>
+          </a:fontRef>
+        </p:style>
+      </p:cxnSp>
       <p:sp>
         <p:nvSpPr>
           <p:cNvPr id="53" name="Rectangular Callout 52"/>
@@ -8605,7 +8648,7 @@
         </p:nvSpPr>
         <p:spPr>
           <a:xfrm>
-            <a:off x="1790700" y="2211006"/>
+            <a:off x="10439400" y="1653738"/>
             <a:ext cx="5562600" cy="3048000"/>
           </a:xfrm>
           <a:prstGeom prst="wedgeRectCallout">
@@ -8659,39 +8702,6 @@
       </p:sp>
       <p:cxnSp>
         <p:nvCxnSpPr>
-          <p:cNvPr id="56" name="Straight Connector 55"/>
-          <p:cNvCxnSpPr>
-            <a:stCxn id="23" idx="2"/>
-            <a:endCxn id="25" idx="0"/>
-          </p:cNvCxnSpPr>
-          <p:nvPr/>
-        </p:nvCxnSpPr>
-        <p:spPr>
-          <a:xfrm flipH="1">
-            <a:off x="5069622" y="3140239"/>
-            <a:ext cx="19645" cy="411837"/>
-          </a:xfrm>
-          <a:prstGeom prst="line">
-            <a:avLst/>
-          </a:prstGeom>
-        </p:spPr>
-        <p:style>
-          <a:lnRef idx="1">
-            <a:schemeClr val="accent1"/>
-          </a:lnRef>
-          <a:fillRef idx="0">
-            <a:schemeClr val="accent1"/>
-          </a:fillRef>
-          <a:effectRef idx="0">
-            <a:schemeClr val="accent1"/>
-          </a:effectRef>
-          <a:fontRef idx="minor">
-            <a:schemeClr val="tx1"/>
-          </a:fontRef>
-        </p:style>
-      </p:cxnSp>
-      <p:cxnSp>
-        <p:nvCxnSpPr>
           <p:cNvPr id="59" name="Straight Connector 58"/>
           <p:cNvCxnSpPr>
             <a:endCxn id="26" idx="0"/>
@@ -8708,14 +8718,14 @@
           </a:prstGeom>
         </p:spPr>
         <p:style>
-          <a:lnRef idx="1">
-            <a:schemeClr val="accent1"/>
+          <a:lnRef idx="2">
+            <a:schemeClr val="accent5"/>
           </a:lnRef>
           <a:fillRef idx="0">
-            <a:schemeClr val="accent1"/>
+            <a:schemeClr val="accent5"/>
           </a:fillRef>
-          <a:effectRef idx="0">
-            <a:schemeClr val="accent1"/>
+          <a:effectRef idx="1">
+            <a:schemeClr val="accent5"/>
           </a:effectRef>
           <a:fontRef idx="minor">
             <a:schemeClr val="tx1"/>
@@ -8741,14 +8751,14 @@
           </a:prstGeom>
         </p:spPr>
         <p:style>
-          <a:lnRef idx="1">
-            <a:schemeClr val="accent1"/>
+          <a:lnRef idx="2">
+            <a:schemeClr val="accent5"/>
           </a:lnRef>
           <a:fillRef idx="0">
-            <a:schemeClr val="accent1"/>
+            <a:schemeClr val="accent5"/>
           </a:fillRef>
-          <a:effectRef idx="0">
-            <a:schemeClr val="accent1"/>
+          <a:effectRef idx="1">
+            <a:schemeClr val="accent5"/>
           </a:effectRef>
           <a:fontRef idx="minor">
             <a:schemeClr val="tx1"/>
@@ -9831,10 +9841,10 @@
         </p:nvGrpSpPr>
         <p:grpSpPr>
           <a:xfrm>
-            <a:off x="1600200" y="4905004"/>
-            <a:ext cx="2286000" cy="1285107"/>
-            <a:chOff x="1600200" y="4905004"/>
-            <a:chExt cx="2286000" cy="1285107"/>
+            <a:off x="1567543" y="4905004"/>
+            <a:ext cx="2318657" cy="1242515"/>
+            <a:chOff x="1567543" y="4905004"/>
+            <a:chExt cx="2318657" cy="1242515"/>
           </a:xfrm>
         </p:grpSpPr>
         <p:sp>
@@ -9900,7 +9910,7 @@
           </p:nvSpPr>
           <p:spPr>
             <a:xfrm>
-              <a:off x="1600200" y="4947596"/>
+              <a:off x="1567543" y="4905004"/>
               <a:ext cx="2286000" cy="1242515"/>
             </a:xfrm>
             <a:prstGeom prst="wedgeRectCallout">
@@ -9956,7 +9966,7 @@
         </p:nvSpPr>
         <p:spPr>
           <a:xfrm>
-            <a:off x="1905000" y="2286000"/>
+            <a:off x="1790700" y="1905000"/>
             <a:ext cx="5562600" cy="3048000"/>
           </a:xfrm>
           <a:prstGeom prst="wedgeRectCallout">
@@ -11389,10 +11399,10 @@
         </p:nvGrpSpPr>
         <p:grpSpPr>
           <a:xfrm>
-            <a:off x="38100" y="1235188"/>
-            <a:ext cx="8991600" cy="5623484"/>
-            <a:chOff x="38100" y="1492405"/>
-            <a:chExt cx="8991600" cy="5405700"/>
+            <a:off x="57926" y="1181762"/>
+            <a:ext cx="8972730" cy="5600038"/>
+            <a:chOff x="57926" y="1514943"/>
+            <a:chExt cx="8972730" cy="5383162"/>
           </a:xfrm>
         </p:grpSpPr>
         <p:sp>
@@ -11403,8 +11413,8 @@
           </p:nvSpPr>
           <p:spPr>
             <a:xfrm>
-              <a:off x="38100" y="4592781"/>
-              <a:ext cx="8991600" cy="2305324"/>
+              <a:off x="57926" y="4592781"/>
+              <a:ext cx="8971774" cy="2305324"/>
             </a:xfrm>
             <a:prstGeom prst="rect">
               <a:avLst/>
@@ -11485,7 +11495,7 @@
           </p:nvSpPr>
           <p:spPr>
             <a:xfrm>
-              <a:off x="38100" y="1492405"/>
+              <a:off x="57926" y="1514943"/>
               <a:ext cx="8972730" cy="3077838"/>
             </a:xfrm>
             <a:prstGeom prst="rect">

--- a/incquery-deps-documentation/presentation/tdk_pres_hu_v3.pptx
+++ b/incquery-deps-documentation/presentation/tdk_pres_hu_v3.pptx
@@ -8381,7 +8381,7 @@
         <p:grpSpPr>
           <a:xfrm>
             <a:off x="4919092" y="5161697"/>
-            <a:ext cx="3055899" cy="1251803"/>
+            <a:ext cx="3557642" cy="1251803"/>
             <a:chOff x="5924034" y="5177619"/>
             <a:chExt cx="3055899" cy="842518"/>
           </a:xfrm>
@@ -8566,8 +8566,12 @@
                 <a:buChar char="•"/>
               </a:pPr>
               <a:r>
+                <a:rPr lang="hu-HU" b="1" dirty="0" smtClean="0"/>
+                <a:t>Forráskódból és binárisból </a:t>
+              </a:r>
+              <a:r>
                 <a:rPr lang="hu-HU" dirty="0" smtClean="0"/>
-                <a:t>Forráskódból és binárisból is előállítható </a:t>
+                <a:t>is előállítható </a:t>
               </a:r>
               <a:endParaRPr lang="hu-HU" dirty="0" smtClean="0"/>
             </a:p>
@@ -8648,7 +8652,7 @@
         </p:nvSpPr>
         <p:spPr>
           <a:xfrm>
-            <a:off x="10439400" y="1653738"/>
+            <a:off x="9982200" y="2399089"/>
             <a:ext cx="5562600" cy="3048000"/>
           </a:xfrm>
           <a:prstGeom prst="wedgeRectCallout">
@@ -11130,18 +11134,13 @@
             </a:pPr>
             <a:r>
               <a:rPr lang="hu-HU" b="1" dirty="0" smtClean="0"/>
-              <a:t>Infrastruktúra méretétől függetlenül</a:t>
-            </a:r>
-          </a:p>
-          <a:p>
-            <a:pPr marL="742950" lvl="1" indent="-285750">
-              <a:buFont typeface="Arial" pitchFamily="34" charset="0"/>
-              <a:buChar char="•"/>
-            </a:pPr>
+              <a:t>Infrastruktúra méretétől </a:t>
+            </a:r>
             <a:r>
               <a:rPr lang="hu-HU" b="1" dirty="0" smtClean="0"/>
-              <a:t>Adatbázis lekérdezések alapján</a:t>
-            </a:r>
+              <a:t>függetlenül</a:t>
+            </a:r>
+            <a:endParaRPr lang="hu-HU" b="1" dirty="0" smtClean="0"/>
           </a:p>
         </p:txBody>
       </p:sp>
@@ -11414,7 +11413,7 @@
           <p:spPr>
             <a:xfrm>
               <a:off x="57926" y="4592781"/>
-              <a:ext cx="8971774" cy="2305324"/>
+              <a:ext cx="8972730" cy="2305324"/>
             </a:xfrm>
             <a:prstGeom prst="rect">
               <a:avLst/>

--- a/incquery-deps-documentation/presentation/tdk_pres_hu_v3.pptx
+++ b/incquery-deps-documentation/presentation/tdk_pres_hu_v3.pptx
@@ -1641,29 +1641,6 @@
         <p:txBody>
           <a:bodyPr/>
           <a:lstStyle/>
-          <a:p>
-            <a:pPr marL="0" marR="0" lvl="2" indent="0" algn="l" defTabSz="914400" rtl="0" eaLnBrk="1" fontAlgn="auto" latinLnBrk="0" hangingPunct="1">
-              <a:lnSpc>
-                <a:spcPct val="100000"/>
-              </a:lnSpc>
-              <a:spcBef>
-                <a:spcPts val="0"/>
-              </a:spcBef>
-              <a:spcAft>
-                <a:spcPts val="0"/>
-              </a:spcAft>
-              <a:buClrTx/>
-              <a:buSzTx/>
-              <a:buFontTx/>
-              <a:buNone/>
-              <a:tabLst/>
-              <a:defRPr/>
-            </a:pPr>
-            <a:r>
-              <a:rPr lang="hu-HU" dirty="0" smtClean="0"/>
-              <a:t>A függőségi analízis eredményét a kód átírását követően azonnal meg tudjuk mutatni a felhasználónak!</a:t>
-            </a:r>
-          </a:p>
           <a:p>
             <a:endParaRPr lang="hu-HU" dirty="0" smtClean="0"/>
           </a:p>
@@ -7970,7 +7947,7 @@
         </p:nvSpPr>
         <p:spPr>
           <a:xfrm>
-            <a:off x="4247555" y="3552076"/>
+            <a:off x="4267200" y="3545726"/>
             <a:ext cx="1644134" cy="533400"/>
           </a:xfrm>
           <a:prstGeom prst="rect">
@@ -7998,8 +7975,9 @@
             <a:pPr algn="ctr"/>
             <a:r>
               <a:rPr lang="hu-HU" dirty="0" smtClean="0"/>
-              <a:t>Service: </a:t>
-            </a:r>
+              <a:t>serve: </a:t>
+            </a:r>
+            <a:endParaRPr lang="hu-HU" dirty="0" smtClean="0"/>
           </a:p>
           <a:p>
             <a:pPr algn="ctr"/>
@@ -8168,13 +8146,13 @@
           <p:nvPr/>
         </p:nvCxnSpPr>
         <p:spPr>
-          <a:xfrm rot="5400000">
-            <a:off x="6362145" y="2792954"/>
-            <a:ext cx="12700" cy="2585045"/>
+          <a:xfrm rot="5400000" flipH="1">
+            <a:off x="6368792" y="2799601"/>
+            <a:ext cx="6350" cy="2565400"/>
           </a:xfrm>
           <a:prstGeom prst="bentConnector3">
             <a:avLst>
-              <a:gd name="adj1" fmla="val 5000000"/>
+              <a:gd name="adj1" fmla="val -8900000"/>
             </a:avLst>
           </a:prstGeom>
           <a:ln w="38100">
@@ -8380,8 +8358,8 @@
         </p:nvGrpSpPr>
         <p:grpSpPr>
           <a:xfrm>
-            <a:off x="4919092" y="5161697"/>
-            <a:ext cx="3557642" cy="1251803"/>
+            <a:off x="4051300" y="5140510"/>
+            <a:ext cx="4559300" cy="1467703"/>
             <a:chOff x="5924034" y="5177619"/>
             <a:chExt cx="3055899" cy="842518"/>
           </a:xfrm>
@@ -8399,8 +8377,8 @@
             </a:xfrm>
             <a:prstGeom prst="wedgeRoundRectCallout">
               <a:avLst>
-                <a:gd name="adj1" fmla="val -2515"/>
-                <a:gd name="adj2" fmla="val -307633"/>
+                <a:gd name="adj1" fmla="val -839"/>
+                <a:gd name="adj2" fmla="val -210551"/>
                 <a:gd name="adj3" fmla="val 16667"/>
               </a:avLst>
             </a:prstGeom>
@@ -8458,8 +8436,8 @@
             </a:xfrm>
             <a:prstGeom prst="wedgeRoundRectCallout">
               <a:avLst>
-                <a:gd name="adj1" fmla="val 3854"/>
-                <a:gd name="adj2" fmla="val -92803"/>
+                <a:gd name="adj1" fmla="val 84"/>
+                <a:gd name="adj2" fmla="val -85587"/>
                 <a:gd name="adj3" fmla="val 16667"/>
               </a:avLst>
             </a:prstGeom>
@@ -8517,8 +8495,8 @@
             </a:xfrm>
             <a:prstGeom prst="wedgeRoundRectCallout">
               <a:avLst>
-                <a:gd name="adj1" fmla="val 36119"/>
-                <a:gd name="adj2" fmla="val -160246"/>
+                <a:gd name="adj1" fmla="val 29835"/>
+                <a:gd name="adj2" fmla="val -139911"/>
                 <a:gd name="adj3" fmla="val 16667"/>
               </a:avLst>
             </a:prstGeom>
@@ -8573,6 +8551,16 @@
                 <a:rPr lang="hu-HU" dirty="0" smtClean="0"/>
                 <a:t>is előállítható </a:t>
               </a:r>
+            </a:p>
+            <a:p>
+              <a:pPr marL="285750" indent="-285750">
+                <a:buFont typeface="Arial" pitchFamily="34" charset="0"/>
+                <a:buChar char="•"/>
+              </a:pPr>
+              <a:r>
+                <a:rPr lang="hu-HU" dirty="0" smtClean="0"/>
+                <a:t>Komponensen közötti gazdag függőségek</a:t>
+              </a:r>
               <a:endParaRPr lang="hu-HU" dirty="0" smtClean="0"/>
             </a:p>
           </p:txBody>
@@ -8621,9 +8609,9 @@
           <p:nvPr/>
         </p:nvCxnSpPr>
         <p:spPr>
-          <a:xfrm flipH="1">
-            <a:off x="5069622" y="3140239"/>
-            <a:ext cx="19645" cy="411837"/>
+          <a:xfrm>
+            <a:off x="5089267" y="3140239"/>
+            <a:ext cx="0" cy="405487"/>
           </a:xfrm>
           <a:prstGeom prst="line">
             <a:avLst/>
@@ -8652,7 +8640,7 @@
         </p:nvSpPr>
         <p:spPr>
           <a:xfrm>
-            <a:off x="9982200" y="2399089"/>
+            <a:off x="9525000" y="1366775"/>
             <a:ext cx="5562600" cy="3048000"/>
           </a:xfrm>
           <a:prstGeom prst="wedgeRectCallout">
